--- a/PowerShell Identity Automation with MIM/PowerShell Identity Automation with MIM.pptx
+++ b/PowerShell Identity Automation with MIM/PowerShell Identity Automation with MIM.pptx
@@ -1,20 +1,20 @@
 
 <file path=ppt/presentation.xml><?xml version="1.0" encoding="utf-8"?>
-<p:presentation xmlns:a="http://schemas.openxmlformats.org/drawingml/2006/main" xmlns:r="http://schemas.openxmlformats.org/officeDocument/2006/relationships" xmlns:p="http://schemas.openxmlformats.org/presentationml/2006/main" saveSubsetFonts="1">
+<p:presentation xmlns:a="http://schemas.openxmlformats.org/drawingml/2006/main" xmlns:r="http://schemas.openxmlformats.org/officeDocument/2006/relationships" xmlns:p="http://schemas.openxmlformats.org/presentationml/2006/main" autoCompressPictures="0">
   <p:sldMasterIdLst>
-    <p:sldMasterId id="2147483648" r:id="rId1"/>
+    <p:sldMasterId id="2147483752" r:id="rId4"/>
   </p:sldMasterIdLst>
   <p:sldIdLst>
-    <p:sldId id="256" r:id="rId2"/>
-    <p:sldId id="257" r:id="rId3"/>
-    <p:sldId id="258" r:id="rId4"/>
-    <p:sldId id="259" r:id="rId5"/>
-    <p:sldId id="260" r:id="rId6"/>
-    <p:sldId id="261" r:id="rId7"/>
-    <p:sldId id="262" r:id="rId8"/>
-    <p:sldId id="263" r:id="rId9"/>
-    <p:sldId id="264" r:id="rId10"/>
-    <p:sldId id="265" r:id="rId11"/>
+    <p:sldId id="256" r:id="rId5"/>
+    <p:sldId id="257" r:id="rId6"/>
+    <p:sldId id="258" r:id="rId7"/>
+    <p:sldId id="259" r:id="rId8"/>
+    <p:sldId id="260" r:id="rId9"/>
+    <p:sldId id="261" r:id="rId10"/>
+    <p:sldId id="262" r:id="rId11"/>
+    <p:sldId id="263" r:id="rId12"/>
+    <p:sldId id="264" r:id="rId13"/>
+    <p:sldId id="265" r:id="rId14"/>
   </p:sldIdLst>
   <p:sldSz cx="12192000" cy="6858000"/>
   <p:notesSz cx="6858000" cy="9144000"/>
@@ -22,7 +22,7 @@
     <a:defPPr>
       <a:defRPr lang="en-US"/>
     </a:defPPr>
-    <a:lvl1pPr marL="0" algn="l" defTabSz="914400" rtl="0" eaLnBrk="1" latinLnBrk="0" hangingPunct="1">
+    <a:lvl1pPr marL="0" algn="l" defTabSz="457200" rtl="0" eaLnBrk="1" latinLnBrk="0" hangingPunct="1">
       <a:defRPr sz="1800" kern="1200">
         <a:solidFill>
           <a:schemeClr val="tx1"/>
@@ -32,7 +32,7 @@
         <a:cs typeface="+mn-cs"/>
       </a:defRPr>
     </a:lvl1pPr>
-    <a:lvl2pPr marL="457200" algn="l" defTabSz="914400" rtl="0" eaLnBrk="1" latinLnBrk="0" hangingPunct="1">
+    <a:lvl2pPr marL="457200" algn="l" defTabSz="457200" rtl="0" eaLnBrk="1" latinLnBrk="0" hangingPunct="1">
       <a:defRPr sz="1800" kern="1200">
         <a:solidFill>
           <a:schemeClr val="tx1"/>
@@ -42,7 +42,7 @@
         <a:cs typeface="+mn-cs"/>
       </a:defRPr>
     </a:lvl2pPr>
-    <a:lvl3pPr marL="914400" algn="l" defTabSz="914400" rtl="0" eaLnBrk="1" latinLnBrk="0" hangingPunct="1">
+    <a:lvl3pPr marL="914400" algn="l" defTabSz="457200" rtl="0" eaLnBrk="1" latinLnBrk="0" hangingPunct="1">
       <a:defRPr sz="1800" kern="1200">
         <a:solidFill>
           <a:schemeClr val="tx1"/>
@@ -52,7 +52,7 @@
         <a:cs typeface="+mn-cs"/>
       </a:defRPr>
     </a:lvl3pPr>
-    <a:lvl4pPr marL="1371600" algn="l" defTabSz="914400" rtl="0" eaLnBrk="1" latinLnBrk="0" hangingPunct="1">
+    <a:lvl4pPr marL="1371600" algn="l" defTabSz="457200" rtl="0" eaLnBrk="1" latinLnBrk="0" hangingPunct="1">
       <a:defRPr sz="1800" kern="1200">
         <a:solidFill>
           <a:schemeClr val="tx1"/>
@@ -62,7 +62,7 @@
         <a:cs typeface="+mn-cs"/>
       </a:defRPr>
     </a:lvl4pPr>
-    <a:lvl5pPr marL="1828800" algn="l" defTabSz="914400" rtl="0" eaLnBrk="1" latinLnBrk="0" hangingPunct="1">
+    <a:lvl5pPr marL="1828800" algn="l" defTabSz="457200" rtl="0" eaLnBrk="1" latinLnBrk="0" hangingPunct="1">
       <a:defRPr sz="1800" kern="1200">
         <a:solidFill>
           <a:schemeClr val="tx1"/>
@@ -72,7 +72,7 @@
         <a:cs typeface="+mn-cs"/>
       </a:defRPr>
     </a:lvl5pPr>
-    <a:lvl6pPr marL="2286000" algn="l" defTabSz="914400" rtl="0" eaLnBrk="1" latinLnBrk="0" hangingPunct="1">
+    <a:lvl6pPr marL="2286000" algn="l" defTabSz="457200" rtl="0" eaLnBrk="1" latinLnBrk="0" hangingPunct="1">
       <a:defRPr sz="1800" kern="1200">
         <a:solidFill>
           <a:schemeClr val="tx1"/>
@@ -82,7 +82,7 @@
         <a:cs typeface="+mn-cs"/>
       </a:defRPr>
     </a:lvl6pPr>
-    <a:lvl7pPr marL="2743200" algn="l" defTabSz="914400" rtl="0" eaLnBrk="1" latinLnBrk="0" hangingPunct="1">
+    <a:lvl7pPr marL="2743200" algn="l" defTabSz="457200" rtl="0" eaLnBrk="1" latinLnBrk="0" hangingPunct="1">
       <a:defRPr sz="1800" kern="1200">
         <a:solidFill>
           <a:schemeClr val="tx1"/>
@@ -92,7 +92,7 @@
         <a:cs typeface="+mn-cs"/>
       </a:defRPr>
     </a:lvl7pPr>
-    <a:lvl8pPr marL="3200400" algn="l" defTabSz="914400" rtl="0" eaLnBrk="1" latinLnBrk="0" hangingPunct="1">
+    <a:lvl8pPr marL="3200400" algn="l" defTabSz="457200" rtl="0" eaLnBrk="1" latinLnBrk="0" hangingPunct="1">
       <a:defRPr sz="1800" kern="1200">
         <a:solidFill>
           <a:schemeClr val="tx1"/>
@@ -102,7 +102,7 @@
         <a:cs typeface="+mn-cs"/>
       </a:defRPr>
     </a:lvl8pPr>
-    <a:lvl9pPr marL="3657600" algn="l" defTabSz="914400" rtl="0" eaLnBrk="1" latinLnBrk="0" hangingPunct="1">
+    <a:lvl9pPr marL="3657600" algn="l" defTabSz="457200" rtl="0" eaLnBrk="1" latinLnBrk="0" hangingPunct="1">
       <a:defRPr sz="1800" kern="1200">
         <a:solidFill>
           <a:schemeClr val="tx1"/>
@@ -113,6 +113,11 @@
       </a:defRPr>
     </a:lvl9pPr>
   </p:defaultTextStyle>
+  <p:extLst>
+    <p:ext uri="{EFAFB233-063F-42B5-8137-9DF3F51BA10A}">
+      <p15:sldGuideLst xmlns:p15="http://schemas.microsoft.com/office/powerpoint/2012/main"/>
+    </p:ext>
+  </p:extLst>
 </p:presentation>
 </file>
 
@@ -135,198 +140,350 @@
       </p:grpSpPr>
       <p:sp>
         <p:nvSpPr>
-          <p:cNvPr id="2" name="Title 1">
+          <p:cNvPr id="7" name="Rectangle 6"/>
+          <p:cNvSpPr/>
+          <p:nvPr/>
+        </p:nvSpPr>
+        <p:spPr>
+          <a:xfrm>
+            <a:off x="446534" y="3085765"/>
+            <a:ext cx="11262866" cy="3304800"/>
+          </a:xfrm>
+          <a:prstGeom prst="rect">
+            <a:avLst/>
+          </a:prstGeom>
+          <a:solidFill>
+            <a:schemeClr val="accent1"/>
+          </a:solidFill>
+          <a:ln>
+            <a:noFill/>
+          </a:ln>
+          <a:effectLst/>
+        </p:spPr>
+        <p:style>
+          <a:lnRef idx="1">
+            <a:schemeClr val="accent1"/>
+          </a:lnRef>
+          <a:fillRef idx="3">
+            <a:schemeClr val="accent1"/>
+          </a:fillRef>
+          <a:effectRef idx="2">
+            <a:schemeClr val="accent1"/>
+          </a:effectRef>
+          <a:fontRef idx="minor">
+            <a:schemeClr val="lt1"/>
+          </a:fontRef>
+        </p:style>
+      </p:sp>
+      <p:sp>
+        <p:nvSpPr>
+          <p:cNvPr id="2" name="Title 1"/>
+          <p:cNvSpPr>
+            <a:spLocks noGrp="1"/>
+          </p:cNvSpPr>
+          <p:nvPr>
+            <p:ph type="ctrTitle"/>
+          </p:nvPr>
+        </p:nvSpPr>
+        <p:spPr>
+          <a:xfrm>
+            <a:off x="581191" y="1020431"/>
+            <a:ext cx="10993549" cy="1475013"/>
+          </a:xfrm>
+          <a:effectLst/>
+        </p:spPr>
+        <p:txBody>
+          <a:bodyPr anchor="b">
+            <a:normAutofit/>
+          </a:bodyPr>
+          <a:lstStyle>
+            <a:lvl1pPr>
+              <a:defRPr sz="3600">
+                <a:solidFill>
+                  <a:schemeClr val="accent1"/>
+                </a:solidFill>
+              </a:defRPr>
+            </a:lvl1pPr>
+          </a:lstStyle>
+          <a:p>
+            <a:r>
+              <a:rPr lang="en-US"/>
+              <a:t>Click to edit Master title style</a:t>
+            </a:r>
+            <a:endParaRPr lang="en-US" dirty="0"/>
+          </a:p>
+        </p:txBody>
+      </p:sp>
+      <p:sp>
+        <p:nvSpPr>
+          <p:cNvPr id="3" name="Subtitle 2"/>
+          <p:cNvSpPr>
+            <a:spLocks noGrp="1"/>
+          </p:cNvSpPr>
+          <p:nvPr>
+            <p:ph type="subTitle" idx="1"/>
+          </p:nvPr>
+        </p:nvSpPr>
+        <p:spPr>
+          <a:xfrm>
+            <a:off x="581194" y="2495445"/>
+            <a:ext cx="10993546" cy="590321"/>
+          </a:xfrm>
+        </p:spPr>
+        <p:txBody>
+          <a:bodyPr anchor="t">
+            <a:normAutofit/>
+          </a:bodyPr>
+          <a:lstStyle>
+            <a:lvl1pPr marL="0" indent="0" algn="l">
+              <a:buNone/>
+              <a:defRPr sz="1600" cap="all">
+                <a:solidFill>
+                  <a:schemeClr val="accent2"/>
+                </a:solidFill>
+              </a:defRPr>
+            </a:lvl1pPr>
+            <a:lvl2pPr marL="457200" indent="0" algn="ctr">
+              <a:buNone/>
+              <a:defRPr>
+                <a:solidFill>
+                  <a:schemeClr val="tx1">
+                    <a:tint val="75000"/>
+                  </a:schemeClr>
+                </a:solidFill>
+              </a:defRPr>
+            </a:lvl2pPr>
+            <a:lvl3pPr marL="914400" indent="0" algn="ctr">
+              <a:buNone/>
+              <a:defRPr>
+                <a:solidFill>
+                  <a:schemeClr val="tx1">
+                    <a:tint val="75000"/>
+                  </a:schemeClr>
+                </a:solidFill>
+              </a:defRPr>
+            </a:lvl3pPr>
+            <a:lvl4pPr marL="1371600" indent="0" algn="ctr">
+              <a:buNone/>
+              <a:defRPr>
+                <a:solidFill>
+                  <a:schemeClr val="tx1">
+                    <a:tint val="75000"/>
+                  </a:schemeClr>
+                </a:solidFill>
+              </a:defRPr>
+            </a:lvl4pPr>
+            <a:lvl5pPr marL="1828800" indent="0" algn="ctr">
+              <a:buNone/>
+              <a:defRPr>
+                <a:solidFill>
+                  <a:schemeClr val="tx1">
+                    <a:tint val="75000"/>
+                  </a:schemeClr>
+                </a:solidFill>
+              </a:defRPr>
+            </a:lvl5pPr>
+            <a:lvl6pPr marL="2286000" indent="0" algn="ctr">
+              <a:buNone/>
+              <a:defRPr>
+                <a:solidFill>
+                  <a:schemeClr val="tx1">
+                    <a:tint val="75000"/>
+                  </a:schemeClr>
+                </a:solidFill>
+              </a:defRPr>
+            </a:lvl6pPr>
+            <a:lvl7pPr marL="2743200" indent="0" algn="ctr">
+              <a:buNone/>
+              <a:defRPr>
+                <a:solidFill>
+                  <a:schemeClr val="tx1">
+                    <a:tint val="75000"/>
+                  </a:schemeClr>
+                </a:solidFill>
+              </a:defRPr>
+            </a:lvl7pPr>
+            <a:lvl8pPr marL="3200400" indent="0" algn="ctr">
+              <a:buNone/>
+              <a:defRPr>
+                <a:solidFill>
+                  <a:schemeClr val="tx1">
+                    <a:tint val="75000"/>
+                  </a:schemeClr>
+                </a:solidFill>
+              </a:defRPr>
+            </a:lvl8pPr>
+            <a:lvl9pPr marL="3657600" indent="0" algn="ctr">
+              <a:buNone/>
+              <a:defRPr>
+                <a:solidFill>
+                  <a:schemeClr val="tx1">
+                    <a:tint val="75000"/>
+                  </a:schemeClr>
+                </a:solidFill>
+              </a:defRPr>
+            </a:lvl9pPr>
+          </a:lstStyle>
+          <a:p>
+            <a:r>
+              <a:rPr lang="en-US"/>
+              <a:t>Click to edit Master subtitle style</a:t>
+            </a:r>
+            <a:endParaRPr lang="en-US" dirty="0"/>
+          </a:p>
+        </p:txBody>
+      </p:sp>
+      <p:sp>
+        <p:nvSpPr>
+          <p:cNvPr id="4" name="Date Placeholder 3"/>
+          <p:cNvSpPr>
+            <a:spLocks noGrp="1"/>
+          </p:cNvSpPr>
+          <p:nvPr>
+            <p:ph type="dt" sz="half" idx="10"/>
+          </p:nvPr>
+        </p:nvSpPr>
+        <p:spPr>
+          <a:xfrm>
+            <a:off x="7605951" y="5956137"/>
+            <a:ext cx="2844800" cy="365125"/>
+          </a:xfrm>
+        </p:spPr>
+        <p:txBody>
+          <a:bodyPr/>
+          <a:lstStyle>
+            <a:lvl1pPr>
+              <a:defRPr>
+                <a:solidFill>
+                  <a:schemeClr val="accent1">
+                    <a:lumMod val="75000"/>
+                    <a:lumOff val="25000"/>
+                  </a:schemeClr>
+                </a:solidFill>
+              </a:defRPr>
+            </a:lvl1pPr>
+          </a:lstStyle>
+          <a:p>
+            <a:fld id="{B61BEF0D-F0BB-DE4B-95CE-6DB70DBA9567}" type="datetimeFigureOut">
+              <a:rPr lang="en-US" smtClean="0"/>
+              <a:pPr/>
+              <a:t>8/5/2019</a:t>
+            </a:fld>
+            <a:endParaRPr lang="en-US" dirty="0"/>
+          </a:p>
+        </p:txBody>
+      </p:sp>
+      <p:sp>
+        <p:nvSpPr>
+          <p:cNvPr id="5" name="Footer Placeholder 4"/>
+          <p:cNvSpPr>
+            <a:spLocks noGrp="1"/>
+          </p:cNvSpPr>
+          <p:nvPr>
+            <p:ph type="ftr" sz="quarter" idx="11"/>
+          </p:nvPr>
+        </p:nvSpPr>
+        <p:spPr>
+          <a:xfrm>
+            <a:off x="581192" y="5951811"/>
+            <a:ext cx="6917210" cy="365125"/>
+          </a:xfrm>
+        </p:spPr>
+        <p:txBody>
+          <a:bodyPr/>
+          <a:lstStyle>
+            <a:lvl1pPr>
+              <a:defRPr>
+                <a:solidFill>
+                  <a:schemeClr val="accent1">
+                    <a:lumMod val="75000"/>
+                    <a:lumOff val="25000"/>
+                  </a:schemeClr>
+                </a:solidFill>
+              </a:defRPr>
+            </a:lvl1pPr>
+          </a:lstStyle>
+          <a:p>
+            <a:r>
+              <a:rPr lang="en-US" dirty="0"/>
+              <a:t>PowerShell on the river | Chattanooga TN</a:t>
+            </a:r>
+          </a:p>
+        </p:txBody>
+      </p:sp>
+      <p:sp>
+        <p:nvSpPr>
+          <p:cNvPr id="6" name="Slide Number Placeholder 5"/>
+          <p:cNvSpPr>
+            <a:spLocks noGrp="1"/>
+          </p:cNvSpPr>
+          <p:nvPr>
+            <p:ph type="sldNum" sz="quarter" idx="12"/>
+          </p:nvPr>
+        </p:nvSpPr>
+        <p:spPr>
+          <a:xfrm>
+            <a:off x="10558300" y="5956137"/>
+            <a:ext cx="1016440" cy="365125"/>
+          </a:xfrm>
+        </p:spPr>
+        <p:txBody>
+          <a:bodyPr/>
+          <a:lstStyle>
+            <a:lvl1pPr>
+              <a:defRPr>
+                <a:solidFill>
+                  <a:schemeClr val="accent1">
+                    <a:lumMod val="75000"/>
+                    <a:lumOff val="25000"/>
+                  </a:schemeClr>
+                </a:solidFill>
+              </a:defRPr>
+            </a:lvl1pPr>
+          </a:lstStyle>
+          <a:p>
+            <a:fld id="{D57F1E4F-1CFF-5643-939E-217C01CDF565}" type="slidenum">
+              <a:rPr lang="en-US" smtClean="0"/>
+              <a:pPr/>
+              <a:t>‹#›</a:t>
+            </a:fld>
+            <a:endParaRPr lang="en-US" dirty="0"/>
+          </a:p>
+        </p:txBody>
+      </p:sp>
+      <p:pic>
+        <p:nvPicPr>
+          <p:cNvPr id="8" name="Picture 7">
             <a:extLst>
               <a:ext uri="{FF2B5EF4-FFF2-40B4-BE49-F238E27FC236}">
-                <a16:creationId xmlns:a16="http://schemas.microsoft.com/office/drawing/2014/main" id="{EA0475FD-A832-4F69-9D70-0BA67C9AC1CD}"/>
+                <a16:creationId xmlns:a16="http://schemas.microsoft.com/office/drawing/2014/main" id="{EAC8A836-FF68-9645-A220-8D2D7557F81A}"/>
               </a:ext>
             </a:extLst>
           </p:cNvPr>
-          <p:cNvSpPr>
-            <a:spLocks noGrp="1"/>
-          </p:cNvSpPr>
-          <p:nvPr>
-            <p:ph type="ctrTitle"/>
-          </p:nvPr>
-        </p:nvSpPr>
-        <p:spPr>
-          <a:xfrm>
-            <a:off x="1524000" y="1122363"/>
-            <a:ext cx="9144000" cy="2387600"/>
-          </a:xfrm>
-        </p:spPr>
-        <p:txBody>
-          <a:bodyPr anchor="b"/>
-          <a:lstStyle>
-            <a:lvl1pPr algn="ctr">
-              <a:defRPr sz="6000"/>
-            </a:lvl1pPr>
-          </a:lstStyle>
-          <a:p>
-            <a:r>
-              <a:rPr lang="en-US"/>
-              <a:t>Click to edit Master title style</a:t>
-            </a:r>
-          </a:p>
-        </p:txBody>
-      </p:sp>
-      <p:sp>
-        <p:nvSpPr>
-          <p:cNvPr id="3" name="Subtitle 2">
-            <a:extLst>
-              <a:ext uri="{FF2B5EF4-FFF2-40B4-BE49-F238E27FC236}">
-                <a16:creationId xmlns:a16="http://schemas.microsoft.com/office/drawing/2014/main" id="{D18041EE-89EE-4E53-9E76-8EC806490B09}"/>
-              </a:ext>
-            </a:extLst>
-          </p:cNvPr>
-          <p:cNvSpPr>
-            <a:spLocks noGrp="1"/>
-          </p:cNvSpPr>
-          <p:nvPr>
-            <p:ph type="subTitle" idx="1"/>
-          </p:nvPr>
-        </p:nvSpPr>
-        <p:spPr>
-          <a:xfrm>
-            <a:off x="1524000" y="3602038"/>
-            <a:ext cx="9144000" cy="1655762"/>
-          </a:xfrm>
-        </p:spPr>
-        <p:txBody>
-          <a:bodyPr/>
-          <a:lstStyle>
-            <a:lvl1pPr marL="0" indent="0" algn="ctr">
-              <a:buNone/>
-              <a:defRPr sz="2400"/>
-            </a:lvl1pPr>
-            <a:lvl2pPr marL="457200" indent="0" algn="ctr">
-              <a:buNone/>
-              <a:defRPr sz="2000"/>
-            </a:lvl2pPr>
-            <a:lvl3pPr marL="914400" indent="0" algn="ctr">
-              <a:buNone/>
-              <a:defRPr sz="1800"/>
-            </a:lvl3pPr>
-            <a:lvl4pPr marL="1371600" indent="0" algn="ctr">
-              <a:buNone/>
-              <a:defRPr sz="1600"/>
-            </a:lvl4pPr>
-            <a:lvl5pPr marL="1828800" indent="0" algn="ctr">
-              <a:buNone/>
-              <a:defRPr sz="1600"/>
-            </a:lvl5pPr>
-            <a:lvl6pPr marL="2286000" indent="0" algn="ctr">
-              <a:buNone/>
-              <a:defRPr sz="1600"/>
-            </a:lvl6pPr>
-            <a:lvl7pPr marL="2743200" indent="0" algn="ctr">
-              <a:buNone/>
-              <a:defRPr sz="1600"/>
-            </a:lvl7pPr>
-            <a:lvl8pPr marL="3200400" indent="0" algn="ctr">
-              <a:buNone/>
-              <a:defRPr sz="1600"/>
-            </a:lvl8pPr>
-            <a:lvl9pPr marL="3657600" indent="0" algn="ctr">
-              <a:buNone/>
-              <a:defRPr sz="1600"/>
-            </a:lvl9pPr>
-          </a:lstStyle>
-          <a:p>
-            <a:r>
-              <a:rPr lang="en-US"/>
-              <a:t>Click to edit Master subtitle style</a:t>
-            </a:r>
-          </a:p>
-        </p:txBody>
-      </p:sp>
-      <p:sp>
-        <p:nvSpPr>
-          <p:cNvPr id="4" name="Date Placeholder 3">
-            <a:extLst>
-              <a:ext uri="{FF2B5EF4-FFF2-40B4-BE49-F238E27FC236}">
-                <a16:creationId xmlns:a16="http://schemas.microsoft.com/office/drawing/2014/main" id="{895A85F8-C809-49EB-BF42-5AA032E68DF4}"/>
-              </a:ext>
-            </a:extLst>
-          </p:cNvPr>
-          <p:cNvSpPr>
-            <a:spLocks noGrp="1"/>
-          </p:cNvSpPr>
-          <p:nvPr>
-            <p:ph type="dt" sz="half" idx="10"/>
-          </p:nvPr>
-        </p:nvSpPr>
-        <p:spPr/>
-        <p:txBody>
-          <a:bodyPr/>
-          <a:lstStyle/>
-          <a:p>
-            <a:fld id="{BF9E1FCA-7CEE-4FF3-AAF0-A379815D12D4}" type="datetimeFigureOut">
-              <a:rPr lang="en-US" smtClean="0"/>
-              <a:t>7/5/2019</a:t>
-            </a:fld>
-            <a:endParaRPr lang="en-US"/>
-          </a:p>
-        </p:txBody>
-      </p:sp>
-      <p:sp>
-        <p:nvSpPr>
-          <p:cNvPr id="5" name="Footer Placeholder 4">
-            <a:extLst>
-              <a:ext uri="{FF2B5EF4-FFF2-40B4-BE49-F238E27FC236}">
-                <a16:creationId xmlns:a16="http://schemas.microsoft.com/office/drawing/2014/main" id="{51507794-AD88-4166-816B-ECC8385B7444}"/>
-              </a:ext>
-            </a:extLst>
-          </p:cNvPr>
-          <p:cNvSpPr>
-            <a:spLocks noGrp="1"/>
-          </p:cNvSpPr>
-          <p:nvPr>
-            <p:ph type="ftr" sz="quarter" idx="11"/>
-          </p:nvPr>
-        </p:nvSpPr>
-        <p:spPr/>
-        <p:txBody>
-          <a:bodyPr/>
-          <a:lstStyle/>
-          <a:p>
-            <a:endParaRPr lang="en-US"/>
-          </a:p>
-        </p:txBody>
-      </p:sp>
-      <p:sp>
-        <p:nvSpPr>
-          <p:cNvPr id="6" name="Slide Number Placeholder 5">
-            <a:extLst>
-              <a:ext uri="{FF2B5EF4-FFF2-40B4-BE49-F238E27FC236}">
-                <a16:creationId xmlns:a16="http://schemas.microsoft.com/office/drawing/2014/main" id="{16646C88-BF3A-41A6-8113-A756B6F8AE78}"/>
-              </a:ext>
-            </a:extLst>
-          </p:cNvPr>
-          <p:cNvSpPr>
-            <a:spLocks noGrp="1"/>
-          </p:cNvSpPr>
-          <p:nvPr>
-            <p:ph type="sldNum" sz="quarter" idx="12"/>
-          </p:nvPr>
-        </p:nvSpPr>
-        <p:spPr/>
-        <p:txBody>
-          <a:bodyPr/>
-          <a:lstStyle/>
-          <a:p>
-            <a:fld id="{DA08DE1F-0EB4-47E0-85B7-BD52E9D0598C}" type="slidenum">
-              <a:rPr lang="en-US" smtClean="0"/>
-              <a:t>‹#›</a:t>
-            </a:fld>
-            <a:endParaRPr lang="en-US"/>
-          </a:p>
-        </p:txBody>
-      </p:sp>
+          <p:cNvPicPr>
+            <a:picLocks noChangeAspect="1"/>
+          </p:cNvPicPr>
+          <p:nvPr userDrawn="1"/>
+        </p:nvPicPr>
+        <p:blipFill rotWithShape="1">
+          <a:blip r:embed="rId2"/>
+          <a:srcRect l="2807" t="11021" r="2933" b="13804"/>
+          <a:stretch/>
+        </p:blipFill>
+        <p:spPr>
+          <a:xfrm>
+            <a:off x="3270985" y="3429000"/>
+            <a:ext cx="5650029" cy="2002694"/>
+          </a:xfrm>
+          <a:prstGeom prst="rect">
+            <a:avLst/>
+          </a:prstGeom>
+        </p:spPr>
+      </p:pic>
     </p:spTree>
     <p:extLst>
       <p:ext uri="{BB962C8B-B14F-4D97-AF65-F5344CB8AC3E}">
-        <p14:creationId xmlns:p14="http://schemas.microsoft.com/office/powerpoint/2010/main" val="3752643974"/>
+        <p14:creationId xmlns:p14="http://schemas.microsoft.com/office/powerpoint/2010/main" val="1360540250"/>
       </p:ext>
     </p:extLst>
   </p:cSld>
@@ -355,13 +512,46 @@
       </p:grpSpPr>
       <p:sp>
         <p:nvSpPr>
-          <p:cNvPr id="2" name="Title 1">
-            <a:extLst>
-              <a:ext uri="{FF2B5EF4-FFF2-40B4-BE49-F238E27FC236}">
-                <a16:creationId xmlns:a16="http://schemas.microsoft.com/office/drawing/2014/main" id="{124341B9-F55A-401C-AFAC-CA0463A53395}"/>
-              </a:ext>
-            </a:extLst>
-          </p:cNvPr>
+          <p:cNvPr id="8" name="Rectangle 7"/>
+          <p:cNvSpPr>
+            <a:spLocks noChangeAspect="1"/>
+          </p:cNvSpPr>
+          <p:nvPr/>
+        </p:nvSpPr>
+        <p:spPr>
+          <a:xfrm>
+            <a:off x="440286" y="614407"/>
+            <a:ext cx="11309338" cy="1189298"/>
+          </a:xfrm>
+          <a:prstGeom prst="rect">
+            <a:avLst/>
+          </a:prstGeom>
+          <a:solidFill>
+            <a:schemeClr val="accent1"/>
+          </a:solidFill>
+          <a:ln>
+            <a:noFill/>
+          </a:ln>
+          <a:effectLst/>
+        </p:spPr>
+        <p:style>
+          <a:lnRef idx="1">
+            <a:schemeClr val="accent1"/>
+          </a:lnRef>
+          <a:fillRef idx="3">
+            <a:schemeClr val="accent1"/>
+          </a:fillRef>
+          <a:effectRef idx="2">
+            <a:schemeClr val="accent1"/>
+          </a:effectRef>
+          <a:fontRef idx="minor">
+            <a:schemeClr val="lt1"/>
+          </a:fontRef>
+        </p:style>
+      </p:sp>
+      <p:sp>
+        <p:nvSpPr>
+          <p:cNvPr id="9" name="Title 1"/>
           <p:cNvSpPr>
             <a:spLocks noGrp="1"/>
           </p:cNvSpPr>
@@ -369,7 +559,12 @@
             <p:ph type="title"/>
           </p:nvPr>
         </p:nvSpPr>
-        <p:spPr/>
+        <p:spPr>
+          <a:xfrm>
+            <a:off x="581192" y="702156"/>
+            <a:ext cx="11029616" cy="1013800"/>
+          </a:xfrm>
+        </p:spPr>
         <p:txBody>
           <a:bodyPr/>
           <a:lstStyle/>
@@ -378,18 +573,13 @@
               <a:rPr lang="en-US"/>
               <a:t>Click to edit Master title style</a:t>
             </a:r>
-          </a:p>
-        </p:txBody>
-      </p:sp>
-      <p:sp>
-        <p:nvSpPr>
-          <p:cNvPr id="3" name="Vertical Text Placeholder 2">
-            <a:extLst>
-              <a:ext uri="{FF2B5EF4-FFF2-40B4-BE49-F238E27FC236}">
-                <a16:creationId xmlns:a16="http://schemas.microsoft.com/office/drawing/2014/main" id="{C1279628-886D-4831-BB6D-AC4BA0800267}"/>
-              </a:ext>
-            </a:extLst>
-          </p:cNvPr>
+            <a:endParaRPr lang="en-US" dirty="0"/>
+          </a:p>
+        </p:txBody>
+      </p:sp>
+      <p:sp>
+        <p:nvSpPr>
+          <p:cNvPr id="3" name="Vertical Text Placeholder 2"/>
           <p:cNvSpPr>
             <a:spLocks noGrp="1"/>
           </p:cNvSpPr>
@@ -399,13 +589,29 @@
         </p:nvSpPr>
         <p:spPr/>
         <p:txBody>
-          <a:bodyPr vert="eaVert"/>
-          <a:lstStyle/>
+          <a:bodyPr vert="eaVert" anchor="t"/>
+          <a:lstStyle>
+            <a:lvl1pPr algn="l">
+              <a:defRPr/>
+            </a:lvl1pPr>
+            <a:lvl2pPr algn="l">
+              <a:defRPr/>
+            </a:lvl2pPr>
+            <a:lvl3pPr algn="l">
+              <a:defRPr/>
+            </a:lvl3pPr>
+            <a:lvl4pPr algn="l">
+              <a:defRPr/>
+            </a:lvl4pPr>
+            <a:lvl5pPr algn="l">
+              <a:defRPr/>
+            </a:lvl5pPr>
+          </a:lstStyle>
           <a:p>
             <a:pPr lvl="0"/>
             <a:r>
               <a:rPr lang="en-US"/>
-              <a:t>Edit Master text styles</a:t>
+              <a:t>Click to edit Master text styles</a:t>
             </a:r>
           </a:p>
           <a:p>
@@ -435,18 +641,13 @@
               <a:rPr lang="en-US"/>
               <a:t>Fifth level</a:t>
             </a:r>
-          </a:p>
-        </p:txBody>
-      </p:sp>
-      <p:sp>
-        <p:nvSpPr>
-          <p:cNvPr id="4" name="Date Placeholder 3">
-            <a:extLst>
-              <a:ext uri="{FF2B5EF4-FFF2-40B4-BE49-F238E27FC236}">
-                <a16:creationId xmlns:a16="http://schemas.microsoft.com/office/drawing/2014/main" id="{3BCB2E74-77A7-4DC4-8BC6-FF200A7A3174}"/>
-              </a:ext>
-            </a:extLst>
-          </p:cNvPr>
+            <a:endParaRPr lang="en-US" dirty="0"/>
+          </a:p>
+        </p:txBody>
+      </p:sp>
+      <p:sp>
+        <p:nvSpPr>
+          <p:cNvPr id="4" name="Date Placeholder 3"/>
           <p:cNvSpPr>
             <a:spLocks noGrp="1"/>
           </p:cNvSpPr>
@@ -459,23 +660,18 @@
           <a:bodyPr/>
           <a:lstStyle/>
           <a:p>
-            <a:fld id="{BF9E1FCA-7CEE-4FF3-AAF0-A379815D12D4}" type="datetimeFigureOut">
+            <a:fld id="{B61BEF0D-F0BB-DE4B-95CE-6DB70DBA9567}" type="datetimeFigureOut">
               <a:rPr lang="en-US" smtClean="0"/>
-              <a:t>7/5/2019</a:t>
+              <a:pPr/>
+              <a:t>8/5/2019</a:t>
             </a:fld>
-            <a:endParaRPr lang="en-US"/>
-          </a:p>
-        </p:txBody>
-      </p:sp>
-      <p:sp>
-        <p:nvSpPr>
-          <p:cNvPr id="5" name="Footer Placeholder 4">
-            <a:extLst>
-              <a:ext uri="{FF2B5EF4-FFF2-40B4-BE49-F238E27FC236}">
-                <a16:creationId xmlns:a16="http://schemas.microsoft.com/office/drawing/2014/main" id="{191395B5-C540-41A4-A943-AAB70F7AF019}"/>
-              </a:ext>
-            </a:extLst>
-          </p:cNvPr>
+            <a:endParaRPr lang="en-US" dirty="0"/>
+          </a:p>
+        </p:txBody>
+      </p:sp>
+      <p:sp>
+        <p:nvSpPr>
+          <p:cNvPr id="5" name="Footer Placeholder 4"/>
           <p:cNvSpPr>
             <a:spLocks noGrp="1"/>
           </p:cNvSpPr>
@@ -488,19 +684,16 @@
           <a:bodyPr/>
           <a:lstStyle/>
           <a:p>
-            <a:endParaRPr lang="en-US"/>
-          </a:p>
-        </p:txBody>
-      </p:sp>
-      <p:sp>
-        <p:nvSpPr>
-          <p:cNvPr id="6" name="Slide Number Placeholder 5">
-            <a:extLst>
-              <a:ext uri="{FF2B5EF4-FFF2-40B4-BE49-F238E27FC236}">
-                <a16:creationId xmlns:a16="http://schemas.microsoft.com/office/drawing/2014/main" id="{0E8AFC4C-8A1A-41C0-99B7-C28783CE60A2}"/>
-              </a:ext>
-            </a:extLst>
-          </p:cNvPr>
+            <a:r>
+              <a:rPr lang="en-US" dirty="0"/>
+              <a:t>PowerShell on the river | Chattanooga TN</a:t>
+            </a:r>
+          </a:p>
+        </p:txBody>
+      </p:sp>
+      <p:sp>
+        <p:nvSpPr>
+          <p:cNvPr id="6" name="Slide Number Placeholder 5"/>
           <p:cNvSpPr>
             <a:spLocks noGrp="1"/>
           </p:cNvSpPr>
@@ -513,18 +706,19 @@
           <a:bodyPr/>
           <a:lstStyle/>
           <a:p>
-            <a:fld id="{DA08DE1F-0EB4-47E0-85B7-BD52E9D0598C}" type="slidenum">
+            <a:fld id="{D57F1E4F-1CFF-5643-939E-217C01CDF565}" type="slidenum">
               <a:rPr lang="en-US" smtClean="0"/>
+              <a:pPr/>
               <a:t>‹#›</a:t>
             </a:fld>
-            <a:endParaRPr lang="en-US"/>
+            <a:endParaRPr lang="en-US" dirty="0"/>
           </a:p>
         </p:txBody>
       </p:sp>
     </p:spTree>
     <p:extLst>
       <p:ext uri="{BB962C8B-B14F-4D97-AF65-F5344CB8AC3E}">
-        <p14:creationId xmlns:p14="http://schemas.microsoft.com/office/powerpoint/2010/main" val="1364126175"/>
+        <p14:creationId xmlns:p14="http://schemas.microsoft.com/office/powerpoint/2010/main" val="3695568181"/>
       </p:ext>
     </p:extLst>
   </p:cSld>
@@ -553,13 +747,46 @@
       </p:grpSpPr>
       <p:sp>
         <p:nvSpPr>
-          <p:cNvPr id="2" name="Vertical Title 1">
-            <a:extLst>
-              <a:ext uri="{FF2B5EF4-FFF2-40B4-BE49-F238E27FC236}">
-                <a16:creationId xmlns:a16="http://schemas.microsoft.com/office/drawing/2014/main" id="{D1786A1F-9370-46F4-860A-6BC266AB50E1}"/>
-              </a:ext>
-            </a:extLst>
-          </p:cNvPr>
+          <p:cNvPr id="7" name="Rectangle 6"/>
+          <p:cNvSpPr>
+            <a:spLocks noChangeAspect="1"/>
+          </p:cNvSpPr>
+          <p:nvPr/>
+        </p:nvSpPr>
+        <p:spPr>
+          <a:xfrm>
+            <a:off x="8839201" y="599725"/>
+            <a:ext cx="2906817" cy="5816950"/>
+          </a:xfrm>
+          <a:prstGeom prst="rect">
+            <a:avLst/>
+          </a:prstGeom>
+          <a:solidFill>
+            <a:schemeClr val="accent1"/>
+          </a:solidFill>
+          <a:ln>
+            <a:noFill/>
+          </a:ln>
+          <a:effectLst/>
+        </p:spPr>
+        <p:style>
+          <a:lnRef idx="1">
+            <a:schemeClr val="accent1"/>
+          </a:lnRef>
+          <a:fillRef idx="3">
+            <a:schemeClr val="accent1"/>
+          </a:fillRef>
+          <a:effectRef idx="2">
+            <a:schemeClr val="accent1"/>
+          </a:effectRef>
+          <a:fontRef idx="minor">
+            <a:schemeClr val="lt1"/>
+          </a:fontRef>
+        </p:style>
+      </p:sp>
+      <p:sp>
+        <p:nvSpPr>
+          <p:cNvPr id="2" name="Vertical Title 1"/>
           <p:cNvSpPr>
             <a:spLocks noGrp="1"/>
           </p:cNvSpPr>
@@ -569,8 +796,8 @@
         </p:nvSpPr>
         <p:spPr>
           <a:xfrm>
-            <a:off x="8724900" y="365125"/>
-            <a:ext cx="2628900" cy="5811838"/>
+            <a:off x="8839201" y="675726"/>
+            <a:ext cx="2004164" cy="5183073"/>
           </a:xfrm>
         </p:spPr>
         <p:txBody>
@@ -581,18 +808,13 @@
               <a:rPr lang="en-US"/>
               <a:t>Click to edit Master title style</a:t>
             </a:r>
-          </a:p>
-        </p:txBody>
-      </p:sp>
-      <p:sp>
-        <p:nvSpPr>
-          <p:cNvPr id="3" name="Vertical Text Placeholder 2">
-            <a:extLst>
-              <a:ext uri="{FF2B5EF4-FFF2-40B4-BE49-F238E27FC236}">
-                <a16:creationId xmlns:a16="http://schemas.microsoft.com/office/drawing/2014/main" id="{C4275086-C443-4C76-829B-48E78434EDBE}"/>
-              </a:ext>
-            </a:extLst>
-          </p:cNvPr>
+            <a:endParaRPr lang="en-US" dirty="0"/>
+          </a:p>
+        </p:txBody>
+      </p:sp>
+      <p:sp>
+        <p:nvSpPr>
+          <p:cNvPr id="3" name="Vertical Text Placeholder 2"/>
           <p:cNvSpPr>
             <a:spLocks noGrp="1"/>
           </p:cNvSpPr>
@@ -602,18 +824,18 @@
         </p:nvSpPr>
         <p:spPr>
           <a:xfrm>
-            <a:off x="838200" y="365125"/>
-            <a:ext cx="7734300" cy="5811838"/>
-          </a:xfrm>
-        </p:spPr>
-        <p:txBody>
-          <a:bodyPr vert="eaVert"/>
+            <a:off x="774923" y="675726"/>
+            <a:ext cx="7896279" cy="5183073"/>
+          </a:xfrm>
+        </p:spPr>
+        <p:txBody>
+          <a:bodyPr vert="eaVert" anchor="t"/>
           <a:lstStyle/>
           <a:p>
             <a:pPr lvl="0"/>
             <a:r>
               <a:rPr lang="en-US"/>
-              <a:t>Edit Master text styles</a:t>
+              <a:t>Click to edit Master text styles</a:t>
             </a:r>
           </a:p>
           <a:p>
@@ -643,18 +865,13 @@
               <a:rPr lang="en-US"/>
               <a:t>Fifth level</a:t>
             </a:r>
-          </a:p>
-        </p:txBody>
-      </p:sp>
-      <p:sp>
-        <p:nvSpPr>
-          <p:cNvPr id="4" name="Date Placeholder 3">
-            <a:extLst>
-              <a:ext uri="{FF2B5EF4-FFF2-40B4-BE49-F238E27FC236}">
-                <a16:creationId xmlns:a16="http://schemas.microsoft.com/office/drawing/2014/main" id="{471FA893-B139-4EC2-BC64-D85F4BA6B112}"/>
-              </a:ext>
-            </a:extLst>
-          </p:cNvPr>
+            <a:endParaRPr lang="en-US" dirty="0"/>
+          </a:p>
+        </p:txBody>
+      </p:sp>
+      <p:sp>
+        <p:nvSpPr>
+          <p:cNvPr id="4" name="Date Placeholder 3"/>
           <p:cNvSpPr>
             <a:spLocks noGrp="1"/>
           </p:cNvSpPr>
@@ -662,77 +879,107 @@
             <p:ph type="dt" sz="half" idx="10"/>
           </p:nvPr>
         </p:nvSpPr>
-        <p:spPr/>
+        <p:spPr>
+          <a:xfrm>
+            <a:off x="8993673" y="5956137"/>
+            <a:ext cx="1328141" cy="365125"/>
+          </a:xfrm>
+        </p:spPr>
+        <p:txBody>
+          <a:bodyPr/>
+          <a:lstStyle>
+            <a:lvl1pPr>
+              <a:defRPr>
+                <a:solidFill>
+                  <a:schemeClr val="accent1">
+                    <a:lumMod val="75000"/>
+                    <a:lumOff val="25000"/>
+                  </a:schemeClr>
+                </a:solidFill>
+              </a:defRPr>
+            </a:lvl1pPr>
+          </a:lstStyle>
+          <a:p>
+            <a:fld id="{B61BEF0D-F0BB-DE4B-95CE-6DB70DBA9567}" type="datetimeFigureOut">
+              <a:rPr lang="en-US" smtClean="0"/>
+              <a:pPr/>
+              <a:t>8/5/2019</a:t>
+            </a:fld>
+            <a:endParaRPr lang="en-US" dirty="0"/>
+          </a:p>
+        </p:txBody>
+      </p:sp>
+      <p:sp>
+        <p:nvSpPr>
+          <p:cNvPr id="5" name="Footer Placeholder 4"/>
+          <p:cNvSpPr>
+            <a:spLocks noGrp="1"/>
+          </p:cNvSpPr>
+          <p:nvPr>
+            <p:ph type="ftr" sz="quarter" idx="11"/>
+          </p:nvPr>
+        </p:nvSpPr>
+        <p:spPr>
+          <a:xfrm>
+            <a:off x="774923" y="5951811"/>
+            <a:ext cx="7896279" cy="365125"/>
+          </a:xfrm>
+        </p:spPr>
         <p:txBody>
           <a:bodyPr/>
           <a:lstStyle/>
           <a:p>
-            <a:fld id="{BF9E1FCA-7CEE-4FF3-AAF0-A379815D12D4}" type="datetimeFigureOut">
+            <a:r>
+              <a:rPr lang="en-US" dirty="0"/>
+              <a:t>PowerShell on the river | Chattanooga TN</a:t>
+            </a:r>
+          </a:p>
+        </p:txBody>
+      </p:sp>
+      <p:sp>
+        <p:nvSpPr>
+          <p:cNvPr id="6" name="Slide Number Placeholder 5"/>
+          <p:cNvSpPr>
+            <a:spLocks noGrp="1"/>
+          </p:cNvSpPr>
+          <p:nvPr>
+            <p:ph type="sldNum" sz="quarter" idx="12"/>
+          </p:nvPr>
+        </p:nvSpPr>
+        <p:spPr>
+          <a:xfrm>
+            <a:off x="10446615" y="5956137"/>
+            <a:ext cx="1164195" cy="365125"/>
+          </a:xfrm>
+        </p:spPr>
+        <p:txBody>
+          <a:bodyPr/>
+          <a:lstStyle>
+            <a:lvl1pPr>
+              <a:defRPr>
+                <a:solidFill>
+                  <a:schemeClr val="accent1">
+                    <a:lumMod val="75000"/>
+                    <a:lumOff val="25000"/>
+                  </a:schemeClr>
+                </a:solidFill>
+              </a:defRPr>
+            </a:lvl1pPr>
+          </a:lstStyle>
+          <a:p>
+            <a:fld id="{D57F1E4F-1CFF-5643-939E-217C01CDF565}" type="slidenum">
               <a:rPr lang="en-US" smtClean="0"/>
-              <a:t>7/5/2019</a:t>
-            </a:fld>
-            <a:endParaRPr lang="en-US"/>
-          </a:p>
-        </p:txBody>
-      </p:sp>
-      <p:sp>
-        <p:nvSpPr>
-          <p:cNvPr id="5" name="Footer Placeholder 4">
-            <a:extLst>
-              <a:ext uri="{FF2B5EF4-FFF2-40B4-BE49-F238E27FC236}">
-                <a16:creationId xmlns:a16="http://schemas.microsoft.com/office/drawing/2014/main" id="{DFE2BBFE-58D8-4AB6-89B0-417F2794B7F9}"/>
-              </a:ext>
-            </a:extLst>
-          </p:cNvPr>
-          <p:cNvSpPr>
-            <a:spLocks noGrp="1"/>
-          </p:cNvSpPr>
-          <p:nvPr>
-            <p:ph type="ftr" sz="quarter" idx="11"/>
-          </p:nvPr>
-        </p:nvSpPr>
-        <p:spPr/>
-        <p:txBody>
-          <a:bodyPr/>
-          <a:lstStyle/>
-          <a:p>
-            <a:endParaRPr lang="en-US"/>
-          </a:p>
-        </p:txBody>
-      </p:sp>
-      <p:sp>
-        <p:nvSpPr>
-          <p:cNvPr id="6" name="Slide Number Placeholder 5">
-            <a:extLst>
-              <a:ext uri="{FF2B5EF4-FFF2-40B4-BE49-F238E27FC236}">
-                <a16:creationId xmlns:a16="http://schemas.microsoft.com/office/drawing/2014/main" id="{496DF5FE-F8E0-4EB9-AB90-8119C594C36E}"/>
-              </a:ext>
-            </a:extLst>
-          </p:cNvPr>
-          <p:cNvSpPr>
-            <a:spLocks noGrp="1"/>
-          </p:cNvSpPr>
-          <p:nvPr>
-            <p:ph type="sldNum" sz="quarter" idx="12"/>
-          </p:nvPr>
-        </p:nvSpPr>
-        <p:spPr/>
-        <p:txBody>
-          <a:bodyPr/>
-          <a:lstStyle/>
-          <a:p>
-            <a:fld id="{DA08DE1F-0EB4-47E0-85B7-BD52E9D0598C}" type="slidenum">
-              <a:rPr lang="en-US" smtClean="0"/>
+              <a:pPr/>
               <a:t>‹#›</a:t>
             </a:fld>
-            <a:endParaRPr lang="en-US"/>
+            <a:endParaRPr lang="en-US" dirty="0"/>
           </a:p>
         </p:txBody>
       </p:sp>
     </p:spTree>
     <p:extLst>
       <p:ext uri="{BB962C8B-B14F-4D97-AF65-F5344CB8AC3E}">
-        <p14:creationId xmlns:p14="http://schemas.microsoft.com/office/powerpoint/2010/main" val="1718649627"/>
+        <p14:creationId xmlns:p14="http://schemas.microsoft.com/office/powerpoint/2010/main" val="217147318"/>
       </p:ext>
     </p:extLst>
   </p:cSld>
@@ -761,13 +1008,46 @@
       </p:grpSpPr>
       <p:sp>
         <p:nvSpPr>
-          <p:cNvPr id="2" name="Title 1">
-            <a:extLst>
-              <a:ext uri="{FF2B5EF4-FFF2-40B4-BE49-F238E27FC236}">
-                <a16:creationId xmlns:a16="http://schemas.microsoft.com/office/drawing/2014/main" id="{D86AE3DF-B8D2-4943-B22F-12BEAB525B16}"/>
-              </a:ext>
-            </a:extLst>
-          </p:cNvPr>
+          <p:cNvPr id="7" name="Rectangle 6"/>
+          <p:cNvSpPr>
+            <a:spLocks noChangeAspect="1"/>
+          </p:cNvSpPr>
+          <p:nvPr/>
+        </p:nvSpPr>
+        <p:spPr>
+          <a:xfrm>
+            <a:off x="440286" y="614407"/>
+            <a:ext cx="11309338" cy="1189298"/>
+          </a:xfrm>
+          <a:prstGeom prst="rect">
+            <a:avLst/>
+          </a:prstGeom>
+          <a:solidFill>
+            <a:schemeClr val="accent1"/>
+          </a:solidFill>
+          <a:ln>
+            <a:noFill/>
+          </a:ln>
+          <a:effectLst/>
+        </p:spPr>
+        <p:style>
+          <a:lnRef idx="1">
+            <a:schemeClr val="accent1"/>
+          </a:lnRef>
+          <a:fillRef idx="3">
+            <a:schemeClr val="accent1"/>
+          </a:fillRef>
+          <a:effectRef idx="2">
+            <a:schemeClr val="accent1"/>
+          </a:effectRef>
+          <a:fontRef idx="minor">
+            <a:schemeClr val="lt1"/>
+          </a:fontRef>
+        </p:style>
+      </p:sp>
+      <p:sp>
+        <p:nvSpPr>
+          <p:cNvPr id="2" name="Title 1"/>
           <p:cNvSpPr>
             <a:spLocks noGrp="1"/>
           </p:cNvSpPr>
@@ -775,7 +1055,12 @@
             <p:ph type="title"/>
           </p:nvPr>
         </p:nvSpPr>
-        <p:spPr/>
+        <p:spPr>
+          <a:xfrm>
+            <a:off x="581192" y="702156"/>
+            <a:ext cx="11029616" cy="1013800"/>
+          </a:xfrm>
+        </p:spPr>
         <p:txBody>
           <a:bodyPr/>
           <a:lstStyle/>
@@ -784,18 +1069,13 @@
               <a:rPr lang="en-US"/>
               <a:t>Click to edit Master title style</a:t>
             </a:r>
-          </a:p>
-        </p:txBody>
-      </p:sp>
-      <p:sp>
-        <p:nvSpPr>
-          <p:cNvPr id="3" name="Content Placeholder 2">
-            <a:extLst>
-              <a:ext uri="{FF2B5EF4-FFF2-40B4-BE49-F238E27FC236}">
-                <a16:creationId xmlns:a16="http://schemas.microsoft.com/office/drawing/2014/main" id="{4323BADB-6354-4B2D-8223-7D8A6E6BFFAB}"/>
-              </a:ext>
-            </a:extLst>
-          </p:cNvPr>
+            <a:endParaRPr lang="en-US" dirty="0"/>
+          </a:p>
+        </p:txBody>
+      </p:sp>
+      <p:sp>
+        <p:nvSpPr>
+          <p:cNvPr id="3" name="Content Placeholder 2"/>
           <p:cNvSpPr>
             <a:spLocks noGrp="1"/>
           </p:cNvSpPr>
@@ -803,7 +1083,12 @@
             <p:ph idx="1"/>
           </p:nvPr>
         </p:nvSpPr>
-        <p:spPr/>
+        <p:spPr>
+          <a:xfrm>
+            <a:off x="581192" y="2180496"/>
+            <a:ext cx="11029615" cy="3678303"/>
+          </a:xfrm>
+        </p:spPr>
         <p:txBody>
           <a:bodyPr/>
           <a:lstStyle/>
@@ -811,7 +1096,7 @@
             <a:pPr lvl="0"/>
             <a:r>
               <a:rPr lang="en-US"/>
-              <a:t>Edit Master text styles</a:t>
+              <a:t>Click to edit Master text styles</a:t>
             </a:r>
           </a:p>
           <a:p>
@@ -841,18 +1126,13 @@
               <a:rPr lang="en-US"/>
               <a:t>Fifth level</a:t>
             </a:r>
-          </a:p>
-        </p:txBody>
-      </p:sp>
-      <p:sp>
-        <p:nvSpPr>
-          <p:cNvPr id="4" name="Date Placeholder 3">
-            <a:extLst>
-              <a:ext uri="{FF2B5EF4-FFF2-40B4-BE49-F238E27FC236}">
-                <a16:creationId xmlns:a16="http://schemas.microsoft.com/office/drawing/2014/main" id="{C3F531AB-5749-45F4-BA12-93694C7176D4}"/>
-              </a:ext>
-            </a:extLst>
-          </p:cNvPr>
+            <a:endParaRPr lang="en-US" dirty="0"/>
+          </a:p>
+        </p:txBody>
+      </p:sp>
+      <p:sp>
+        <p:nvSpPr>
+          <p:cNvPr id="4" name="Date Placeholder 3"/>
           <p:cNvSpPr>
             <a:spLocks noGrp="1"/>
           </p:cNvSpPr>
@@ -865,23 +1145,18 @@
           <a:bodyPr/>
           <a:lstStyle/>
           <a:p>
-            <a:fld id="{BF9E1FCA-7CEE-4FF3-AAF0-A379815D12D4}" type="datetimeFigureOut">
+            <a:fld id="{B61BEF0D-F0BB-DE4B-95CE-6DB70DBA9567}" type="datetimeFigureOut">
               <a:rPr lang="en-US" smtClean="0"/>
-              <a:t>7/5/2019</a:t>
+              <a:pPr/>
+              <a:t>8/5/2019</a:t>
             </a:fld>
-            <a:endParaRPr lang="en-US"/>
-          </a:p>
-        </p:txBody>
-      </p:sp>
-      <p:sp>
-        <p:nvSpPr>
-          <p:cNvPr id="5" name="Footer Placeholder 4">
-            <a:extLst>
-              <a:ext uri="{FF2B5EF4-FFF2-40B4-BE49-F238E27FC236}">
-                <a16:creationId xmlns:a16="http://schemas.microsoft.com/office/drawing/2014/main" id="{B4631B94-D4AB-465F-8062-FB1280835B1D}"/>
-              </a:ext>
-            </a:extLst>
-          </p:cNvPr>
+            <a:endParaRPr lang="en-US" dirty="0"/>
+          </a:p>
+        </p:txBody>
+      </p:sp>
+      <p:sp>
+        <p:nvSpPr>
+          <p:cNvPr id="5" name="Footer Placeholder 4"/>
           <p:cNvSpPr>
             <a:spLocks noGrp="1"/>
           </p:cNvSpPr>
@@ -894,19 +1169,16 @@
           <a:bodyPr/>
           <a:lstStyle/>
           <a:p>
-            <a:endParaRPr lang="en-US"/>
-          </a:p>
-        </p:txBody>
-      </p:sp>
-      <p:sp>
-        <p:nvSpPr>
-          <p:cNvPr id="6" name="Slide Number Placeholder 5">
-            <a:extLst>
-              <a:ext uri="{FF2B5EF4-FFF2-40B4-BE49-F238E27FC236}">
-                <a16:creationId xmlns:a16="http://schemas.microsoft.com/office/drawing/2014/main" id="{C74FB784-443C-4049-B4CE-8B533BA4CB59}"/>
-              </a:ext>
-            </a:extLst>
-          </p:cNvPr>
+            <a:r>
+              <a:rPr lang="en-US" dirty="0"/>
+              <a:t>PowerShell on the river | Chattanooga TN</a:t>
+            </a:r>
+          </a:p>
+        </p:txBody>
+      </p:sp>
+      <p:sp>
+        <p:nvSpPr>
+          <p:cNvPr id="6" name="Slide Number Placeholder 5"/>
           <p:cNvSpPr>
             <a:spLocks noGrp="1"/>
           </p:cNvSpPr>
@@ -914,23 +1186,29 @@
             <p:ph type="sldNum" sz="quarter" idx="12"/>
           </p:nvPr>
         </p:nvSpPr>
-        <p:spPr/>
+        <p:spPr>
+          <a:xfrm>
+            <a:off x="10558300" y="5956137"/>
+            <a:ext cx="1052508" cy="365125"/>
+          </a:xfrm>
+        </p:spPr>
         <p:txBody>
           <a:bodyPr/>
           <a:lstStyle/>
           <a:p>
-            <a:fld id="{DA08DE1F-0EB4-47E0-85B7-BD52E9D0598C}" type="slidenum">
+            <a:fld id="{D57F1E4F-1CFF-5643-939E-217C01CDF565}" type="slidenum">
               <a:rPr lang="en-US" smtClean="0"/>
+              <a:pPr/>
               <a:t>‹#›</a:t>
             </a:fld>
-            <a:endParaRPr lang="en-US"/>
+            <a:endParaRPr lang="en-US" dirty="0"/>
           </a:p>
         </p:txBody>
       </p:sp>
     </p:spTree>
     <p:extLst>
       <p:ext uri="{BB962C8B-B14F-4D97-AF65-F5344CB8AC3E}">
-        <p14:creationId xmlns:p14="http://schemas.microsoft.com/office/powerpoint/2010/main" val="3363331023"/>
+        <p14:creationId xmlns:p14="http://schemas.microsoft.com/office/powerpoint/2010/main" val="499885148"/>
       </p:ext>
     </p:extLst>
   </p:cSld>
@@ -959,13 +1237,46 @@
       </p:grpSpPr>
       <p:sp>
         <p:nvSpPr>
-          <p:cNvPr id="2" name="Title 1">
-            <a:extLst>
-              <a:ext uri="{FF2B5EF4-FFF2-40B4-BE49-F238E27FC236}">
-                <a16:creationId xmlns:a16="http://schemas.microsoft.com/office/drawing/2014/main" id="{9D9D4961-1C98-4200-891A-FEBA861218A5}"/>
-              </a:ext>
-            </a:extLst>
-          </p:cNvPr>
+          <p:cNvPr id="8" name="Rectangle 7"/>
+          <p:cNvSpPr>
+            <a:spLocks noChangeAspect="1"/>
+          </p:cNvSpPr>
+          <p:nvPr/>
+        </p:nvSpPr>
+        <p:spPr>
+          <a:xfrm>
+            <a:off x="447817" y="5141974"/>
+            <a:ext cx="11290860" cy="1258827"/>
+          </a:xfrm>
+          <a:prstGeom prst="rect">
+            <a:avLst/>
+          </a:prstGeom>
+          <a:solidFill>
+            <a:schemeClr val="accent1"/>
+          </a:solidFill>
+          <a:ln>
+            <a:noFill/>
+          </a:ln>
+          <a:effectLst/>
+        </p:spPr>
+        <p:style>
+          <a:lnRef idx="1">
+            <a:schemeClr val="accent1"/>
+          </a:lnRef>
+          <a:fillRef idx="3">
+            <a:schemeClr val="accent1"/>
+          </a:fillRef>
+          <a:effectRef idx="2">
+            <a:schemeClr val="accent1"/>
+          </a:effectRef>
+          <a:fontRef idx="minor">
+            <a:schemeClr val="lt1"/>
+          </a:fontRef>
+        </p:style>
+      </p:sp>
+      <p:sp>
+        <p:nvSpPr>
+          <p:cNvPr id="2" name="Title 1"/>
           <p:cNvSpPr>
             <a:spLocks noGrp="1"/>
           </p:cNvSpPr>
@@ -975,15 +1286,21 @@
         </p:nvSpPr>
         <p:spPr>
           <a:xfrm>
-            <a:off x="831850" y="1709738"/>
-            <a:ext cx="10515600" cy="2852737"/>
-          </a:xfrm>
-        </p:spPr>
-        <p:txBody>
-          <a:bodyPr anchor="b"/>
+            <a:off x="581193" y="3043910"/>
+            <a:ext cx="11029615" cy="1497507"/>
+          </a:xfrm>
+        </p:spPr>
+        <p:txBody>
+          <a:bodyPr anchor="b">
+            <a:normAutofit/>
+          </a:bodyPr>
           <a:lstStyle>
-            <a:lvl1pPr>
-              <a:defRPr sz="6000"/>
+            <a:lvl1pPr algn="l">
+              <a:defRPr sz="3600" b="0" cap="all">
+                <a:solidFill>
+                  <a:schemeClr val="accent1"/>
+                </a:solidFill>
+              </a:defRPr>
             </a:lvl1pPr>
           </a:lstStyle>
           <a:p>
@@ -991,18 +1308,13 @@
               <a:rPr lang="en-US"/>
               <a:t>Click to edit Master title style</a:t>
             </a:r>
-          </a:p>
-        </p:txBody>
-      </p:sp>
-      <p:sp>
-        <p:nvSpPr>
-          <p:cNvPr id="3" name="Text Placeholder 2">
-            <a:extLst>
-              <a:ext uri="{FF2B5EF4-FFF2-40B4-BE49-F238E27FC236}">
-                <a16:creationId xmlns:a16="http://schemas.microsoft.com/office/drawing/2014/main" id="{4EDD5799-B620-42A2-84FF-A07F3A51546A}"/>
-              </a:ext>
-            </a:extLst>
-          </p:cNvPr>
+            <a:endParaRPr lang="en-US" dirty="0"/>
+          </a:p>
+        </p:txBody>
+      </p:sp>
+      <p:sp>
+        <p:nvSpPr>
+          <p:cNvPr id="3" name="Text Placeholder 2"/>
           <p:cNvSpPr>
             <a:spLocks noGrp="1"/>
           </p:cNvSpPr>
@@ -1012,26 +1324,26 @@
         </p:nvSpPr>
         <p:spPr>
           <a:xfrm>
-            <a:off x="831850" y="4589463"/>
-            <a:ext cx="10515600" cy="1500187"/>
-          </a:xfrm>
-        </p:spPr>
-        <p:txBody>
-          <a:bodyPr/>
+            <a:off x="581192" y="4541417"/>
+            <a:ext cx="11029615" cy="600556"/>
+          </a:xfrm>
+        </p:spPr>
+        <p:txBody>
+          <a:bodyPr anchor="t">
+            <a:normAutofit/>
+          </a:bodyPr>
           <a:lstStyle>
-            <a:lvl1pPr marL="0" indent="0">
+            <a:lvl1pPr marL="0" indent="0" algn="l">
               <a:buNone/>
-              <a:defRPr sz="2400">
+              <a:defRPr sz="1800" cap="all">
                 <a:solidFill>
-                  <a:schemeClr val="tx1">
-                    <a:tint val="75000"/>
-                  </a:schemeClr>
+                  <a:schemeClr val="accent2"/>
                 </a:solidFill>
               </a:defRPr>
             </a:lvl1pPr>
             <a:lvl2pPr marL="457200" indent="0">
               <a:buNone/>
-              <a:defRPr sz="2000">
+              <a:defRPr sz="1800">
                 <a:solidFill>
                   <a:schemeClr val="tx1">
                     <a:tint val="75000"/>
@@ -1041,7 +1353,7 @@
             </a:lvl2pPr>
             <a:lvl3pPr marL="914400" indent="0">
               <a:buNone/>
-              <a:defRPr sz="1800">
+              <a:defRPr sz="1600">
                 <a:solidFill>
                   <a:schemeClr val="tx1">
                     <a:tint val="75000"/>
@@ -1051,7 +1363,7 @@
             </a:lvl3pPr>
             <a:lvl4pPr marL="1371600" indent="0">
               <a:buNone/>
-              <a:defRPr sz="1600">
+              <a:defRPr sz="1400">
                 <a:solidFill>
                   <a:schemeClr val="tx1">
                     <a:tint val="75000"/>
@@ -1061,7 +1373,7 @@
             </a:lvl4pPr>
             <a:lvl5pPr marL="1828800" indent="0">
               <a:buNone/>
-              <a:defRPr sz="1600">
+              <a:defRPr sz="1400">
                 <a:solidFill>
                   <a:schemeClr val="tx1">
                     <a:tint val="75000"/>
@@ -1071,7 +1383,7 @@
             </a:lvl5pPr>
             <a:lvl6pPr marL="2286000" indent="0">
               <a:buNone/>
-              <a:defRPr sz="1600">
+              <a:defRPr sz="1400">
                 <a:solidFill>
                   <a:schemeClr val="tx1">
                     <a:tint val="75000"/>
@@ -1081,7 +1393,7 @@
             </a:lvl6pPr>
             <a:lvl7pPr marL="2743200" indent="0">
               <a:buNone/>
-              <a:defRPr sz="1600">
+              <a:defRPr sz="1400">
                 <a:solidFill>
                   <a:schemeClr val="tx1">
                     <a:tint val="75000"/>
@@ -1091,7 +1403,7 @@
             </a:lvl7pPr>
             <a:lvl8pPr marL="3200400" indent="0">
               <a:buNone/>
-              <a:defRPr sz="1600">
+              <a:defRPr sz="1400">
                 <a:solidFill>
                   <a:schemeClr val="tx1">
                     <a:tint val="75000"/>
@@ -1101,7 +1413,7 @@
             </a:lvl8pPr>
             <a:lvl9pPr marL="3657600" indent="0">
               <a:buNone/>
-              <a:defRPr sz="1600">
+              <a:defRPr sz="1400">
                 <a:solidFill>
                   <a:schemeClr val="tx1">
                     <a:tint val="75000"/>
@@ -1114,20 +1426,14 @@
             <a:pPr lvl="0"/>
             <a:r>
               <a:rPr lang="en-US"/>
-              <a:t>Edit Master text styles</a:t>
-            </a:r>
-          </a:p>
-        </p:txBody>
-      </p:sp>
-      <p:sp>
-        <p:nvSpPr>
-          <p:cNvPr id="4" name="Date Placeholder 3">
-            <a:extLst>
-              <a:ext uri="{FF2B5EF4-FFF2-40B4-BE49-F238E27FC236}">
-                <a16:creationId xmlns:a16="http://schemas.microsoft.com/office/drawing/2014/main" id="{3F4EB151-78E9-4F0B-8470-C953378EA8C4}"/>
-              </a:ext>
-            </a:extLst>
-          </p:cNvPr>
+              <a:t>Click to edit Master text styles</a:t>
+            </a:r>
+          </a:p>
+        </p:txBody>
+      </p:sp>
+      <p:sp>
+        <p:nvSpPr>
+          <p:cNvPr id="4" name="Date Placeholder 3"/>
           <p:cNvSpPr>
             <a:spLocks noGrp="1"/>
           </p:cNvSpPr>
@@ -1138,25 +1444,31 @@
         <p:spPr/>
         <p:txBody>
           <a:bodyPr/>
-          <a:lstStyle/>
-          <a:p>
-            <a:fld id="{BF9E1FCA-7CEE-4FF3-AAF0-A379815D12D4}" type="datetimeFigureOut">
+          <a:lstStyle>
+            <a:lvl1pPr>
+              <a:defRPr>
+                <a:solidFill>
+                  <a:schemeClr val="accent1">
+                    <a:lumMod val="75000"/>
+                    <a:lumOff val="25000"/>
+                  </a:schemeClr>
+                </a:solidFill>
+              </a:defRPr>
+            </a:lvl1pPr>
+          </a:lstStyle>
+          <a:p>
+            <a:fld id="{B61BEF0D-F0BB-DE4B-95CE-6DB70DBA9567}" type="datetimeFigureOut">
               <a:rPr lang="en-US" smtClean="0"/>
-              <a:t>7/5/2019</a:t>
+              <a:pPr/>
+              <a:t>8/5/2019</a:t>
             </a:fld>
-            <a:endParaRPr lang="en-US"/>
-          </a:p>
-        </p:txBody>
-      </p:sp>
-      <p:sp>
-        <p:nvSpPr>
-          <p:cNvPr id="5" name="Footer Placeholder 4">
-            <a:extLst>
-              <a:ext uri="{FF2B5EF4-FFF2-40B4-BE49-F238E27FC236}">
-                <a16:creationId xmlns:a16="http://schemas.microsoft.com/office/drawing/2014/main" id="{43085F75-50EF-4470-9024-0FBF581613E8}"/>
-              </a:ext>
-            </a:extLst>
-          </p:cNvPr>
+            <a:endParaRPr lang="en-US" dirty="0"/>
+          </a:p>
+        </p:txBody>
+      </p:sp>
+      <p:sp>
+        <p:nvSpPr>
+          <p:cNvPr id="5" name="Footer Placeholder 4"/>
           <p:cNvSpPr>
             <a:spLocks noGrp="1"/>
           </p:cNvSpPr>
@@ -1167,21 +1479,29 @@
         <p:spPr/>
         <p:txBody>
           <a:bodyPr/>
-          <a:lstStyle/>
-          <a:p>
-            <a:endParaRPr lang="en-US"/>
-          </a:p>
-        </p:txBody>
-      </p:sp>
-      <p:sp>
-        <p:nvSpPr>
-          <p:cNvPr id="6" name="Slide Number Placeholder 5">
-            <a:extLst>
-              <a:ext uri="{FF2B5EF4-FFF2-40B4-BE49-F238E27FC236}">
-                <a16:creationId xmlns:a16="http://schemas.microsoft.com/office/drawing/2014/main" id="{2DD3126E-EBAD-46ED-92A7-A70A06687A89}"/>
-              </a:ext>
-            </a:extLst>
-          </p:cNvPr>
+          <a:lstStyle>
+            <a:lvl1pPr>
+              <a:defRPr>
+                <a:solidFill>
+                  <a:schemeClr val="accent1">
+                    <a:lumMod val="75000"/>
+                    <a:lumOff val="25000"/>
+                  </a:schemeClr>
+                </a:solidFill>
+              </a:defRPr>
+            </a:lvl1pPr>
+          </a:lstStyle>
+          <a:p>
+            <a:r>
+              <a:rPr lang="en-US" dirty="0"/>
+              <a:t>PowerShell on the river | Chattanooga TN</a:t>
+            </a:r>
+          </a:p>
+        </p:txBody>
+      </p:sp>
+      <p:sp>
+        <p:nvSpPr>
+          <p:cNvPr id="6" name="Slide Number Placeholder 5"/>
           <p:cNvSpPr>
             <a:spLocks noGrp="1"/>
           </p:cNvSpPr>
@@ -1192,20 +1512,32 @@
         <p:spPr/>
         <p:txBody>
           <a:bodyPr/>
-          <a:lstStyle/>
-          <a:p>
-            <a:fld id="{DA08DE1F-0EB4-47E0-85B7-BD52E9D0598C}" type="slidenum">
+          <a:lstStyle>
+            <a:lvl1pPr>
+              <a:defRPr>
+                <a:solidFill>
+                  <a:schemeClr val="accent1">
+                    <a:lumMod val="75000"/>
+                    <a:lumOff val="25000"/>
+                  </a:schemeClr>
+                </a:solidFill>
+              </a:defRPr>
+            </a:lvl1pPr>
+          </a:lstStyle>
+          <a:p>
+            <a:fld id="{D57F1E4F-1CFF-5643-939E-217C01CDF565}" type="slidenum">
               <a:rPr lang="en-US" smtClean="0"/>
+              <a:pPr/>
               <a:t>‹#›</a:t>
             </a:fld>
-            <a:endParaRPr lang="en-US"/>
+            <a:endParaRPr lang="en-US" dirty="0"/>
           </a:p>
         </p:txBody>
       </p:sp>
     </p:spTree>
     <p:extLst>
       <p:ext uri="{BB962C8B-B14F-4D97-AF65-F5344CB8AC3E}">
-        <p14:creationId xmlns:p14="http://schemas.microsoft.com/office/powerpoint/2010/main" val="1774795839"/>
+        <p14:creationId xmlns:p14="http://schemas.microsoft.com/office/powerpoint/2010/main" val="3697555282"/>
       </p:ext>
     </p:extLst>
   </p:cSld>
@@ -1234,13 +1566,46 @@
       </p:grpSpPr>
       <p:sp>
         <p:nvSpPr>
-          <p:cNvPr id="2" name="Title 1">
-            <a:extLst>
-              <a:ext uri="{FF2B5EF4-FFF2-40B4-BE49-F238E27FC236}">
-                <a16:creationId xmlns:a16="http://schemas.microsoft.com/office/drawing/2014/main" id="{DE324B3B-C1D6-4D48-ADB4-52179B7D26D7}"/>
-              </a:ext>
-            </a:extLst>
-          </p:cNvPr>
+          <p:cNvPr id="8" name="Rectangle 7"/>
+          <p:cNvSpPr>
+            <a:spLocks noChangeAspect="1"/>
+          </p:cNvSpPr>
+          <p:nvPr/>
+        </p:nvSpPr>
+        <p:spPr>
+          <a:xfrm>
+            <a:off x="445982" y="606554"/>
+            <a:ext cx="11300036" cy="1258827"/>
+          </a:xfrm>
+          <a:prstGeom prst="rect">
+            <a:avLst/>
+          </a:prstGeom>
+          <a:solidFill>
+            <a:schemeClr val="accent1"/>
+          </a:solidFill>
+          <a:ln>
+            <a:noFill/>
+          </a:ln>
+          <a:effectLst/>
+        </p:spPr>
+        <p:style>
+          <a:lnRef idx="1">
+            <a:schemeClr val="accent1"/>
+          </a:lnRef>
+          <a:fillRef idx="3">
+            <a:schemeClr val="accent1"/>
+          </a:fillRef>
+          <a:effectRef idx="2">
+            <a:schemeClr val="accent1"/>
+          </a:effectRef>
+          <a:fontRef idx="minor">
+            <a:schemeClr val="lt1"/>
+          </a:fontRef>
+        </p:style>
+      </p:sp>
+      <p:sp>
+        <p:nvSpPr>
+          <p:cNvPr id="2" name="Title 1"/>
           <p:cNvSpPr>
             <a:spLocks noGrp="1"/>
           </p:cNvSpPr>
@@ -1248,7 +1613,12 @@
             <p:ph type="title"/>
           </p:nvPr>
         </p:nvSpPr>
-        <p:spPr/>
+        <p:spPr>
+          <a:xfrm>
+            <a:off x="581193" y="729658"/>
+            <a:ext cx="11029616" cy="988332"/>
+          </a:xfrm>
+        </p:spPr>
         <p:txBody>
           <a:bodyPr/>
           <a:lstStyle/>
@@ -1257,18 +1627,13 @@
               <a:rPr lang="en-US"/>
               <a:t>Click to edit Master title style</a:t>
             </a:r>
-          </a:p>
-        </p:txBody>
-      </p:sp>
-      <p:sp>
-        <p:nvSpPr>
-          <p:cNvPr id="3" name="Content Placeholder 2">
-            <a:extLst>
-              <a:ext uri="{FF2B5EF4-FFF2-40B4-BE49-F238E27FC236}">
-                <a16:creationId xmlns:a16="http://schemas.microsoft.com/office/drawing/2014/main" id="{03A6E10F-C715-4679-88B2-46752B1CB12C}"/>
-              </a:ext>
-            </a:extLst>
-          </p:cNvPr>
+            <a:endParaRPr lang="en-US" dirty="0"/>
+          </a:p>
+        </p:txBody>
+      </p:sp>
+      <p:sp>
+        <p:nvSpPr>
+          <p:cNvPr id="3" name="Content Placeholder 2"/>
           <p:cNvSpPr>
             <a:spLocks noGrp="1"/>
           </p:cNvSpPr>
@@ -1278,126 +1643,166 @@
         </p:nvSpPr>
         <p:spPr>
           <a:xfrm>
-            <a:off x="838200" y="1825625"/>
-            <a:ext cx="5181600" cy="4351338"/>
-          </a:xfrm>
-        </p:spPr>
+            <a:off x="581193" y="2228003"/>
+            <a:ext cx="5422390" cy="3633047"/>
+          </a:xfrm>
+        </p:spPr>
+        <p:txBody>
+          <a:bodyPr>
+            <a:normAutofit/>
+          </a:bodyPr>
+          <a:lstStyle/>
+          <a:p>
+            <a:pPr lvl="0"/>
+            <a:r>
+              <a:rPr lang="en-US"/>
+              <a:t>Click to edit Master text styles</a:t>
+            </a:r>
+          </a:p>
+          <a:p>
+            <a:pPr lvl="1"/>
+            <a:r>
+              <a:rPr lang="en-US"/>
+              <a:t>Second level</a:t>
+            </a:r>
+          </a:p>
+          <a:p>
+            <a:pPr lvl="2"/>
+            <a:r>
+              <a:rPr lang="en-US"/>
+              <a:t>Third level</a:t>
+            </a:r>
+          </a:p>
+          <a:p>
+            <a:pPr lvl="3"/>
+            <a:r>
+              <a:rPr lang="en-US"/>
+              <a:t>Fourth level</a:t>
+            </a:r>
+          </a:p>
+          <a:p>
+            <a:pPr lvl="4"/>
+            <a:r>
+              <a:rPr lang="en-US"/>
+              <a:t>Fifth level</a:t>
+            </a:r>
+            <a:endParaRPr lang="en-US" dirty="0"/>
+          </a:p>
+        </p:txBody>
+      </p:sp>
+      <p:sp>
+        <p:nvSpPr>
+          <p:cNvPr id="4" name="Content Placeholder 3"/>
+          <p:cNvSpPr>
+            <a:spLocks noGrp="1"/>
+          </p:cNvSpPr>
+          <p:nvPr>
+            <p:ph sz="half" idx="2"/>
+          </p:nvPr>
+        </p:nvSpPr>
+        <p:spPr>
+          <a:xfrm>
+            <a:off x="6188417" y="2228003"/>
+            <a:ext cx="5422392" cy="3633047"/>
+          </a:xfrm>
+        </p:spPr>
+        <p:txBody>
+          <a:bodyPr>
+            <a:normAutofit/>
+          </a:bodyPr>
+          <a:lstStyle/>
+          <a:p>
+            <a:pPr lvl="0"/>
+            <a:r>
+              <a:rPr lang="en-US"/>
+              <a:t>Click to edit Master text styles</a:t>
+            </a:r>
+          </a:p>
+          <a:p>
+            <a:pPr lvl="1"/>
+            <a:r>
+              <a:rPr lang="en-US"/>
+              <a:t>Second level</a:t>
+            </a:r>
+          </a:p>
+          <a:p>
+            <a:pPr lvl="2"/>
+            <a:r>
+              <a:rPr lang="en-US"/>
+              <a:t>Third level</a:t>
+            </a:r>
+          </a:p>
+          <a:p>
+            <a:pPr lvl="3"/>
+            <a:r>
+              <a:rPr lang="en-US"/>
+              <a:t>Fourth level</a:t>
+            </a:r>
+          </a:p>
+          <a:p>
+            <a:pPr lvl="4"/>
+            <a:r>
+              <a:rPr lang="en-US"/>
+              <a:t>Fifth level</a:t>
+            </a:r>
+            <a:endParaRPr lang="en-US" dirty="0"/>
+          </a:p>
+        </p:txBody>
+      </p:sp>
+      <p:sp>
+        <p:nvSpPr>
+          <p:cNvPr id="5" name="Date Placeholder 4"/>
+          <p:cNvSpPr>
+            <a:spLocks noGrp="1"/>
+          </p:cNvSpPr>
+          <p:nvPr>
+            <p:ph type="dt" sz="half" idx="10"/>
+          </p:nvPr>
+        </p:nvSpPr>
+        <p:spPr/>
         <p:txBody>
           <a:bodyPr/>
           <a:lstStyle/>
           <a:p>
-            <a:pPr lvl="0"/>
-            <a:r>
-              <a:rPr lang="en-US"/>
-              <a:t>Edit Master text styles</a:t>
-            </a:r>
-          </a:p>
-          <a:p>
-            <a:pPr lvl="1"/>
-            <a:r>
-              <a:rPr lang="en-US"/>
-              <a:t>Second level</a:t>
-            </a:r>
-          </a:p>
-          <a:p>
-            <a:pPr lvl="2"/>
-            <a:r>
-              <a:rPr lang="en-US"/>
-              <a:t>Third level</a:t>
-            </a:r>
-          </a:p>
-          <a:p>
-            <a:pPr lvl="3"/>
-            <a:r>
-              <a:rPr lang="en-US"/>
-              <a:t>Fourth level</a:t>
-            </a:r>
-          </a:p>
-          <a:p>
-            <a:pPr lvl="4"/>
-            <a:r>
-              <a:rPr lang="en-US"/>
-              <a:t>Fifth level</a:t>
-            </a:r>
-          </a:p>
-        </p:txBody>
-      </p:sp>
-      <p:sp>
-        <p:nvSpPr>
-          <p:cNvPr id="4" name="Content Placeholder 3">
-            <a:extLst>
-              <a:ext uri="{FF2B5EF4-FFF2-40B4-BE49-F238E27FC236}">
-                <a16:creationId xmlns:a16="http://schemas.microsoft.com/office/drawing/2014/main" id="{ECD5D341-4E6F-43B6-B69B-B9435FD4D779}"/>
-              </a:ext>
-            </a:extLst>
-          </p:cNvPr>
-          <p:cNvSpPr>
-            <a:spLocks noGrp="1"/>
-          </p:cNvSpPr>
-          <p:nvPr>
-            <p:ph sz="half" idx="2"/>
-          </p:nvPr>
-        </p:nvSpPr>
-        <p:spPr>
-          <a:xfrm>
-            <a:off x="6172200" y="1825625"/>
-            <a:ext cx="5181600" cy="4351338"/>
-          </a:xfrm>
-        </p:spPr>
+            <a:fld id="{B61BEF0D-F0BB-DE4B-95CE-6DB70DBA9567}" type="datetimeFigureOut">
+              <a:rPr lang="en-US" smtClean="0"/>
+              <a:pPr/>
+              <a:t>8/5/2019</a:t>
+            </a:fld>
+            <a:endParaRPr lang="en-US" dirty="0"/>
+          </a:p>
+        </p:txBody>
+      </p:sp>
+      <p:sp>
+        <p:nvSpPr>
+          <p:cNvPr id="6" name="Footer Placeholder 5"/>
+          <p:cNvSpPr>
+            <a:spLocks noGrp="1"/>
+          </p:cNvSpPr>
+          <p:nvPr>
+            <p:ph type="ftr" sz="quarter" idx="11"/>
+          </p:nvPr>
+        </p:nvSpPr>
+        <p:spPr/>
         <p:txBody>
           <a:bodyPr/>
           <a:lstStyle/>
           <a:p>
-            <a:pPr lvl="0"/>
-            <a:r>
-              <a:rPr lang="en-US"/>
-              <a:t>Edit Master text styles</a:t>
-            </a:r>
-          </a:p>
-          <a:p>
-            <a:pPr lvl="1"/>
-            <a:r>
-              <a:rPr lang="en-US"/>
-              <a:t>Second level</a:t>
-            </a:r>
-          </a:p>
-          <a:p>
-            <a:pPr lvl="2"/>
-            <a:r>
-              <a:rPr lang="en-US"/>
-              <a:t>Third level</a:t>
-            </a:r>
-          </a:p>
-          <a:p>
-            <a:pPr lvl="3"/>
-            <a:r>
-              <a:rPr lang="en-US"/>
-              <a:t>Fourth level</a:t>
-            </a:r>
-          </a:p>
-          <a:p>
-            <a:pPr lvl="4"/>
-            <a:r>
-              <a:rPr lang="en-US"/>
-              <a:t>Fifth level</a:t>
-            </a:r>
-          </a:p>
-        </p:txBody>
-      </p:sp>
-      <p:sp>
-        <p:nvSpPr>
-          <p:cNvPr id="5" name="Date Placeholder 4">
-            <a:extLst>
-              <a:ext uri="{FF2B5EF4-FFF2-40B4-BE49-F238E27FC236}">
-                <a16:creationId xmlns:a16="http://schemas.microsoft.com/office/drawing/2014/main" id="{242AAA76-7126-4322-B599-3D95FBAD5A4E}"/>
-              </a:ext>
-            </a:extLst>
-          </p:cNvPr>
-          <p:cNvSpPr>
-            <a:spLocks noGrp="1"/>
-          </p:cNvSpPr>
-          <p:nvPr>
-            <p:ph type="dt" sz="half" idx="10"/>
+            <a:r>
+              <a:rPr lang="en-US" dirty="0"/>
+              <a:t>PowerShell on the river | Chattanooga TN</a:t>
+            </a:r>
+          </a:p>
+        </p:txBody>
+      </p:sp>
+      <p:sp>
+        <p:nvSpPr>
+          <p:cNvPr id="7" name="Slide Number Placeholder 6"/>
+          <p:cNvSpPr>
+            <a:spLocks noGrp="1"/>
+          </p:cNvSpPr>
+          <p:nvPr>
+            <p:ph type="sldNum" sz="quarter" idx="12"/>
           </p:nvPr>
         </p:nvSpPr>
         <p:spPr/>
@@ -1405,72 +1810,19 @@
           <a:bodyPr/>
           <a:lstStyle/>
           <a:p>
-            <a:fld id="{BF9E1FCA-7CEE-4FF3-AAF0-A379815D12D4}" type="datetimeFigureOut">
+            <a:fld id="{D57F1E4F-1CFF-5643-939E-217C01CDF565}" type="slidenum">
               <a:rPr lang="en-US" smtClean="0"/>
-              <a:t>7/5/2019</a:t>
-            </a:fld>
-            <a:endParaRPr lang="en-US"/>
-          </a:p>
-        </p:txBody>
-      </p:sp>
-      <p:sp>
-        <p:nvSpPr>
-          <p:cNvPr id="6" name="Footer Placeholder 5">
-            <a:extLst>
-              <a:ext uri="{FF2B5EF4-FFF2-40B4-BE49-F238E27FC236}">
-                <a16:creationId xmlns:a16="http://schemas.microsoft.com/office/drawing/2014/main" id="{2ACCDB4D-DC9F-4F94-965B-EB608A423C5A}"/>
-              </a:ext>
-            </a:extLst>
-          </p:cNvPr>
-          <p:cNvSpPr>
-            <a:spLocks noGrp="1"/>
-          </p:cNvSpPr>
-          <p:nvPr>
-            <p:ph type="ftr" sz="quarter" idx="11"/>
-          </p:nvPr>
-        </p:nvSpPr>
-        <p:spPr/>
-        <p:txBody>
-          <a:bodyPr/>
-          <a:lstStyle/>
-          <a:p>
-            <a:endParaRPr lang="en-US"/>
-          </a:p>
-        </p:txBody>
-      </p:sp>
-      <p:sp>
-        <p:nvSpPr>
-          <p:cNvPr id="7" name="Slide Number Placeholder 6">
-            <a:extLst>
-              <a:ext uri="{FF2B5EF4-FFF2-40B4-BE49-F238E27FC236}">
-                <a16:creationId xmlns:a16="http://schemas.microsoft.com/office/drawing/2014/main" id="{A6F487EA-4027-49F2-B518-C76C796F351E}"/>
-              </a:ext>
-            </a:extLst>
-          </p:cNvPr>
-          <p:cNvSpPr>
-            <a:spLocks noGrp="1"/>
-          </p:cNvSpPr>
-          <p:nvPr>
-            <p:ph type="sldNum" sz="quarter" idx="12"/>
-          </p:nvPr>
-        </p:nvSpPr>
-        <p:spPr/>
-        <p:txBody>
-          <a:bodyPr/>
-          <a:lstStyle/>
-          <a:p>
-            <a:fld id="{DA08DE1F-0EB4-47E0-85B7-BD52E9D0598C}" type="slidenum">
-              <a:rPr lang="en-US" smtClean="0"/>
+              <a:pPr/>
               <a:t>‹#›</a:t>
             </a:fld>
-            <a:endParaRPr lang="en-US"/>
+            <a:endParaRPr lang="en-US" dirty="0"/>
           </a:p>
         </p:txBody>
       </p:sp>
     </p:spTree>
     <p:extLst>
       <p:ext uri="{BB962C8B-B14F-4D97-AF65-F5344CB8AC3E}">
-        <p14:creationId xmlns:p14="http://schemas.microsoft.com/office/powerpoint/2010/main" val="2975080220"/>
+        <p14:creationId xmlns:p14="http://schemas.microsoft.com/office/powerpoint/2010/main" val="945531494"/>
       </p:ext>
     </p:extLst>
   </p:cSld>
@@ -1499,13 +1851,46 @@
       </p:grpSpPr>
       <p:sp>
         <p:nvSpPr>
-          <p:cNvPr id="2" name="Title 1">
-            <a:extLst>
-              <a:ext uri="{FF2B5EF4-FFF2-40B4-BE49-F238E27FC236}">
-                <a16:creationId xmlns:a16="http://schemas.microsoft.com/office/drawing/2014/main" id="{84D4CD44-23CD-4E8A-8B17-1B9FE1EA54D7}"/>
-              </a:ext>
-            </a:extLst>
-          </p:cNvPr>
+          <p:cNvPr id="11" name="Rectangle 10"/>
+          <p:cNvSpPr>
+            <a:spLocks noChangeAspect="1"/>
+          </p:cNvSpPr>
+          <p:nvPr/>
+        </p:nvSpPr>
+        <p:spPr>
+          <a:xfrm>
+            <a:off x="445982" y="606554"/>
+            <a:ext cx="11300036" cy="1258827"/>
+          </a:xfrm>
+          <a:prstGeom prst="rect">
+            <a:avLst/>
+          </a:prstGeom>
+          <a:solidFill>
+            <a:schemeClr val="accent1"/>
+          </a:solidFill>
+          <a:ln>
+            <a:noFill/>
+          </a:ln>
+          <a:effectLst/>
+        </p:spPr>
+        <p:style>
+          <a:lnRef idx="1">
+            <a:schemeClr val="accent1"/>
+          </a:lnRef>
+          <a:fillRef idx="3">
+            <a:schemeClr val="accent1"/>
+          </a:fillRef>
+          <a:effectRef idx="2">
+            <a:schemeClr val="accent1"/>
+          </a:effectRef>
+          <a:fontRef idx="minor">
+            <a:schemeClr val="lt1"/>
+          </a:fontRef>
+        </p:style>
+      </p:sp>
+      <p:sp>
+        <p:nvSpPr>
+          <p:cNvPr id="12" name="Title 1"/>
           <p:cNvSpPr>
             <a:spLocks noGrp="1"/>
           </p:cNvSpPr>
@@ -1515,8 +1900,8 @@
         </p:nvSpPr>
         <p:spPr>
           <a:xfrm>
-            <a:off x="839788" y="365125"/>
-            <a:ext cx="10515600" cy="1325563"/>
+            <a:off x="581193" y="729658"/>
+            <a:ext cx="11029616" cy="988332"/>
           </a:xfrm>
         </p:spPr>
         <p:txBody>
@@ -1527,18 +1912,13 @@
               <a:rPr lang="en-US"/>
               <a:t>Click to edit Master title style</a:t>
             </a:r>
-          </a:p>
-        </p:txBody>
-      </p:sp>
-      <p:sp>
-        <p:nvSpPr>
-          <p:cNvPr id="3" name="Text Placeholder 2">
-            <a:extLst>
-              <a:ext uri="{FF2B5EF4-FFF2-40B4-BE49-F238E27FC236}">
-                <a16:creationId xmlns:a16="http://schemas.microsoft.com/office/drawing/2014/main" id="{D91216D0-6A6A-4606-A737-F4D3A0435A94}"/>
-              </a:ext>
-            </a:extLst>
-          </p:cNvPr>
+            <a:endParaRPr lang="en-US" dirty="0"/>
+          </a:p>
+        </p:txBody>
+      </p:sp>
+      <p:sp>
+        <p:nvSpPr>
+          <p:cNvPr id="3" name="Text Placeholder 2"/>
           <p:cNvSpPr>
             <a:spLocks noGrp="1"/>
           </p:cNvSpPr>
@@ -1548,16 +1928,22 @@
         </p:nvSpPr>
         <p:spPr>
           <a:xfrm>
-            <a:off x="839788" y="1681163"/>
-            <a:ext cx="5157787" cy="823912"/>
-          </a:xfrm>
-        </p:spPr>
-        <p:txBody>
-          <a:bodyPr anchor="b"/>
+            <a:off x="887219" y="2250892"/>
+            <a:ext cx="5087075" cy="536005"/>
+          </a:xfrm>
+        </p:spPr>
+        <p:txBody>
+          <a:bodyPr anchor="b">
+            <a:noAutofit/>
+          </a:bodyPr>
           <a:lstStyle>
             <a:lvl1pPr marL="0" indent="0">
               <a:buNone/>
-              <a:defRPr sz="2400" b="1"/>
+              <a:defRPr sz="2200" b="0">
+                <a:solidFill>
+                  <a:schemeClr val="accent2"/>
+                </a:solidFill>
+              </a:defRPr>
             </a:lvl1pPr>
             <a:lvl2pPr marL="457200" indent="0">
               <a:buNone/>
@@ -1596,20 +1982,14 @@
             <a:pPr lvl="0"/>
             <a:r>
               <a:rPr lang="en-US"/>
-              <a:t>Edit Master text styles</a:t>
-            </a:r>
-          </a:p>
-        </p:txBody>
-      </p:sp>
-      <p:sp>
-        <p:nvSpPr>
-          <p:cNvPr id="4" name="Content Placeholder 3">
-            <a:extLst>
-              <a:ext uri="{FF2B5EF4-FFF2-40B4-BE49-F238E27FC236}">
-                <a16:creationId xmlns:a16="http://schemas.microsoft.com/office/drawing/2014/main" id="{F77A30A6-B091-42AB-8B94-84BFF2D071B7}"/>
-              </a:ext>
-            </a:extLst>
-          </p:cNvPr>
+              <a:t>Click to edit Master text styles</a:t>
+            </a:r>
+          </a:p>
+        </p:txBody>
+      </p:sp>
+      <p:sp>
+        <p:nvSpPr>
+          <p:cNvPr id="4" name="Content Placeholder 3"/>
           <p:cNvSpPr>
             <a:spLocks noGrp="1"/>
           </p:cNvSpPr>
@@ -1619,18 +1999,20 @@
         </p:nvSpPr>
         <p:spPr>
           <a:xfrm>
-            <a:off x="839788" y="2505075"/>
-            <a:ext cx="5157787" cy="3684588"/>
-          </a:xfrm>
-        </p:spPr>
-        <p:txBody>
-          <a:bodyPr/>
+            <a:off x="581194" y="2926052"/>
+            <a:ext cx="5393100" cy="2934999"/>
+          </a:xfrm>
+        </p:spPr>
+        <p:txBody>
+          <a:bodyPr anchor="t">
+            <a:normAutofit/>
+          </a:bodyPr>
           <a:lstStyle/>
           <a:p>
             <a:pPr lvl="0"/>
             <a:r>
               <a:rPr lang="en-US"/>
-              <a:t>Edit Master text styles</a:t>
+              <a:t>Click to edit Master text styles</a:t>
             </a:r>
           </a:p>
           <a:p>
@@ -1660,18 +2042,13 @@
               <a:rPr lang="en-US"/>
               <a:t>Fifth level</a:t>
             </a:r>
-          </a:p>
-        </p:txBody>
-      </p:sp>
-      <p:sp>
-        <p:nvSpPr>
-          <p:cNvPr id="5" name="Text Placeholder 4">
-            <a:extLst>
-              <a:ext uri="{FF2B5EF4-FFF2-40B4-BE49-F238E27FC236}">
-                <a16:creationId xmlns:a16="http://schemas.microsoft.com/office/drawing/2014/main" id="{C45CB0B9-0DDB-41E3-BCEA-D12016831F9D}"/>
-              </a:ext>
-            </a:extLst>
-          </p:cNvPr>
+            <a:endParaRPr lang="en-US" dirty="0"/>
+          </a:p>
+        </p:txBody>
+      </p:sp>
+      <p:sp>
+        <p:nvSpPr>
+          <p:cNvPr id="5" name="Text Placeholder 4"/>
           <p:cNvSpPr>
             <a:spLocks noGrp="1"/>
           </p:cNvSpPr>
@@ -1681,16 +2058,22 @@
         </p:nvSpPr>
         <p:spPr>
           <a:xfrm>
-            <a:off x="6172200" y="1681163"/>
-            <a:ext cx="5183188" cy="823912"/>
-          </a:xfrm>
-        </p:spPr>
-        <p:txBody>
-          <a:bodyPr anchor="b"/>
+            <a:off x="6523735" y="2250892"/>
+            <a:ext cx="5087073" cy="553373"/>
+          </a:xfrm>
+        </p:spPr>
+        <p:txBody>
+          <a:bodyPr anchor="b">
+            <a:noAutofit/>
+          </a:bodyPr>
           <a:lstStyle>
             <a:lvl1pPr marL="0" indent="0">
               <a:buNone/>
-              <a:defRPr sz="2400" b="1"/>
+              <a:defRPr sz="2200" b="0">
+                <a:solidFill>
+                  <a:schemeClr val="accent2"/>
+                </a:solidFill>
+              </a:defRPr>
             </a:lvl1pPr>
             <a:lvl2pPr marL="457200" indent="0">
               <a:buNone/>
@@ -1729,20 +2112,14 @@
             <a:pPr lvl="0"/>
             <a:r>
               <a:rPr lang="en-US"/>
-              <a:t>Edit Master text styles</a:t>
-            </a:r>
-          </a:p>
-        </p:txBody>
-      </p:sp>
-      <p:sp>
-        <p:nvSpPr>
-          <p:cNvPr id="6" name="Content Placeholder 5">
-            <a:extLst>
-              <a:ext uri="{FF2B5EF4-FFF2-40B4-BE49-F238E27FC236}">
-                <a16:creationId xmlns:a16="http://schemas.microsoft.com/office/drawing/2014/main" id="{02FBF80E-DE4C-40A4-ACE4-29FD439BDCF1}"/>
-              </a:ext>
-            </a:extLst>
-          </p:cNvPr>
+              <a:t>Click to edit Master text styles</a:t>
+            </a:r>
+          </a:p>
+        </p:txBody>
+      </p:sp>
+      <p:sp>
+        <p:nvSpPr>
+          <p:cNvPr id="6" name="Content Placeholder 5"/>
           <p:cNvSpPr>
             <a:spLocks noGrp="1"/>
           </p:cNvSpPr>
@@ -1752,64 +2129,85 @@
         </p:nvSpPr>
         <p:spPr>
           <a:xfrm>
-            <a:off x="6172200" y="2505075"/>
-            <a:ext cx="5183188" cy="3684588"/>
-          </a:xfrm>
-        </p:spPr>
+            <a:off x="6217709" y="2926052"/>
+            <a:ext cx="5393100" cy="2934999"/>
+          </a:xfrm>
+        </p:spPr>
+        <p:txBody>
+          <a:bodyPr anchor="t">
+            <a:normAutofit/>
+          </a:bodyPr>
+          <a:lstStyle/>
+          <a:p>
+            <a:pPr lvl="0"/>
+            <a:r>
+              <a:rPr lang="en-US"/>
+              <a:t>Click to edit Master text styles</a:t>
+            </a:r>
+          </a:p>
+          <a:p>
+            <a:pPr lvl="1"/>
+            <a:r>
+              <a:rPr lang="en-US"/>
+              <a:t>Second level</a:t>
+            </a:r>
+          </a:p>
+          <a:p>
+            <a:pPr lvl="2"/>
+            <a:r>
+              <a:rPr lang="en-US"/>
+              <a:t>Third level</a:t>
+            </a:r>
+          </a:p>
+          <a:p>
+            <a:pPr lvl="3"/>
+            <a:r>
+              <a:rPr lang="en-US"/>
+              <a:t>Fourth level</a:t>
+            </a:r>
+          </a:p>
+          <a:p>
+            <a:pPr lvl="4"/>
+            <a:r>
+              <a:rPr lang="en-US"/>
+              <a:t>Fifth level</a:t>
+            </a:r>
+            <a:endParaRPr lang="en-US" dirty="0"/>
+          </a:p>
+        </p:txBody>
+      </p:sp>
+      <p:sp>
+        <p:nvSpPr>
+          <p:cNvPr id="7" name="Date Placeholder 6"/>
+          <p:cNvSpPr>
+            <a:spLocks noGrp="1"/>
+          </p:cNvSpPr>
+          <p:nvPr>
+            <p:ph type="dt" sz="half" idx="10"/>
+          </p:nvPr>
+        </p:nvSpPr>
+        <p:spPr/>
         <p:txBody>
           <a:bodyPr/>
           <a:lstStyle/>
           <a:p>
-            <a:pPr lvl="0"/>
-            <a:r>
-              <a:rPr lang="en-US"/>
-              <a:t>Edit Master text styles</a:t>
-            </a:r>
-          </a:p>
-          <a:p>
-            <a:pPr lvl="1"/>
-            <a:r>
-              <a:rPr lang="en-US"/>
-              <a:t>Second level</a:t>
-            </a:r>
-          </a:p>
-          <a:p>
-            <a:pPr lvl="2"/>
-            <a:r>
-              <a:rPr lang="en-US"/>
-              <a:t>Third level</a:t>
-            </a:r>
-          </a:p>
-          <a:p>
-            <a:pPr lvl="3"/>
-            <a:r>
-              <a:rPr lang="en-US"/>
-              <a:t>Fourth level</a:t>
-            </a:r>
-          </a:p>
-          <a:p>
-            <a:pPr lvl="4"/>
-            <a:r>
-              <a:rPr lang="en-US"/>
-              <a:t>Fifth level</a:t>
-            </a:r>
-          </a:p>
-        </p:txBody>
-      </p:sp>
-      <p:sp>
-        <p:nvSpPr>
-          <p:cNvPr id="7" name="Date Placeholder 6">
-            <a:extLst>
-              <a:ext uri="{FF2B5EF4-FFF2-40B4-BE49-F238E27FC236}">
-                <a16:creationId xmlns:a16="http://schemas.microsoft.com/office/drawing/2014/main" id="{9842FCDB-2FF1-45D2-B814-1B19D2862E62}"/>
-              </a:ext>
-            </a:extLst>
-          </p:cNvPr>
-          <p:cNvSpPr>
-            <a:spLocks noGrp="1"/>
-          </p:cNvSpPr>
-          <p:nvPr>
-            <p:ph type="dt" sz="half" idx="10"/>
+            <a:fld id="{B61BEF0D-F0BB-DE4B-95CE-6DB70DBA9567}" type="datetimeFigureOut">
+              <a:rPr lang="en-US" smtClean="0"/>
+              <a:pPr/>
+              <a:t>8/5/2019</a:t>
+            </a:fld>
+            <a:endParaRPr lang="en-US" dirty="0"/>
+          </a:p>
+        </p:txBody>
+      </p:sp>
+      <p:sp>
+        <p:nvSpPr>
+          <p:cNvPr id="8" name="Footer Placeholder 7"/>
+          <p:cNvSpPr>
+            <a:spLocks noGrp="1"/>
+          </p:cNvSpPr>
+          <p:nvPr>
+            <p:ph type="ftr" sz="quarter" idx="11"/>
           </p:nvPr>
         </p:nvSpPr>
         <p:spPr/>
@@ -1817,28 +2215,21 @@
           <a:bodyPr/>
           <a:lstStyle/>
           <a:p>
-            <a:fld id="{BF9E1FCA-7CEE-4FF3-AAF0-A379815D12D4}" type="datetimeFigureOut">
-              <a:rPr lang="en-US" smtClean="0"/>
-              <a:t>7/5/2019</a:t>
-            </a:fld>
-            <a:endParaRPr lang="en-US"/>
-          </a:p>
-        </p:txBody>
-      </p:sp>
-      <p:sp>
-        <p:nvSpPr>
-          <p:cNvPr id="8" name="Footer Placeholder 7">
-            <a:extLst>
-              <a:ext uri="{FF2B5EF4-FFF2-40B4-BE49-F238E27FC236}">
-                <a16:creationId xmlns:a16="http://schemas.microsoft.com/office/drawing/2014/main" id="{51896B5C-2EAB-4598-A4AB-F0949518212A}"/>
-              </a:ext>
-            </a:extLst>
-          </p:cNvPr>
-          <p:cNvSpPr>
-            <a:spLocks noGrp="1"/>
-          </p:cNvSpPr>
-          <p:nvPr>
-            <p:ph type="ftr" sz="quarter" idx="11"/>
+            <a:r>
+              <a:rPr lang="en-US" dirty="0"/>
+              <a:t>PowerShell on the river | Chattanooga TN</a:t>
+            </a:r>
+          </a:p>
+        </p:txBody>
+      </p:sp>
+      <p:sp>
+        <p:nvSpPr>
+          <p:cNvPr id="9" name="Slide Number Placeholder 8"/>
+          <p:cNvSpPr>
+            <a:spLocks noGrp="1"/>
+          </p:cNvSpPr>
+          <p:nvPr>
+            <p:ph type="sldNum" sz="quarter" idx="12"/>
           </p:nvPr>
         </p:nvSpPr>
         <p:spPr/>
@@ -1846,43 +2237,19 @@
           <a:bodyPr/>
           <a:lstStyle/>
           <a:p>
-            <a:endParaRPr lang="en-US"/>
-          </a:p>
-        </p:txBody>
-      </p:sp>
-      <p:sp>
-        <p:nvSpPr>
-          <p:cNvPr id="9" name="Slide Number Placeholder 8">
-            <a:extLst>
-              <a:ext uri="{FF2B5EF4-FFF2-40B4-BE49-F238E27FC236}">
-                <a16:creationId xmlns:a16="http://schemas.microsoft.com/office/drawing/2014/main" id="{976FC9CD-E198-40B8-B44D-91FFAEDFAC4B}"/>
-              </a:ext>
-            </a:extLst>
-          </p:cNvPr>
-          <p:cNvSpPr>
-            <a:spLocks noGrp="1"/>
-          </p:cNvSpPr>
-          <p:nvPr>
-            <p:ph type="sldNum" sz="quarter" idx="12"/>
-          </p:nvPr>
-        </p:nvSpPr>
-        <p:spPr/>
-        <p:txBody>
-          <a:bodyPr/>
-          <a:lstStyle/>
-          <a:p>
-            <a:fld id="{DA08DE1F-0EB4-47E0-85B7-BD52E9D0598C}" type="slidenum">
+            <a:fld id="{D57F1E4F-1CFF-5643-939E-217C01CDF565}" type="slidenum">
               <a:rPr lang="en-US" smtClean="0"/>
+              <a:pPr/>
               <a:t>‹#›</a:t>
             </a:fld>
-            <a:endParaRPr lang="en-US"/>
+            <a:endParaRPr lang="en-US" dirty="0"/>
           </a:p>
         </p:txBody>
       </p:sp>
     </p:spTree>
     <p:extLst>
       <p:ext uri="{BB962C8B-B14F-4D97-AF65-F5344CB8AC3E}">
-        <p14:creationId xmlns:p14="http://schemas.microsoft.com/office/powerpoint/2010/main" val="2444627794"/>
+        <p14:creationId xmlns:p14="http://schemas.microsoft.com/office/powerpoint/2010/main" val="3132016362"/>
       </p:ext>
     </p:extLst>
   </p:cSld>
@@ -1911,18 +2278,12 @@
       </p:grpSpPr>
       <p:sp>
         <p:nvSpPr>
-          <p:cNvPr id="2" name="Title 1">
-            <a:extLst>
-              <a:ext uri="{FF2B5EF4-FFF2-40B4-BE49-F238E27FC236}">
-                <a16:creationId xmlns:a16="http://schemas.microsoft.com/office/drawing/2014/main" id="{BA431F1B-B719-43D4-913C-1A4EE235310F}"/>
-              </a:ext>
-            </a:extLst>
-          </p:cNvPr>
-          <p:cNvSpPr>
-            <a:spLocks noGrp="1"/>
-          </p:cNvSpPr>
-          <p:nvPr>
-            <p:ph type="title"/>
+          <p:cNvPr id="3" name="Date Placeholder 2"/>
+          <p:cNvSpPr>
+            <a:spLocks noGrp="1"/>
+          </p:cNvSpPr>
+          <p:nvPr>
+            <p:ph type="dt" sz="half" idx="10"/>
           </p:nvPr>
         </p:nvSpPr>
         <p:spPr/>
@@ -1930,100 +2291,132 @@
           <a:bodyPr/>
           <a:lstStyle/>
           <a:p>
+            <a:fld id="{B61BEF0D-F0BB-DE4B-95CE-6DB70DBA9567}" type="datetimeFigureOut">
+              <a:rPr lang="en-US" smtClean="0"/>
+              <a:pPr/>
+              <a:t>8/5/2019</a:t>
+            </a:fld>
+            <a:endParaRPr lang="en-US" dirty="0"/>
+          </a:p>
+        </p:txBody>
+      </p:sp>
+      <p:sp>
+        <p:nvSpPr>
+          <p:cNvPr id="4" name="Footer Placeholder 3"/>
+          <p:cNvSpPr>
+            <a:spLocks noGrp="1"/>
+          </p:cNvSpPr>
+          <p:nvPr>
+            <p:ph type="ftr" sz="quarter" idx="11"/>
+          </p:nvPr>
+        </p:nvSpPr>
+        <p:spPr/>
+        <p:txBody>
+          <a:bodyPr/>
+          <a:lstStyle/>
+          <a:p>
+            <a:r>
+              <a:rPr lang="en-US" dirty="0"/>
+              <a:t>PowerShell on the river | Chattanooga TN</a:t>
+            </a:r>
+          </a:p>
+        </p:txBody>
+      </p:sp>
+      <p:sp>
+        <p:nvSpPr>
+          <p:cNvPr id="5" name="Slide Number Placeholder 4"/>
+          <p:cNvSpPr>
+            <a:spLocks noGrp="1"/>
+          </p:cNvSpPr>
+          <p:nvPr>
+            <p:ph type="sldNum" sz="quarter" idx="12"/>
+          </p:nvPr>
+        </p:nvSpPr>
+        <p:spPr/>
+        <p:txBody>
+          <a:bodyPr/>
+          <a:lstStyle/>
+          <a:p>
+            <a:fld id="{D57F1E4F-1CFF-5643-939E-217C01CDF565}" type="slidenum">
+              <a:rPr lang="en-US" smtClean="0"/>
+              <a:pPr/>
+              <a:t>‹#›</a:t>
+            </a:fld>
+            <a:endParaRPr lang="en-US" dirty="0"/>
+          </a:p>
+        </p:txBody>
+      </p:sp>
+      <p:sp>
+        <p:nvSpPr>
+          <p:cNvPr id="7" name="Rectangle 6"/>
+          <p:cNvSpPr>
+            <a:spLocks noChangeAspect="1"/>
+          </p:cNvSpPr>
+          <p:nvPr/>
+        </p:nvSpPr>
+        <p:spPr>
+          <a:xfrm>
+            <a:off x="440683" y="606554"/>
+            <a:ext cx="11300036" cy="1258827"/>
+          </a:xfrm>
+          <a:prstGeom prst="rect">
+            <a:avLst/>
+          </a:prstGeom>
+          <a:solidFill>
+            <a:schemeClr val="accent1"/>
+          </a:solidFill>
+          <a:ln>
+            <a:noFill/>
+          </a:ln>
+          <a:effectLst/>
+        </p:spPr>
+        <p:style>
+          <a:lnRef idx="1">
+            <a:schemeClr val="accent1"/>
+          </a:lnRef>
+          <a:fillRef idx="3">
+            <a:schemeClr val="accent1"/>
+          </a:fillRef>
+          <a:effectRef idx="2">
+            <a:schemeClr val="accent1"/>
+          </a:effectRef>
+          <a:fontRef idx="minor">
+            <a:schemeClr val="lt1"/>
+          </a:fontRef>
+        </p:style>
+      </p:sp>
+      <p:sp>
+        <p:nvSpPr>
+          <p:cNvPr id="8" name="Title 1"/>
+          <p:cNvSpPr>
+            <a:spLocks noGrp="1"/>
+          </p:cNvSpPr>
+          <p:nvPr>
+            <p:ph type="title"/>
+          </p:nvPr>
+        </p:nvSpPr>
+        <p:spPr>
+          <a:xfrm>
+            <a:off x="575894" y="729658"/>
+            <a:ext cx="11029616" cy="988332"/>
+          </a:xfrm>
+        </p:spPr>
+        <p:txBody>
+          <a:bodyPr/>
+          <a:lstStyle/>
+          <a:p>
             <a:r>
               <a:rPr lang="en-US"/>
               <a:t>Click to edit Master title style</a:t>
             </a:r>
-          </a:p>
-        </p:txBody>
-      </p:sp>
-      <p:sp>
-        <p:nvSpPr>
-          <p:cNvPr id="3" name="Date Placeholder 2">
-            <a:extLst>
-              <a:ext uri="{FF2B5EF4-FFF2-40B4-BE49-F238E27FC236}">
-                <a16:creationId xmlns:a16="http://schemas.microsoft.com/office/drawing/2014/main" id="{69619D56-5438-473E-8DE7-0621F90F5ABF}"/>
-              </a:ext>
-            </a:extLst>
-          </p:cNvPr>
-          <p:cNvSpPr>
-            <a:spLocks noGrp="1"/>
-          </p:cNvSpPr>
-          <p:nvPr>
-            <p:ph type="dt" sz="half" idx="10"/>
-          </p:nvPr>
-        </p:nvSpPr>
-        <p:spPr/>
-        <p:txBody>
-          <a:bodyPr/>
-          <a:lstStyle/>
-          <a:p>
-            <a:fld id="{BF9E1FCA-7CEE-4FF3-AAF0-A379815D12D4}" type="datetimeFigureOut">
-              <a:rPr lang="en-US" smtClean="0"/>
-              <a:t>7/5/2019</a:t>
-            </a:fld>
-            <a:endParaRPr lang="en-US"/>
-          </a:p>
-        </p:txBody>
-      </p:sp>
-      <p:sp>
-        <p:nvSpPr>
-          <p:cNvPr id="4" name="Footer Placeholder 3">
-            <a:extLst>
-              <a:ext uri="{FF2B5EF4-FFF2-40B4-BE49-F238E27FC236}">
-                <a16:creationId xmlns:a16="http://schemas.microsoft.com/office/drawing/2014/main" id="{7855CD3A-0462-4052-BD56-97C4123BC6F1}"/>
-              </a:ext>
-            </a:extLst>
-          </p:cNvPr>
-          <p:cNvSpPr>
-            <a:spLocks noGrp="1"/>
-          </p:cNvSpPr>
-          <p:nvPr>
-            <p:ph type="ftr" sz="quarter" idx="11"/>
-          </p:nvPr>
-        </p:nvSpPr>
-        <p:spPr/>
-        <p:txBody>
-          <a:bodyPr/>
-          <a:lstStyle/>
-          <a:p>
-            <a:endParaRPr lang="en-US"/>
-          </a:p>
-        </p:txBody>
-      </p:sp>
-      <p:sp>
-        <p:nvSpPr>
-          <p:cNvPr id="5" name="Slide Number Placeholder 4">
-            <a:extLst>
-              <a:ext uri="{FF2B5EF4-FFF2-40B4-BE49-F238E27FC236}">
-                <a16:creationId xmlns:a16="http://schemas.microsoft.com/office/drawing/2014/main" id="{A5B297DA-7413-4E85-9C26-DF7B5F77E206}"/>
-              </a:ext>
-            </a:extLst>
-          </p:cNvPr>
-          <p:cNvSpPr>
-            <a:spLocks noGrp="1"/>
-          </p:cNvSpPr>
-          <p:nvPr>
-            <p:ph type="sldNum" sz="quarter" idx="12"/>
-          </p:nvPr>
-        </p:nvSpPr>
-        <p:spPr/>
-        <p:txBody>
-          <a:bodyPr/>
-          <a:lstStyle/>
-          <a:p>
-            <a:fld id="{DA08DE1F-0EB4-47E0-85B7-BD52E9D0598C}" type="slidenum">
-              <a:rPr lang="en-US" smtClean="0"/>
-              <a:t>‹#›</a:t>
-            </a:fld>
-            <a:endParaRPr lang="en-US"/>
+            <a:endParaRPr lang="en-US" dirty="0"/>
           </a:p>
         </p:txBody>
       </p:sp>
     </p:spTree>
     <p:extLst>
       <p:ext uri="{BB962C8B-B14F-4D97-AF65-F5344CB8AC3E}">
-        <p14:creationId xmlns:p14="http://schemas.microsoft.com/office/powerpoint/2010/main" val="2123316176"/>
+        <p14:creationId xmlns:p14="http://schemas.microsoft.com/office/powerpoint/2010/main" val="1628338523"/>
       </p:ext>
     </p:extLst>
   </p:cSld>
@@ -2052,13 +2445,7 @@
       </p:grpSpPr>
       <p:sp>
         <p:nvSpPr>
-          <p:cNvPr id="2" name="Date Placeholder 1">
-            <a:extLst>
-              <a:ext uri="{FF2B5EF4-FFF2-40B4-BE49-F238E27FC236}">
-                <a16:creationId xmlns:a16="http://schemas.microsoft.com/office/drawing/2014/main" id="{9B1841EF-F84E-4ED5-BFA1-99DBEC053465}"/>
-              </a:ext>
-            </a:extLst>
-          </p:cNvPr>
+          <p:cNvPr id="2" name="Date Placeholder 1"/>
           <p:cNvSpPr>
             <a:spLocks noGrp="1"/>
           </p:cNvSpPr>
@@ -2071,23 +2458,18 @@
           <a:bodyPr/>
           <a:lstStyle/>
           <a:p>
-            <a:fld id="{BF9E1FCA-7CEE-4FF3-AAF0-A379815D12D4}" type="datetimeFigureOut">
+            <a:fld id="{B61BEF0D-F0BB-DE4B-95CE-6DB70DBA9567}" type="datetimeFigureOut">
               <a:rPr lang="en-US" smtClean="0"/>
-              <a:t>7/5/2019</a:t>
+              <a:pPr/>
+              <a:t>8/5/2019</a:t>
             </a:fld>
-            <a:endParaRPr lang="en-US"/>
-          </a:p>
-        </p:txBody>
-      </p:sp>
-      <p:sp>
-        <p:nvSpPr>
-          <p:cNvPr id="3" name="Footer Placeholder 2">
-            <a:extLst>
-              <a:ext uri="{FF2B5EF4-FFF2-40B4-BE49-F238E27FC236}">
-                <a16:creationId xmlns:a16="http://schemas.microsoft.com/office/drawing/2014/main" id="{CC9F0CF6-FA31-42AB-A86D-27BA50F32C3B}"/>
-              </a:ext>
-            </a:extLst>
-          </p:cNvPr>
+            <a:endParaRPr lang="en-US" dirty="0"/>
+          </a:p>
+        </p:txBody>
+      </p:sp>
+      <p:sp>
+        <p:nvSpPr>
+          <p:cNvPr id="3" name="Footer Placeholder 2"/>
           <p:cNvSpPr>
             <a:spLocks noGrp="1"/>
           </p:cNvSpPr>
@@ -2100,19 +2482,16 @@
           <a:bodyPr/>
           <a:lstStyle/>
           <a:p>
-            <a:endParaRPr lang="en-US"/>
-          </a:p>
-        </p:txBody>
-      </p:sp>
-      <p:sp>
-        <p:nvSpPr>
-          <p:cNvPr id="4" name="Slide Number Placeholder 3">
-            <a:extLst>
-              <a:ext uri="{FF2B5EF4-FFF2-40B4-BE49-F238E27FC236}">
-                <a16:creationId xmlns:a16="http://schemas.microsoft.com/office/drawing/2014/main" id="{7265AA09-4B25-48F1-9855-0BD5F02D6B7C}"/>
-              </a:ext>
-            </a:extLst>
-          </p:cNvPr>
+            <a:r>
+              <a:rPr lang="en-US" dirty="0"/>
+              <a:t>PowerShell on the river | Chattanooga TN</a:t>
+            </a:r>
+          </a:p>
+        </p:txBody>
+      </p:sp>
+      <p:sp>
+        <p:nvSpPr>
+          <p:cNvPr id="4" name="Slide Number Placeholder 3"/>
           <p:cNvSpPr>
             <a:spLocks noGrp="1"/>
           </p:cNvSpPr>
@@ -2125,18 +2504,19 @@
           <a:bodyPr/>
           <a:lstStyle/>
           <a:p>
-            <a:fld id="{DA08DE1F-0EB4-47E0-85B7-BD52E9D0598C}" type="slidenum">
+            <a:fld id="{D57F1E4F-1CFF-5643-939E-217C01CDF565}" type="slidenum">
               <a:rPr lang="en-US" smtClean="0"/>
+              <a:pPr/>
               <a:t>‹#›</a:t>
             </a:fld>
-            <a:endParaRPr lang="en-US"/>
+            <a:endParaRPr lang="en-US" dirty="0"/>
           </a:p>
         </p:txBody>
       </p:sp>
     </p:spTree>
     <p:extLst>
       <p:ext uri="{BB962C8B-B14F-4D97-AF65-F5344CB8AC3E}">
-        <p14:creationId xmlns:p14="http://schemas.microsoft.com/office/powerpoint/2010/main" val="3683119366"/>
+        <p14:creationId xmlns:p14="http://schemas.microsoft.com/office/powerpoint/2010/main" val="3032123985"/>
       </p:ext>
     </p:extLst>
   </p:cSld>
@@ -2165,13 +2545,46 @@
       </p:grpSpPr>
       <p:sp>
         <p:nvSpPr>
-          <p:cNvPr id="2" name="Title 1">
-            <a:extLst>
-              <a:ext uri="{FF2B5EF4-FFF2-40B4-BE49-F238E27FC236}">
-                <a16:creationId xmlns:a16="http://schemas.microsoft.com/office/drawing/2014/main" id="{8C0A9BAD-40DE-427E-8D82-8DD9F8E8091D}"/>
-              </a:ext>
-            </a:extLst>
-          </p:cNvPr>
+          <p:cNvPr id="9" name="Rectangle 8"/>
+          <p:cNvSpPr>
+            <a:spLocks noChangeAspect="1"/>
+          </p:cNvSpPr>
+          <p:nvPr/>
+        </p:nvSpPr>
+        <p:spPr>
+          <a:xfrm>
+            <a:off x="447817" y="5141973"/>
+            <a:ext cx="11298200" cy="1274702"/>
+          </a:xfrm>
+          <a:prstGeom prst="rect">
+            <a:avLst/>
+          </a:prstGeom>
+          <a:solidFill>
+            <a:schemeClr val="accent1"/>
+          </a:solidFill>
+          <a:ln>
+            <a:noFill/>
+          </a:ln>
+          <a:effectLst/>
+        </p:spPr>
+        <p:style>
+          <a:lnRef idx="1">
+            <a:schemeClr val="accent1"/>
+          </a:lnRef>
+          <a:fillRef idx="3">
+            <a:schemeClr val="accent1"/>
+          </a:fillRef>
+          <a:effectRef idx="2">
+            <a:schemeClr val="accent1"/>
+          </a:effectRef>
+          <a:fontRef idx="minor">
+            <a:schemeClr val="lt1"/>
+          </a:fontRef>
+        </p:style>
+      </p:sp>
+      <p:sp>
+        <p:nvSpPr>
+          <p:cNvPr id="2" name="Title 1"/>
           <p:cNvSpPr>
             <a:spLocks noGrp="1"/>
           </p:cNvSpPr>
@@ -2181,273 +2594,334 @@
         </p:nvSpPr>
         <p:spPr>
           <a:xfrm>
-            <a:off x="839788" y="457200"/>
-            <a:ext cx="3932237" cy="1600200"/>
-          </a:xfrm>
-        </p:spPr>
-        <p:txBody>
-          <a:bodyPr anchor="b"/>
+            <a:off x="581192" y="5262296"/>
+            <a:ext cx="4909445" cy="689514"/>
+          </a:xfrm>
+        </p:spPr>
+        <p:txBody>
+          <a:bodyPr anchor="ctr"/>
+          <a:lstStyle>
+            <a:lvl1pPr algn="l">
+              <a:defRPr sz="2000" b="0">
+                <a:solidFill>
+                  <a:schemeClr val="accent1">
+                    <a:lumMod val="75000"/>
+                    <a:lumOff val="25000"/>
+                  </a:schemeClr>
+                </a:solidFill>
+              </a:defRPr>
+            </a:lvl1pPr>
+          </a:lstStyle>
+          <a:p>
+            <a:r>
+              <a:rPr lang="en-US"/>
+              <a:t>Click to edit Master title style</a:t>
+            </a:r>
+            <a:endParaRPr lang="en-US" dirty="0"/>
+          </a:p>
+        </p:txBody>
+      </p:sp>
+      <p:sp>
+        <p:nvSpPr>
+          <p:cNvPr id="3" name="Content Placeholder 2"/>
+          <p:cNvSpPr>
+            <a:spLocks noGrp="1"/>
+          </p:cNvSpPr>
+          <p:nvPr>
+            <p:ph idx="1"/>
+          </p:nvPr>
+        </p:nvSpPr>
+        <p:spPr>
+          <a:xfrm>
+            <a:off x="447816" y="601200"/>
+            <a:ext cx="11292840" cy="4204800"/>
+          </a:xfrm>
+        </p:spPr>
+        <p:txBody>
+          <a:bodyPr anchor="ctr">
+            <a:normAutofit/>
+          </a:bodyPr>
           <a:lstStyle>
             <a:lvl1pPr>
-              <a:defRPr sz="3200"/>
+              <a:defRPr sz="2000">
+                <a:solidFill>
+                  <a:schemeClr val="tx2"/>
+                </a:solidFill>
+              </a:defRPr>
             </a:lvl1pPr>
+            <a:lvl2pPr>
+              <a:defRPr sz="1800">
+                <a:solidFill>
+                  <a:schemeClr val="tx2"/>
+                </a:solidFill>
+              </a:defRPr>
+            </a:lvl2pPr>
+            <a:lvl3pPr>
+              <a:defRPr sz="1600">
+                <a:solidFill>
+                  <a:schemeClr val="tx2"/>
+                </a:solidFill>
+              </a:defRPr>
+            </a:lvl3pPr>
+            <a:lvl4pPr>
+              <a:defRPr sz="1400">
+                <a:solidFill>
+                  <a:schemeClr val="tx2"/>
+                </a:solidFill>
+              </a:defRPr>
+            </a:lvl4pPr>
+            <a:lvl5pPr>
+              <a:defRPr sz="1400">
+                <a:solidFill>
+                  <a:schemeClr val="tx2"/>
+                </a:solidFill>
+              </a:defRPr>
+            </a:lvl5pPr>
+            <a:lvl6pPr>
+              <a:defRPr sz="1400">
+                <a:solidFill>
+                  <a:schemeClr val="tx2"/>
+                </a:solidFill>
+              </a:defRPr>
+            </a:lvl6pPr>
+            <a:lvl7pPr>
+              <a:defRPr sz="1400">
+                <a:solidFill>
+                  <a:schemeClr val="tx2"/>
+                </a:solidFill>
+              </a:defRPr>
+            </a:lvl7pPr>
+            <a:lvl8pPr>
+              <a:defRPr sz="1400">
+                <a:solidFill>
+                  <a:schemeClr val="tx2"/>
+                </a:solidFill>
+              </a:defRPr>
+            </a:lvl8pPr>
+            <a:lvl9pPr>
+              <a:defRPr sz="1400">
+                <a:solidFill>
+                  <a:schemeClr val="tx2"/>
+                </a:solidFill>
+              </a:defRPr>
+            </a:lvl9pPr>
           </a:lstStyle>
           <a:p>
+            <a:pPr lvl="0"/>
             <a:r>
               <a:rPr lang="en-US"/>
-              <a:t>Click to edit Master title style</a:t>
-            </a:r>
-          </a:p>
-        </p:txBody>
-      </p:sp>
-      <p:sp>
-        <p:nvSpPr>
-          <p:cNvPr id="3" name="Content Placeholder 2">
-            <a:extLst>
-              <a:ext uri="{FF2B5EF4-FFF2-40B4-BE49-F238E27FC236}">
-                <a16:creationId xmlns:a16="http://schemas.microsoft.com/office/drawing/2014/main" id="{AB6599F2-A6D7-4962-B842-5D1872C89798}"/>
-              </a:ext>
-            </a:extLst>
-          </p:cNvPr>
-          <p:cNvSpPr>
-            <a:spLocks noGrp="1"/>
-          </p:cNvSpPr>
-          <p:nvPr>
-            <p:ph idx="1"/>
-          </p:nvPr>
-        </p:nvSpPr>
-        <p:spPr>
-          <a:xfrm>
-            <a:off x="5183188" y="987425"/>
-            <a:ext cx="6172200" cy="4873625"/>
-          </a:xfrm>
-        </p:spPr>
+              <a:t>Click to edit Master text styles</a:t>
+            </a:r>
+          </a:p>
+          <a:p>
+            <a:pPr lvl="1"/>
+            <a:r>
+              <a:rPr lang="en-US"/>
+              <a:t>Second level</a:t>
+            </a:r>
+          </a:p>
+          <a:p>
+            <a:pPr lvl="2"/>
+            <a:r>
+              <a:rPr lang="en-US"/>
+              <a:t>Third level</a:t>
+            </a:r>
+          </a:p>
+          <a:p>
+            <a:pPr lvl="3"/>
+            <a:r>
+              <a:rPr lang="en-US"/>
+              <a:t>Fourth level</a:t>
+            </a:r>
+          </a:p>
+          <a:p>
+            <a:pPr lvl="4"/>
+            <a:r>
+              <a:rPr lang="en-US"/>
+              <a:t>Fifth level</a:t>
+            </a:r>
+            <a:endParaRPr lang="en-US" dirty="0"/>
+          </a:p>
+        </p:txBody>
+      </p:sp>
+      <p:sp>
+        <p:nvSpPr>
+          <p:cNvPr id="4" name="Text Placeholder 3"/>
+          <p:cNvSpPr>
+            <a:spLocks noGrp="1"/>
+          </p:cNvSpPr>
+          <p:nvPr>
+            <p:ph type="body" sz="half" idx="2"/>
+          </p:nvPr>
+        </p:nvSpPr>
+        <p:spPr>
+          <a:xfrm>
+            <a:off x="5740823" y="5262296"/>
+            <a:ext cx="5869987" cy="689515"/>
+          </a:xfrm>
+        </p:spPr>
+        <p:txBody>
+          <a:bodyPr anchor="ctr">
+            <a:normAutofit/>
+          </a:bodyPr>
+          <a:lstStyle>
+            <a:lvl1pPr marL="0" indent="0" algn="r">
+              <a:buNone/>
+              <a:defRPr sz="1100">
+                <a:solidFill>
+                  <a:schemeClr val="bg1"/>
+                </a:solidFill>
+              </a:defRPr>
+            </a:lvl1pPr>
+            <a:lvl2pPr marL="457200" indent="0">
+              <a:buNone/>
+              <a:defRPr sz="1100"/>
+            </a:lvl2pPr>
+            <a:lvl3pPr marL="914400" indent="0">
+              <a:buNone/>
+              <a:defRPr sz="1000"/>
+            </a:lvl3pPr>
+            <a:lvl4pPr marL="1371600" indent="0">
+              <a:buNone/>
+              <a:defRPr sz="900"/>
+            </a:lvl4pPr>
+            <a:lvl5pPr marL="1828800" indent="0">
+              <a:buNone/>
+              <a:defRPr sz="900"/>
+            </a:lvl5pPr>
+            <a:lvl6pPr marL="2286000" indent="0">
+              <a:buNone/>
+              <a:defRPr sz="900"/>
+            </a:lvl6pPr>
+            <a:lvl7pPr marL="2743200" indent="0">
+              <a:buNone/>
+              <a:defRPr sz="900"/>
+            </a:lvl7pPr>
+            <a:lvl8pPr marL="3200400" indent="0">
+              <a:buNone/>
+              <a:defRPr sz="900"/>
+            </a:lvl8pPr>
+            <a:lvl9pPr marL="3657600" indent="0">
+              <a:buNone/>
+              <a:defRPr sz="900"/>
+            </a:lvl9pPr>
+          </a:lstStyle>
+          <a:p>
+            <a:pPr lvl="0"/>
+            <a:r>
+              <a:rPr lang="en-US"/>
+              <a:t>Click to edit Master text styles</a:t>
+            </a:r>
+          </a:p>
+        </p:txBody>
+      </p:sp>
+      <p:sp>
+        <p:nvSpPr>
+          <p:cNvPr id="5" name="Date Placeholder 4"/>
+          <p:cNvSpPr>
+            <a:spLocks noGrp="1"/>
+          </p:cNvSpPr>
+          <p:nvPr>
+            <p:ph type="dt" sz="half" idx="10"/>
+          </p:nvPr>
+        </p:nvSpPr>
+        <p:spPr/>
         <p:txBody>
           <a:bodyPr/>
           <a:lstStyle>
             <a:lvl1pPr>
-              <a:defRPr sz="3200"/>
+              <a:defRPr>
+                <a:solidFill>
+                  <a:schemeClr val="accent1">
+                    <a:lumMod val="75000"/>
+                    <a:lumOff val="25000"/>
+                  </a:schemeClr>
+                </a:solidFill>
+              </a:defRPr>
             </a:lvl1pPr>
-            <a:lvl2pPr>
-              <a:defRPr sz="2800"/>
-            </a:lvl2pPr>
-            <a:lvl3pPr>
-              <a:defRPr sz="2400"/>
-            </a:lvl3pPr>
-            <a:lvl4pPr>
-              <a:defRPr sz="2000"/>
-            </a:lvl4pPr>
-            <a:lvl5pPr>
-              <a:defRPr sz="2000"/>
-            </a:lvl5pPr>
-            <a:lvl6pPr>
-              <a:defRPr sz="2000"/>
-            </a:lvl6pPr>
-            <a:lvl7pPr>
-              <a:defRPr sz="2000"/>
-            </a:lvl7pPr>
-            <a:lvl8pPr>
-              <a:defRPr sz="2000"/>
-            </a:lvl8pPr>
-            <a:lvl9pPr>
-              <a:defRPr sz="2000"/>
-            </a:lvl9pPr>
           </a:lstStyle>
           <a:p>
-            <a:pPr lvl="0"/>
-            <a:r>
-              <a:rPr lang="en-US"/>
-              <a:t>Edit Master text styles</a:t>
-            </a:r>
-          </a:p>
-          <a:p>
-            <a:pPr lvl="1"/>
-            <a:r>
-              <a:rPr lang="en-US"/>
-              <a:t>Second level</a:t>
-            </a:r>
-          </a:p>
-          <a:p>
-            <a:pPr lvl="2"/>
-            <a:r>
-              <a:rPr lang="en-US"/>
-              <a:t>Third level</a:t>
-            </a:r>
-          </a:p>
-          <a:p>
-            <a:pPr lvl="3"/>
-            <a:r>
-              <a:rPr lang="en-US"/>
-              <a:t>Fourth level</a:t>
-            </a:r>
-          </a:p>
-          <a:p>
-            <a:pPr lvl="4"/>
-            <a:r>
-              <a:rPr lang="en-US"/>
-              <a:t>Fifth level</a:t>
-            </a:r>
-          </a:p>
-        </p:txBody>
-      </p:sp>
-      <p:sp>
-        <p:nvSpPr>
-          <p:cNvPr id="4" name="Text Placeholder 3">
-            <a:extLst>
-              <a:ext uri="{FF2B5EF4-FFF2-40B4-BE49-F238E27FC236}">
-                <a16:creationId xmlns:a16="http://schemas.microsoft.com/office/drawing/2014/main" id="{08314835-B10E-48E5-BD7E-3F60ABD43A4E}"/>
-              </a:ext>
-            </a:extLst>
-          </p:cNvPr>
-          <p:cNvSpPr>
-            <a:spLocks noGrp="1"/>
-          </p:cNvSpPr>
-          <p:nvPr>
-            <p:ph type="body" sz="half" idx="2"/>
-          </p:nvPr>
-        </p:nvSpPr>
-        <p:spPr>
-          <a:xfrm>
-            <a:off x="839788" y="2057400"/>
-            <a:ext cx="3932237" cy="3811588"/>
-          </a:xfrm>
-        </p:spPr>
+            <a:fld id="{B61BEF0D-F0BB-DE4B-95CE-6DB70DBA9567}" type="datetimeFigureOut">
+              <a:rPr lang="en-US" smtClean="0"/>
+              <a:pPr/>
+              <a:t>8/5/2019</a:t>
+            </a:fld>
+            <a:endParaRPr lang="en-US" dirty="0"/>
+          </a:p>
+        </p:txBody>
+      </p:sp>
+      <p:sp>
+        <p:nvSpPr>
+          <p:cNvPr id="6" name="Footer Placeholder 5"/>
+          <p:cNvSpPr>
+            <a:spLocks noGrp="1"/>
+          </p:cNvSpPr>
+          <p:nvPr>
+            <p:ph type="ftr" sz="quarter" idx="11"/>
+          </p:nvPr>
+        </p:nvSpPr>
+        <p:spPr/>
         <p:txBody>
           <a:bodyPr/>
           <a:lstStyle>
-            <a:lvl1pPr marL="0" indent="0">
-              <a:buNone/>
-              <a:defRPr sz="1600"/>
+            <a:lvl1pPr>
+              <a:defRPr>
+                <a:solidFill>
+                  <a:schemeClr val="accent1">
+                    <a:lumMod val="75000"/>
+                    <a:lumOff val="25000"/>
+                  </a:schemeClr>
+                </a:solidFill>
+              </a:defRPr>
             </a:lvl1pPr>
-            <a:lvl2pPr marL="457200" indent="0">
-              <a:buNone/>
-              <a:defRPr sz="1400"/>
-            </a:lvl2pPr>
-            <a:lvl3pPr marL="914400" indent="0">
-              <a:buNone/>
-              <a:defRPr sz="1200"/>
-            </a:lvl3pPr>
-            <a:lvl4pPr marL="1371600" indent="0">
-              <a:buNone/>
-              <a:defRPr sz="1000"/>
-            </a:lvl4pPr>
-            <a:lvl5pPr marL="1828800" indent="0">
-              <a:buNone/>
-              <a:defRPr sz="1000"/>
-            </a:lvl5pPr>
-            <a:lvl6pPr marL="2286000" indent="0">
-              <a:buNone/>
-              <a:defRPr sz="1000"/>
-            </a:lvl6pPr>
-            <a:lvl7pPr marL="2743200" indent="0">
-              <a:buNone/>
-              <a:defRPr sz="1000"/>
-            </a:lvl7pPr>
-            <a:lvl8pPr marL="3200400" indent="0">
-              <a:buNone/>
-              <a:defRPr sz="1000"/>
-            </a:lvl8pPr>
-            <a:lvl9pPr marL="3657600" indent="0">
-              <a:buNone/>
-              <a:defRPr sz="1000"/>
-            </a:lvl9pPr>
           </a:lstStyle>
           <a:p>
-            <a:pPr lvl="0"/>
-            <a:r>
-              <a:rPr lang="en-US"/>
-              <a:t>Edit Master text styles</a:t>
-            </a:r>
-          </a:p>
-        </p:txBody>
-      </p:sp>
-      <p:sp>
-        <p:nvSpPr>
-          <p:cNvPr id="5" name="Date Placeholder 4">
-            <a:extLst>
-              <a:ext uri="{FF2B5EF4-FFF2-40B4-BE49-F238E27FC236}">
-                <a16:creationId xmlns:a16="http://schemas.microsoft.com/office/drawing/2014/main" id="{7287C6E2-9D1F-419B-828D-A1A844847CD3}"/>
-              </a:ext>
-            </a:extLst>
-          </p:cNvPr>
-          <p:cNvSpPr>
-            <a:spLocks noGrp="1"/>
-          </p:cNvSpPr>
-          <p:nvPr>
-            <p:ph type="dt" sz="half" idx="10"/>
+            <a:r>
+              <a:rPr lang="en-US" dirty="0"/>
+              <a:t>PowerShell on the river | Chattanooga TN</a:t>
+            </a:r>
+          </a:p>
+        </p:txBody>
+      </p:sp>
+      <p:sp>
+        <p:nvSpPr>
+          <p:cNvPr id="7" name="Slide Number Placeholder 6"/>
+          <p:cNvSpPr>
+            <a:spLocks noGrp="1"/>
+          </p:cNvSpPr>
+          <p:nvPr>
+            <p:ph type="sldNum" sz="quarter" idx="12"/>
           </p:nvPr>
         </p:nvSpPr>
         <p:spPr/>
         <p:txBody>
           <a:bodyPr/>
-          <a:lstStyle/>
-          <a:p>
-            <a:fld id="{BF9E1FCA-7CEE-4FF3-AAF0-A379815D12D4}" type="datetimeFigureOut">
+          <a:lstStyle>
+            <a:lvl1pPr>
+              <a:defRPr>
+                <a:solidFill>
+                  <a:schemeClr val="accent1">
+                    <a:lumMod val="75000"/>
+                    <a:lumOff val="25000"/>
+                  </a:schemeClr>
+                </a:solidFill>
+              </a:defRPr>
+            </a:lvl1pPr>
+          </a:lstStyle>
+          <a:p>
+            <a:fld id="{D57F1E4F-1CFF-5643-939E-217C01CDF565}" type="slidenum">
               <a:rPr lang="en-US" smtClean="0"/>
-              <a:t>7/5/2019</a:t>
-            </a:fld>
-            <a:endParaRPr lang="en-US"/>
-          </a:p>
-        </p:txBody>
-      </p:sp>
-      <p:sp>
-        <p:nvSpPr>
-          <p:cNvPr id="6" name="Footer Placeholder 5">
-            <a:extLst>
-              <a:ext uri="{FF2B5EF4-FFF2-40B4-BE49-F238E27FC236}">
-                <a16:creationId xmlns:a16="http://schemas.microsoft.com/office/drawing/2014/main" id="{894D4ECB-F2B7-45F6-AB77-3427177B96C4}"/>
-              </a:ext>
-            </a:extLst>
-          </p:cNvPr>
-          <p:cNvSpPr>
-            <a:spLocks noGrp="1"/>
-          </p:cNvSpPr>
-          <p:nvPr>
-            <p:ph type="ftr" sz="quarter" idx="11"/>
-          </p:nvPr>
-        </p:nvSpPr>
-        <p:spPr/>
-        <p:txBody>
-          <a:bodyPr/>
-          <a:lstStyle/>
-          <a:p>
-            <a:endParaRPr lang="en-US"/>
-          </a:p>
-        </p:txBody>
-      </p:sp>
-      <p:sp>
-        <p:nvSpPr>
-          <p:cNvPr id="7" name="Slide Number Placeholder 6">
-            <a:extLst>
-              <a:ext uri="{FF2B5EF4-FFF2-40B4-BE49-F238E27FC236}">
-                <a16:creationId xmlns:a16="http://schemas.microsoft.com/office/drawing/2014/main" id="{B5AD7316-A26B-41F3-9321-287215A0A3F6}"/>
-              </a:ext>
-            </a:extLst>
-          </p:cNvPr>
-          <p:cNvSpPr>
-            <a:spLocks noGrp="1"/>
-          </p:cNvSpPr>
-          <p:nvPr>
-            <p:ph type="sldNum" sz="quarter" idx="12"/>
-          </p:nvPr>
-        </p:nvSpPr>
-        <p:spPr/>
-        <p:txBody>
-          <a:bodyPr/>
-          <a:lstStyle/>
-          <a:p>
-            <a:fld id="{DA08DE1F-0EB4-47E0-85B7-BD52E9D0598C}" type="slidenum">
-              <a:rPr lang="en-US" smtClean="0"/>
+              <a:pPr/>
               <a:t>‹#›</a:t>
             </a:fld>
-            <a:endParaRPr lang="en-US"/>
+            <a:endParaRPr lang="en-US" dirty="0"/>
           </a:p>
         </p:txBody>
       </p:sp>
     </p:spTree>
     <p:extLst>
       <p:ext uri="{BB962C8B-B14F-4D97-AF65-F5344CB8AC3E}">
-        <p14:creationId xmlns:p14="http://schemas.microsoft.com/office/powerpoint/2010/main" val="3636778192"/>
+        <p14:creationId xmlns:p14="http://schemas.microsoft.com/office/powerpoint/2010/main" val="730202999"/>
       </p:ext>
     </p:extLst>
   </p:cSld>
@@ -2476,13 +2950,7 @@
       </p:grpSpPr>
       <p:sp>
         <p:nvSpPr>
-          <p:cNvPr id="2" name="Title 1">
-            <a:extLst>
-              <a:ext uri="{FF2B5EF4-FFF2-40B4-BE49-F238E27FC236}">
-                <a16:creationId xmlns:a16="http://schemas.microsoft.com/office/drawing/2014/main" id="{A83C9F48-429A-4973-AF91-C70F02D94852}"/>
-              </a:ext>
-            </a:extLst>
-          </p:cNvPr>
+          <p:cNvPr id="2" name="Title 1"/>
           <p:cNvSpPr>
             <a:spLocks noGrp="1"/>
           </p:cNvSpPr>
@@ -2492,15 +2960,21 @@
         </p:nvSpPr>
         <p:spPr>
           <a:xfrm>
-            <a:off x="839788" y="457200"/>
-            <a:ext cx="3932237" cy="1600200"/>
-          </a:xfrm>
-        </p:spPr>
-        <p:txBody>
-          <a:bodyPr anchor="b"/>
+            <a:off x="581193" y="4693389"/>
+            <a:ext cx="11029616" cy="566738"/>
+          </a:xfrm>
+        </p:spPr>
+        <p:txBody>
+          <a:bodyPr anchor="b">
+            <a:normAutofit/>
+          </a:bodyPr>
           <a:lstStyle>
-            <a:lvl1pPr>
-              <a:defRPr sz="3200"/>
+            <a:lvl1pPr algn="l">
+              <a:defRPr sz="2400" b="0">
+                <a:solidFill>
+                  <a:schemeClr val="accent1"/>
+                </a:solidFill>
+              </a:defRPr>
             </a:lvl1pPr>
           </a:lstStyle>
           <a:p>
@@ -2508,20 +2982,15 @@
               <a:rPr lang="en-US"/>
               <a:t>Click to edit Master title style</a:t>
             </a:r>
-          </a:p>
-        </p:txBody>
-      </p:sp>
-      <p:sp>
-        <p:nvSpPr>
-          <p:cNvPr id="3" name="Picture Placeholder 2">
-            <a:extLst>
-              <a:ext uri="{FF2B5EF4-FFF2-40B4-BE49-F238E27FC236}">
-                <a16:creationId xmlns:a16="http://schemas.microsoft.com/office/drawing/2014/main" id="{4079E61A-AAA1-46DB-A8AE-9A7A8F971C58}"/>
-              </a:ext>
-            </a:extLst>
-          </p:cNvPr>
-          <p:cNvSpPr>
-            <a:spLocks noGrp="1"/>
+            <a:endParaRPr lang="en-US" dirty="0"/>
+          </a:p>
+        </p:txBody>
+      </p:sp>
+      <p:sp>
+        <p:nvSpPr>
+          <p:cNvPr id="3" name="Picture Placeholder 2"/>
+          <p:cNvSpPr>
+            <a:spLocks noGrp="1" noChangeAspect="1"/>
           </p:cNvSpPr>
           <p:nvPr>
             <p:ph type="pic" idx="1"/>
@@ -2529,135 +2998,131 @@
         </p:nvSpPr>
         <p:spPr>
           <a:xfrm>
-            <a:off x="5183188" y="987425"/>
-            <a:ext cx="6172200" cy="4873625"/>
-          </a:xfrm>
-        </p:spPr>
-        <p:txBody>
-          <a:bodyPr/>
+            <a:off x="447817" y="599725"/>
+            <a:ext cx="11290859" cy="3557252"/>
+          </a:xfrm>
+        </p:spPr>
+        <p:txBody>
+          <a:bodyPr anchor="t">
+            <a:normAutofit/>
+          </a:bodyPr>
           <a:lstStyle>
-            <a:lvl1pPr marL="0" indent="0">
-              <a:buNone/>
-              <a:defRPr sz="3200"/>
-            </a:lvl1pPr>
-            <a:lvl2pPr marL="457200" indent="0">
-              <a:buNone/>
-              <a:defRPr sz="2800"/>
-            </a:lvl2pPr>
-            <a:lvl3pPr marL="914400" indent="0">
-              <a:buNone/>
-              <a:defRPr sz="2400"/>
-            </a:lvl3pPr>
-            <a:lvl4pPr marL="1371600" indent="0">
-              <a:buNone/>
-              <a:defRPr sz="2000"/>
-            </a:lvl4pPr>
-            <a:lvl5pPr marL="1828800" indent="0">
-              <a:buNone/>
-              <a:defRPr sz="2000"/>
-            </a:lvl5pPr>
-            <a:lvl6pPr marL="2286000" indent="0">
-              <a:buNone/>
-              <a:defRPr sz="2000"/>
-            </a:lvl6pPr>
-            <a:lvl7pPr marL="2743200" indent="0">
-              <a:buNone/>
-              <a:defRPr sz="2000"/>
-            </a:lvl7pPr>
-            <a:lvl8pPr marL="3200400" indent="0">
-              <a:buNone/>
-              <a:defRPr sz="2000"/>
-            </a:lvl8pPr>
-            <a:lvl9pPr marL="3657600" indent="0">
-              <a:buNone/>
-              <a:defRPr sz="2000"/>
-            </a:lvl9pPr>
-          </a:lstStyle>
-          <a:p>
-            <a:endParaRPr lang="en-US"/>
-          </a:p>
-        </p:txBody>
-      </p:sp>
-      <p:sp>
-        <p:nvSpPr>
-          <p:cNvPr id="4" name="Text Placeholder 3">
-            <a:extLst>
-              <a:ext uri="{FF2B5EF4-FFF2-40B4-BE49-F238E27FC236}">
-                <a16:creationId xmlns:a16="http://schemas.microsoft.com/office/drawing/2014/main" id="{73AEAA63-32E7-43FA-A8ED-D440E4505894}"/>
-              </a:ext>
-            </a:extLst>
-          </p:cNvPr>
-          <p:cNvSpPr>
-            <a:spLocks noGrp="1"/>
-          </p:cNvSpPr>
-          <p:nvPr>
-            <p:ph type="body" sz="half" idx="2"/>
-          </p:nvPr>
-        </p:nvSpPr>
-        <p:spPr>
-          <a:xfrm>
-            <a:off x="839788" y="2057400"/>
-            <a:ext cx="3932237" cy="3811588"/>
-          </a:xfrm>
-        </p:spPr>
-        <p:txBody>
-          <a:bodyPr/>
-          <a:lstStyle>
-            <a:lvl1pPr marL="0" indent="0">
+            <a:lvl1pPr marL="0" indent="0" algn="ctr">
               <a:buNone/>
               <a:defRPr sz="1600"/>
             </a:lvl1pPr>
             <a:lvl2pPr marL="457200" indent="0">
               <a:buNone/>
-              <a:defRPr sz="1400"/>
+              <a:defRPr sz="1600"/>
             </a:lvl2pPr>
             <a:lvl3pPr marL="914400" indent="0">
               <a:buNone/>
-              <a:defRPr sz="1200"/>
+              <a:defRPr sz="1600"/>
             </a:lvl3pPr>
             <a:lvl4pPr marL="1371600" indent="0">
               <a:buNone/>
-              <a:defRPr sz="1000"/>
+              <a:defRPr sz="1600"/>
             </a:lvl4pPr>
             <a:lvl5pPr marL="1828800" indent="0">
               <a:buNone/>
-              <a:defRPr sz="1000"/>
+              <a:defRPr sz="1600"/>
             </a:lvl5pPr>
             <a:lvl6pPr marL="2286000" indent="0">
               <a:buNone/>
-              <a:defRPr sz="1000"/>
+              <a:defRPr sz="1600"/>
             </a:lvl6pPr>
             <a:lvl7pPr marL="2743200" indent="0">
               <a:buNone/>
-              <a:defRPr sz="1000"/>
+              <a:defRPr sz="1600"/>
             </a:lvl7pPr>
             <a:lvl8pPr marL="3200400" indent="0">
               <a:buNone/>
-              <a:defRPr sz="1000"/>
+              <a:defRPr sz="1600"/>
             </a:lvl8pPr>
             <a:lvl9pPr marL="3657600" indent="0">
               <a:buNone/>
-              <a:defRPr sz="1000"/>
+              <a:defRPr sz="1600"/>
             </a:lvl9pPr>
           </a:lstStyle>
           <a:p>
+            <a:r>
+              <a:rPr lang="en-US"/>
+              <a:t>Click icon to add picture</a:t>
+            </a:r>
+            <a:endParaRPr lang="en-US" dirty="0"/>
+          </a:p>
+        </p:txBody>
+      </p:sp>
+      <p:sp>
+        <p:nvSpPr>
+          <p:cNvPr id="4" name="Text Placeholder 3"/>
+          <p:cNvSpPr>
+            <a:spLocks noGrp="1"/>
+          </p:cNvSpPr>
+          <p:nvPr>
+            <p:ph type="body" sz="half" idx="2"/>
+          </p:nvPr>
+        </p:nvSpPr>
+        <p:spPr>
+          <a:xfrm>
+            <a:off x="581192" y="5260127"/>
+            <a:ext cx="11029617" cy="598671"/>
+          </a:xfrm>
+        </p:spPr>
+        <p:txBody>
+          <a:bodyPr>
+            <a:normAutofit/>
+          </a:bodyPr>
+          <a:lstStyle>
+            <a:lvl1pPr marL="0" indent="0">
+              <a:buNone/>
+              <a:defRPr sz="1200"/>
+            </a:lvl1pPr>
+            <a:lvl2pPr marL="457200" indent="0">
+              <a:buNone/>
+              <a:defRPr sz="1200"/>
+            </a:lvl2pPr>
+            <a:lvl3pPr marL="914400" indent="0">
+              <a:buNone/>
+              <a:defRPr sz="1000"/>
+            </a:lvl3pPr>
+            <a:lvl4pPr marL="1371600" indent="0">
+              <a:buNone/>
+              <a:defRPr sz="900"/>
+            </a:lvl4pPr>
+            <a:lvl5pPr marL="1828800" indent="0">
+              <a:buNone/>
+              <a:defRPr sz="900"/>
+            </a:lvl5pPr>
+            <a:lvl6pPr marL="2286000" indent="0">
+              <a:buNone/>
+              <a:defRPr sz="900"/>
+            </a:lvl6pPr>
+            <a:lvl7pPr marL="2743200" indent="0">
+              <a:buNone/>
+              <a:defRPr sz="900"/>
+            </a:lvl7pPr>
+            <a:lvl8pPr marL="3200400" indent="0">
+              <a:buNone/>
+              <a:defRPr sz="900"/>
+            </a:lvl8pPr>
+            <a:lvl9pPr marL="3657600" indent="0">
+              <a:buNone/>
+              <a:defRPr sz="900"/>
+            </a:lvl9pPr>
+          </a:lstStyle>
+          <a:p>
             <a:pPr lvl="0"/>
             <a:r>
               <a:rPr lang="en-US"/>
-              <a:t>Edit Master text styles</a:t>
-            </a:r>
-          </a:p>
-        </p:txBody>
-      </p:sp>
-      <p:sp>
-        <p:nvSpPr>
-          <p:cNvPr id="5" name="Date Placeholder 4">
-            <a:extLst>
-              <a:ext uri="{FF2B5EF4-FFF2-40B4-BE49-F238E27FC236}">
-                <a16:creationId xmlns:a16="http://schemas.microsoft.com/office/drawing/2014/main" id="{816A8B49-88EB-40EA-87A5-586C47989CE5}"/>
-              </a:ext>
-            </a:extLst>
-          </p:cNvPr>
+              <a:t>Click to edit Master text styles</a:t>
+            </a:r>
+          </a:p>
+        </p:txBody>
+      </p:sp>
+      <p:sp>
+        <p:nvSpPr>
+          <p:cNvPr id="5" name="Date Placeholder 4"/>
           <p:cNvSpPr>
             <a:spLocks noGrp="1"/>
           </p:cNvSpPr>
@@ -2670,23 +3135,18 @@
           <a:bodyPr/>
           <a:lstStyle/>
           <a:p>
-            <a:fld id="{BF9E1FCA-7CEE-4FF3-AAF0-A379815D12D4}" type="datetimeFigureOut">
+            <a:fld id="{B61BEF0D-F0BB-DE4B-95CE-6DB70DBA9567}" type="datetimeFigureOut">
               <a:rPr lang="en-US" smtClean="0"/>
-              <a:t>7/5/2019</a:t>
+              <a:pPr/>
+              <a:t>8/5/2019</a:t>
             </a:fld>
-            <a:endParaRPr lang="en-US"/>
-          </a:p>
-        </p:txBody>
-      </p:sp>
-      <p:sp>
-        <p:nvSpPr>
-          <p:cNvPr id="6" name="Footer Placeholder 5">
-            <a:extLst>
-              <a:ext uri="{FF2B5EF4-FFF2-40B4-BE49-F238E27FC236}">
-                <a16:creationId xmlns:a16="http://schemas.microsoft.com/office/drawing/2014/main" id="{50B2D9CC-FB78-4E8E-B646-956468E59F14}"/>
-              </a:ext>
-            </a:extLst>
-          </p:cNvPr>
+            <a:endParaRPr lang="en-US" dirty="0"/>
+          </a:p>
+        </p:txBody>
+      </p:sp>
+      <p:sp>
+        <p:nvSpPr>
+          <p:cNvPr id="6" name="Footer Placeholder 5"/>
           <p:cNvSpPr>
             <a:spLocks noGrp="1"/>
           </p:cNvSpPr>
@@ -2699,19 +3159,16 @@
           <a:bodyPr/>
           <a:lstStyle/>
           <a:p>
-            <a:endParaRPr lang="en-US"/>
-          </a:p>
-        </p:txBody>
-      </p:sp>
-      <p:sp>
-        <p:nvSpPr>
-          <p:cNvPr id="7" name="Slide Number Placeholder 6">
-            <a:extLst>
-              <a:ext uri="{FF2B5EF4-FFF2-40B4-BE49-F238E27FC236}">
-                <a16:creationId xmlns:a16="http://schemas.microsoft.com/office/drawing/2014/main" id="{293CB97A-4577-4775-ACED-0D00627CD42A}"/>
-              </a:ext>
-            </a:extLst>
-          </p:cNvPr>
+            <a:r>
+              <a:rPr lang="en-US" dirty="0"/>
+              <a:t>PowerShell on the river | Chattanooga TN</a:t>
+            </a:r>
+          </a:p>
+        </p:txBody>
+      </p:sp>
+      <p:sp>
+        <p:nvSpPr>
+          <p:cNvPr id="7" name="Slide Number Placeholder 6"/>
           <p:cNvSpPr>
             <a:spLocks noGrp="1"/>
           </p:cNvSpPr>
@@ -2724,18 +3181,19 @@
           <a:bodyPr/>
           <a:lstStyle/>
           <a:p>
-            <a:fld id="{DA08DE1F-0EB4-47E0-85B7-BD52E9D0598C}" type="slidenum">
+            <a:fld id="{D57F1E4F-1CFF-5643-939E-217C01CDF565}" type="slidenum">
               <a:rPr lang="en-US" smtClean="0"/>
+              <a:pPr/>
               <a:t>‹#›</a:t>
             </a:fld>
-            <a:endParaRPr lang="en-US"/>
+            <a:endParaRPr lang="en-US" dirty="0"/>
           </a:p>
         </p:txBody>
       </p:sp>
     </p:spTree>
     <p:extLst>
       <p:ext uri="{BB962C8B-B14F-4D97-AF65-F5344CB8AC3E}">
-        <p14:creationId xmlns:p14="http://schemas.microsoft.com/office/powerpoint/2010/main" val="1088950752"/>
+        <p14:creationId xmlns:p14="http://schemas.microsoft.com/office/powerpoint/2010/main" val="1212737067"/>
       </p:ext>
     </p:extLst>
   </p:cSld>
@@ -2769,13 +3227,7 @@
       </p:grpSpPr>
       <p:sp>
         <p:nvSpPr>
-          <p:cNvPr id="2" name="Title Placeholder 1">
-            <a:extLst>
-              <a:ext uri="{FF2B5EF4-FFF2-40B4-BE49-F238E27FC236}">
-                <a16:creationId xmlns:a16="http://schemas.microsoft.com/office/drawing/2014/main" id="{FF4C4C38-1384-4FDA-8B73-9AED0CFB1EEF}"/>
-              </a:ext>
-            </a:extLst>
-          </p:cNvPr>
+          <p:cNvPr id="2" name="Title Placeholder 1"/>
           <p:cNvSpPr>
             <a:spLocks noGrp="1"/>
           </p:cNvSpPr>
@@ -2785,8 +3237,41 @@
         </p:nvSpPr>
         <p:spPr>
           <a:xfrm>
-            <a:off x="838200" y="365125"/>
-            <a:ext cx="10515600" cy="1325563"/>
+            <a:off x="581192" y="705124"/>
+            <a:ext cx="11029616" cy="1189554"/>
+          </a:xfrm>
+          <a:prstGeom prst="rect">
+            <a:avLst/>
+          </a:prstGeom>
+        </p:spPr>
+        <p:txBody>
+          <a:bodyPr vert="horz" lIns="91440" tIns="45720" rIns="91440" bIns="45720" rtlCol="0" anchor="b">
+            <a:normAutofit/>
+          </a:bodyPr>
+          <a:lstStyle/>
+          <a:p>
+            <a:r>
+              <a:rPr lang="en-US"/>
+              <a:t>Click to edit Master title style</a:t>
+            </a:r>
+            <a:endParaRPr lang="en-US" dirty="0"/>
+          </a:p>
+        </p:txBody>
+      </p:sp>
+      <p:sp>
+        <p:nvSpPr>
+          <p:cNvPr id="3" name="Text Placeholder 2"/>
+          <p:cNvSpPr>
+            <a:spLocks noGrp="1"/>
+          </p:cNvSpPr>
+          <p:nvPr>
+            <p:ph type="body" idx="1"/>
+          </p:nvPr>
+        </p:nvSpPr>
+        <p:spPr>
+          <a:xfrm>
+            <a:off x="581192" y="2336003"/>
+            <a:ext cx="11029616" cy="3522794"/>
           </a:xfrm>
           <a:prstGeom prst="rect">
             <a:avLst/>
@@ -2798,136 +3283,86 @@
           </a:bodyPr>
           <a:lstStyle/>
           <a:p>
+            <a:pPr lvl="0"/>
             <a:r>
               <a:rPr lang="en-US"/>
-              <a:t>Click to edit Master title style</a:t>
-            </a:r>
-          </a:p>
-        </p:txBody>
-      </p:sp>
-      <p:sp>
-        <p:nvSpPr>
-          <p:cNvPr id="3" name="Text Placeholder 2">
-            <a:extLst>
-              <a:ext uri="{FF2B5EF4-FFF2-40B4-BE49-F238E27FC236}">
-                <a16:creationId xmlns:a16="http://schemas.microsoft.com/office/drawing/2014/main" id="{CAA12483-0A31-4DCB-91ED-B51C7A89A91D}"/>
-              </a:ext>
-            </a:extLst>
-          </p:cNvPr>
-          <p:cNvSpPr>
-            <a:spLocks noGrp="1"/>
-          </p:cNvSpPr>
-          <p:nvPr>
-            <p:ph type="body" idx="1"/>
-          </p:nvPr>
-        </p:nvSpPr>
-        <p:spPr>
-          <a:xfrm>
-            <a:off x="838200" y="1825625"/>
-            <a:ext cx="10515600" cy="4351338"/>
+              <a:t>Click to edit Master text styles</a:t>
+            </a:r>
+          </a:p>
+          <a:p>
+            <a:pPr lvl="1"/>
+            <a:r>
+              <a:rPr lang="en-US"/>
+              <a:t>Second level</a:t>
+            </a:r>
+          </a:p>
+          <a:p>
+            <a:pPr lvl="2"/>
+            <a:r>
+              <a:rPr lang="en-US"/>
+              <a:t>Third level</a:t>
+            </a:r>
+          </a:p>
+          <a:p>
+            <a:pPr lvl="3"/>
+            <a:r>
+              <a:rPr lang="en-US"/>
+              <a:t>Fourth level</a:t>
+            </a:r>
+          </a:p>
+          <a:p>
+            <a:pPr lvl="4"/>
+            <a:r>
+              <a:rPr lang="en-US"/>
+              <a:t>Fifth level</a:t>
+            </a:r>
+            <a:endParaRPr lang="en-US" dirty="0"/>
+          </a:p>
+        </p:txBody>
+      </p:sp>
+      <p:sp>
+        <p:nvSpPr>
+          <p:cNvPr id="4" name="Date Placeholder 3"/>
+          <p:cNvSpPr>
+            <a:spLocks noGrp="1"/>
+          </p:cNvSpPr>
+          <p:nvPr>
+            <p:ph type="dt" sz="half" idx="2"/>
+          </p:nvPr>
+        </p:nvSpPr>
+        <p:spPr>
+          <a:xfrm>
+            <a:off x="7605951" y="5956137"/>
+            <a:ext cx="2844799" cy="365125"/>
           </a:xfrm>
           <a:prstGeom prst="rect">
             <a:avLst/>
           </a:prstGeom>
         </p:spPr>
         <p:txBody>
-          <a:bodyPr vert="horz" lIns="91440" tIns="45720" rIns="91440" bIns="45720" rtlCol="0">
-            <a:normAutofit/>
-          </a:bodyPr>
-          <a:lstStyle/>
-          <a:p>
-            <a:pPr lvl="0"/>
-            <a:r>
-              <a:rPr lang="en-US"/>
-              <a:t>Edit Master text styles</a:t>
-            </a:r>
-          </a:p>
-          <a:p>
-            <a:pPr lvl="1"/>
-            <a:r>
-              <a:rPr lang="en-US"/>
-              <a:t>Second level</a:t>
-            </a:r>
-          </a:p>
-          <a:p>
-            <a:pPr lvl="2"/>
-            <a:r>
-              <a:rPr lang="en-US"/>
-              <a:t>Third level</a:t>
-            </a:r>
-          </a:p>
-          <a:p>
-            <a:pPr lvl="3"/>
-            <a:r>
-              <a:rPr lang="en-US"/>
-              <a:t>Fourth level</a:t>
-            </a:r>
-          </a:p>
-          <a:p>
-            <a:pPr lvl="4"/>
-            <a:r>
-              <a:rPr lang="en-US"/>
-              <a:t>Fifth level</a:t>
-            </a:r>
-          </a:p>
-        </p:txBody>
-      </p:sp>
-      <p:sp>
-        <p:nvSpPr>
-          <p:cNvPr id="4" name="Date Placeholder 3">
-            <a:extLst>
-              <a:ext uri="{FF2B5EF4-FFF2-40B4-BE49-F238E27FC236}">
-                <a16:creationId xmlns:a16="http://schemas.microsoft.com/office/drawing/2014/main" id="{FB0C32AA-424F-47A6-A402-BB478AAABC1A}"/>
-              </a:ext>
-            </a:extLst>
-          </p:cNvPr>
-          <p:cNvSpPr>
-            <a:spLocks noGrp="1"/>
-          </p:cNvSpPr>
-          <p:nvPr>
-            <p:ph type="dt" sz="half" idx="2"/>
-          </p:nvPr>
-        </p:nvSpPr>
-        <p:spPr>
-          <a:xfrm>
-            <a:off x="838200" y="6356350"/>
-            <a:ext cx="2743200" cy="365125"/>
-          </a:xfrm>
-          <a:prstGeom prst="rect">
-            <a:avLst/>
-          </a:prstGeom>
-        </p:spPr>
-        <p:txBody>
           <a:bodyPr vert="horz" lIns="91440" tIns="45720" rIns="91440" bIns="45720" rtlCol="0" anchor="ctr"/>
           <a:lstStyle>
-            <a:lvl1pPr algn="l">
-              <a:defRPr sz="1200">
+            <a:lvl1pPr algn="r">
+              <a:defRPr sz="900">
                 <a:solidFill>
-                  <a:schemeClr val="tx1">
-                    <a:tint val="75000"/>
-                  </a:schemeClr>
+                  <a:schemeClr val="accent2"/>
                 </a:solidFill>
               </a:defRPr>
             </a:lvl1pPr>
           </a:lstStyle>
           <a:p>
-            <a:fld id="{BF9E1FCA-7CEE-4FF3-AAF0-A379815D12D4}" type="datetimeFigureOut">
+            <a:fld id="{B61BEF0D-F0BB-DE4B-95CE-6DB70DBA9567}" type="datetimeFigureOut">
               <a:rPr lang="en-US" smtClean="0"/>
-              <a:t>7/5/2019</a:t>
+              <a:pPr/>
+              <a:t>8/5/2019</a:t>
             </a:fld>
-            <a:endParaRPr lang="en-US"/>
-          </a:p>
-        </p:txBody>
-      </p:sp>
-      <p:sp>
-        <p:nvSpPr>
-          <p:cNvPr id="5" name="Footer Placeholder 4">
-            <a:extLst>
-              <a:ext uri="{FF2B5EF4-FFF2-40B4-BE49-F238E27FC236}">
-                <a16:creationId xmlns:a16="http://schemas.microsoft.com/office/drawing/2014/main" id="{9D7B6B54-EB5C-417B-8895-6CC4417E15D3}"/>
-              </a:ext>
-            </a:extLst>
-          </p:cNvPr>
+            <a:endParaRPr lang="en-US" dirty="0"/>
+          </a:p>
+        </p:txBody>
+      </p:sp>
+      <p:sp>
+        <p:nvSpPr>
+          <p:cNvPr id="5" name="Footer Placeholder 4"/>
           <p:cNvSpPr>
             <a:spLocks noGrp="1"/>
           </p:cNvSpPr>
@@ -2937,8 +3372,8 @@
         </p:nvSpPr>
         <p:spPr>
           <a:xfrm>
-            <a:off x="4038600" y="6356350"/>
-            <a:ext cx="4114800" cy="365125"/>
+            <a:off x="581192" y="5951811"/>
+            <a:ext cx="6917210" cy="365125"/>
           </a:xfrm>
           <a:prstGeom prst="rect">
             <a:avLst/>
@@ -2947,30 +3382,25 @@
         <p:txBody>
           <a:bodyPr vert="horz" lIns="91440" tIns="45720" rIns="91440" bIns="45720" rtlCol="0" anchor="ctr"/>
           <a:lstStyle>
-            <a:lvl1pPr algn="ctr">
-              <a:defRPr sz="1200">
+            <a:lvl1pPr algn="l">
+              <a:defRPr sz="900" cap="all">
                 <a:solidFill>
-                  <a:schemeClr val="tx1">
-                    <a:tint val="75000"/>
-                  </a:schemeClr>
+                  <a:schemeClr val="accent2"/>
                 </a:solidFill>
               </a:defRPr>
             </a:lvl1pPr>
           </a:lstStyle>
           <a:p>
-            <a:endParaRPr lang="en-US"/>
-          </a:p>
-        </p:txBody>
-      </p:sp>
-      <p:sp>
-        <p:nvSpPr>
-          <p:cNvPr id="6" name="Slide Number Placeholder 5">
-            <a:extLst>
-              <a:ext uri="{FF2B5EF4-FFF2-40B4-BE49-F238E27FC236}">
-                <a16:creationId xmlns:a16="http://schemas.microsoft.com/office/drawing/2014/main" id="{F0E0F4C5-37D9-46A8-BAB0-EF1D21C84A47}"/>
-              </a:ext>
-            </a:extLst>
-          </p:cNvPr>
+            <a:r>
+              <a:rPr lang="en-US" dirty="0"/>
+              <a:t>PowerShell on the river | Chattanooga TN</a:t>
+            </a:r>
+          </a:p>
+        </p:txBody>
+      </p:sp>
+      <p:sp>
+        <p:nvSpPr>
+          <p:cNvPr id="6" name="Slide Number Placeholder 5"/>
           <p:cNvSpPr>
             <a:spLocks noGrp="1"/>
           </p:cNvSpPr>
@@ -2980,8 +3410,8 @@
         </p:nvSpPr>
         <p:spPr>
           <a:xfrm>
-            <a:off x="8610600" y="6356350"/>
-            <a:ext cx="2743200" cy="365125"/>
+            <a:off x="10558300" y="5956137"/>
+            <a:ext cx="1052510" cy="365125"/>
           </a:xfrm>
           <a:prstGeom prst="rect">
             <a:avLst/>
@@ -2991,222 +3421,451 @@
           <a:bodyPr vert="horz" lIns="91440" tIns="45720" rIns="91440" bIns="45720" rtlCol="0" anchor="ctr"/>
           <a:lstStyle>
             <a:lvl1pPr algn="r">
-              <a:defRPr sz="1200">
+              <a:defRPr sz="900">
                 <a:solidFill>
-                  <a:schemeClr val="tx1">
-                    <a:tint val="75000"/>
-                  </a:schemeClr>
+                  <a:schemeClr val="accent2"/>
                 </a:solidFill>
               </a:defRPr>
             </a:lvl1pPr>
           </a:lstStyle>
           <a:p>
-            <a:fld id="{DA08DE1F-0EB4-47E0-85B7-BD52E9D0598C}" type="slidenum">
+            <a:fld id="{D57F1E4F-1CFF-5643-939E-217C01CDF565}" type="slidenum">
               <a:rPr lang="en-US" smtClean="0"/>
+              <a:pPr/>
               <a:t>‹#›</a:t>
             </a:fld>
-            <a:endParaRPr lang="en-US"/>
-          </a:p>
-        </p:txBody>
-      </p:sp>
+            <a:endParaRPr lang="en-US" dirty="0"/>
+          </a:p>
+        </p:txBody>
+      </p:sp>
+      <p:sp>
+        <p:nvSpPr>
+          <p:cNvPr id="9" name="Rectangle 8"/>
+          <p:cNvSpPr/>
+          <p:nvPr/>
+        </p:nvSpPr>
+        <p:spPr>
+          <a:xfrm>
+            <a:off x="446534" y="457200"/>
+            <a:ext cx="3703320" cy="94997"/>
+          </a:xfrm>
+          <a:prstGeom prst="rect">
+            <a:avLst/>
+          </a:prstGeom>
+          <a:solidFill>
+            <a:schemeClr val="accent1"/>
+          </a:solidFill>
+          <a:ln>
+            <a:noFill/>
+          </a:ln>
+          <a:effectLst/>
+        </p:spPr>
+        <p:style>
+          <a:lnRef idx="1">
+            <a:schemeClr val="accent1"/>
+          </a:lnRef>
+          <a:fillRef idx="3">
+            <a:schemeClr val="accent1"/>
+          </a:fillRef>
+          <a:effectRef idx="2">
+            <a:schemeClr val="accent1"/>
+          </a:effectRef>
+          <a:fontRef idx="minor">
+            <a:schemeClr val="lt1"/>
+          </a:fontRef>
+        </p:style>
+      </p:sp>
+      <p:sp>
+        <p:nvSpPr>
+          <p:cNvPr id="10" name="Rectangle 9"/>
+          <p:cNvSpPr/>
+          <p:nvPr/>
+        </p:nvSpPr>
+        <p:spPr>
+          <a:xfrm>
+            <a:off x="8042147" y="453643"/>
+            <a:ext cx="3703320" cy="98554"/>
+          </a:xfrm>
+          <a:prstGeom prst="rect">
+            <a:avLst/>
+          </a:prstGeom>
+          <a:solidFill>
+            <a:schemeClr val="accent4"/>
+          </a:solidFill>
+          <a:ln>
+            <a:noFill/>
+          </a:ln>
+          <a:effectLst/>
+        </p:spPr>
+        <p:style>
+          <a:lnRef idx="1">
+            <a:schemeClr val="accent1"/>
+          </a:lnRef>
+          <a:fillRef idx="3">
+            <a:schemeClr val="accent1"/>
+          </a:fillRef>
+          <a:effectRef idx="2">
+            <a:schemeClr val="accent1"/>
+          </a:effectRef>
+          <a:fontRef idx="minor">
+            <a:schemeClr val="lt1"/>
+          </a:fontRef>
+        </p:style>
+      </p:sp>
+      <p:sp>
+        <p:nvSpPr>
+          <p:cNvPr id="11" name="Rectangle 10"/>
+          <p:cNvSpPr/>
+          <p:nvPr/>
+        </p:nvSpPr>
+        <p:spPr>
+          <a:xfrm>
+            <a:off x="4241830" y="457200"/>
+            <a:ext cx="3703320" cy="91440"/>
+          </a:xfrm>
+          <a:prstGeom prst="rect">
+            <a:avLst/>
+          </a:prstGeom>
+          <a:solidFill>
+            <a:schemeClr val="accent2"/>
+          </a:solidFill>
+          <a:ln>
+            <a:noFill/>
+          </a:ln>
+          <a:effectLst/>
+        </p:spPr>
+        <p:style>
+          <a:lnRef idx="1">
+            <a:schemeClr val="accent1"/>
+          </a:lnRef>
+          <a:fillRef idx="3">
+            <a:schemeClr val="accent1"/>
+          </a:fillRef>
+          <a:effectRef idx="2">
+            <a:schemeClr val="accent1"/>
+          </a:effectRef>
+          <a:fontRef idx="minor">
+            <a:schemeClr val="lt1"/>
+          </a:fontRef>
+        </p:style>
+      </p:sp>
+      <p:pic>
+        <p:nvPicPr>
+          <p:cNvPr id="12" name="Picture 11">
+            <a:extLst>
+              <a:ext uri="{FF2B5EF4-FFF2-40B4-BE49-F238E27FC236}">
+                <a16:creationId xmlns:a16="http://schemas.microsoft.com/office/drawing/2014/main" id="{049512B7-D4A5-2744-9FEC-64365EA65A0F}"/>
+              </a:ext>
+            </a:extLst>
+          </p:cNvPr>
+          <p:cNvPicPr>
+            <a:picLocks noChangeAspect="1"/>
+          </p:cNvPicPr>
+          <p:nvPr userDrawn="1"/>
+        </p:nvPicPr>
+        <p:blipFill>
+          <a:blip r:embed="rId13"/>
+          <a:stretch>
+            <a:fillRect/>
+          </a:stretch>
+        </p:blipFill>
+        <p:spPr>
+          <a:xfrm>
+            <a:off x="10406333" y="4613656"/>
+            <a:ext cx="1204475" cy="1248811"/>
+          </a:xfrm>
+          <a:prstGeom prst="rect">
+            <a:avLst/>
+          </a:prstGeom>
+        </p:spPr>
+      </p:pic>
     </p:spTree>
     <p:extLst>
       <p:ext uri="{BB962C8B-B14F-4D97-AF65-F5344CB8AC3E}">
-        <p14:creationId xmlns:p14="http://schemas.microsoft.com/office/powerpoint/2010/main" val="1134392182"/>
+        <p14:creationId xmlns:p14="http://schemas.microsoft.com/office/powerpoint/2010/main" val="193355999"/>
       </p:ext>
     </p:extLst>
   </p:cSld>
   <p:clrMap bg1="lt1" tx1="dk1" bg2="lt2" tx2="dk2" accent1="accent1" accent2="accent2" accent3="accent3" accent4="accent4" accent5="accent5" accent6="accent6" hlink="hlink" folHlink="folHlink"/>
   <p:sldLayoutIdLst>
-    <p:sldLayoutId id="2147483649" r:id="rId1"/>
-    <p:sldLayoutId id="2147483650" r:id="rId2"/>
-    <p:sldLayoutId id="2147483651" r:id="rId3"/>
-    <p:sldLayoutId id="2147483652" r:id="rId4"/>
-    <p:sldLayoutId id="2147483653" r:id="rId5"/>
-    <p:sldLayoutId id="2147483654" r:id="rId6"/>
-    <p:sldLayoutId id="2147483655" r:id="rId7"/>
-    <p:sldLayoutId id="2147483656" r:id="rId8"/>
-    <p:sldLayoutId id="2147483657" r:id="rId9"/>
-    <p:sldLayoutId id="2147483658" r:id="rId10"/>
-    <p:sldLayoutId id="2147483659" r:id="rId11"/>
+    <p:sldLayoutId id="2147483753" r:id="rId1"/>
+    <p:sldLayoutId id="2147483754" r:id="rId2"/>
+    <p:sldLayoutId id="2147483755" r:id="rId3"/>
+    <p:sldLayoutId id="2147483756" r:id="rId4"/>
+    <p:sldLayoutId id="2147483757" r:id="rId5"/>
+    <p:sldLayoutId id="2147483758" r:id="rId6"/>
+    <p:sldLayoutId id="2147483759" r:id="rId7"/>
+    <p:sldLayoutId id="2147483760" r:id="rId8"/>
+    <p:sldLayoutId id="2147483761" r:id="rId9"/>
+    <p:sldLayoutId id="2147483762" r:id="rId10"/>
+    <p:sldLayoutId id="2147483763" r:id="rId11"/>
   </p:sldLayoutIdLst>
   <p:txStyles>
     <p:titleStyle>
-      <a:lvl1pPr algn="l" defTabSz="914400" rtl="0" eaLnBrk="1" latinLnBrk="0" hangingPunct="1">
-        <a:lnSpc>
-          <a:spcPct val="90000"/>
-        </a:lnSpc>
+      <a:lvl1pPr algn="l" defTabSz="457200" rtl="0" eaLnBrk="1" latinLnBrk="0" hangingPunct="1">
         <a:spcBef>
           <a:spcPct val="0"/>
         </a:spcBef>
         <a:buNone/>
-        <a:defRPr sz="4400" kern="1200">
+        <a:defRPr sz="2800" b="0" kern="1200" cap="all">
           <a:solidFill>
-            <a:schemeClr val="tx1"/>
+            <a:schemeClr val="bg1"/>
           </a:solidFill>
           <a:latin typeface="+mj-lt"/>
           <a:ea typeface="+mj-ea"/>
           <a:cs typeface="+mj-cs"/>
         </a:defRPr>
       </a:lvl1pPr>
+      <a:lvl2pPr eaLnBrk="1" hangingPunct="1">
+        <a:defRPr>
+          <a:solidFill>
+            <a:schemeClr val="tx2"/>
+          </a:solidFill>
+        </a:defRPr>
+      </a:lvl2pPr>
+      <a:lvl3pPr eaLnBrk="1" hangingPunct="1">
+        <a:defRPr>
+          <a:solidFill>
+            <a:schemeClr val="tx2"/>
+          </a:solidFill>
+        </a:defRPr>
+      </a:lvl3pPr>
+      <a:lvl4pPr eaLnBrk="1" hangingPunct="1">
+        <a:defRPr>
+          <a:solidFill>
+            <a:schemeClr val="tx2"/>
+          </a:solidFill>
+        </a:defRPr>
+      </a:lvl4pPr>
+      <a:lvl5pPr eaLnBrk="1" hangingPunct="1">
+        <a:defRPr>
+          <a:solidFill>
+            <a:schemeClr val="tx2"/>
+          </a:solidFill>
+        </a:defRPr>
+      </a:lvl5pPr>
+      <a:lvl6pPr eaLnBrk="1" hangingPunct="1">
+        <a:defRPr>
+          <a:solidFill>
+            <a:schemeClr val="tx2"/>
+          </a:solidFill>
+        </a:defRPr>
+      </a:lvl6pPr>
+      <a:lvl7pPr eaLnBrk="1" hangingPunct="1">
+        <a:defRPr>
+          <a:solidFill>
+            <a:schemeClr val="tx2"/>
+          </a:solidFill>
+        </a:defRPr>
+      </a:lvl7pPr>
+      <a:lvl8pPr eaLnBrk="1" hangingPunct="1">
+        <a:defRPr>
+          <a:solidFill>
+            <a:schemeClr val="tx2"/>
+          </a:solidFill>
+        </a:defRPr>
+      </a:lvl8pPr>
+      <a:lvl9pPr eaLnBrk="1" hangingPunct="1">
+        <a:defRPr>
+          <a:solidFill>
+            <a:schemeClr val="tx2"/>
+          </a:solidFill>
+        </a:defRPr>
+      </a:lvl9pPr>
     </p:titleStyle>
     <p:bodyStyle>
-      <a:lvl1pPr marL="228600" indent="-228600" algn="l" defTabSz="914400" rtl="0" eaLnBrk="1" latinLnBrk="0" hangingPunct="1">
-        <a:lnSpc>
-          <a:spcPct val="90000"/>
-        </a:lnSpc>
+      <a:lvl1pPr marL="306000" indent="-306000" algn="l" defTabSz="457200" rtl="0" eaLnBrk="1" latinLnBrk="0" hangingPunct="1">
         <a:spcBef>
-          <a:spcPts val="1000"/>
+          <a:spcPct val="20000"/>
         </a:spcBef>
-        <a:buFont typeface="Arial" panose="020B0604020202020204" pitchFamily="34" charset="0"/>
-        <a:buChar char="•"/>
-        <a:defRPr sz="2800" kern="1200">
+        <a:spcAft>
+          <a:spcPts val="600"/>
+        </a:spcAft>
+        <a:buClr>
+          <a:schemeClr val="accent2"/>
+        </a:buClr>
+        <a:buSzPct val="92000"/>
+        <a:buFont typeface="Wingdings 2" panose="05020102010507070707" pitchFamily="18" charset="2"/>
+        <a:buChar char=""/>
+        <a:defRPr sz="1800" kern="1200">
           <a:solidFill>
-            <a:schemeClr val="tx1"/>
+            <a:schemeClr val="tx2"/>
           </a:solidFill>
           <a:latin typeface="+mn-lt"/>
           <a:ea typeface="+mn-ea"/>
           <a:cs typeface="+mn-cs"/>
         </a:defRPr>
       </a:lvl1pPr>
-      <a:lvl2pPr marL="685800" indent="-228600" algn="l" defTabSz="914400" rtl="0" eaLnBrk="1" latinLnBrk="0" hangingPunct="1">
-        <a:lnSpc>
-          <a:spcPct val="90000"/>
-        </a:lnSpc>
+      <a:lvl2pPr marL="630000" indent="-306000" algn="l" defTabSz="457200" rtl="0" eaLnBrk="1" latinLnBrk="0" hangingPunct="1">
         <a:spcBef>
-          <a:spcPts val="500"/>
+          <a:spcPct val="20000"/>
         </a:spcBef>
-        <a:buFont typeface="Arial" panose="020B0604020202020204" pitchFamily="34" charset="0"/>
-        <a:buChar char="•"/>
-        <a:defRPr sz="2400" kern="1200">
+        <a:spcAft>
+          <a:spcPts val="600"/>
+        </a:spcAft>
+        <a:buClr>
+          <a:schemeClr val="accent2"/>
+        </a:buClr>
+        <a:buSzPct val="92000"/>
+        <a:buFont typeface="Wingdings 2" panose="05020102010507070707" pitchFamily="18" charset="2"/>
+        <a:buChar char=""/>
+        <a:defRPr sz="1600" kern="1200">
           <a:solidFill>
-            <a:schemeClr val="tx1"/>
+            <a:schemeClr val="tx2"/>
           </a:solidFill>
           <a:latin typeface="+mn-lt"/>
           <a:ea typeface="+mn-ea"/>
           <a:cs typeface="+mn-cs"/>
         </a:defRPr>
       </a:lvl2pPr>
-      <a:lvl3pPr marL="1143000" indent="-228600" algn="l" defTabSz="914400" rtl="0" eaLnBrk="1" latinLnBrk="0" hangingPunct="1">
-        <a:lnSpc>
-          <a:spcPct val="90000"/>
-        </a:lnSpc>
+      <a:lvl3pPr marL="900000" indent="-270000" algn="l" defTabSz="457200" rtl="0" eaLnBrk="1" latinLnBrk="0" hangingPunct="1">
         <a:spcBef>
-          <a:spcPts val="500"/>
+          <a:spcPct val="20000"/>
         </a:spcBef>
-        <a:buFont typeface="Arial" panose="020B0604020202020204" pitchFamily="34" charset="0"/>
-        <a:buChar char="•"/>
-        <a:defRPr sz="2000" kern="1200">
+        <a:spcAft>
+          <a:spcPts val="600"/>
+        </a:spcAft>
+        <a:buClr>
+          <a:schemeClr val="accent2"/>
+        </a:buClr>
+        <a:buSzPct val="92000"/>
+        <a:buFont typeface="Wingdings 2" panose="05020102010507070707" pitchFamily="18" charset="2"/>
+        <a:buChar char=""/>
+        <a:defRPr sz="1400" kern="1200">
           <a:solidFill>
-            <a:schemeClr val="tx1"/>
+            <a:schemeClr val="tx2"/>
           </a:solidFill>
           <a:latin typeface="+mn-lt"/>
           <a:ea typeface="+mn-ea"/>
           <a:cs typeface="+mn-cs"/>
         </a:defRPr>
       </a:lvl3pPr>
-      <a:lvl4pPr marL="1600200" indent="-228600" algn="l" defTabSz="914400" rtl="0" eaLnBrk="1" latinLnBrk="0" hangingPunct="1">
-        <a:lnSpc>
-          <a:spcPct val="90000"/>
-        </a:lnSpc>
+      <a:lvl4pPr marL="1242000" indent="-234000" algn="l" defTabSz="457200" rtl="0" eaLnBrk="1" latinLnBrk="0" hangingPunct="1">
         <a:spcBef>
-          <a:spcPts val="500"/>
+          <a:spcPct val="20000"/>
         </a:spcBef>
-        <a:buFont typeface="Arial" panose="020B0604020202020204" pitchFamily="34" charset="0"/>
-        <a:buChar char="•"/>
-        <a:defRPr sz="1800" kern="1200">
+        <a:spcAft>
+          <a:spcPts val="600"/>
+        </a:spcAft>
+        <a:buClr>
+          <a:schemeClr val="accent2"/>
+        </a:buClr>
+        <a:buSzPct val="92000"/>
+        <a:buFont typeface="Wingdings 2" panose="05020102010507070707" pitchFamily="18" charset="2"/>
+        <a:buChar char=""/>
+        <a:defRPr sz="1200" kern="1200">
           <a:solidFill>
-            <a:schemeClr val="tx1"/>
+            <a:schemeClr val="tx2"/>
           </a:solidFill>
           <a:latin typeface="+mn-lt"/>
           <a:ea typeface="+mn-ea"/>
           <a:cs typeface="+mn-cs"/>
         </a:defRPr>
       </a:lvl4pPr>
-      <a:lvl5pPr marL="2057400" indent="-228600" algn="l" defTabSz="914400" rtl="0" eaLnBrk="1" latinLnBrk="0" hangingPunct="1">
-        <a:lnSpc>
-          <a:spcPct val="90000"/>
-        </a:lnSpc>
+      <a:lvl5pPr marL="1602000" indent="-234000" algn="l" defTabSz="457200" rtl="0" eaLnBrk="1" latinLnBrk="0" hangingPunct="1">
         <a:spcBef>
-          <a:spcPts val="500"/>
+          <a:spcPct val="20000"/>
         </a:spcBef>
-        <a:buFont typeface="Arial" panose="020B0604020202020204" pitchFamily="34" charset="0"/>
-        <a:buChar char="•"/>
-        <a:defRPr sz="1800" kern="1200">
+        <a:spcAft>
+          <a:spcPts val="600"/>
+        </a:spcAft>
+        <a:buClr>
+          <a:schemeClr val="accent2"/>
+        </a:buClr>
+        <a:buSzPct val="92000"/>
+        <a:buFont typeface="Wingdings 2" panose="05020102010507070707" pitchFamily="18" charset="2"/>
+        <a:buChar char=""/>
+        <a:defRPr sz="1200" kern="1200">
           <a:solidFill>
-            <a:schemeClr val="tx1"/>
+            <a:schemeClr val="tx2"/>
           </a:solidFill>
           <a:latin typeface="+mn-lt"/>
           <a:ea typeface="+mn-ea"/>
           <a:cs typeface="+mn-cs"/>
         </a:defRPr>
       </a:lvl5pPr>
-      <a:lvl6pPr marL="2514600" indent="-228600" algn="l" defTabSz="914400" rtl="0" eaLnBrk="1" latinLnBrk="0" hangingPunct="1">
-        <a:lnSpc>
-          <a:spcPct val="90000"/>
-        </a:lnSpc>
+      <a:lvl6pPr marL="1900000" indent="-228600" algn="l" defTabSz="457200" rtl="0" eaLnBrk="1" latinLnBrk="0" hangingPunct="1">
         <a:spcBef>
-          <a:spcPts val="500"/>
+          <a:spcPct val="20000"/>
         </a:spcBef>
-        <a:buFont typeface="Arial" panose="020B0604020202020204" pitchFamily="34" charset="0"/>
-        <a:buChar char="•"/>
-        <a:defRPr sz="1800" kern="1200">
+        <a:spcAft>
+          <a:spcPts val="600"/>
+        </a:spcAft>
+        <a:buClr>
+          <a:schemeClr val="accent2"/>
+        </a:buClr>
+        <a:buSzPct val="92000"/>
+        <a:buFont typeface="Wingdings 2" panose="05020102010507070707" pitchFamily="18" charset="2"/>
+        <a:buChar char=""/>
+        <a:defRPr sz="1200" kern="1200">
           <a:solidFill>
-            <a:schemeClr val="tx1"/>
+            <a:schemeClr val="tx2"/>
           </a:solidFill>
           <a:latin typeface="+mn-lt"/>
           <a:ea typeface="+mn-ea"/>
           <a:cs typeface="+mn-cs"/>
         </a:defRPr>
       </a:lvl6pPr>
-      <a:lvl7pPr marL="2971800" indent="-228600" algn="l" defTabSz="914400" rtl="0" eaLnBrk="1" latinLnBrk="0" hangingPunct="1">
-        <a:lnSpc>
-          <a:spcPct val="90000"/>
-        </a:lnSpc>
+      <a:lvl7pPr marL="2200000" indent="-228600" algn="l" defTabSz="457200" rtl="0" eaLnBrk="1" latinLnBrk="0" hangingPunct="1">
         <a:spcBef>
-          <a:spcPts val="500"/>
+          <a:spcPct val="20000"/>
         </a:spcBef>
-        <a:buFont typeface="Arial" panose="020B0604020202020204" pitchFamily="34" charset="0"/>
-        <a:buChar char="•"/>
-        <a:defRPr sz="1800" kern="1200">
+        <a:spcAft>
+          <a:spcPts val="600"/>
+        </a:spcAft>
+        <a:buClr>
+          <a:schemeClr val="accent2"/>
+        </a:buClr>
+        <a:buSzPct val="92000"/>
+        <a:buFont typeface="Wingdings 2" panose="05020102010507070707" pitchFamily="18" charset="2"/>
+        <a:buChar char=""/>
+        <a:defRPr sz="1200" kern="1200">
           <a:solidFill>
-            <a:schemeClr val="tx1"/>
+            <a:schemeClr val="tx2"/>
           </a:solidFill>
           <a:latin typeface="+mn-lt"/>
           <a:ea typeface="+mn-ea"/>
           <a:cs typeface="+mn-cs"/>
         </a:defRPr>
       </a:lvl7pPr>
-      <a:lvl8pPr marL="3429000" indent="-228600" algn="l" defTabSz="914400" rtl="0" eaLnBrk="1" latinLnBrk="0" hangingPunct="1">
-        <a:lnSpc>
-          <a:spcPct val="90000"/>
-        </a:lnSpc>
+      <a:lvl8pPr marL="2500000" indent="-228600" algn="l" defTabSz="457200" rtl="0" eaLnBrk="1" latinLnBrk="0" hangingPunct="1">
         <a:spcBef>
-          <a:spcPts val="500"/>
+          <a:spcPct val="20000"/>
         </a:spcBef>
-        <a:buFont typeface="Arial" panose="020B0604020202020204" pitchFamily="34" charset="0"/>
-        <a:buChar char="•"/>
-        <a:defRPr sz="1800" kern="1200">
+        <a:spcAft>
+          <a:spcPts val="600"/>
+        </a:spcAft>
+        <a:buClr>
+          <a:schemeClr val="accent2"/>
+        </a:buClr>
+        <a:buSzPct val="92000"/>
+        <a:buFont typeface="Wingdings 2" panose="05020102010507070707" pitchFamily="18" charset="2"/>
+        <a:buChar char=""/>
+        <a:defRPr sz="1200" kern="1200">
           <a:solidFill>
-            <a:schemeClr val="tx1"/>
+            <a:schemeClr val="tx2"/>
           </a:solidFill>
           <a:latin typeface="+mn-lt"/>
           <a:ea typeface="+mn-ea"/>
           <a:cs typeface="+mn-cs"/>
         </a:defRPr>
       </a:lvl8pPr>
-      <a:lvl9pPr marL="3886200" indent="-228600" algn="l" defTabSz="914400" rtl="0" eaLnBrk="1" latinLnBrk="0" hangingPunct="1">
-        <a:lnSpc>
-          <a:spcPct val="90000"/>
-        </a:lnSpc>
+      <a:lvl9pPr marL="2800000" indent="-228600" algn="l" defTabSz="457200" rtl="0" eaLnBrk="1" latinLnBrk="0" hangingPunct="1">
         <a:spcBef>
-          <a:spcPts val="500"/>
+          <a:spcPct val="20000"/>
         </a:spcBef>
-        <a:buFont typeface="Arial" panose="020B0604020202020204" pitchFamily="34" charset="0"/>
-        <a:buChar char="•"/>
-        <a:defRPr sz="1800" kern="1200">
+        <a:spcAft>
+          <a:spcPts val="600"/>
+        </a:spcAft>
+        <a:buClr>
+          <a:schemeClr val="accent2"/>
+        </a:buClr>
+        <a:buSzPct val="92000"/>
+        <a:buFont typeface="Wingdings 2" panose="05020102010507070707" pitchFamily="18" charset="2"/>
+        <a:buChar char=""/>
+        <a:defRPr sz="1200" kern="1200">
           <a:solidFill>
-            <a:schemeClr val="tx1"/>
+            <a:schemeClr val="tx2"/>
           </a:solidFill>
           <a:latin typeface="+mn-lt"/>
           <a:ea typeface="+mn-ea"/>
@@ -3218,7 +3877,7 @@
       <a:defPPr>
         <a:defRPr lang="en-US"/>
       </a:defPPr>
-      <a:lvl1pPr marL="0" algn="l" defTabSz="914400" rtl="0" eaLnBrk="1" latinLnBrk="0" hangingPunct="1">
+      <a:lvl1pPr marL="0" algn="l" defTabSz="457200" rtl="0" eaLnBrk="1" latinLnBrk="0" hangingPunct="1">
         <a:defRPr sz="1800" kern="1200">
           <a:solidFill>
             <a:schemeClr val="tx1"/>
@@ -3228,7 +3887,7 @@
           <a:cs typeface="+mn-cs"/>
         </a:defRPr>
       </a:lvl1pPr>
-      <a:lvl2pPr marL="457200" algn="l" defTabSz="914400" rtl="0" eaLnBrk="1" latinLnBrk="0" hangingPunct="1">
+      <a:lvl2pPr marL="457200" algn="l" defTabSz="457200" rtl="0" eaLnBrk="1" latinLnBrk="0" hangingPunct="1">
         <a:defRPr sz="1800" kern="1200">
           <a:solidFill>
             <a:schemeClr val="tx1"/>
@@ -3238,7 +3897,7 @@
           <a:cs typeface="+mn-cs"/>
         </a:defRPr>
       </a:lvl2pPr>
-      <a:lvl3pPr marL="914400" algn="l" defTabSz="914400" rtl="0" eaLnBrk="1" latinLnBrk="0" hangingPunct="1">
+      <a:lvl3pPr marL="914400" algn="l" defTabSz="457200" rtl="0" eaLnBrk="1" latinLnBrk="0" hangingPunct="1">
         <a:defRPr sz="1800" kern="1200">
           <a:solidFill>
             <a:schemeClr val="tx1"/>
@@ -3248,7 +3907,7 @@
           <a:cs typeface="+mn-cs"/>
         </a:defRPr>
       </a:lvl3pPr>
-      <a:lvl4pPr marL="1371600" algn="l" defTabSz="914400" rtl="0" eaLnBrk="1" latinLnBrk="0" hangingPunct="1">
+      <a:lvl4pPr marL="1371600" algn="l" defTabSz="457200" rtl="0" eaLnBrk="1" latinLnBrk="0" hangingPunct="1">
         <a:defRPr sz="1800" kern="1200">
           <a:solidFill>
             <a:schemeClr val="tx1"/>
@@ -3258,7 +3917,7 @@
           <a:cs typeface="+mn-cs"/>
         </a:defRPr>
       </a:lvl4pPr>
-      <a:lvl5pPr marL="1828800" algn="l" defTabSz="914400" rtl="0" eaLnBrk="1" latinLnBrk="0" hangingPunct="1">
+      <a:lvl5pPr marL="1828800" algn="l" defTabSz="457200" rtl="0" eaLnBrk="1" latinLnBrk="0" hangingPunct="1">
         <a:defRPr sz="1800" kern="1200">
           <a:solidFill>
             <a:schemeClr val="tx1"/>
@@ -3268,7 +3927,7 @@
           <a:cs typeface="+mn-cs"/>
         </a:defRPr>
       </a:lvl5pPr>
-      <a:lvl6pPr marL="2286000" algn="l" defTabSz="914400" rtl="0" eaLnBrk="1" latinLnBrk="0" hangingPunct="1">
+      <a:lvl6pPr marL="2286000" algn="l" defTabSz="457200" rtl="0" eaLnBrk="1" latinLnBrk="0" hangingPunct="1">
         <a:defRPr sz="1800" kern="1200">
           <a:solidFill>
             <a:schemeClr val="tx1"/>
@@ -3278,7 +3937,7 @@
           <a:cs typeface="+mn-cs"/>
         </a:defRPr>
       </a:lvl6pPr>
-      <a:lvl7pPr marL="2743200" algn="l" defTabSz="914400" rtl="0" eaLnBrk="1" latinLnBrk="0" hangingPunct="1">
+      <a:lvl7pPr marL="2743200" algn="l" defTabSz="457200" rtl="0" eaLnBrk="1" latinLnBrk="0" hangingPunct="1">
         <a:defRPr sz="1800" kern="1200">
           <a:solidFill>
             <a:schemeClr val="tx1"/>
@@ -3288,7 +3947,7 @@
           <a:cs typeface="+mn-cs"/>
         </a:defRPr>
       </a:lvl7pPr>
-      <a:lvl8pPr marL="3200400" algn="l" defTabSz="914400" rtl="0" eaLnBrk="1" latinLnBrk="0" hangingPunct="1">
+      <a:lvl8pPr marL="3200400" algn="l" defTabSz="457200" rtl="0" eaLnBrk="1" latinLnBrk="0" hangingPunct="1">
         <a:defRPr sz="1800" kern="1200">
           <a:solidFill>
             <a:schemeClr val="tx1"/>
@@ -3298,7 +3957,7 @@
           <a:cs typeface="+mn-cs"/>
         </a:defRPr>
       </a:lvl8pPr>
-      <a:lvl9pPr marL="3657600" algn="l" defTabSz="914400" rtl="0" eaLnBrk="1" latinLnBrk="0" hangingPunct="1">
+      <a:lvl9pPr marL="3657600" algn="l" defTabSz="457200" rtl="0" eaLnBrk="1" latinLnBrk="0" hangingPunct="1">
         <a:defRPr sz="1800" kern="1200">
           <a:solidFill>
             <a:schemeClr val="tx1"/>
@@ -3335,7 +3994,7 @@
           <p:cNvPr id="2" name="Title 1">
             <a:extLst>
               <a:ext uri="{FF2B5EF4-FFF2-40B4-BE49-F238E27FC236}">
-                <a16:creationId xmlns:a16="http://schemas.microsoft.com/office/drawing/2014/main" id="{1A20823C-C3C5-4DD7-A66A-883FA3298C45}"/>
+                <a16:creationId xmlns:a16="http://schemas.microsoft.com/office/drawing/2014/main" id="{35BE6604-7EFB-154F-8A83-E6819F4DAAA0}"/>
               </a:ext>
             </a:extLst>
           </p:cNvPr>
@@ -3353,7 +4012,7 @@
           <a:p>
             <a:r>
               <a:rPr lang="en-US" dirty="0"/>
-              <a:t>PowerShell Identity Automation with MIM</a:t>
+              <a:t>PowerShell Identity Automation with MIM	</a:t>
             </a:r>
           </a:p>
         </p:txBody>
@@ -3363,7 +4022,7 @@
           <p:cNvPr id="3" name="Subtitle 2">
             <a:extLst>
               <a:ext uri="{FF2B5EF4-FFF2-40B4-BE49-F238E27FC236}">
-                <a16:creationId xmlns:a16="http://schemas.microsoft.com/office/drawing/2014/main" id="{59B93612-E41F-4E2E-B023-1E911B62D9A4}"/>
+                <a16:creationId xmlns:a16="http://schemas.microsoft.com/office/drawing/2014/main" id="{B9825BB7-0C48-5C49-A385-1FD2B166DE35}"/>
               </a:ext>
             </a:extLst>
           </p:cNvPr>
@@ -3381,15 +4040,45 @@
           <a:p>
             <a:r>
               <a:rPr lang="en-US" dirty="0"/>
-              <a:t>Dustin A Dortch</a:t>
-            </a:r>
-          </a:p>
-        </p:txBody>
-      </p:sp>
+              <a:t>Dustin Dortch</a:t>
+            </a:r>
+          </a:p>
+        </p:txBody>
+      </p:sp>
+      <p:pic>
+        <p:nvPicPr>
+          <p:cNvPr id="5" name="Picture 4">
+            <a:extLst>
+              <a:ext uri="{FF2B5EF4-FFF2-40B4-BE49-F238E27FC236}">
+                <a16:creationId xmlns:a16="http://schemas.microsoft.com/office/drawing/2014/main" id="{CEE2481D-5A86-1A4C-8AC8-CD01F86931E3}"/>
+              </a:ext>
+            </a:extLst>
+          </p:cNvPr>
+          <p:cNvPicPr>
+            <a:picLocks noChangeAspect="1"/>
+          </p:cNvPicPr>
+          <p:nvPr/>
+        </p:nvPicPr>
+        <p:blipFill>
+          <a:blip r:embed="rId2"/>
+          <a:stretch>
+            <a:fillRect/>
+          </a:stretch>
+        </p:blipFill>
+        <p:spPr>
+          <a:xfrm>
+            <a:off x="3092778" y="3429000"/>
+            <a:ext cx="5970373" cy="2653499"/>
+          </a:xfrm>
+          <a:prstGeom prst="rect">
+            <a:avLst/>
+          </a:prstGeom>
+        </p:spPr>
+      </p:pic>
     </p:spTree>
     <p:extLst>
       <p:ext uri="{BB962C8B-B14F-4D97-AF65-F5344CB8AC3E}">
-        <p14:creationId xmlns:p14="http://schemas.microsoft.com/office/powerpoint/2010/main" val="288152789"/>
+        <p14:creationId xmlns:p14="http://schemas.microsoft.com/office/powerpoint/2010/main" val="2382551231"/>
       </p:ext>
     </p:extLst>
   </p:cSld>
@@ -3418,10 +4107,10 @@
       </p:grpSpPr>
       <p:sp>
         <p:nvSpPr>
-          <p:cNvPr id="2" name="Title 1">
+          <p:cNvPr id="4" name="Title 3">
             <a:extLst>
               <a:ext uri="{FF2B5EF4-FFF2-40B4-BE49-F238E27FC236}">
-                <a16:creationId xmlns:a16="http://schemas.microsoft.com/office/drawing/2014/main" id="{10EB2F66-5741-422C-88F5-C80AEE69BDE4}"/>
+                <a16:creationId xmlns:a16="http://schemas.microsoft.com/office/drawing/2014/main" id="{8B8B80E8-709A-4125-8E38-4F6737A725FC}"/>
               </a:ext>
             </a:extLst>
           </p:cNvPr>
@@ -3439,17 +4128,17 @@
           <a:p>
             <a:r>
               <a:rPr lang="en-US" dirty="0"/>
-              <a:t>Q&amp;A</a:t>
-            </a:r>
-          </a:p>
-        </p:txBody>
-      </p:sp>
-      <p:sp>
-        <p:nvSpPr>
-          <p:cNvPr id="3" name="Text Placeholder 2">
+              <a:t>Q &amp; A</a:t>
+            </a:r>
+          </a:p>
+        </p:txBody>
+      </p:sp>
+      <p:sp>
+        <p:nvSpPr>
+          <p:cNvPr id="5" name="Text Placeholder 4">
             <a:extLst>
               <a:ext uri="{FF2B5EF4-FFF2-40B4-BE49-F238E27FC236}">
-                <a16:creationId xmlns:a16="http://schemas.microsoft.com/office/drawing/2014/main" id="{5DFAD646-BD15-45BA-AC98-7B90FDD5A054}"/>
+                <a16:creationId xmlns:a16="http://schemas.microsoft.com/office/drawing/2014/main" id="{CC48B849-432B-4185-9AB3-76E90FC77DF8}"/>
               </a:ext>
             </a:extLst>
           </p:cNvPr>
@@ -3467,7 +4156,7 @@
           <a:p>
             <a:r>
               <a:rPr lang="en-US" dirty="0"/>
-              <a:t>Final thoughts</a:t>
+              <a:t>Final Thoughts</a:t>
             </a:r>
           </a:p>
         </p:txBody>
@@ -3475,7 +4164,7 @@
     </p:spTree>
     <p:extLst>
       <p:ext uri="{BB962C8B-B14F-4D97-AF65-F5344CB8AC3E}">
-        <p14:creationId xmlns:p14="http://schemas.microsoft.com/office/powerpoint/2010/main" val="3026323173"/>
+        <p14:creationId xmlns:p14="http://schemas.microsoft.com/office/powerpoint/2010/main" val="2669879363"/>
       </p:ext>
     </p:extLst>
   </p:cSld>
@@ -3507,7 +4196,7 @@
           <p:cNvPr id="2" name="Title 1">
             <a:extLst>
               <a:ext uri="{FF2B5EF4-FFF2-40B4-BE49-F238E27FC236}">
-                <a16:creationId xmlns:a16="http://schemas.microsoft.com/office/drawing/2014/main" id="{3F3711B1-BFB9-4FE2-A9CD-D27786800FFE}"/>
+                <a16:creationId xmlns:a16="http://schemas.microsoft.com/office/drawing/2014/main" id="{2DCC4400-C451-C048-8821-012A5DC51FC3}"/>
               </a:ext>
             </a:extLst>
           </p:cNvPr>
@@ -3532,10 +4221,10 @@
       </p:sp>
       <p:sp>
         <p:nvSpPr>
-          <p:cNvPr id="3" name="Content Placeholder 2">
+          <p:cNvPr id="6" name="Content Placeholder 5">
             <a:extLst>
               <a:ext uri="{FF2B5EF4-FFF2-40B4-BE49-F238E27FC236}">
-                <a16:creationId xmlns:a16="http://schemas.microsoft.com/office/drawing/2014/main" id="{69FD8356-9979-4E47-9C27-188FDA883D65}"/>
+                <a16:creationId xmlns:a16="http://schemas.microsoft.com/office/drawing/2014/main" id="{20833873-F394-6741-B7DF-0237A79B55BB}"/>
               </a:ext>
             </a:extLst>
           </p:cNvPr>
@@ -3548,14 +4237,12 @@
         </p:nvSpPr>
         <p:spPr/>
         <p:txBody>
-          <a:bodyPr>
-            <a:normAutofit/>
-          </a:bodyPr>
+          <a:bodyPr/>
           <a:lstStyle/>
           <a:p>
             <a:r>
               <a:rPr lang="en-US" dirty="0"/>
-              <a:t>Dustin A Dortch</a:t>
+              <a:t>Dustin Dortch</a:t>
             </a:r>
           </a:p>
           <a:p>
@@ -3605,31 +4292,45 @@
             </a:r>
           </a:p>
           <a:p>
-            <a:r>
-              <a:rPr lang="en-US" dirty="0"/>
-              <a:t>“Born again” developer</a:t>
-            </a:r>
-          </a:p>
-          <a:p>
             <a:pPr lvl="1"/>
-            <a:r>
-              <a:rPr lang="en-US" dirty="0"/>
-              <a:t>Past: Java, JavaScript, PHP, C, Visual Basic</a:t>
-            </a:r>
-          </a:p>
-          <a:p>
-            <a:pPr lvl="1"/>
-            <a:r>
-              <a:rPr lang="en-US" dirty="0"/>
-              <a:t>Present: PowerShell and C#</a:t>
-            </a:r>
-          </a:p>
-        </p:txBody>
-      </p:sp>
+            <a:endParaRPr lang="en-US" dirty="0"/>
+          </a:p>
+        </p:txBody>
+      </p:sp>
+      <p:pic>
+        <p:nvPicPr>
+          <p:cNvPr id="7" name="Picture 6">
+            <a:extLst>
+              <a:ext uri="{FF2B5EF4-FFF2-40B4-BE49-F238E27FC236}">
+                <a16:creationId xmlns:a16="http://schemas.microsoft.com/office/drawing/2014/main" id="{65CAA47D-15E9-9140-900B-E253CEB6E999}"/>
+              </a:ext>
+            </a:extLst>
+          </p:cNvPr>
+          <p:cNvPicPr>
+            <a:picLocks noChangeAspect="1"/>
+          </p:cNvPicPr>
+          <p:nvPr/>
+        </p:nvPicPr>
+        <p:blipFill>
+          <a:blip r:embed="rId2"/>
+          <a:stretch>
+            <a:fillRect/>
+          </a:stretch>
+        </p:blipFill>
+        <p:spPr>
+          <a:xfrm>
+            <a:off x="381000" y="5197369"/>
+            <a:ext cx="2976433" cy="1322859"/>
+          </a:xfrm>
+          <a:prstGeom prst="rect">
+            <a:avLst/>
+          </a:prstGeom>
+        </p:spPr>
+      </p:pic>
     </p:spTree>
     <p:extLst>
       <p:ext uri="{BB962C8B-B14F-4D97-AF65-F5344CB8AC3E}">
-        <p14:creationId xmlns:p14="http://schemas.microsoft.com/office/powerpoint/2010/main" val="265071727"/>
+        <p14:creationId xmlns:p14="http://schemas.microsoft.com/office/powerpoint/2010/main" val="1308270659"/>
       </p:ext>
     </p:extLst>
   </p:cSld>
@@ -3661,7 +4362,7 @@
           <p:cNvPr id="2" name="Title 1">
             <a:extLst>
               <a:ext uri="{FF2B5EF4-FFF2-40B4-BE49-F238E27FC236}">
-                <a16:creationId xmlns:a16="http://schemas.microsoft.com/office/drawing/2014/main" id="{D32C6E37-C8F7-4A40-AF38-A0D91E099C54}"/>
+                <a16:creationId xmlns:a16="http://schemas.microsoft.com/office/drawing/2014/main" id="{AEE44629-F1AE-41AA-AEB8-BC23E2BE3453}"/>
               </a:ext>
             </a:extLst>
           </p:cNvPr>
@@ -3689,7 +4390,7 @@
           <p:cNvPr id="3" name="Content Placeholder 2">
             <a:extLst>
               <a:ext uri="{FF2B5EF4-FFF2-40B4-BE49-F238E27FC236}">
-                <a16:creationId xmlns:a16="http://schemas.microsoft.com/office/drawing/2014/main" id="{FD311186-C369-4422-81F5-E715203132A2}"/>
+                <a16:creationId xmlns:a16="http://schemas.microsoft.com/office/drawing/2014/main" id="{6D550FAA-08C2-467C-A501-B0576DF94636}"/>
               </a:ext>
             </a:extLst>
           </p:cNvPr>
@@ -3727,7 +4428,7 @@
     </p:spTree>
     <p:extLst>
       <p:ext uri="{BB962C8B-B14F-4D97-AF65-F5344CB8AC3E}">
-        <p14:creationId xmlns:p14="http://schemas.microsoft.com/office/powerpoint/2010/main" val="1611835794"/>
+        <p14:creationId xmlns:p14="http://schemas.microsoft.com/office/powerpoint/2010/main" val="232332051"/>
       </p:ext>
     </p:extLst>
   </p:cSld>
@@ -3759,7 +4460,7 @@
           <p:cNvPr id="2" name="Title 1">
             <a:extLst>
               <a:ext uri="{FF2B5EF4-FFF2-40B4-BE49-F238E27FC236}">
-                <a16:creationId xmlns:a16="http://schemas.microsoft.com/office/drawing/2014/main" id="{2AB1B809-83A1-40FE-ACDD-CFF501242FCF}"/>
+                <a16:creationId xmlns:a16="http://schemas.microsoft.com/office/drawing/2014/main" id="{1C0CE4AD-BA2F-459C-AB65-CBC9E892AFA9}"/>
               </a:ext>
             </a:extLst>
           </p:cNvPr>
@@ -3787,7 +4488,7 @@
           <p:cNvPr id="3" name="Content Placeholder 2">
             <a:extLst>
               <a:ext uri="{FF2B5EF4-FFF2-40B4-BE49-F238E27FC236}">
-                <a16:creationId xmlns:a16="http://schemas.microsoft.com/office/drawing/2014/main" id="{03950749-5C5C-4C66-9652-0BA8EA56C3B3}"/>
+                <a16:creationId xmlns:a16="http://schemas.microsoft.com/office/drawing/2014/main" id="{87F13D8F-BF23-4665-84CA-3946E435A4BF}"/>
               </a:ext>
             </a:extLst>
           </p:cNvPr>
@@ -3835,20 +4536,15 @@
           <a:p>
             <a:r>
               <a:rPr lang="en-US" dirty="0"/>
-              <a:t>Level 5: Level 4, plus updates, roles, profiles, </a:t>
-            </a:r>
-            <a:r>
-              <a:rPr lang="en-US" dirty="0" err="1"/>
-              <a:t>etc</a:t>
-            </a:r>
-            <a:endParaRPr lang="en-US" dirty="0"/>
+              <a:t>Level 5: Level 4, plus updates, roles, profiles, etc.</a:t>
+            </a:r>
           </a:p>
         </p:txBody>
       </p:sp>
     </p:spTree>
     <p:extLst>
       <p:ext uri="{BB962C8B-B14F-4D97-AF65-F5344CB8AC3E}">
-        <p14:creationId xmlns:p14="http://schemas.microsoft.com/office/powerpoint/2010/main" val="2575632320"/>
+        <p14:creationId xmlns:p14="http://schemas.microsoft.com/office/powerpoint/2010/main" val="3857679118"/>
       </p:ext>
     </p:extLst>
   </p:cSld>
@@ -3880,7 +4576,7 @@
           <p:cNvPr id="2" name="Title 1">
             <a:extLst>
               <a:ext uri="{FF2B5EF4-FFF2-40B4-BE49-F238E27FC236}">
-                <a16:creationId xmlns:a16="http://schemas.microsoft.com/office/drawing/2014/main" id="{FBBEAF0A-8485-4084-A0B8-C838B3EFAB05}"/>
+                <a16:creationId xmlns:a16="http://schemas.microsoft.com/office/drawing/2014/main" id="{B1703FB3-80BA-404E-ABEF-FFE503AE261A}"/>
               </a:ext>
             </a:extLst>
           </p:cNvPr>
@@ -3900,6 +4596,34 @@
               <a:rPr lang="en-US" dirty="0"/>
               <a:t>Identity Lifecycle Landscape</a:t>
             </a:r>
+          </a:p>
+        </p:txBody>
+      </p:sp>
+      <p:sp>
+        <p:nvSpPr>
+          <p:cNvPr id="3" name="Content Placeholder 2">
+            <a:extLst>
+              <a:ext uri="{FF2B5EF4-FFF2-40B4-BE49-F238E27FC236}">
+                <a16:creationId xmlns:a16="http://schemas.microsoft.com/office/drawing/2014/main" id="{DD6E2B79-78CE-4229-90BA-2D47E6711414}"/>
+              </a:ext>
+            </a:extLst>
+          </p:cNvPr>
+          <p:cNvSpPr>
+            <a:spLocks noGrp="1"/>
+          </p:cNvSpPr>
+          <p:nvPr>
+            <p:ph idx="1"/>
+          </p:nvPr>
+        </p:nvSpPr>
+        <p:spPr/>
+        <p:txBody>
+          <a:bodyPr/>
+          <a:lstStyle/>
+          <a:p>
+            <a:pPr marL="0" indent="0">
+              <a:buNone/>
+            </a:pPr>
+            <a:endParaRPr lang="en-US" dirty="0"/>
           </a:p>
         </p:txBody>
       </p:sp>
@@ -3908,16 +4632,14 @@
           <p:cNvPr id="4" name="Content Placeholder 3">
             <a:extLst>
               <a:ext uri="{FF2B5EF4-FFF2-40B4-BE49-F238E27FC236}">
-                <a16:creationId xmlns:a16="http://schemas.microsoft.com/office/drawing/2014/main" id="{18A9E576-E68C-4F04-B06E-D9A3D9DAAFA5}"/>
+                <a16:creationId xmlns:a16="http://schemas.microsoft.com/office/drawing/2014/main" id="{2D37E9F6-B119-42F6-9B25-8B1FDD9FB2E0}"/>
               </a:ext>
             </a:extLst>
           </p:cNvPr>
           <p:cNvPicPr>
-            <a:picLocks noGrp="1" noChangeAspect="1"/>
+            <a:picLocks noChangeAspect="1"/>
           </p:cNvPicPr>
-          <p:nvPr>
-            <p:ph idx="1"/>
-          </p:nvPr>
+          <p:nvPr/>
         </p:nvPicPr>
         <p:blipFill>
           <a:blip r:embed="rId2"/>
@@ -3940,7 +4662,7 @@
           <p:cNvPr id="5" name="Picture 4">
             <a:extLst>
               <a:ext uri="{FF2B5EF4-FFF2-40B4-BE49-F238E27FC236}">
-                <a16:creationId xmlns:a16="http://schemas.microsoft.com/office/drawing/2014/main" id="{AA69248F-D194-4FAE-8993-85EF3AAFA48F}"/>
+                <a16:creationId xmlns:a16="http://schemas.microsoft.com/office/drawing/2014/main" id="{AEA9C613-E031-468A-9998-FB69CEE8D95A}"/>
               </a:ext>
             </a:extLst>
           </p:cNvPr>
@@ -3970,7 +4692,7 @@
           <p:cNvPr id="6" name="Picture 5">
             <a:extLst>
               <a:ext uri="{FF2B5EF4-FFF2-40B4-BE49-F238E27FC236}">
-                <a16:creationId xmlns:a16="http://schemas.microsoft.com/office/drawing/2014/main" id="{214A49CC-D626-4FA0-BE34-EAE92DFF6BFD}"/>
+                <a16:creationId xmlns:a16="http://schemas.microsoft.com/office/drawing/2014/main" id="{60FA749F-D89A-4816-A6F3-0D449E62FB88}"/>
               </a:ext>
             </a:extLst>
           </p:cNvPr>
@@ -4000,7 +4722,7 @@
           <p:cNvPr id="7" name="Picture 6">
             <a:extLst>
               <a:ext uri="{FF2B5EF4-FFF2-40B4-BE49-F238E27FC236}">
-                <a16:creationId xmlns:a16="http://schemas.microsoft.com/office/drawing/2014/main" id="{449FED08-E38F-43D9-9D87-A0040810D8AF}"/>
+                <a16:creationId xmlns:a16="http://schemas.microsoft.com/office/drawing/2014/main" id="{B0109DA6-0130-4025-9879-E444F422BA38}"/>
               </a:ext>
             </a:extLst>
           </p:cNvPr>
@@ -4030,7 +4752,7 @@
           <p:cNvPr id="8" name="Picture 7">
             <a:extLst>
               <a:ext uri="{FF2B5EF4-FFF2-40B4-BE49-F238E27FC236}">
-                <a16:creationId xmlns:a16="http://schemas.microsoft.com/office/drawing/2014/main" id="{DDDB9556-124F-4176-80DF-72E7FCE26BF5}"/>
+                <a16:creationId xmlns:a16="http://schemas.microsoft.com/office/drawing/2014/main" id="{F2F2CF94-0F44-4F36-9321-A6C35F442067}"/>
               </a:ext>
             </a:extLst>
           </p:cNvPr>
@@ -4060,7 +4782,7 @@
           <p:cNvPr id="9" name="Picture 8">
             <a:extLst>
               <a:ext uri="{FF2B5EF4-FFF2-40B4-BE49-F238E27FC236}">
-                <a16:creationId xmlns:a16="http://schemas.microsoft.com/office/drawing/2014/main" id="{F6815321-FDB5-41CF-A13A-CC3B527AC3F6}"/>
+                <a16:creationId xmlns:a16="http://schemas.microsoft.com/office/drawing/2014/main" id="{D1F229C1-4E2F-4239-9FBC-88BE0CA88E61}"/>
               </a:ext>
             </a:extLst>
           </p:cNvPr>
@@ -4090,7 +4812,7 @@
           <p:cNvPr id="10" name="Picture 9">
             <a:extLst>
               <a:ext uri="{FF2B5EF4-FFF2-40B4-BE49-F238E27FC236}">
-                <a16:creationId xmlns:a16="http://schemas.microsoft.com/office/drawing/2014/main" id="{77D3F995-8D73-43AF-89C4-E5DB3C8CFCBC}"/>
+                <a16:creationId xmlns:a16="http://schemas.microsoft.com/office/drawing/2014/main" id="{3AE2DE65-0CE3-4832-BF18-C1376FD8AAFE}"/>
               </a:ext>
             </a:extLst>
           </p:cNvPr>
@@ -4117,10 +4839,10 @@
       </p:pic>
       <p:pic>
         <p:nvPicPr>
-          <p:cNvPr id="12" name="Picture 11">
+          <p:cNvPr id="11" name="Picture 10">
             <a:extLst>
               <a:ext uri="{FF2B5EF4-FFF2-40B4-BE49-F238E27FC236}">
-                <a16:creationId xmlns:a16="http://schemas.microsoft.com/office/drawing/2014/main" id="{38AC73C5-5E84-4C08-979F-C992EF838292}"/>
+                <a16:creationId xmlns:a16="http://schemas.microsoft.com/office/drawing/2014/main" id="{BF07C287-8FC0-4AB6-8EE9-2D5FED5E7369}"/>
               </a:ext>
             </a:extLst>
           </p:cNvPr>
@@ -4147,10 +4869,10 @@
       </p:pic>
       <p:pic>
         <p:nvPicPr>
-          <p:cNvPr id="13" name="Picture 12">
+          <p:cNvPr id="12" name="Picture 11">
             <a:extLst>
               <a:ext uri="{FF2B5EF4-FFF2-40B4-BE49-F238E27FC236}">
-                <a16:creationId xmlns:a16="http://schemas.microsoft.com/office/drawing/2014/main" id="{971D26E3-175E-49B1-B940-68B5498E51C1}"/>
+                <a16:creationId xmlns:a16="http://schemas.microsoft.com/office/drawing/2014/main" id="{9923BF27-F0BC-426B-9627-E647B1435A20}"/>
               </a:ext>
             </a:extLst>
           </p:cNvPr>
@@ -4167,7 +4889,7 @@
         </p:blipFill>
         <p:spPr>
           <a:xfrm>
-            <a:off x="9915685" y="3032625"/>
+            <a:off x="9922924" y="3175950"/>
             <a:ext cx="798332" cy="792749"/>
           </a:xfrm>
           <a:prstGeom prst="rect">
@@ -4177,10 +4899,10 @@
       </p:pic>
       <p:pic>
         <p:nvPicPr>
-          <p:cNvPr id="14" name="Picture 13">
+          <p:cNvPr id="13" name="Picture 12">
             <a:extLst>
               <a:ext uri="{FF2B5EF4-FFF2-40B4-BE49-F238E27FC236}">
-                <a16:creationId xmlns:a16="http://schemas.microsoft.com/office/drawing/2014/main" id="{374EA38F-6F7F-45B7-9910-252AB4D911C0}"/>
+                <a16:creationId xmlns:a16="http://schemas.microsoft.com/office/drawing/2014/main" id="{9CEE8954-769B-4A3D-B824-8D2167D1190F}"/>
               </a:ext>
             </a:extLst>
           </p:cNvPr>
@@ -4197,7 +4919,7 @@
         </p:blipFill>
         <p:spPr>
           <a:xfrm>
-            <a:off x="9713361" y="4118704"/>
+            <a:off x="8987636" y="4386689"/>
             <a:ext cx="1199325" cy="779308"/>
           </a:xfrm>
           <a:prstGeom prst="rect">
@@ -4207,10 +4929,10 @@
       </p:pic>
       <p:pic>
         <p:nvPicPr>
-          <p:cNvPr id="15" name="Picture 14">
+          <p:cNvPr id="14" name="Picture 13">
             <a:extLst>
               <a:ext uri="{FF2B5EF4-FFF2-40B4-BE49-F238E27FC236}">
-                <a16:creationId xmlns:a16="http://schemas.microsoft.com/office/drawing/2014/main" id="{85BE4286-544D-4EEC-9ED5-E580058A4D50}"/>
+                <a16:creationId xmlns:a16="http://schemas.microsoft.com/office/drawing/2014/main" id="{9F0B8D0D-0377-4DC2-BE9F-08B025C18199}"/>
               </a:ext>
             </a:extLst>
           </p:cNvPr>
@@ -4237,10 +4959,10 @@
       </p:pic>
       <p:cxnSp>
         <p:nvCxnSpPr>
-          <p:cNvPr id="18" name="Straight Arrow Connector 17">
+          <p:cNvPr id="15" name="Straight Arrow Connector 14">
             <a:extLst>
               <a:ext uri="{FF2B5EF4-FFF2-40B4-BE49-F238E27FC236}">
-                <a16:creationId xmlns:a16="http://schemas.microsoft.com/office/drawing/2014/main" id="{27E8ADE6-1C8C-4053-BDB8-9D17F60ADD57}"/>
+                <a16:creationId xmlns:a16="http://schemas.microsoft.com/office/drawing/2014/main" id="{ACC32512-A8D6-4A7F-BC24-0FD6E5321CC2}"/>
               </a:ext>
             </a:extLst>
           </p:cNvPr>
@@ -4279,10 +5001,10 @@
       </p:cxnSp>
       <p:cxnSp>
         <p:nvCxnSpPr>
-          <p:cNvPr id="20" name="Straight Arrow Connector 19">
+          <p:cNvPr id="16" name="Straight Arrow Connector 15">
             <a:extLst>
               <a:ext uri="{FF2B5EF4-FFF2-40B4-BE49-F238E27FC236}">
-                <a16:creationId xmlns:a16="http://schemas.microsoft.com/office/drawing/2014/main" id="{E1BCF6D3-5E18-469C-BC71-A641CD45DBF0}"/>
+                <a16:creationId xmlns:a16="http://schemas.microsoft.com/office/drawing/2014/main" id="{4DAD523F-9CC9-4856-B724-8138A30618E8}"/>
               </a:ext>
             </a:extLst>
           </p:cNvPr>
@@ -4321,10 +5043,10 @@
       </p:cxnSp>
       <p:cxnSp>
         <p:nvCxnSpPr>
-          <p:cNvPr id="22" name="Straight Arrow Connector 21">
+          <p:cNvPr id="17" name="Straight Arrow Connector 16">
             <a:extLst>
               <a:ext uri="{FF2B5EF4-FFF2-40B4-BE49-F238E27FC236}">
-                <a16:creationId xmlns:a16="http://schemas.microsoft.com/office/drawing/2014/main" id="{492482AC-633E-4E0E-ACF7-6AEACF94594C}"/>
+                <a16:creationId xmlns:a16="http://schemas.microsoft.com/office/drawing/2014/main" id="{6FB8DA76-9D4B-4B19-ABD5-9C856D8CFD3B}"/>
               </a:ext>
             </a:extLst>
           </p:cNvPr>
@@ -4363,10 +5085,52 @@
       </p:cxnSp>
       <p:cxnSp>
         <p:nvCxnSpPr>
-          <p:cNvPr id="24" name="Straight Arrow Connector 23">
+          <p:cNvPr id="18" name="Straight Arrow Connector 17">
             <a:extLst>
               <a:ext uri="{FF2B5EF4-FFF2-40B4-BE49-F238E27FC236}">
-                <a16:creationId xmlns:a16="http://schemas.microsoft.com/office/drawing/2014/main" id="{232A5E4A-8FBD-4F03-923E-77305C49D0DB}"/>
+                <a16:creationId xmlns:a16="http://schemas.microsoft.com/office/drawing/2014/main" id="{36509747-0324-447E-9D52-C9AF17533B35}"/>
+              </a:ext>
+            </a:extLst>
+          </p:cNvPr>
+          <p:cNvCxnSpPr>
+            <a:stCxn id="6" idx="3"/>
+            <a:endCxn id="12" idx="1"/>
+          </p:cNvCxnSpPr>
+          <p:nvPr/>
+        </p:nvCxnSpPr>
+        <p:spPr>
+          <a:xfrm>
+            <a:off x="8059587" y="2471310"/>
+            <a:ext cx="1863337" cy="1101015"/>
+          </a:xfrm>
+          <a:prstGeom prst="straightConnector1">
+            <a:avLst/>
+          </a:prstGeom>
+          <a:ln>
+            <a:tailEnd type="triangle"/>
+          </a:ln>
+        </p:spPr>
+        <p:style>
+          <a:lnRef idx="1">
+            <a:schemeClr val="accent1"/>
+          </a:lnRef>
+          <a:fillRef idx="0">
+            <a:schemeClr val="accent1"/>
+          </a:fillRef>
+          <a:effectRef idx="0">
+            <a:schemeClr val="accent1"/>
+          </a:effectRef>
+          <a:fontRef idx="minor">
+            <a:schemeClr val="tx1"/>
+          </a:fontRef>
+        </p:style>
+      </p:cxnSp>
+      <p:cxnSp>
+        <p:nvCxnSpPr>
+          <p:cNvPr id="19" name="Straight Arrow Connector 18">
+            <a:extLst>
+              <a:ext uri="{FF2B5EF4-FFF2-40B4-BE49-F238E27FC236}">
+                <a16:creationId xmlns:a16="http://schemas.microsoft.com/office/drawing/2014/main" id="{4BA67FA6-CE32-46ED-A058-CF1399A1218D}"/>
               </a:ext>
             </a:extLst>
           </p:cNvPr>
@@ -4379,7 +5143,7 @@
         <p:spPr>
           <a:xfrm>
             <a:off x="8059587" y="2471310"/>
-            <a:ext cx="1856098" cy="957690"/>
+            <a:ext cx="928049" cy="2305033"/>
           </a:xfrm>
           <a:prstGeom prst="straightConnector1">
             <a:avLst/>
@@ -4403,54 +5167,12 @@
           </a:fontRef>
         </p:style>
       </p:cxnSp>
-      <p:cxnSp>
-        <p:nvCxnSpPr>
-          <p:cNvPr id="26" name="Straight Arrow Connector 25">
+      <p:sp>
+        <p:nvSpPr>
+          <p:cNvPr id="20" name="Arc 19">
             <a:extLst>
               <a:ext uri="{FF2B5EF4-FFF2-40B4-BE49-F238E27FC236}">
-                <a16:creationId xmlns:a16="http://schemas.microsoft.com/office/drawing/2014/main" id="{D6DB7C2D-FDD7-4991-9E47-393AC9C7C1DE}"/>
-              </a:ext>
-            </a:extLst>
-          </p:cNvPr>
-          <p:cNvCxnSpPr>
-            <a:stCxn id="6" idx="3"/>
-            <a:endCxn id="14" idx="1"/>
-          </p:cNvCxnSpPr>
-          <p:nvPr/>
-        </p:nvCxnSpPr>
-        <p:spPr>
-          <a:xfrm>
-            <a:off x="8059587" y="2471310"/>
-            <a:ext cx="1653774" cy="2037048"/>
-          </a:xfrm>
-          <a:prstGeom prst="straightConnector1">
-            <a:avLst/>
-          </a:prstGeom>
-          <a:ln>
-            <a:tailEnd type="triangle"/>
-          </a:ln>
-        </p:spPr>
-        <p:style>
-          <a:lnRef idx="1">
-            <a:schemeClr val="accent1"/>
-          </a:lnRef>
-          <a:fillRef idx="0">
-            <a:schemeClr val="accent1"/>
-          </a:fillRef>
-          <a:effectRef idx="0">
-            <a:schemeClr val="accent1"/>
-          </a:effectRef>
-          <a:fontRef idx="minor">
-            <a:schemeClr val="tx1"/>
-          </a:fontRef>
-        </p:style>
-      </p:cxnSp>
-      <p:sp>
-        <p:nvSpPr>
-          <p:cNvPr id="30" name="Arc 29">
-            <a:extLst>
-              <a:ext uri="{FF2B5EF4-FFF2-40B4-BE49-F238E27FC236}">
-                <a16:creationId xmlns:a16="http://schemas.microsoft.com/office/drawing/2014/main" id="{0F3A674B-F85B-4D96-A40C-AE64B46EEDCC}"/>
+                <a16:creationId xmlns:a16="http://schemas.microsoft.com/office/drawing/2014/main" id="{75A2DD03-87BD-46A7-988B-2A306E91445E}"/>
               </a:ext>
             </a:extLst>
           </p:cNvPr>
@@ -4497,10 +5219,10 @@
       </p:sp>
       <p:sp>
         <p:nvSpPr>
-          <p:cNvPr id="31" name="Arc 30">
+          <p:cNvPr id="21" name="Arc 20">
             <a:extLst>
               <a:ext uri="{FF2B5EF4-FFF2-40B4-BE49-F238E27FC236}">
-                <a16:creationId xmlns:a16="http://schemas.microsoft.com/office/drawing/2014/main" id="{7C0F9B22-9B09-4CB3-8D50-7CF1474D509B}"/>
+                <a16:creationId xmlns:a16="http://schemas.microsoft.com/office/drawing/2014/main" id="{E9AE24F4-30CC-49A7-82AE-D4323D1BFE40}"/>
               </a:ext>
             </a:extLst>
           </p:cNvPr>
@@ -4542,57 +5264,10 @@
           </a:p>
         </p:txBody>
       </p:sp>
-      <p:sp>
-        <p:nvSpPr>
-          <p:cNvPr id="32" name="Arc 31">
-            <a:extLst>
-              <a:ext uri="{FF2B5EF4-FFF2-40B4-BE49-F238E27FC236}">
-                <a16:creationId xmlns:a16="http://schemas.microsoft.com/office/drawing/2014/main" id="{AB02D2F7-8ED8-4A7F-98A0-7C1365B6CDF0}"/>
-              </a:ext>
-            </a:extLst>
-          </p:cNvPr>
-          <p:cNvSpPr/>
-          <p:nvPr/>
-        </p:nvSpPr>
-        <p:spPr>
-          <a:xfrm rot="5400000">
-            <a:off x="3954332" y="823370"/>
-            <a:ext cx="3548120" cy="3859416"/>
-          </a:xfrm>
-          <a:prstGeom prst="arc">
-            <a:avLst/>
-          </a:prstGeom>
-          <a:ln>
-            <a:headEnd type="stealth"/>
-          </a:ln>
-        </p:spPr>
-        <p:style>
-          <a:lnRef idx="1">
-            <a:schemeClr val="accent1"/>
-          </a:lnRef>
-          <a:fillRef idx="0">
-            <a:schemeClr val="accent1"/>
-          </a:fillRef>
-          <a:effectRef idx="0">
-            <a:schemeClr val="accent1"/>
-          </a:effectRef>
-          <a:fontRef idx="minor">
-            <a:schemeClr val="tx1"/>
-          </a:fontRef>
-        </p:style>
-        <p:txBody>
-          <a:bodyPr rtlCol="0" anchor="ctr"/>
-          <a:lstStyle/>
-          <a:p>
-            <a:pPr algn="ctr"/>
-            <a:endParaRPr lang="en-US"/>
-          </a:p>
-        </p:txBody>
-      </p:sp>
     </p:spTree>
     <p:extLst>
       <p:ext uri="{BB962C8B-B14F-4D97-AF65-F5344CB8AC3E}">
-        <p14:creationId xmlns:p14="http://schemas.microsoft.com/office/powerpoint/2010/main" val="1700389241"/>
+        <p14:creationId xmlns:p14="http://schemas.microsoft.com/office/powerpoint/2010/main" val="1132795164"/>
       </p:ext>
     </p:extLst>
   </p:cSld>
@@ -4795,7 +5470,7 @@
                                           </p:stCondLst>
                                         </p:cTn>
                                         <p:tgtEl>
-                                          <p:spTgt spid="18"/>
+                                          <p:spTgt spid="15"/>
                                         </p:tgtEl>
                                         <p:attrNameLst>
                                           <p:attrName>style.visibility</p:attrName>
@@ -4831,7 +5506,7 @@
                                           </p:stCondLst>
                                         </p:cTn>
                                         <p:tgtEl>
-                                          <p:spTgt spid="20"/>
+                                          <p:spTgt spid="16"/>
                                         </p:tgtEl>
                                         <p:attrNameLst>
                                           <p:attrName>style.visibility</p:attrName>
@@ -4912,7 +5587,7 @@
                                           </p:stCondLst>
                                         </p:cTn>
                                         <p:tgtEl>
-                                          <p:spTgt spid="22"/>
+                                          <p:spTgt spid="17"/>
                                         </p:tgtEl>
                                         <p:attrNameLst>
                                           <p:attrName>style.visibility</p:attrName>
@@ -4957,7 +5632,7 @@
                                           </p:stCondLst>
                                         </p:cTn>
                                         <p:tgtEl>
-                                          <p:spTgt spid="15"/>
+                                          <p:spTgt spid="14"/>
                                         </p:tgtEl>
                                         <p:attrNameLst>
                                           <p:attrName>style.visibility</p:attrName>
@@ -5047,7 +5722,7 @@
                                           </p:stCondLst>
                                         </p:cTn>
                                         <p:tgtEl>
-                                          <p:spTgt spid="13"/>
+                                          <p:spTgt spid="12"/>
                                         </p:tgtEl>
                                         <p:attrNameLst>
                                           <p:attrName>style.visibility</p:attrName>
@@ -5083,7 +5758,7 @@
                                           </p:stCondLst>
                                         </p:cTn>
                                         <p:tgtEl>
-                                          <p:spTgt spid="24"/>
+                                          <p:spTgt spid="18"/>
                                         </p:tgtEl>
                                         <p:attrNameLst>
                                           <p:attrName>style.visibility</p:attrName>
@@ -5128,7 +5803,7 @@
                                           </p:stCondLst>
                                         </p:cTn>
                                         <p:tgtEl>
-                                          <p:spTgt spid="14"/>
+                                          <p:spTgt spid="13"/>
                                         </p:tgtEl>
                                         <p:attrNameLst>
                                           <p:attrName>style.visibility</p:attrName>
@@ -5164,7 +5839,7 @@
                                           </p:stCondLst>
                                         </p:cTn>
                                         <p:tgtEl>
-                                          <p:spTgt spid="26"/>
+                                          <p:spTgt spid="19"/>
                                         </p:tgtEl>
                                         <p:attrNameLst>
                                           <p:attrName>style.visibility</p:attrName>
@@ -5209,7 +5884,7 @@
                                           </p:stCondLst>
                                         </p:cTn>
                                         <p:tgtEl>
-                                          <p:spTgt spid="12"/>
+                                          <p:spTgt spid="11"/>
                                         </p:tgtEl>
                                         <p:attrNameLst>
                                           <p:attrName>style.visibility</p:attrName>
@@ -5254,7 +5929,7 @@
                                           </p:stCondLst>
                                         </p:cTn>
                                         <p:tgtEl>
-                                          <p:spTgt spid="30"/>
+                                          <p:spTgt spid="20"/>
                                         </p:tgtEl>
                                         <p:attrNameLst>
                                           <p:attrName>style.visibility</p:attrName>
@@ -5299,52 +5974,7 @@
                                           </p:stCondLst>
                                         </p:cTn>
                                         <p:tgtEl>
-                                          <p:spTgt spid="31"/>
-                                        </p:tgtEl>
-                                        <p:attrNameLst>
-                                          <p:attrName>style.visibility</p:attrName>
-                                        </p:attrNameLst>
-                                      </p:cBhvr>
-                                      <p:to>
-                                        <p:strVal val="visible"/>
-                                      </p:to>
-                                    </p:set>
-                                  </p:childTnLst>
-                                </p:cTn>
-                              </p:par>
-                            </p:childTnLst>
-                          </p:cTn>
-                        </p:par>
-                      </p:childTnLst>
-                    </p:cTn>
-                  </p:par>
-                  <p:par>
-                    <p:cTn id="65" fill="hold">
-                      <p:stCondLst>
-                        <p:cond delay="indefinite"/>
-                      </p:stCondLst>
-                      <p:childTnLst>
-                        <p:par>
-                          <p:cTn id="66" fill="hold">
-                            <p:stCondLst>
-                              <p:cond delay="0"/>
-                            </p:stCondLst>
-                            <p:childTnLst>
-                              <p:par>
-                                <p:cTn id="67" presetID="1" presetClass="entr" presetSubtype="0" fill="hold" grpId="0" nodeType="clickEffect">
-                                  <p:stCondLst>
-                                    <p:cond delay="0"/>
-                                  </p:stCondLst>
-                                  <p:childTnLst>
-                                    <p:set>
-                                      <p:cBhvr>
-                                        <p:cTn id="68" dur="1" fill="hold">
-                                          <p:stCondLst>
-                                            <p:cond delay="0"/>
-                                          </p:stCondLst>
-                                        </p:cTn>
-                                        <p:tgtEl>
-                                          <p:spTgt spid="32"/>
+                                          <p:spTgt spid="21"/>
                                         </p:tgtEl>
                                         <p:attrNameLst>
                                           <p:attrName>style.visibility</p:attrName>
@@ -5385,9 +6015,8 @@
       </p:par>
     </p:tnLst>
     <p:bldLst>
-      <p:bldP spid="30" grpId="0" animBg="1"/>
-      <p:bldP spid="31" grpId="0" animBg="1"/>
-      <p:bldP spid="32" grpId="0" animBg="1"/>
+      <p:bldP spid="20" grpId="0" animBg="1"/>
+      <p:bldP spid="21" grpId="0" animBg="1"/>
     </p:bldLst>
   </p:timing>
 </p:sld>
@@ -5415,7 +6044,7 @@
           <p:cNvPr id="2" name="Title 1">
             <a:extLst>
               <a:ext uri="{FF2B5EF4-FFF2-40B4-BE49-F238E27FC236}">
-                <a16:creationId xmlns:a16="http://schemas.microsoft.com/office/drawing/2014/main" id="{C4561BF3-8A23-49EF-9CC8-4108DE9EA17F}"/>
+                <a16:creationId xmlns:a16="http://schemas.microsoft.com/office/drawing/2014/main" id="{E39CFB81-5F71-4F09-9642-C07E1D45C212}"/>
               </a:ext>
             </a:extLst>
           </p:cNvPr>
@@ -5443,7 +6072,7 @@
           <p:cNvPr id="3" name="Content Placeholder 2">
             <a:extLst>
               <a:ext uri="{FF2B5EF4-FFF2-40B4-BE49-F238E27FC236}">
-                <a16:creationId xmlns:a16="http://schemas.microsoft.com/office/drawing/2014/main" id="{4A2AB969-2015-464E-AB71-D6AB1A499E0C}"/>
+                <a16:creationId xmlns:a16="http://schemas.microsoft.com/office/drawing/2014/main" id="{F1EE271F-C383-48B2-8FEF-8FDC8EBC55FA}"/>
               </a:ext>
             </a:extLst>
           </p:cNvPr>
@@ -5465,10 +6094,10 @@
       </p:sp>
       <p:sp>
         <p:nvSpPr>
-          <p:cNvPr id="4" name="Oval 3">
+          <p:cNvPr id="5" name="Oval 4">
             <a:extLst>
               <a:ext uri="{FF2B5EF4-FFF2-40B4-BE49-F238E27FC236}">
-                <a16:creationId xmlns:a16="http://schemas.microsoft.com/office/drawing/2014/main" id="{574BAB7B-08E2-4B37-A2D0-E0FD6CB592C3}"/>
+                <a16:creationId xmlns:a16="http://schemas.microsoft.com/office/drawing/2014/main" id="{921E8214-7998-44BA-AEF9-D86E44B57146}"/>
               </a:ext>
             </a:extLst>
           </p:cNvPr>
@@ -5522,7 +6151,7 @@
           <p:cNvPr id="6" name="Partial Circle 5">
             <a:extLst>
               <a:ext uri="{FF2B5EF4-FFF2-40B4-BE49-F238E27FC236}">
-                <a16:creationId xmlns:a16="http://schemas.microsoft.com/office/drawing/2014/main" id="{077C7DBE-DA71-4EC5-8F16-717746F10CAC}"/>
+                <a16:creationId xmlns:a16="http://schemas.microsoft.com/office/drawing/2014/main" id="{DECB4689-FBB3-4C87-B47C-58D4913E7483}"/>
               </a:ext>
             </a:extLst>
           </p:cNvPr>
@@ -5583,7 +6212,7 @@
           <p:cNvPr id="7" name="Partial Circle 6">
             <a:extLst>
               <a:ext uri="{FF2B5EF4-FFF2-40B4-BE49-F238E27FC236}">
-                <a16:creationId xmlns:a16="http://schemas.microsoft.com/office/drawing/2014/main" id="{D0BEACD6-1A1B-4890-BB9B-4C85C73560E0}"/>
+                <a16:creationId xmlns:a16="http://schemas.microsoft.com/office/drawing/2014/main" id="{0D570903-921C-418B-A0BD-DEE94E2A4094}"/>
               </a:ext>
             </a:extLst>
           </p:cNvPr>
@@ -5641,10 +6270,10 @@
       </p:sp>
       <p:sp>
         <p:nvSpPr>
-          <p:cNvPr id="5" name="Oval 4">
+          <p:cNvPr id="8" name="Oval 7">
             <a:extLst>
               <a:ext uri="{FF2B5EF4-FFF2-40B4-BE49-F238E27FC236}">
-                <a16:creationId xmlns:a16="http://schemas.microsoft.com/office/drawing/2014/main" id="{AFD1F1FA-B62E-4B85-9C46-D72A255220FB}"/>
+                <a16:creationId xmlns:a16="http://schemas.microsoft.com/office/drawing/2014/main" id="{68FD2428-8490-48C4-9A53-FF2C3D6F227E}"/>
               </a:ext>
             </a:extLst>
           </p:cNvPr>
@@ -5701,10 +6330,10 @@
       </p:sp>
       <p:sp>
         <p:nvSpPr>
-          <p:cNvPr id="8" name="TextBox 7">
+          <p:cNvPr id="9" name="TextBox 8">
             <a:extLst>
               <a:ext uri="{FF2B5EF4-FFF2-40B4-BE49-F238E27FC236}">
-                <a16:creationId xmlns:a16="http://schemas.microsoft.com/office/drawing/2014/main" id="{75300826-31A0-4C6A-8A01-268DD5E8FDD3}"/>
+                <a16:creationId xmlns:a16="http://schemas.microsoft.com/office/drawing/2014/main" id="{2D58283E-609A-4DC3-9B2A-37EE1CD558F1}"/>
               </a:ext>
             </a:extLst>
           </p:cNvPr>
@@ -5736,10 +6365,10 @@
       </p:sp>
       <p:sp>
         <p:nvSpPr>
-          <p:cNvPr id="9" name="TextBox 8">
+          <p:cNvPr id="10" name="TextBox 9">
             <a:extLst>
               <a:ext uri="{FF2B5EF4-FFF2-40B4-BE49-F238E27FC236}">
-                <a16:creationId xmlns:a16="http://schemas.microsoft.com/office/drawing/2014/main" id="{4A03100A-E8FC-414D-9E07-9505735C9283}"/>
+                <a16:creationId xmlns:a16="http://schemas.microsoft.com/office/drawing/2014/main" id="{122F554C-84DF-417D-BAD6-1DC587F91484}"/>
               </a:ext>
             </a:extLst>
           </p:cNvPr>
@@ -5748,8 +6377,8 @@
         </p:nvSpPr>
         <p:spPr>
           <a:xfrm>
-            <a:off x="4384275" y="3442534"/>
-            <a:ext cx="738664" cy="1086050"/>
+            <a:off x="4384275" y="3410849"/>
+            <a:ext cx="738664" cy="1152907"/>
           </a:xfrm>
           <a:prstGeom prst="rect">
             <a:avLst/>
@@ -5772,10 +6401,10 @@
       </p:sp>
       <p:sp>
         <p:nvSpPr>
-          <p:cNvPr id="10" name="TextBox 9">
+          <p:cNvPr id="11" name="TextBox 10">
             <a:extLst>
               <a:ext uri="{FF2B5EF4-FFF2-40B4-BE49-F238E27FC236}">
-                <a16:creationId xmlns:a16="http://schemas.microsoft.com/office/drawing/2014/main" id="{D248CCF3-2CEA-44ED-A751-B329EF8DFA02}"/>
+                <a16:creationId xmlns:a16="http://schemas.microsoft.com/office/drawing/2014/main" id="{9C10F8AA-6E2F-44B3-81E7-A482B906208F}"/>
               </a:ext>
             </a:extLst>
           </p:cNvPr>
@@ -5784,8 +6413,8 @@
         </p:nvSpPr>
         <p:spPr>
           <a:xfrm rot="10800000">
-            <a:off x="7071183" y="3442534"/>
-            <a:ext cx="738664" cy="1086050"/>
+            <a:off x="7071183" y="3422993"/>
+            <a:ext cx="738664" cy="1152907"/>
           </a:xfrm>
           <a:prstGeom prst="rect">
             <a:avLst/>
@@ -5808,10 +6437,10 @@
       </p:sp>
       <p:sp>
         <p:nvSpPr>
-          <p:cNvPr id="11" name="Rectangle 10">
+          <p:cNvPr id="12" name="Rectangle 11">
             <a:extLst>
               <a:ext uri="{FF2B5EF4-FFF2-40B4-BE49-F238E27FC236}">
-                <a16:creationId xmlns:a16="http://schemas.microsoft.com/office/drawing/2014/main" id="{ECE8BE8E-9E3F-4F7E-AA72-5BA2CDB5E73D}"/>
+                <a16:creationId xmlns:a16="http://schemas.microsoft.com/office/drawing/2014/main" id="{321A9786-8073-464D-9226-278D52E076C4}"/>
               </a:ext>
             </a:extLst>
           </p:cNvPr>
@@ -5820,8 +6449,8 @@
         </p:nvSpPr>
         <p:spPr>
           <a:xfrm>
-            <a:off x="1551039" y="3313389"/>
-            <a:ext cx="1202635" cy="1343819"/>
+            <a:off x="1500555" y="3313389"/>
+            <a:ext cx="1253120" cy="1348487"/>
           </a:xfrm>
           <a:prstGeom prst="rect">
             <a:avLst/>
@@ -5868,7 +6497,7 @@
           <p:cNvPr id="13" name="Rectangle 12">
             <a:extLst>
               <a:ext uri="{FF2B5EF4-FFF2-40B4-BE49-F238E27FC236}">
-                <a16:creationId xmlns:a16="http://schemas.microsoft.com/office/drawing/2014/main" id="{C4C623A7-B23A-46E4-935E-0DDA3E1B84D1}"/>
+                <a16:creationId xmlns:a16="http://schemas.microsoft.com/office/drawing/2014/main" id="{D8F08C47-0246-4F6E-983D-EF97D804920D}"/>
               </a:ext>
             </a:extLst>
           </p:cNvPr>
@@ -5878,7 +6507,7 @@
         <p:spPr>
           <a:xfrm>
             <a:off x="9449920" y="3313388"/>
-            <a:ext cx="1202635" cy="1343819"/>
+            <a:ext cx="1315772" cy="1282053"/>
           </a:xfrm>
           <a:prstGeom prst="rect">
             <a:avLst/>
@@ -5922,10 +6551,10 @@
       </p:sp>
       <p:cxnSp>
         <p:nvCxnSpPr>
-          <p:cNvPr id="15" name="Straight Arrow Connector 14">
+          <p:cNvPr id="14" name="Straight Arrow Connector 13">
             <a:extLst>
               <a:ext uri="{FF2B5EF4-FFF2-40B4-BE49-F238E27FC236}">
-                <a16:creationId xmlns:a16="http://schemas.microsoft.com/office/drawing/2014/main" id="{03FA031D-AA27-47F5-AAD8-675E64A9B0CB}"/>
+                <a16:creationId xmlns:a16="http://schemas.microsoft.com/office/drawing/2014/main" id="{C5AD2929-4F08-4AA1-BEF5-8D97774C8F1A}"/>
               </a:ext>
             </a:extLst>
           </p:cNvPr>
@@ -5962,22 +6591,23 @@
       </p:cxnSp>
       <p:cxnSp>
         <p:nvCxnSpPr>
-          <p:cNvPr id="17" name="Straight Arrow Connector 16">
+          <p:cNvPr id="15" name="Straight Arrow Connector 14">
             <a:extLst>
               <a:ext uri="{FF2B5EF4-FFF2-40B4-BE49-F238E27FC236}">
-                <a16:creationId xmlns:a16="http://schemas.microsoft.com/office/drawing/2014/main" id="{96E4E7D4-3F43-455E-A9E8-C41A85778012}"/>
+                <a16:creationId xmlns:a16="http://schemas.microsoft.com/office/drawing/2014/main" id="{900D154B-0244-46A2-AA8D-FDB82F2A16D3}"/>
               </a:ext>
             </a:extLst>
           </p:cNvPr>
           <p:cNvCxnSpPr>
-            <a:stCxn id="11" idx="3"/>
+            <a:cxnSpLocks/>
+            <a:stCxn id="12" idx="3"/>
           </p:cNvCxnSpPr>
           <p:nvPr/>
         </p:nvCxnSpPr>
         <p:spPr>
           <a:xfrm flipV="1">
-            <a:off x="2753674" y="3985297"/>
-            <a:ext cx="1630601" cy="2"/>
+            <a:off x="2753675" y="3985297"/>
+            <a:ext cx="1630600" cy="2336"/>
           </a:xfrm>
           <a:prstGeom prst="straightConnector1">
             <a:avLst/>
@@ -6004,10 +6634,10 @@
       </p:cxnSp>
       <p:cxnSp>
         <p:nvCxnSpPr>
-          <p:cNvPr id="20" name="Straight Arrow Connector 19">
+          <p:cNvPr id="16" name="Straight Arrow Connector 15">
             <a:extLst>
               <a:ext uri="{FF2B5EF4-FFF2-40B4-BE49-F238E27FC236}">
-                <a16:creationId xmlns:a16="http://schemas.microsoft.com/office/drawing/2014/main" id="{53AE3EA8-063A-4276-A259-9277DFA299EB}"/>
+                <a16:creationId xmlns:a16="http://schemas.microsoft.com/office/drawing/2014/main" id="{1072A792-7910-455D-AF25-2DEF49F4DAD5}"/>
               </a:ext>
             </a:extLst>
           </p:cNvPr>
@@ -6046,10 +6676,10 @@
       </p:cxnSp>
       <p:sp>
         <p:nvSpPr>
-          <p:cNvPr id="23" name="TextBox 22">
+          <p:cNvPr id="17" name="TextBox 16">
             <a:extLst>
               <a:ext uri="{FF2B5EF4-FFF2-40B4-BE49-F238E27FC236}">
-                <a16:creationId xmlns:a16="http://schemas.microsoft.com/office/drawing/2014/main" id="{2AB58DD5-DB8E-425A-A3F5-E33D1C8161F1}"/>
+                <a16:creationId xmlns:a16="http://schemas.microsoft.com/office/drawing/2014/main" id="{35A85B92-AC29-47C8-8ACF-3C390FA24B85}"/>
               </a:ext>
             </a:extLst>
           </p:cNvPr>
@@ -6084,10 +6714,10 @@
       </p:sp>
       <p:sp>
         <p:nvSpPr>
-          <p:cNvPr id="24" name="TextBox 23">
+          <p:cNvPr id="18" name="TextBox 17">
             <a:extLst>
               <a:ext uri="{FF2B5EF4-FFF2-40B4-BE49-F238E27FC236}">
-                <a16:creationId xmlns:a16="http://schemas.microsoft.com/office/drawing/2014/main" id="{59793DFB-D612-48B2-9C93-BDBDFC96B76D}"/>
+                <a16:creationId xmlns:a16="http://schemas.microsoft.com/office/drawing/2014/main" id="{2E13F6CA-7E3D-488A-A756-AEDA88092CE3}"/>
               </a:ext>
             </a:extLst>
           </p:cNvPr>
@@ -6119,10 +6749,10 @@
       </p:sp>
       <p:sp>
         <p:nvSpPr>
-          <p:cNvPr id="25" name="TextBox 24">
+          <p:cNvPr id="19" name="TextBox 18">
             <a:extLst>
               <a:ext uri="{FF2B5EF4-FFF2-40B4-BE49-F238E27FC236}">
-                <a16:creationId xmlns:a16="http://schemas.microsoft.com/office/drawing/2014/main" id="{AA05BE6A-D1B2-4AE2-92A5-6B9B8E723843}"/>
+                <a16:creationId xmlns:a16="http://schemas.microsoft.com/office/drawing/2014/main" id="{190B868E-B521-49F5-AA80-B03950D14409}"/>
               </a:ext>
             </a:extLst>
           </p:cNvPr>
@@ -6154,10 +6784,10 @@
       </p:sp>
       <p:cxnSp>
         <p:nvCxnSpPr>
-          <p:cNvPr id="26" name="Straight Arrow Connector 25">
+          <p:cNvPr id="20" name="Straight Arrow Connector 19">
             <a:extLst>
               <a:ext uri="{FF2B5EF4-FFF2-40B4-BE49-F238E27FC236}">
-                <a16:creationId xmlns:a16="http://schemas.microsoft.com/office/drawing/2014/main" id="{51595757-2258-4721-85B8-487508C58DA3}"/>
+                <a16:creationId xmlns:a16="http://schemas.microsoft.com/office/drawing/2014/main" id="{A8901A87-15E3-401C-BCF2-AC6606BB253B}"/>
               </a:ext>
             </a:extLst>
           </p:cNvPr>
@@ -6194,10 +6824,10 @@
       </p:cxnSp>
       <p:cxnSp>
         <p:nvCxnSpPr>
-          <p:cNvPr id="27" name="Straight Arrow Connector 26">
+          <p:cNvPr id="21" name="Straight Arrow Connector 20">
             <a:extLst>
               <a:ext uri="{FF2B5EF4-FFF2-40B4-BE49-F238E27FC236}">
-                <a16:creationId xmlns:a16="http://schemas.microsoft.com/office/drawing/2014/main" id="{2F5D9CE0-8B87-424C-B16E-ACED60615565}"/>
+                <a16:creationId xmlns:a16="http://schemas.microsoft.com/office/drawing/2014/main" id="{58D60ECF-1468-4EC6-B83E-D742CF097A5B}"/>
               </a:ext>
             </a:extLst>
           </p:cNvPr>
@@ -6234,10 +6864,10 @@
       </p:cxnSp>
       <p:cxnSp>
         <p:nvCxnSpPr>
-          <p:cNvPr id="28" name="Straight Arrow Connector 27">
+          <p:cNvPr id="22" name="Straight Arrow Connector 21">
             <a:extLst>
               <a:ext uri="{FF2B5EF4-FFF2-40B4-BE49-F238E27FC236}">
-                <a16:creationId xmlns:a16="http://schemas.microsoft.com/office/drawing/2014/main" id="{4B816ABE-0AB8-4EA5-A4D3-E6628B542CD5}"/>
+                <a16:creationId xmlns:a16="http://schemas.microsoft.com/office/drawing/2014/main" id="{B1FCE29A-460D-4B91-84C8-F9BEAEDBCCE7}"/>
               </a:ext>
             </a:extLst>
           </p:cNvPr>
@@ -6276,10 +6906,10 @@
       </p:cxnSp>
       <p:sp>
         <p:nvSpPr>
-          <p:cNvPr id="29" name="TextBox 28">
+          <p:cNvPr id="23" name="TextBox 22">
             <a:extLst>
               <a:ext uri="{FF2B5EF4-FFF2-40B4-BE49-F238E27FC236}">
-                <a16:creationId xmlns:a16="http://schemas.microsoft.com/office/drawing/2014/main" id="{E64847FB-AA16-4059-9ABD-DE95F8C5EE61}"/>
+                <a16:creationId xmlns:a16="http://schemas.microsoft.com/office/drawing/2014/main" id="{B33C6A95-C60A-46EA-B4EE-F970607C9F47}"/>
               </a:ext>
             </a:extLst>
           </p:cNvPr>
@@ -6314,10 +6944,10 @@
       </p:sp>
       <p:sp>
         <p:nvSpPr>
-          <p:cNvPr id="30" name="TextBox 29">
+          <p:cNvPr id="24" name="TextBox 23">
             <a:extLst>
               <a:ext uri="{FF2B5EF4-FFF2-40B4-BE49-F238E27FC236}">
-                <a16:creationId xmlns:a16="http://schemas.microsoft.com/office/drawing/2014/main" id="{11B346C3-D869-4F51-B5FC-0AFDFAFC8CDB}"/>
+                <a16:creationId xmlns:a16="http://schemas.microsoft.com/office/drawing/2014/main" id="{A81E538A-4124-4451-9DFE-911CD358ED3E}"/>
               </a:ext>
             </a:extLst>
           </p:cNvPr>
@@ -6349,10 +6979,10 @@
       </p:sp>
       <p:sp>
         <p:nvSpPr>
-          <p:cNvPr id="31" name="TextBox 30">
+          <p:cNvPr id="25" name="TextBox 24">
             <a:extLst>
               <a:ext uri="{FF2B5EF4-FFF2-40B4-BE49-F238E27FC236}">
-                <a16:creationId xmlns:a16="http://schemas.microsoft.com/office/drawing/2014/main" id="{EE85839F-A432-4FEC-B613-AC99320DC889}"/>
+                <a16:creationId xmlns:a16="http://schemas.microsoft.com/office/drawing/2014/main" id="{64060C51-D3D4-4227-9CD8-75DF58E50405}"/>
               </a:ext>
             </a:extLst>
           </p:cNvPr>
@@ -6385,7 +7015,7 @@
     </p:spTree>
     <p:extLst>
       <p:ext uri="{BB962C8B-B14F-4D97-AF65-F5344CB8AC3E}">
-        <p14:creationId xmlns:p14="http://schemas.microsoft.com/office/powerpoint/2010/main" val="1722713716"/>
+        <p14:creationId xmlns:p14="http://schemas.microsoft.com/office/powerpoint/2010/main" val="1929211434"/>
       </p:ext>
     </p:extLst>
   </p:cSld>
@@ -6417,7 +7047,7 @@
           <p:cNvPr id="2" name="Title 1">
             <a:extLst>
               <a:ext uri="{FF2B5EF4-FFF2-40B4-BE49-F238E27FC236}">
-                <a16:creationId xmlns:a16="http://schemas.microsoft.com/office/drawing/2014/main" id="{B2414613-996F-4EAB-8433-8D5781314ABD}"/>
+                <a16:creationId xmlns:a16="http://schemas.microsoft.com/office/drawing/2014/main" id="{EE5D8F36-908F-4293-9EE6-F2B972A55219}"/>
               </a:ext>
             </a:extLst>
           </p:cNvPr>
@@ -6445,7 +7075,7 @@
           <p:cNvPr id="3" name="Content Placeholder 2">
             <a:extLst>
               <a:ext uri="{FF2B5EF4-FFF2-40B4-BE49-F238E27FC236}">
-                <a16:creationId xmlns:a16="http://schemas.microsoft.com/office/drawing/2014/main" id="{FAC2613B-E80B-4A29-A147-0AEA2EA4AF70}"/>
+                <a16:creationId xmlns:a16="http://schemas.microsoft.com/office/drawing/2014/main" id="{A8937EA4-2D23-403A-89A3-9085BFAF5F99}"/>
               </a:ext>
             </a:extLst>
           </p:cNvPr>
@@ -6459,7 +7089,7 @@
         <p:spPr/>
         <p:txBody>
           <a:bodyPr>
-            <a:normAutofit fontScale="62500" lnSpcReduction="20000"/>
+            <a:normAutofit fontScale="85000" lnSpcReduction="20000"/>
           </a:bodyPr>
           <a:lstStyle/>
           <a:p>
@@ -6537,33 +7167,6 @@
             <a:r>
               <a:rPr lang="en-US" dirty="0"/>
               <a:t>End Import</a:t>
-            </a:r>
-          </a:p>
-          <a:p>
-            <a:r>
-              <a:rPr lang="en-US" strike="sngStrike" dirty="0"/>
-              <a:t>Sync</a:t>
-            </a:r>
-          </a:p>
-          <a:p>
-            <a:pPr lvl="1"/>
-            <a:r>
-              <a:rPr lang="en-US" strike="sngStrike" dirty="0"/>
-              <a:t>Begin Sync</a:t>
-            </a:r>
-          </a:p>
-          <a:p>
-            <a:pPr lvl="1"/>
-            <a:r>
-              <a:rPr lang="en-US" strike="sngStrike" dirty="0"/>
-              <a:t>Sync</a:t>
-            </a:r>
-          </a:p>
-          <a:p>
-            <a:pPr lvl="1"/>
-            <a:r>
-              <a:rPr lang="en-US" strike="sngStrike" dirty="0"/>
-              <a:t>End Sync</a:t>
             </a:r>
           </a:p>
           <a:p>
@@ -6598,7 +7201,7 @@
     </p:spTree>
     <p:extLst>
       <p:ext uri="{BB962C8B-B14F-4D97-AF65-F5344CB8AC3E}">
-        <p14:creationId xmlns:p14="http://schemas.microsoft.com/office/powerpoint/2010/main" val="3421167780"/>
+        <p14:creationId xmlns:p14="http://schemas.microsoft.com/office/powerpoint/2010/main" val="4196436320"/>
       </p:ext>
     </p:extLst>
   </p:cSld>
@@ -6630,7 +7233,7 @@
           <p:cNvPr id="2" name="Title 1">
             <a:extLst>
               <a:ext uri="{FF2B5EF4-FFF2-40B4-BE49-F238E27FC236}">
-                <a16:creationId xmlns:a16="http://schemas.microsoft.com/office/drawing/2014/main" id="{BF1FFA48-BA3E-4E6E-A2BC-F9C8BD6CD5CE}"/>
+                <a16:creationId xmlns:a16="http://schemas.microsoft.com/office/drawing/2014/main" id="{0D335C1E-BCAB-44CB-93A0-4ACF86D18F09}"/>
               </a:ext>
             </a:extLst>
           </p:cNvPr>
@@ -6658,7 +7261,7 @@
           <p:cNvPr id="3" name="Content Placeholder 2">
             <a:extLst>
               <a:ext uri="{FF2B5EF4-FFF2-40B4-BE49-F238E27FC236}">
-                <a16:creationId xmlns:a16="http://schemas.microsoft.com/office/drawing/2014/main" id="{BECA48D4-F325-4C6D-A825-507C1C77CEF9}"/>
+                <a16:creationId xmlns:a16="http://schemas.microsoft.com/office/drawing/2014/main" id="{D030A08C-50E4-438A-BD17-FA6295D6181E}"/>
               </a:ext>
             </a:extLst>
           </p:cNvPr>
@@ -6708,141 +7311,13 @@
     </p:spTree>
     <p:extLst>
       <p:ext uri="{BB962C8B-B14F-4D97-AF65-F5344CB8AC3E}">
-        <p14:creationId xmlns:p14="http://schemas.microsoft.com/office/powerpoint/2010/main" val="1519655370"/>
+        <p14:creationId xmlns:p14="http://schemas.microsoft.com/office/powerpoint/2010/main" val="2968422297"/>
       </p:ext>
     </p:extLst>
   </p:cSld>
   <p:clrMapOvr>
     <a:masterClrMapping/>
   </p:clrMapOvr>
-  <p:timing>
-    <p:tnLst>
-      <p:par>
-        <p:cTn id="1" dur="indefinite" restart="never" nodeType="tmRoot">
-          <p:childTnLst>
-            <p:seq concurrent="1" nextAc="seek">
-              <p:cTn id="2" dur="indefinite" nodeType="mainSeq">
-                <p:childTnLst>
-                  <p:par>
-                    <p:cTn id="3" fill="hold">
-                      <p:stCondLst>
-                        <p:cond delay="indefinite"/>
-                      </p:stCondLst>
-                      <p:childTnLst>
-                        <p:par>
-                          <p:cTn id="4" fill="hold">
-                            <p:stCondLst>
-                              <p:cond delay="0"/>
-                            </p:stCondLst>
-                            <p:childTnLst>
-                              <p:par>
-                                <p:cTn id="5" presetID="1" presetClass="entr" presetSubtype="0" fill="hold" nodeType="clickEffect">
-                                  <p:stCondLst>
-                                    <p:cond delay="0"/>
-                                  </p:stCondLst>
-                                  <p:childTnLst>
-                                    <p:set>
-                                      <p:cBhvr>
-                                        <p:cTn id="6" dur="1" fill="hold">
-                                          <p:stCondLst>
-                                            <p:cond delay="0"/>
-                                          </p:stCondLst>
-                                        </p:cTn>
-                                        <p:tgtEl>
-                                          <p:spTgt spid="3">
-                                            <p:txEl>
-                                              <p:pRg st="3" end="3"/>
-                                            </p:txEl>
-                                          </p:spTgt>
-                                        </p:tgtEl>
-                                        <p:attrNameLst>
-                                          <p:attrName>style.visibility</p:attrName>
-                                        </p:attrNameLst>
-                                      </p:cBhvr>
-                                      <p:to>
-                                        <p:strVal val="visible"/>
-                                      </p:to>
-                                    </p:set>
-                                  </p:childTnLst>
-                                </p:cTn>
-                              </p:par>
-                            </p:childTnLst>
-                          </p:cTn>
-                        </p:par>
-                      </p:childTnLst>
-                    </p:cTn>
-                  </p:par>
-                  <p:par>
-                    <p:cTn id="7" fill="hold">
-                      <p:stCondLst>
-                        <p:cond delay="indefinite"/>
-                      </p:stCondLst>
-                      <p:childTnLst>
-                        <p:par>
-                          <p:cTn id="8" fill="hold">
-                            <p:stCondLst>
-                              <p:cond delay="0"/>
-                            </p:stCondLst>
-                            <p:childTnLst>
-                              <p:par>
-                                <p:cTn id="9" presetID="1" presetClass="entr" presetSubtype="0" fill="hold" nodeType="clickEffect">
-                                  <p:stCondLst>
-                                    <p:cond delay="0"/>
-                                  </p:stCondLst>
-                                  <p:childTnLst>
-                                    <p:set>
-                                      <p:cBhvr>
-                                        <p:cTn id="10" dur="1" fill="hold">
-                                          <p:stCondLst>
-                                            <p:cond delay="0"/>
-                                          </p:stCondLst>
-                                        </p:cTn>
-                                        <p:tgtEl>
-                                          <p:spTgt spid="3">
-                                            <p:txEl>
-                                              <p:pRg st="4" end="4"/>
-                                            </p:txEl>
-                                          </p:spTgt>
-                                        </p:tgtEl>
-                                        <p:attrNameLst>
-                                          <p:attrName>style.visibility</p:attrName>
-                                        </p:attrNameLst>
-                                      </p:cBhvr>
-                                      <p:to>
-                                        <p:strVal val="visible"/>
-                                      </p:to>
-                                    </p:set>
-                                  </p:childTnLst>
-                                </p:cTn>
-                              </p:par>
-                            </p:childTnLst>
-                          </p:cTn>
-                        </p:par>
-                      </p:childTnLst>
-                    </p:cTn>
-                  </p:par>
-                </p:childTnLst>
-              </p:cTn>
-              <p:prevCondLst>
-                <p:cond evt="onPrev" delay="0">
-                  <p:tgtEl>
-                    <p:sldTgt/>
-                  </p:tgtEl>
-                </p:cond>
-              </p:prevCondLst>
-              <p:nextCondLst>
-                <p:cond evt="onNext" delay="0">
-                  <p:tgtEl>
-                    <p:sldTgt/>
-                  </p:tgtEl>
-                </p:cond>
-              </p:nextCondLst>
-            </p:seq>
-          </p:childTnLst>
-        </p:cTn>
-      </p:par>
-    </p:tnLst>
-  </p:timing>
 </p:sld>
 </file>
 
@@ -6868,7 +7343,7 @@
           <p:cNvPr id="4" name="Title 3">
             <a:extLst>
               <a:ext uri="{FF2B5EF4-FFF2-40B4-BE49-F238E27FC236}">
-                <a16:creationId xmlns:a16="http://schemas.microsoft.com/office/drawing/2014/main" id="{99ACAA9A-00A3-420C-A1BB-DF7C588B6C7C}"/>
+                <a16:creationId xmlns:a16="http://schemas.microsoft.com/office/drawing/2014/main" id="{8B8B80E8-709A-4125-8E38-4F6737A725FC}"/>
               </a:ext>
             </a:extLst>
           </p:cNvPr>
@@ -6896,7 +7371,7 @@
           <p:cNvPr id="5" name="Text Placeholder 4">
             <a:extLst>
               <a:ext uri="{FF2B5EF4-FFF2-40B4-BE49-F238E27FC236}">
-                <a16:creationId xmlns:a16="http://schemas.microsoft.com/office/drawing/2014/main" id="{B38E96EF-F6E5-4E03-A8EC-D50BB410FA44}"/>
+                <a16:creationId xmlns:a16="http://schemas.microsoft.com/office/drawing/2014/main" id="{CC48B849-432B-4185-9AB3-76E90FC77DF8}"/>
               </a:ext>
             </a:extLst>
           </p:cNvPr>
@@ -6922,7 +7397,7 @@
     </p:spTree>
     <p:extLst>
       <p:ext uri="{BB962C8B-B14F-4D97-AF65-F5344CB8AC3E}">
-        <p14:creationId xmlns:p14="http://schemas.microsoft.com/office/powerpoint/2010/main" val="3699222405"/>
+        <p14:creationId xmlns:p14="http://schemas.microsoft.com/office/powerpoint/2010/main" val="2822962964"/>
       </p:ext>
     </p:extLst>
   </p:cSld>
@@ -6933,9 +7408,9 @@
 </file>
 
 <file path=ppt/theme/theme1.xml><?xml version="1.0" encoding="utf-8"?>
-<a:theme xmlns:a="http://schemas.openxmlformats.org/drawingml/2006/main" name="Office Theme">
+<a:theme xmlns:a="http://schemas.openxmlformats.org/drawingml/2006/main" name="Dividend">
   <a:themeElements>
-    <a:clrScheme name="Office">
+    <a:clrScheme name="Dividend">
       <a:dk1>
         <a:sysClr val="windowText" lastClr="000000"/>
       </a:dk1>
@@ -6943,98 +7418,48 @@
         <a:sysClr val="window" lastClr="FFFFFF"/>
       </a:lt1>
       <a:dk2>
-        <a:srgbClr val="44546A"/>
+        <a:srgbClr val="3D3D3D"/>
       </a:dk2>
       <a:lt2>
-        <a:srgbClr val="E7E6E6"/>
+        <a:srgbClr val="EBEBEB"/>
       </a:lt2>
       <a:accent1>
-        <a:srgbClr val="4472C4"/>
+        <a:srgbClr val="1A3260"/>
       </a:accent1>
       <a:accent2>
-        <a:srgbClr val="ED7D31"/>
+        <a:srgbClr val="4590B8"/>
       </a:accent2>
       <a:accent3>
-        <a:srgbClr val="A5A5A5"/>
+        <a:srgbClr val="45CBE8"/>
       </a:accent3>
       <a:accent4>
-        <a:srgbClr val="FFC000"/>
+        <a:srgbClr val="969FA7"/>
       </a:accent4>
       <a:accent5>
-        <a:srgbClr val="5B9BD5"/>
+        <a:srgbClr val="A2C777"/>
       </a:accent5>
       <a:accent6>
-        <a:srgbClr val="70AD47"/>
+        <a:srgbClr val="42955F"/>
       </a:accent6>
       <a:hlink>
-        <a:srgbClr val="0563C1"/>
+        <a:srgbClr val="828282"/>
       </a:hlink>
       <a:folHlink>
-        <a:srgbClr val="954F72"/>
+        <a:srgbClr val="A5A5A5"/>
       </a:folHlink>
     </a:clrScheme>
-    <a:fontScheme name="Office">
+    <a:fontScheme name="Dividend">
       <a:majorFont>
-        <a:latin typeface="Calibri Light" panose="020F0302020204030204"/>
+        <a:latin typeface="Gill Sans MT" panose="020B0502020104020203"/>
         <a:ea typeface=""/>
         <a:cs typeface=""/>
-        <a:font script="Jpan" typeface="游ゴシック Light"/>
-        <a:font script="Hang" typeface="맑은 고딕"/>
-        <a:font script="Hans" typeface="等线 Light"/>
-        <a:font script="Hant" typeface="新細明體"/>
-        <a:font script="Arab" typeface="Times New Roman"/>
-        <a:font script="Hebr" typeface="Times New Roman"/>
-        <a:font script="Thai" typeface="Angsana New"/>
-        <a:font script="Ethi" typeface="Nyala"/>
-        <a:font script="Beng" typeface="Vrinda"/>
-        <a:font script="Gujr" typeface="Shruti"/>
-        <a:font script="Khmr" typeface="MoolBoran"/>
-        <a:font script="Knda" typeface="Tunga"/>
-        <a:font script="Guru" typeface="Raavi"/>
-        <a:font script="Cans" typeface="Euphemia"/>
-        <a:font script="Cher" typeface="Plantagenet Cherokee"/>
-        <a:font script="Yiii" typeface="Microsoft Yi Baiti"/>
-        <a:font script="Tibt" typeface="Microsoft Himalaya"/>
-        <a:font script="Thaa" typeface="MV Boli"/>
-        <a:font script="Deva" typeface="Mangal"/>
-        <a:font script="Telu" typeface="Gautami"/>
-        <a:font script="Taml" typeface="Latha"/>
-        <a:font script="Syrc" typeface="Estrangelo Edessa"/>
-        <a:font script="Orya" typeface="Kalinga"/>
-        <a:font script="Mlym" typeface="Kartika"/>
-        <a:font script="Laoo" typeface="DokChampa"/>
-        <a:font script="Sinh" typeface="Iskoola Pota"/>
-        <a:font script="Mong" typeface="Mongolian Baiti"/>
-        <a:font script="Viet" typeface="Times New Roman"/>
-        <a:font script="Uigh" typeface="Microsoft Uighur"/>
-        <a:font script="Geor" typeface="Sylfaen"/>
-        <a:font script="Armn" typeface="Arial"/>
-        <a:font script="Bugi" typeface="Leelawadee UI"/>
-        <a:font script="Bopo" typeface="Microsoft JhengHei"/>
-        <a:font script="Java" typeface="Javanese Text"/>
-        <a:font script="Lisu" typeface="Segoe UI"/>
-        <a:font script="Mymr" typeface="Myanmar Text"/>
-        <a:font script="Nkoo" typeface="Ebrima"/>
-        <a:font script="Olck" typeface="Nirmala UI"/>
-        <a:font script="Osma" typeface="Ebrima"/>
-        <a:font script="Phag" typeface="Phagspa"/>
-        <a:font script="Syrn" typeface="Estrangelo Edessa"/>
-        <a:font script="Syrj" typeface="Estrangelo Edessa"/>
-        <a:font script="Syre" typeface="Estrangelo Edessa"/>
-        <a:font script="Sora" typeface="Nirmala UI"/>
-        <a:font script="Tale" typeface="Microsoft Tai Le"/>
-        <a:font script="Talu" typeface="Microsoft New Tai Lue"/>
-        <a:font script="Tfng" typeface="Ebrima"/>
-      </a:majorFont>
-      <a:minorFont>
-        <a:latin typeface="Calibri" panose="020F0502020204030204"/>
-        <a:ea typeface=""/>
-        <a:cs typeface=""/>
-        <a:font script="Jpan" typeface="游ゴシック"/>
-        <a:font script="Hang" typeface="맑은 고딕"/>
-        <a:font script="Hans" typeface="等线"/>
-        <a:font script="Hant" typeface="新細明體"/>
-        <a:font script="Arab" typeface="Arial"/>
+        <a:font script="Grek" typeface="Corbel"/>
+        <a:font script="Cyrl" typeface="Corbel"/>
+        <a:font script="Jpan" typeface="HGｺﾞｼｯｸE"/>
+        <a:font script="Hang" typeface="휴먼매직체"/>
+        <a:font script="Hans" typeface="华文中宋"/>
+        <a:font script="Hant" typeface="微軟正黑體"/>
+        <a:font script="Arab" typeface="Majalla UI"/>
         <a:font script="Hebr" typeface="Arial"/>
         <a:font script="Thai" typeface="Cordia New"/>
         <a:font script="Ethi" typeface="Nyala"/>
@@ -7057,29 +7482,49 @@
         <a:font script="Laoo" typeface="DokChampa"/>
         <a:font script="Sinh" typeface="Iskoola Pota"/>
         <a:font script="Mong" typeface="Mongolian Baiti"/>
-        <a:font script="Viet" typeface="Arial"/>
+        <a:font script="Viet" typeface="Tahoma"/>
         <a:font script="Uigh" typeface="Microsoft Uighur"/>
         <a:font script="Geor" typeface="Sylfaen"/>
-        <a:font script="Armn" typeface="Arial"/>
-        <a:font script="Bugi" typeface="Leelawadee UI"/>
-        <a:font script="Bopo" typeface="Microsoft JhengHei"/>
-        <a:font script="Java" typeface="Javanese Text"/>
-        <a:font script="Lisu" typeface="Segoe UI"/>
-        <a:font script="Mymr" typeface="Myanmar Text"/>
-        <a:font script="Nkoo" typeface="Ebrima"/>
-        <a:font script="Olck" typeface="Nirmala UI"/>
-        <a:font script="Osma" typeface="Ebrima"/>
-        <a:font script="Phag" typeface="Phagspa"/>
-        <a:font script="Syrn" typeface="Estrangelo Edessa"/>
-        <a:font script="Syrj" typeface="Estrangelo Edessa"/>
-        <a:font script="Syre" typeface="Estrangelo Edessa"/>
-        <a:font script="Sora" typeface="Nirmala UI"/>
-        <a:font script="Tale" typeface="Microsoft Tai Le"/>
-        <a:font script="Talu" typeface="Microsoft New Tai Lue"/>
-        <a:font script="Tfng" typeface="Ebrima"/>
+      </a:majorFont>
+      <a:minorFont>
+        <a:latin typeface="Gill Sans MT" panose="020B0502020104020203"/>
+        <a:ea typeface=""/>
+        <a:cs typeface=""/>
+        <a:font script="Grek" typeface="Corbel"/>
+        <a:font script="Cyrl" typeface="Corbel"/>
+        <a:font script="Jpan" typeface="HGｺﾞｼｯｸE"/>
+        <a:font script="Hang" typeface="휴먼매직체"/>
+        <a:font script="Hans" typeface="华文中宋"/>
+        <a:font script="Hant" typeface="微軟正黑體"/>
+        <a:font script="Arab" typeface="Majalla UI"/>
+        <a:font script="Hebr" typeface="Arial"/>
+        <a:font script="Thai" typeface="Cordia New"/>
+        <a:font script="Ethi" typeface="Nyala"/>
+        <a:font script="Beng" typeface="Vrinda"/>
+        <a:font script="Gujr" typeface="Shruti"/>
+        <a:font script="Khmr" typeface="DaunPenh"/>
+        <a:font script="Knda" typeface="Tunga"/>
+        <a:font script="Guru" typeface="Raavi"/>
+        <a:font script="Cans" typeface="Euphemia"/>
+        <a:font script="Cher" typeface="Plantagenet Cherokee"/>
+        <a:font script="Yiii" typeface="Microsoft Yi Baiti"/>
+        <a:font script="Tibt" typeface="Microsoft Himalaya"/>
+        <a:font script="Thaa" typeface="MV Boli"/>
+        <a:font script="Deva" typeface="Mangal"/>
+        <a:font script="Telu" typeface="Gautami"/>
+        <a:font script="Taml" typeface="Latha"/>
+        <a:font script="Syrc" typeface="Estrangelo Edessa"/>
+        <a:font script="Orya" typeface="Kalinga"/>
+        <a:font script="Mlym" typeface="Kartika"/>
+        <a:font script="Laoo" typeface="DokChampa"/>
+        <a:font script="Sinh" typeface="Iskoola Pota"/>
+        <a:font script="Mong" typeface="Mongolian Baiti"/>
+        <a:font script="Viet" typeface="Tahoma"/>
+        <a:font script="Uigh" typeface="Microsoft Uighur"/>
+        <a:font script="Geor" typeface="Sylfaen"/>
       </a:minorFont>
     </a:fontScheme>
-    <a:fmtScheme name="Office">
+    <a:fmtScheme name="Dividend">
       <a:fillStyleLst>
         <a:solidFill>
           <a:schemeClr val="phClr"/>
@@ -7088,23 +7533,111 @@
           <a:gsLst>
             <a:gs pos="0">
               <a:schemeClr val="phClr">
-                <a:lumMod val="110000"/>
-                <a:satMod val="105000"/>
-                <a:tint val="67000"/>
-              </a:schemeClr>
-            </a:gs>
-            <a:gs pos="50000">
-              <a:schemeClr val="phClr">
-                <a:lumMod val="105000"/>
-                <a:satMod val="103000"/>
-                <a:tint val="73000"/>
+                <a:tint val="68000"/>
+                <a:alpha val="90000"/>
+                <a:lumMod val="100000"/>
               </a:schemeClr>
             </a:gs>
             <a:gs pos="100000">
               <a:schemeClr val="phClr">
-                <a:lumMod val="105000"/>
-                <a:satMod val="109000"/>
-                <a:tint val="81000"/>
+                <a:tint val="90000"/>
+                <a:lumMod val="95000"/>
+              </a:schemeClr>
+            </a:gs>
+          </a:gsLst>
+          <a:lin ang="5400000" scaled="1"/>
+        </a:gradFill>
+        <a:gradFill rotWithShape="1">
+          <a:gsLst>
+            <a:gs pos="0">
+              <a:schemeClr val="phClr">
+                <a:tint val="98000"/>
+                <a:lumMod val="110000"/>
+              </a:schemeClr>
+            </a:gs>
+            <a:gs pos="84000">
+              <a:schemeClr val="phClr">
+                <a:shade val="90000"/>
+                <a:lumMod val="88000"/>
+              </a:schemeClr>
+            </a:gs>
+          </a:gsLst>
+          <a:lin ang="5400000" scaled="0"/>
+        </a:gradFill>
+      </a:fillStyleLst>
+      <a:lnStyleLst>
+        <a:ln w="12700" cap="rnd" cmpd="sng" algn="ctr">
+          <a:solidFill>
+            <a:schemeClr val="phClr">
+              <a:lumMod val="90000"/>
+            </a:schemeClr>
+          </a:solidFill>
+          <a:prstDash val="solid"/>
+        </a:ln>
+        <a:ln w="22225" cap="rnd" cmpd="sng" algn="ctr">
+          <a:solidFill>
+            <a:schemeClr val="phClr"/>
+          </a:solidFill>
+          <a:prstDash val="solid"/>
+        </a:ln>
+        <a:ln w="25400" cap="rnd" cmpd="sng" algn="ctr">
+          <a:solidFill>
+            <a:schemeClr val="phClr"/>
+          </a:solidFill>
+          <a:prstDash val="solid"/>
+        </a:ln>
+      </a:lnStyleLst>
+      <a:effectStyleLst>
+        <a:effectStyle>
+          <a:effectLst/>
+        </a:effectStyle>
+        <a:effectStyle>
+          <a:effectLst>
+            <a:outerShdw blurRad="38100" dist="25400" dir="5400000" rotWithShape="0">
+              <a:srgbClr val="000000">
+                <a:alpha val="55000"/>
+              </a:srgbClr>
+            </a:outerShdw>
+          </a:effectLst>
+        </a:effectStyle>
+        <a:effectStyle>
+          <a:effectLst>
+            <a:outerShdw blurRad="88900" dist="38100" dir="5040000" rotWithShape="0">
+              <a:srgbClr val="000000">
+                <a:alpha val="60000"/>
+              </a:srgbClr>
+            </a:outerShdw>
+          </a:effectLst>
+          <a:scene3d>
+            <a:camera prst="orthographicFront">
+              <a:rot lat="0" lon="0" rev="0"/>
+            </a:camera>
+            <a:lightRig rig="threePt" dir="tl">
+              <a:rot lat="0" lon="0" rev="1200000"/>
+            </a:lightRig>
+          </a:scene3d>
+          <a:sp3d>
+            <a:bevelT w="38100" h="50800"/>
+          </a:sp3d>
+        </a:effectStyle>
+      </a:effectStyleLst>
+      <a:bgFillStyleLst>
+        <a:solidFill>
+          <a:schemeClr val="phClr"/>
+        </a:solidFill>
+        <a:gradFill rotWithShape="1">
+          <a:gsLst>
+            <a:gs pos="0">
+              <a:schemeClr val="phClr">
+                <a:tint val="90000"/>
+                <a:lumMod val="110000"/>
+              </a:schemeClr>
+            </a:gs>
+            <a:gs pos="88000">
+              <a:schemeClr val="phClr">
+                <a:shade val="94000"/>
+                <a:satMod val="110000"/>
+                <a:lumMod val="88000"/>
               </a:schemeClr>
             </a:gs>
           </a:gsLst>
@@ -7114,105 +7647,21 @@
           <a:gsLst>
             <a:gs pos="0">
               <a:schemeClr val="phClr">
-                <a:satMod val="103000"/>
-                <a:lumMod val="102000"/>
-                <a:tint val="94000"/>
-              </a:schemeClr>
-            </a:gs>
-            <a:gs pos="50000">
-              <a:schemeClr val="phClr">
-                <a:satMod val="110000"/>
-                <a:lumMod val="100000"/>
-                <a:shade val="100000"/>
+                <a:tint val="90000"/>
+                <a:lumMod val="110000"/>
               </a:schemeClr>
             </a:gs>
             <a:gs pos="100000">
               <a:schemeClr val="phClr">
-                <a:lumMod val="99000"/>
-                <a:satMod val="120000"/>
-                <a:shade val="78000"/>
+                <a:shade val="98000"/>
+                <a:satMod val="110000"/>
+                <a:lumMod val="86000"/>
               </a:schemeClr>
             </a:gs>
           </a:gsLst>
-          <a:lin ang="5400000" scaled="0"/>
-        </a:gradFill>
-      </a:fillStyleLst>
-      <a:lnStyleLst>
-        <a:ln w="6350" cap="flat" cmpd="sng" algn="ctr">
-          <a:solidFill>
-            <a:schemeClr val="phClr"/>
-          </a:solidFill>
-          <a:prstDash val="solid"/>
-          <a:miter lim="800000"/>
-        </a:ln>
-        <a:ln w="12700" cap="flat" cmpd="sng" algn="ctr">
-          <a:solidFill>
-            <a:schemeClr val="phClr"/>
-          </a:solidFill>
-          <a:prstDash val="solid"/>
-          <a:miter lim="800000"/>
-        </a:ln>
-        <a:ln w="19050" cap="flat" cmpd="sng" algn="ctr">
-          <a:solidFill>
-            <a:schemeClr val="phClr"/>
-          </a:solidFill>
-          <a:prstDash val="solid"/>
-          <a:miter lim="800000"/>
-        </a:ln>
-      </a:lnStyleLst>
-      <a:effectStyleLst>
-        <a:effectStyle>
-          <a:effectLst/>
-        </a:effectStyle>
-        <a:effectStyle>
-          <a:effectLst/>
-        </a:effectStyle>
-        <a:effectStyle>
-          <a:effectLst>
-            <a:outerShdw blurRad="57150" dist="19050" dir="5400000" algn="ctr" rotWithShape="0">
-              <a:srgbClr val="000000">
-                <a:alpha val="63000"/>
-              </a:srgbClr>
-            </a:outerShdw>
-          </a:effectLst>
-        </a:effectStyle>
-      </a:effectStyleLst>
-      <a:bgFillStyleLst>
-        <a:solidFill>
-          <a:schemeClr val="phClr"/>
-        </a:solidFill>
-        <a:solidFill>
-          <a:schemeClr val="phClr">
-            <a:tint val="95000"/>
-            <a:satMod val="170000"/>
-          </a:schemeClr>
-        </a:solidFill>
-        <a:gradFill rotWithShape="1">
-          <a:gsLst>
-            <a:gs pos="0">
-              <a:schemeClr val="phClr">
-                <a:tint val="93000"/>
-                <a:satMod val="150000"/>
-                <a:shade val="98000"/>
-                <a:lumMod val="102000"/>
-              </a:schemeClr>
-            </a:gs>
-            <a:gs pos="50000">
-              <a:schemeClr val="phClr">
-                <a:tint val="98000"/>
-                <a:satMod val="130000"/>
-                <a:shade val="90000"/>
-                <a:lumMod val="103000"/>
-              </a:schemeClr>
-            </a:gs>
-            <a:gs pos="100000">
-              <a:schemeClr val="phClr">
-                <a:shade val="63000"/>
-                <a:satMod val="120000"/>
-              </a:schemeClr>
-            </a:gs>
-          </a:gsLst>
-          <a:lin ang="5400000" scaled="0"/>
+          <a:path path="circle">
+            <a:fillToRect l="50000" t="50000" r="100000" b="100000"/>
+          </a:path>
         </a:gradFill>
       </a:bgFillStyleLst>
     </a:fmtScheme>
@@ -7221,8 +7670,270 @@
   <a:extraClrSchemeLst/>
   <a:extLst>
     <a:ext uri="{05A4C25C-085E-4340-85A3-A5531E510DB2}">
-      <thm15:themeFamily xmlns:thm15="http://schemas.microsoft.com/office/thememl/2012/main" name="Office Theme" id="{62F939B6-93AF-4DB8-9C6B-D6C7DFDC589F}" vid="{4A3C46E8-61CC-4603-A589-7422A47A8E4A}"/>
+      <thm15:themeFamily xmlns:thm15="http://schemas.microsoft.com/office/thememl/2012/main" name="Presentation1" id="{C4777FC7-3FF5-5247-B173-8886D4D2CBE4}" vid="{5268805F-9633-834B-A793-C92FF00C6B49}"/>
     </a:ext>
   </a:extLst>
 </a:theme>
+</file>
+
+<file path=customXml/item1.xml><?xml version="1.0" encoding="utf-8"?>
+<ct:contentTypeSchema xmlns:ct="http://schemas.microsoft.com/office/2006/metadata/contentType" xmlns:ma="http://schemas.microsoft.com/office/2006/metadata/properties/metaAttributes" ct:_="" ma:_="" ma:contentTypeName="Document" ma:contentTypeID="0x010100170F356F13EB964CB528E5721098655B" ma:contentTypeVersion="10" ma:contentTypeDescription="Create a new document." ma:contentTypeScope="" ma:versionID="03346bbe565c6fa2ac22f2ae51a6e565">
+  <xsd:schema xmlns:xsd="http://www.w3.org/2001/XMLSchema" xmlns:xs="http://www.w3.org/2001/XMLSchema" xmlns:p="http://schemas.microsoft.com/office/2006/metadata/properties" xmlns:ns3="e151e835-541a-42d2-a0a6-5efc74f2a703" xmlns:ns4="c9de5a8b-32f4-42ac-a4c5-86635e47825b" targetNamespace="http://schemas.microsoft.com/office/2006/metadata/properties" ma:root="true" ma:fieldsID="69a897b9ba41e722e990159dc90133ee" ns3:_="" ns4:_="">
+    <xsd:import namespace="e151e835-541a-42d2-a0a6-5efc74f2a703"/>
+    <xsd:import namespace="c9de5a8b-32f4-42ac-a4c5-86635e47825b"/>
+    <xsd:element name="properties">
+      <xsd:complexType>
+        <xsd:sequence>
+          <xsd:element name="documentManagement">
+            <xsd:complexType>
+              <xsd:all>
+                <xsd:element ref="ns3:SharedWithUsers" minOccurs="0"/>
+                <xsd:element ref="ns3:SharedWithDetails" minOccurs="0"/>
+                <xsd:element ref="ns3:SharingHintHash" minOccurs="0"/>
+                <xsd:element ref="ns4:MediaServiceMetadata" minOccurs="0"/>
+                <xsd:element ref="ns4:MediaServiceFastMetadata" minOccurs="0"/>
+                <xsd:element ref="ns4:MediaServiceAutoTags" minOccurs="0"/>
+                <xsd:element ref="ns4:MediaServiceDateTaken" minOccurs="0"/>
+                <xsd:element ref="ns4:MediaServiceOCR" minOccurs="0"/>
+                <xsd:element ref="ns4:MediaServiceGenerationTime" minOccurs="0"/>
+                <xsd:element ref="ns4:MediaServiceEventHashCode" minOccurs="0"/>
+              </xsd:all>
+            </xsd:complexType>
+          </xsd:element>
+        </xsd:sequence>
+      </xsd:complexType>
+    </xsd:element>
+  </xsd:schema>
+  <xsd:schema xmlns:xsd="http://www.w3.org/2001/XMLSchema" xmlns:xs="http://www.w3.org/2001/XMLSchema" xmlns:dms="http://schemas.microsoft.com/office/2006/documentManagement/types" xmlns:pc="http://schemas.microsoft.com/office/infopath/2007/PartnerControls" targetNamespace="e151e835-541a-42d2-a0a6-5efc74f2a703" elementFormDefault="qualified">
+    <xsd:import namespace="http://schemas.microsoft.com/office/2006/documentManagement/types"/>
+    <xsd:import namespace="http://schemas.microsoft.com/office/infopath/2007/PartnerControls"/>
+    <xsd:element name="SharedWithUsers" ma:index="8" nillable="true" ma:displayName="Shared With" ma:description="" ma:internalName="SharedWithUsers" ma:readOnly="true">
+      <xsd:complexType>
+        <xsd:complexContent>
+          <xsd:extension base="dms:UserMulti">
+            <xsd:sequence>
+              <xsd:element name="UserInfo" minOccurs="0" maxOccurs="unbounded">
+                <xsd:complexType>
+                  <xsd:sequence>
+                    <xsd:element name="DisplayName" type="xsd:string" minOccurs="0"/>
+                    <xsd:element name="AccountId" type="dms:UserId" minOccurs="0" nillable="true"/>
+                    <xsd:element name="AccountType" type="xsd:string" minOccurs="0"/>
+                  </xsd:sequence>
+                </xsd:complexType>
+              </xsd:element>
+            </xsd:sequence>
+          </xsd:extension>
+        </xsd:complexContent>
+      </xsd:complexType>
+    </xsd:element>
+    <xsd:element name="SharedWithDetails" ma:index="9" nillable="true" ma:displayName="Shared With Details" ma:description="" ma:internalName="SharedWithDetails" ma:readOnly="true">
+      <xsd:simpleType>
+        <xsd:restriction base="dms:Note">
+          <xsd:maxLength value="255"/>
+        </xsd:restriction>
+      </xsd:simpleType>
+    </xsd:element>
+    <xsd:element name="SharingHintHash" ma:index="10" nillable="true" ma:displayName="Sharing Hint Hash" ma:description="" ma:hidden="true" ma:internalName="SharingHintHash" ma:readOnly="true">
+      <xsd:simpleType>
+        <xsd:restriction base="dms:Text"/>
+      </xsd:simpleType>
+    </xsd:element>
+  </xsd:schema>
+  <xsd:schema xmlns:xsd="http://www.w3.org/2001/XMLSchema" xmlns:xs="http://www.w3.org/2001/XMLSchema" xmlns:dms="http://schemas.microsoft.com/office/2006/documentManagement/types" xmlns:pc="http://schemas.microsoft.com/office/infopath/2007/PartnerControls" targetNamespace="c9de5a8b-32f4-42ac-a4c5-86635e47825b" elementFormDefault="qualified">
+    <xsd:import namespace="http://schemas.microsoft.com/office/2006/documentManagement/types"/>
+    <xsd:import namespace="http://schemas.microsoft.com/office/infopath/2007/PartnerControls"/>
+    <xsd:element name="MediaServiceMetadata" ma:index="11" nillable="true" ma:displayName="MediaServiceMetadata" ma:description="" ma:hidden="true" ma:internalName="MediaServiceMetadata" ma:readOnly="true">
+      <xsd:simpleType>
+        <xsd:restriction base="dms:Note"/>
+      </xsd:simpleType>
+    </xsd:element>
+    <xsd:element name="MediaServiceFastMetadata" ma:index="12" nillable="true" ma:displayName="MediaServiceFastMetadata" ma:description="" ma:hidden="true" ma:internalName="MediaServiceFastMetadata" ma:readOnly="true">
+      <xsd:simpleType>
+        <xsd:restriction base="dms:Note"/>
+      </xsd:simpleType>
+    </xsd:element>
+    <xsd:element name="MediaServiceAutoTags" ma:index="13" nillable="true" ma:displayName="MediaServiceAutoTags" ma:description="" ma:internalName="MediaServiceAutoTags" ma:readOnly="true">
+      <xsd:simpleType>
+        <xsd:restriction base="dms:Text"/>
+      </xsd:simpleType>
+    </xsd:element>
+    <xsd:element name="MediaServiceDateTaken" ma:index="14" nillable="true" ma:displayName="MediaServiceDateTaken" ma:description="" ma:hidden="true" ma:internalName="MediaServiceDateTaken" ma:readOnly="true">
+      <xsd:simpleType>
+        <xsd:restriction base="dms:Text"/>
+      </xsd:simpleType>
+    </xsd:element>
+    <xsd:element name="MediaServiceOCR" ma:index="15" nillable="true" ma:displayName="MediaServiceOCR" ma:internalName="MediaServiceOCR" ma:readOnly="true">
+      <xsd:simpleType>
+        <xsd:restriction base="dms:Note">
+          <xsd:maxLength value="255"/>
+        </xsd:restriction>
+      </xsd:simpleType>
+    </xsd:element>
+    <xsd:element name="MediaServiceGenerationTime" ma:index="16" nillable="true" ma:displayName="MediaServiceGenerationTime" ma:hidden="true" ma:internalName="MediaServiceGenerationTime" ma:readOnly="true">
+      <xsd:simpleType>
+        <xsd:restriction base="dms:Text"/>
+      </xsd:simpleType>
+    </xsd:element>
+    <xsd:element name="MediaServiceEventHashCode" ma:index="17" nillable="true" ma:displayName="MediaServiceEventHashCode" ma:hidden="true" ma:internalName="MediaServiceEventHashCode" ma:readOnly="true">
+      <xsd:simpleType>
+        <xsd:restriction base="dms:Text"/>
+      </xsd:simpleType>
+    </xsd:element>
+  </xsd:schema>
+  <xsd:schema xmlns="http://schemas.openxmlformats.org/package/2006/metadata/core-properties" xmlns:xsd="http://www.w3.org/2001/XMLSchema" xmlns:xsi="http://www.w3.org/2001/XMLSchema-instance" xmlns:dc="http://purl.org/dc/elements/1.1/" xmlns:dcterms="http://purl.org/dc/terms/" xmlns:odoc="http://schemas.microsoft.com/internal/obd" targetNamespace="http://schemas.openxmlformats.org/package/2006/metadata/core-properties" elementFormDefault="qualified" attributeFormDefault="unqualified" blockDefault="#all">
+    <xsd:import namespace="http://purl.org/dc/elements/1.1/" schemaLocation="http://dublincore.org/schemas/xmls/qdc/2003/04/02/dc.xsd"/>
+    <xsd:import namespace="http://purl.org/dc/terms/" schemaLocation="http://dublincore.org/schemas/xmls/qdc/2003/04/02/dcterms.xsd"/>
+    <xsd:element name="coreProperties" type="CT_coreProperties"/>
+    <xsd:complexType name="CT_coreProperties">
+      <xsd:all>
+        <xsd:element ref="dc:creator" minOccurs="0" maxOccurs="1"/>
+        <xsd:element ref="dcterms:created" minOccurs="0" maxOccurs="1"/>
+        <xsd:element ref="dc:identifier" minOccurs="0" maxOccurs="1"/>
+        <xsd:element name="contentType" minOccurs="0" maxOccurs="1" type="xsd:string" ma:index="0" ma:displayName="Content Type"/>
+        <xsd:element ref="dc:title" minOccurs="0" maxOccurs="1" ma:index="4" ma:displayName="Title"/>
+        <xsd:element ref="dc:subject" minOccurs="0" maxOccurs="1"/>
+        <xsd:element ref="dc:description" minOccurs="0" maxOccurs="1"/>
+        <xsd:element name="keywords" minOccurs="0" maxOccurs="1" type="xsd:string"/>
+        <xsd:element ref="dc:language" minOccurs="0" maxOccurs="1"/>
+        <xsd:element name="category" minOccurs="0" maxOccurs="1" type="xsd:string"/>
+        <xsd:element name="version" minOccurs="0" maxOccurs="1" type="xsd:string"/>
+        <xsd:element name="revision" minOccurs="0" maxOccurs="1" type="xsd:string">
+          <xsd:annotation>
+            <xsd:documentation>
+                        This value indicates the number of saves or revisions. The application is responsible for updating this value after each revision.
+                    </xsd:documentation>
+          </xsd:annotation>
+        </xsd:element>
+        <xsd:element name="lastModifiedBy" minOccurs="0" maxOccurs="1" type="xsd:string"/>
+        <xsd:element ref="dcterms:modified" minOccurs="0" maxOccurs="1"/>
+        <xsd:element name="contentStatus" minOccurs="0" maxOccurs="1" type="xsd:string"/>
+      </xsd:all>
+    </xsd:complexType>
+  </xsd:schema>
+  <xs:schema xmlns:pc="http://schemas.microsoft.com/office/infopath/2007/PartnerControls" xmlns:xs="http://www.w3.org/2001/XMLSchema" targetNamespace="http://schemas.microsoft.com/office/infopath/2007/PartnerControls" elementFormDefault="qualified" attributeFormDefault="unqualified">
+    <xs:element name="Person">
+      <xs:complexType>
+        <xs:sequence>
+          <xs:element ref="pc:DisplayName" minOccurs="0"/>
+          <xs:element ref="pc:AccountId" minOccurs="0"/>
+          <xs:element ref="pc:AccountType" minOccurs="0"/>
+        </xs:sequence>
+      </xs:complexType>
+    </xs:element>
+    <xs:element name="DisplayName" type="xs:string"/>
+    <xs:element name="AccountId" type="xs:string"/>
+    <xs:element name="AccountType" type="xs:string"/>
+    <xs:element name="BDCAssociatedEntity">
+      <xs:complexType>
+        <xs:sequence>
+          <xs:element ref="pc:BDCEntity" minOccurs="0" maxOccurs="unbounded"/>
+        </xs:sequence>
+        <xs:attribute ref="pc:EntityNamespace"/>
+        <xs:attribute ref="pc:EntityName"/>
+        <xs:attribute ref="pc:SystemInstanceName"/>
+        <xs:attribute ref="pc:AssociationName"/>
+      </xs:complexType>
+    </xs:element>
+    <xs:attribute name="EntityNamespace" type="xs:string"/>
+    <xs:attribute name="EntityName" type="xs:string"/>
+    <xs:attribute name="SystemInstanceName" type="xs:string"/>
+    <xs:attribute name="AssociationName" type="xs:string"/>
+    <xs:element name="BDCEntity">
+      <xs:complexType>
+        <xs:sequence>
+          <xs:element ref="pc:EntityDisplayName" minOccurs="0"/>
+          <xs:element ref="pc:EntityInstanceReference" minOccurs="0"/>
+          <xs:element ref="pc:EntityId1" minOccurs="0"/>
+          <xs:element ref="pc:EntityId2" minOccurs="0"/>
+          <xs:element ref="pc:EntityId3" minOccurs="0"/>
+          <xs:element ref="pc:EntityId4" minOccurs="0"/>
+          <xs:element ref="pc:EntityId5" minOccurs="0"/>
+        </xs:sequence>
+      </xs:complexType>
+    </xs:element>
+    <xs:element name="EntityDisplayName" type="xs:string"/>
+    <xs:element name="EntityInstanceReference" type="xs:string"/>
+    <xs:element name="EntityId1" type="xs:string"/>
+    <xs:element name="EntityId2" type="xs:string"/>
+    <xs:element name="EntityId3" type="xs:string"/>
+    <xs:element name="EntityId4" type="xs:string"/>
+    <xs:element name="EntityId5" type="xs:string"/>
+    <xs:element name="Terms">
+      <xs:complexType>
+        <xs:sequence>
+          <xs:element ref="pc:TermInfo" minOccurs="0" maxOccurs="unbounded"/>
+        </xs:sequence>
+      </xs:complexType>
+    </xs:element>
+    <xs:element name="TermInfo">
+      <xs:complexType>
+        <xs:sequence>
+          <xs:element ref="pc:TermName" minOccurs="0"/>
+          <xs:element ref="pc:TermId" minOccurs="0"/>
+        </xs:sequence>
+      </xs:complexType>
+    </xs:element>
+    <xs:element name="TermName" type="xs:string"/>
+    <xs:element name="TermId" type="xs:string"/>
+  </xs:schema>
+</ct:contentTypeSchema>
+</file>
+
+<file path=customXml/item2.xml><?xml version="1.0" encoding="utf-8"?>
+<?mso-contentType ?>
+<FormTemplates xmlns="http://schemas.microsoft.com/sharepoint/v3/contenttype/forms">
+  <Display>DocumentLibraryForm</Display>
+  <Edit>DocumentLibraryForm</Edit>
+  <New>DocumentLibraryForm</New>
+</FormTemplates>
+</file>
+
+<file path=customXml/item3.xml><?xml version="1.0" encoding="utf-8"?>
+<p:properties xmlns:p="http://schemas.microsoft.com/office/2006/metadata/properties" xmlns:xsi="http://www.w3.org/2001/XMLSchema-instance" xmlns:pc="http://schemas.microsoft.com/office/infopath/2007/PartnerControls">
+  <documentManagement/>
+</p:properties>
+</file>
+
+<file path=customXml/itemProps1.xml><?xml version="1.0" encoding="utf-8"?>
+<ds:datastoreItem xmlns:ds="http://schemas.openxmlformats.org/officeDocument/2006/customXml" ds:itemID="{645A6691-33EC-4CF4-B788-BFED98EBCE83}">
+  <ds:schemaRefs>
+    <ds:schemaRef ds:uri="http://schemas.microsoft.com/office/2006/metadata/contentType"/>
+    <ds:schemaRef ds:uri="http://schemas.microsoft.com/office/2006/metadata/properties/metaAttributes"/>
+    <ds:schemaRef ds:uri="http://www.w3.org/2001/XMLSchema"/>
+    <ds:schemaRef ds:uri="http://schemas.microsoft.com/office/2006/metadata/properties"/>
+    <ds:schemaRef ds:uri="e151e835-541a-42d2-a0a6-5efc74f2a703"/>
+    <ds:schemaRef ds:uri="c9de5a8b-32f4-42ac-a4c5-86635e47825b"/>
+    <ds:schemaRef ds:uri="http://schemas.microsoft.com/office/2006/documentManagement/types"/>
+    <ds:schemaRef ds:uri="http://schemas.microsoft.com/office/infopath/2007/PartnerControls"/>
+    <ds:schemaRef ds:uri="http://schemas.openxmlformats.org/package/2006/metadata/core-properties"/>
+    <ds:schemaRef ds:uri="http://purl.org/dc/elements/1.1/"/>
+    <ds:schemaRef ds:uri="http://purl.org/dc/terms/"/>
+    <ds:schemaRef ds:uri="http://schemas.microsoft.com/internal/obd"/>
+  </ds:schemaRefs>
+</ds:datastoreItem>
+</file>
+
+<file path=customXml/itemProps2.xml><?xml version="1.0" encoding="utf-8"?>
+<ds:datastoreItem xmlns:ds="http://schemas.openxmlformats.org/officeDocument/2006/customXml" ds:itemID="{2BB88892-A823-44E8-B6B7-C4E4A5B01E3C}">
+  <ds:schemaRefs>
+    <ds:schemaRef ds:uri="http://schemas.microsoft.com/sharepoint/v3/contenttype/forms"/>
+  </ds:schemaRefs>
+</ds:datastoreItem>
+</file>
+
+<file path=customXml/itemProps3.xml><?xml version="1.0" encoding="utf-8"?>
+<ds:datastoreItem xmlns:ds="http://schemas.openxmlformats.org/officeDocument/2006/customXml" ds:itemID="{35323D2D-7811-4E18-B6D6-2252EBC97CC7}">
+  <ds:schemaRefs>
+    <ds:schemaRef ds:uri="http://purl.org/dc/elements/1.1/"/>
+    <ds:schemaRef ds:uri="http://schemas.microsoft.com/office/2006/metadata/properties"/>
+    <ds:schemaRef ds:uri="c9de5a8b-32f4-42ac-a4c5-86635e47825b"/>
+    <ds:schemaRef ds:uri="http://purl.org/dc/terms/"/>
+    <ds:schemaRef ds:uri="http://schemas.openxmlformats.org/package/2006/metadata/core-properties"/>
+    <ds:schemaRef ds:uri="e151e835-541a-42d2-a0a6-5efc74f2a703"/>
+    <ds:schemaRef ds:uri="http://schemas.microsoft.com/office/2006/documentManagement/types"/>
+    <ds:schemaRef ds:uri="http://schemas.microsoft.com/office/infopath/2007/PartnerControls"/>
+    <ds:schemaRef ds:uri="http://www.w3.org/XML/1998/namespace"/>
+    <ds:schemaRef ds:uri="http://purl.org/dc/dcmitype/"/>
+  </ds:schemaRefs>
+</ds:datastoreItem>
 </file>
--- a/PowerShell Identity Automation with MIM/PowerShell Identity Automation with MIM.pptx
+++ b/PowerShell Identity Automation with MIM/PowerShell Identity Automation with MIM.pptx
@@ -10,11 +10,15 @@
     <p:sldId id="258" r:id="rId7"/>
     <p:sldId id="259" r:id="rId8"/>
     <p:sldId id="260" r:id="rId9"/>
-    <p:sldId id="261" r:id="rId10"/>
-    <p:sldId id="262" r:id="rId11"/>
-    <p:sldId id="263" r:id="rId12"/>
-    <p:sldId id="264" r:id="rId13"/>
-    <p:sldId id="265" r:id="rId14"/>
+    <p:sldId id="267" r:id="rId10"/>
+    <p:sldId id="268" r:id="rId11"/>
+    <p:sldId id="261" r:id="rId12"/>
+    <p:sldId id="266" r:id="rId13"/>
+    <p:sldId id="262" r:id="rId14"/>
+    <p:sldId id="263" r:id="rId15"/>
+    <p:sldId id="264" r:id="rId16"/>
+    <p:sldId id="265" r:id="rId17"/>
+    <p:sldId id="269" r:id="rId18"/>
   </p:sldIdLst>
   <p:sldSz cx="12192000" cy="6858000"/>
   <p:notesSz cx="6858000" cy="9144000"/>
@@ -121,6 +125,166 @@
 </p:presentation>
 </file>
 
+<file path=ppt/revisionInfo.xml><?xml version="1.0" encoding="utf-8"?>
+<p1510:revInfo xmlns:a="http://schemas.openxmlformats.org/drawingml/2006/main" xmlns:r="http://schemas.openxmlformats.org/officeDocument/2006/relationships" xmlns:p1510="http://schemas.microsoft.com/office/powerpoint/2015/10/main">
+  <p1510:revLst>
+    <p1510:client id="{0384CD0C-1638-4179-9C94-CA2F8E8C27A0}" v="6" dt="2019-08-07T12:34:28.098"/>
+  </p1510:revLst>
+</p1510:revInfo>
+</file>
+
+<file path=ppt/changesInfos/changesInfo1.xml><?xml version="1.0" encoding="utf-8"?>
+<pc:chgInfo xmlns:a="http://schemas.openxmlformats.org/drawingml/2006/main" xmlns:r="http://schemas.openxmlformats.org/officeDocument/2006/relationships" xmlns:ac="http://schemas.microsoft.com/office/drawing/2013/main/command" xmlns:pc="http://schemas.microsoft.com/office/powerpoint/2013/main/command">
+  <pc:docChgLst>
+    <pc:chgData name="Dustin Dortch" userId="8f5b0bd9-2520-4151-8645-48518b6e05a9" providerId="ADAL" clId="{0384CD0C-1638-4179-9C94-CA2F8E8C27A0}"/>
+    <pc:docChg chg="undo custSel addSld modSld sldOrd">
+      <pc:chgData name="Dustin Dortch" userId="8f5b0bd9-2520-4151-8645-48518b6e05a9" providerId="ADAL" clId="{0384CD0C-1638-4179-9C94-CA2F8E8C27A0}" dt="2019-08-07T12:36:36.803" v="1769" actId="20577"/>
+      <pc:docMkLst>
+        <pc:docMk/>
+      </pc:docMkLst>
+      <pc:sldChg chg="modSp">
+        <pc:chgData name="Dustin Dortch" userId="8f5b0bd9-2520-4151-8645-48518b6e05a9" providerId="ADAL" clId="{0384CD0C-1638-4179-9C94-CA2F8E8C27A0}" dt="2019-08-07T12:15:41.476" v="1361" actId="20577"/>
+        <pc:sldMkLst>
+          <pc:docMk/>
+          <pc:sldMk cId="232332051" sldId="258"/>
+        </pc:sldMkLst>
+        <pc:spChg chg="mod">
+          <ac:chgData name="Dustin Dortch" userId="8f5b0bd9-2520-4151-8645-48518b6e05a9" providerId="ADAL" clId="{0384CD0C-1638-4179-9C94-CA2F8E8C27A0}" dt="2019-08-07T12:15:41.476" v="1361" actId="20577"/>
+          <ac:spMkLst>
+            <pc:docMk/>
+            <pc:sldMk cId="232332051" sldId="258"/>
+            <ac:spMk id="3" creationId="{6D550FAA-08C2-467C-A501-B0576DF94636}"/>
+          </ac:spMkLst>
+        </pc:spChg>
+      </pc:sldChg>
+      <pc:sldChg chg="modSp">
+        <pc:chgData name="Dustin Dortch" userId="8f5b0bd9-2520-4151-8645-48518b6e05a9" providerId="ADAL" clId="{0384CD0C-1638-4179-9C94-CA2F8E8C27A0}" dt="2019-08-07T12:05:44.132" v="402" actId="20577"/>
+        <pc:sldMkLst>
+          <pc:docMk/>
+          <pc:sldMk cId="2968422297" sldId="263"/>
+        </pc:sldMkLst>
+        <pc:spChg chg="mod">
+          <ac:chgData name="Dustin Dortch" userId="8f5b0bd9-2520-4151-8645-48518b6e05a9" providerId="ADAL" clId="{0384CD0C-1638-4179-9C94-CA2F8E8C27A0}" dt="2019-08-07T12:05:44.132" v="402" actId="20577"/>
+          <ac:spMkLst>
+            <pc:docMk/>
+            <pc:sldMk cId="2968422297" sldId="263"/>
+            <ac:spMk id="3" creationId="{D030A08C-50E4-438A-BD17-FA6295D6181E}"/>
+          </ac:spMkLst>
+        </pc:spChg>
+      </pc:sldChg>
+      <pc:sldChg chg="modSp add">
+        <pc:chgData name="Dustin Dortch" userId="8f5b0bd9-2520-4151-8645-48518b6e05a9" providerId="ADAL" clId="{0384CD0C-1638-4179-9C94-CA2F8E8C27A0}" dt="2019-08-07T12:16:16.050" v="1430" actId="20577"/>
+        <pc:sldMkLst>
+          <pc:docMk/>
+          <pc:sldMk cId="3634884516" sldId="266"/>
+        </pc:sldMkLst>
+        <pc:spChg chg="mod">
+          <ac:chgData name="Dustin Dortch" userId="8f5b0bd9-2520-4151-8645-48518b6e05a9" providerId="ADAL" clId="{0384CD0C-1638-4179-9C94-CA2F8E8C27A0}" dt="2019-08-07T12:03:09.347" v="22" actId="20577"/>
+          <ac:spMkLst>
+            <pc:docMk/>
+            <pc:sldMk cId="3634884516" sldId="266"/>
+            <ac:spMk id="2" creationId="{E6E9010F-678C-4869-98B6-88CADB84F315}"/>
+          </ac:spMkLst>
+        </pc:spChg>
+        <pc:spChg chg="mod">
+          <ac:chgData name="Dustin Dortch" userId="8f5b0bd9-2520-4151-8645-48518b6e05a9" providerId="ADAL" clId="{0384CD0C-1638-4179-9C94-CA2F8E8C27A0}" dt="2019-08-07T12:16:16.050" v="1430" actId="20577"/>
+          <ac:spMkLst>
+            <pc:docMk/>
+            <pc:sldMk cId="3634884516" sldId="266"/>
+            <ac:spMk id="3" creationId="{8E4B568B-C4B1-4A6C-B504-19F9B8343C7C}"/>
+          </ac:spMkLst>
+        </pc:spChg>
+      </pc:sldChg>
+      <pc:sldChg chg="modSp add ord">
+        <pc:chgData name="Dustin Dortch" userId="8f5b0bd9-2520-4151-8645-48518b6e05a9" providerId="ADAL" clId="{0384CD0C-1638-4179-9C94-CA2F8E8C27A0}" dt="2019-08-07T12:10:55.093" v="1009" actId="20577"/>
+        <pc:sldMkLst>
+          <pc:docMk/>
+          <pc:sldMk cId="3485655515" sldId="267"/>
+        </pc:sldMkLst>
+        <pc:spChg chg="mod">
+          <ac:chgData name="Dustin Dortch" userId="8f5b0bd9-2520-4151-8645-48518b6e05a9" providerId="ADAL" clId="{0384CD0C-1638-4179-9C94-CA2F8E8C27A0}" dt="2019-08-07T12:06:09.376" v="416" actId="20577"/>
+          <ac:spMkLst>
+            <pc:docMk/>
+            <pc:sldMk cId="3485655515" sldId="267"/>
+            <ac:spMk id="2" creationId="{0057CE15-A947-44B0-9C00-4B1638E98C00}"/>
+          </ac:spMkLst>
+        </pc:spChg>
+        <pc:spChg chg="mod">
+          <ac:chgData name="Dustin Dortch" userId="8f5b0bd9-2520-4151-8645-48518b6e05a9" providerId="ADAL" clId="{0384CD0C-1638-4179-9C94-CA2F8E8C27A0}" dt="2019-08-07T12:10:55.093" v="1009" actId="20577"/>
+          <ac:spMkLst>
+            <pc:docMk/>
+            <pc:sldMk cId="3485655515" sldId="267"/>
+            <ac:spMk id="3" creationId="{460B617B-52E5-488F-8EC6-DB036FB65CF2}"/>
+          </ac:spMkLst>
+        </pc:spChg>
+      </pc:sldChg>
+      <pc:sldChg chg="modSp add">
+        <pc:chgData name="Dustin Dortch" userId="8f5b0bd9-2520-4151-8645-48518b6e05a9" providerId="ADAL" clId="{0384CD0C-1638-4179-9C94-CA2F8E8C27A0}" dt="2019-08-07T12:15:15.545" v="1348" actId="20577"/>
+        <pc:sldMkLst>
+          <pc:docMk/>
+          <pc:sldMk cId="3067552896" sldId="268"/>
+        </pc:sldMkLst>
+        <pc:spChg chg="mod">
+          <ac:chgData name="Dustin Dortch" userId="8f5b0bd9-2520-4151-8645-48518b6e05a9" providerId="ADAL" clId="{0384CD0C-1638-4179-9C94-CA2F8E8C27A0}" dt="2019-08-07T12:12:21.593" v="1056" actId="20577"/>
+          <ac:spMkLst>
+            <pc:docMk/>
+            <pc:sldMk cId="3067552896" sldId="268"/>
+            <ac:spMk id="2" creationId="{24989F86-6B13-49A7-BD99-C58E02B277A2}"/>
+          </ac:spMkLst>
+        </pc:spChg>
+        <pc:spChg chg="mod">
+          <ac:chgData name="Dustin Dortch" userId="8f5b0bd9-2520-4151-8645-48518b6e05a9" providerId="ADAL" clId="{0384CD0C-1638-4179-9C94-CA2F8E8C27A0}" dt="2019-08-07T12:15:15.545" v="1348" actId="20577"/>
+          <ac:spMkLst>
+            <pc:docMk/>
+            <pc:sldMk cId="3067552896" sldId="268"/>
+            <ac:spMk id="3" creationId="{278AA52C-E611-48EF-8C01-74B6CD95E096}"/>
+          </ac:spMkLst>
+        </pc:spChg>
+      </pc:sldChg>
+      <pc:sldChg chg="addSp delSp modSp add">
+        <pc:chgData name="Dustin Dortch" userId="8f5b0bd9-2520-4151-8645-48518b6e05a9" providerId="ADAL" clId="{0384CD0C-1638-4179-9C94-CA2F8E8C27A0}" dt="2019-08-07T12:36:36.803" v="1769" actId="20577"/>
+        <pc:sldMkLst>
+          <pc:docMk/>
+          <pc:sldMk cId="872100192" sldId="269"/>
+        </pc:sldMkLst>
+        <pc:spChg chg="del">
+          <ac:chgData name="Dustin Dortch" userId="8f5b0bd9-2520-4151-8645-48518b6e05a9" providerId="ADAL" clId="{0384CD0C-1638-4179-9C94-CA2F8E8C27A0}" dt="2019-08-07T12:34:28.098" v="1432"/>
+          <ac:spMkLst>
+            <pc:docMk/>
+            <pc:sldMk cId="872100192" sldId="269"/>
+            <ac:spMk id="2" creationId="{EDD875FB-4BA5-42EF-98B3-EBAEB3058979}"/>
+          </ac:spMkLst>
+        </pc:spChg>
+        <pc:spChg chg="del">
+          <ac:chgData name="Dustin Dortch" userId="8f5b0bd9-2520-4151-8645-48518b6e05a9" providerId="ADAL" clId="{0384CD0C-1638-4179-9C94-CA2F8E8C27A0}" dt="2019-08-07T12:34:28.098" v="1432"/>
+          <ac:spMkLst>
+            <pc:docMk/>
+            <pc:sldMk cId="872100192" sldId="269"/>
+            <ac:spMk id="3" creationId="{40CE66A6-2B7F-499E-99D6-96C9E7B624AE}"/>
+          </ac:spMkLst>
+        </pc:spChg>
+        <pc:spChg chg="add mod">
+          <ac:chgData name="Dustin Dortch" userId="8f5b0bd9-2520-4151-8645-48518b6e05a9" providerId="ADAL" clId="{0384CD0C-1638-4179-9C94-CA2F8E8C27A0}" dt="2019-08-07T12:34:43.949" v="1479" actId="20577"/>
+          <ac:spMkLst>
+            <pc:docMk/>
+            <pc:sldMk cId="872100192" sldId="269"/>
+            <ac:spMk id="4" creationId="{3841B736-9C94-4E7B-B041-5C5916F8EC66}"/>
+          </ac:spMkLst>
+        </pc:spChg>
+        <pc:spChg chg="add mod">
+          <ac:chgData name="Dustin Dortch" userId="8f5b0bd9-2520-4151-8645-48518b6e05a9" providerId="ADAL" clId="{0384CD0C-1638-4179-9C94-CA2F8E8C27A0}" dt="2019-08-07T12:36:36.803" v="1769" actId="20577"/>
+          <ac:spMkLst>
+            <pc:docMk/>
+            <pc:sldMk cId="872100192" sldId="269"/>
+            <ac:spMk id="5" creationId="{0FFA7B9E-E777-4510-967F-C8A6685B0ECB}"/>
+          </ac:spMkLst>
+        </pc:spChg>
+      </pc:sldChg>
+    </pc:docChg>
+  </pc:docChgLst>
+</pc:chgInfo>
+</file>
+
 <file path=ppt/slideLayouts/slideLayout1.xml><?xml version="1.0" encoding="utf-8"?>
 <p:sldLayout xmlns:a="http://schemas.openxmlformats.org/drawingml/2006/main" xmlns:r="http://schemas.openxmlformats.org/officeDocument/2006/relationships" xmlns:p="http://schemas.openxmlformats.org/presentationml/2006/main" type="title" preserve="1">
   <p:cSld name="Title Slide">
@@ -367,7 +531,7 @@
             <a:fld id="{B61BEF0D-F0BB-DE4B-95CE-6DB70DBA9567}" type="datetimeFigureOut">
               <a:rPr lang="en-US" smtClean="0"/>
               <a:pPr/>
-              <a:t>8/5/2019</a:t>
+              <a:t>8/7/2019</a:t>
             </a:fld>
             <a:endParaRPr lang="en-US" dirty="0"/>
           </a:p>
@@ -663,7 +827,7 @@
             <a:fld id="{B61BEF0D-F0BB-DE4B-95CE-6DB70DBA9567}" type="datetimeFigureOut">
               <a:rPr lang="en-US" smtClean="0"/>
               <a:pPr/>
-              <a:t>8/5/2019</a:t>
+              <a:t>8/7/2019</a:t>
             </a:fld>
             <a:endParaRPr lang="en-US" dirty="0"/>
           </a:p>
@@ -903,7 +1067,7 @@
             <a:fld id="{B61BEF0D-F0BB-DE4B-95CE-6DB70DBA9567}" type="datetimeFigureOut">
               <a:rPr lang="en-US" smtClean="0"/>
               <a:pPr/>
-              <a:t>8/5/2019</a:t>
+              <a:t>8/7/2019</a:t>
             </a:fld>
             <a:endParaRPr lang="en-US" dirty="0"/>
           </a:p>
@@ -1148,7 +1312,7 @@
             <a:fld id="{B61BEF0D-F0BB-DE4B-95CE-6DB70DBA9567}" type="datetimeFigureOut">
               <a:rPr lang="en-US" smtClean="0"/>
               <a:pPr/>
-              <a:t>8/5/2019</a:t>
+              <a:t>8/7/2019</a:t>
             </a:fld>
             <a:endParaRPr lang="en-US" dirty="0"/>
           </a:p>
@@ -1460,7 +1624,7 @@
             <a:fld id="{B61BEF0D-F0BB-DE4B-95CE-6DB70DBA9567}" type="datetimeFigureOut">
               <a:rPr lang="en-US" smtClean="0"/>
               <a:pPr/>
-              <a:t>8/5/2019</a:t>
+              <a:t>8/7/2019</a:t>
             </a:fld>
             <a:endParaRPr lang="en-US" dirty="0"/>
           </a:p>
@@ -1767,7 +1931,7 @@
             <a:fld id="{B61BEF0D-F0BB-DE4B-95CE-6DB70DBA9567}" type="datetimeFigureOut">
               <a:rPr lang="en-US" smtClean="0"/>
               <a:pPr/>
-              <a:t>8/5/2019</a:t>
+              <a:t>8/7/2019</a:t>
             </a:fld>
             <a:endParaRPr lang="en-US" dirty="0"/>
           </a:p>
@@ -2194,7 +2358,7 @@
             <a:fld id="{B61BEF0D-F0BB-DE4B-95CE-6DB70DBA9567}" type="datetimeFigureOut">
               <a:rPr lang="en-US" smtClean="0"/>
               <a:pPr/>
-              <a:t>8/5/2019</a:t>
+              <a:t>8/7/2019</a:t>
             </a:fld>
             <a:endParaRPr lang="en-US" dirty="0"/>
           </a:p>
@@ -2294,7 +2458,7 @@
             <a:fld id="{B61BEF0D-F0BB-DE4B-95CE-6DB70DBA9567}" type="datetimeFigureOut">
               <a:rPr lang="en-US" smtClean="0"/>
               <a:pPr/>
-              <a:t>8/5/2019</a:t>
+              <a:t>8/7/2019</a:t>
             </a:fld>
             <a:endParaRPr lang="en-US" dirty="0"/>
           </a:p>
@@ -2461,7 +2625,7 @@
             <a:fld id="{B61BEF0D-F0BB-DE4B-95CE-6DB70DBA9567}" type="datetimeFigureOut">
               <a:rPr lang="en-US" smtClean="0"/>
               <a:pPr/>
-              <a:t>8/5/2019</a:t>
+              <a:t>8/7/2019</a:t>
             </a:fld>
             <a:endParaRPr lang="en-US" dirty="0"/>
           </a:p>
@@ -2844,7 +3008,7 @@
             <a:fld id="{B61BEF0D-F0BB-DE4B-95CE-6DB70DBA9567}" type="datetimeFigureOut">
               <a:rPr lang="en-US" smtClean="0"/>
               <a:pPr/>
-              <a:t>8/5/2019</a:t>
+              <a:t>8/7/2019</a:t>
             </a:fld>
             <a:endParaRPr lang="en-US" dirty="0"/>
           </a:p>
@@ -3138,7 +3302,7 @@
             <a:fld id="{B61BEF0D-F0BB-DE4B-95CE-6DB70DBA9567}" type="datetimeFigureOut">
               <a:rPr lang="en-US" smtClean="0"/>
               <a:pPr/>
-              <a:t>8/5/2019</a:t>
+              <a:t>8/7/2019</a:t>
             </a:fld>
             <a:endParaRPr lang="en-US" dirty="0"/>
           </a:p>
@@ -3354,7 +3518,7 @@
             <a:fld id="{B61BEF0D-F0BB-DE4B-95CE-6DB70DBA9567}" type="datetimeFigureOut">
               <a:rPr lang="en-US" smtClean="0"/>
               <a:pPr/>
-              <a:t>8/5/2019</a:t>
+              <a:t>8/7/2019</a:t>
             </a:fld>
             <a:endParaRPr lang="en-US" dirty="0"/>
           </a:p>
@@ -4107,6 +4271,302 @@
       </p:grpSpPr>
       <p:sp>
         <p:nvSpPr>
+          <p:cNvPr id="2" name="Title 1">
+            <a:extLst>
+              <a:ext uri="{FF2B5EF4-FFF2-40B4-BE49-F238E27FC236}">
+                <a16:creationId xmlns:a16="http://schemas.microsoft.com/office/drawing/2014/main" id="{EE5D8F36-908F-4293-9EE6-F2B972A55219}"/>
+              </a:ext>
+            </a:extLst>
+          </p:cNvPr>
+          <p:cNvSpPr>
+            <a:spLocks noGrp="1"/>
+          </p:cNvSpPr>
+          <p:nvPr>
+            <p:ph type="title"/>
+          </p:nvPr>
+        </p:nvSpPr>
+        <p:spPr/>
+        <p:txBody>
+          <a:bodyPr/>
+          <a:lstStyle/>
+          <a:p>
+            <a:r>
+              <a:rPr lang="en-US" dirty="0"/>
+              <a:t>The Code Structure</a:t>
+            </a:r>
+          </a:p>
+        </p:txBody>
+      </p:sp>
+      <p:sp>
+        <p:nvSpPr>
+          <p:cNvPr id="3" name="Content Placeholder 2">
+            <a:extLst>
+              <a:ext uri="{FF2B5EF4-FFF2-40B4-BE49-F238E27FC236}">
+                <a16:creationId xmlns:a16="http://schemas.microsoft.com/office/drawing/2014/main" id="{A8937EA4-2D23-403A-89A3-9085BFAF5F99}"/>
+              </a:ext>
+            </a:extLst>
+          </p:cNvPr>
+          <p:cNvSpPr>
+            <a:spLocks noGrp="1"/>
+          </p:cNvSpPr>
+          <p:nvPr>
+            <p:ph idx="1"/>
+          </p:nvPr>
+        </p:nvSpPr>
+        <p:spPr/>
+        <p:txBody>
+          <a:bodyPr>
+            <a:normAutofit fontScale="85000" lnSpcReduction="20000"/>
+          </a:bodyPr>
+          <a:lstStyle/>
+          <a:p>
+            <a:r>
+              <a:rPr lang="en-US" dirty="0"/>
+              <a:t>Common module</a:t>
+            </a:r>
+          </a:p>
+          <a:p>
+            <a:r>
+              <a:rPr lang="en-US" dirty="0"/>
+              <a:t>Schema: </a:t>
+            </a:r>
+            <a:r>
+              <a:rPr lang="en-US" dirty="0" err="1"/>
+              <a:t>Microsoft.MetadirectoryServices.Schema</a:t>
+            </a:r>
+            <a:endParaRPr lang="en-US" dirty="0"/>
+          </a:p>
+          <a:p>
+            <a:r>
+              <a:rPr lang="en-US" dirty="0"/>
+              <a:t>Partition: List[</a:t>
+            </a:r>
+            <a:r>
+              <a:rPr lang="en-US" dirty="0" err="1"/>
+              <a:t>Microsoft.MetadirectoryServices.Partition</a:t>
+            </a:r>
+            <a:r>
+              <a:rPr lang="en-US" dirty="0"/>
+              <a:t>]</a:t>
+            </a:r>
+          </a:p>
+          <a:p>
+            <a:r>
+              <a:rPr lang="en-US" dirty="0"/>
+              <a:t>Hierarchy: List[</a:t>
+            </a:r>
+            <a:r>
+              <a:rPr lang="en-US" dirty="0" err="1"/>
+              <a:t>Microsoft.MetadirectoryServices.HierarchyNode</a:t>
+            </a:r>
+            <a:r>
+              <a:rPr lang="en-US" dirty="0"/>
+              <a:t>]</a:t>
+            </a:r>
+          </a:p>
+          <a:p>
+            <a:r>
+              <a:rPr lang="en-US" dirty="0"/>
+              <a:t>Import</a:t>
+            </a:r>
+          </a:p>
+          <a:p>
+            <a:pPr lvl="1"/>
+            <a:r>
+              <a:rPr lang="en-US" dirty="0"/>
+              <a:t>Begin Import</a:t>
+            </a:r>
+          </a:p>
+          <a:p>
+            <a:pPr lvl="1"/>
+            <a:r>
+              <a:rPr lang="en-US" dirty="0"/>
+              <a:t>Import: </a:t>
+            </a:r>
+            <a:r>
+              <a:rPr lang="en-US" dirty="0" err="1"/>
+              <a:t>Microsoft.MetadirectoryServices.GetImportEntriesResults</a:t>
+            </a:r>
+            <a:endParaRPr lang="en-US" dirty="0"/>
+          </a:p>
+          <a:p>
+            <a:pPr lvl="1"/>
+            <a:r>
+              <a:rPr lang="en-US" dirty="0"/>
+              <a:t>End Import</a:t>
+            </a:r>
+          </a:p>
+          <a:p>
+            <a:r>
+              <a:rPr lang="en-US" dirty="0"/>
+              <a:t>Export</a:t>
+            </a:r>
+          </a:p>
+          <a:p>
+            <a:pPr lvl="1"/>
+            <a:r>
+              <a:rPr lang="en-US" dirty="0"/>
+              <a:t>Begin Export</a:t>
+            </a:r>
+          </a:p>
+          <a:p>
+            <a:pPr lvl="1"/>
+            <a:r>
+              <a:rPr lang="en-US" dirty="0"/>
+              <a:t>Export</a:t>
+            </a:r>
+          </a:p>
+          <a:p>
+            <a:pPr lvl="1"/>
+            <a:r>
+              <a:rPr lang="en-US" strike="sngStrike" dirty="0"/>
+              <a:t>End Export</a:t>
+            </a:r>
+          </a:p>
+        </p:txBody>
+      </p:sp>
+    </p:spTree>
+    <p:extLst>
+      <p:ext uri="{BB962C8B-B14F-4D97-AF65-F5344CB8AC3E}">
+        <p14:creationId xmlns:p14="http://schemas.microsoft.com/office/powerpoint/2010/main" val="4196436320"/>
+      </p:ext>
+    </p:extLst>
+  </p:cSld>
+  <p:clrMapOvr>
+    <a:masterClrMapping/>
+  </p:clrMapOvr>
+</p:sld>
+</file>
+
+<file path=ppt/slides/slide11.xml><?xml version="1.0" encoding="utf-8"?>
+<p:sld xmlns:a="http://schemas.openxmlformats.org/drawingml/2006/main" xmlns:r="http://schemas.openxmlformats.org/officeDocument/2006/relationships" xmlns:p="http://schemas.openxmlformats.org/presentationml/2006/main">
+  <p:cSld>
+    <p:spTree>
+      <p:nvGrpSpPr>
+        <p:cNvPr id="1" name=""/>
+        <p:cNvGrpSpPr/>
+        <p:nvPr/>
+      </p:nvGrpSpPr>
+      <p:grpSpPr>
+        <a:xfrm>
+          <a:off x="0" y="0"/>
+          <a:ext cx="0" cy="0"/>
+          <a:chOff x="0" y="0"/>
+          <a:chExt cx="0" cy="0"/>
+        </a:xfrm>
+      </p:grpSpPr>
+      <p:sp>
+        <p:nvSpPr>
+          <p:cNvPr id="2" name="Title 1">
+            <a:extLst>
+              <a:ext uri="{FF2B5EF4-FFF2-40B4-BE49-F238E27FC236}">
+                <a16:creationId xmlns:a16="http://schemas.microsoft.com/office/drawing/2014/main" id="{0D335C1E-BCAB-44CB-93A0-4ACF86D18F09}"/>
+              </a:ext>
+            </a:extLst>
+          </p:cNvPr>
+          <p:cNvSpPr>
+            <a:spLocks noGrp="1"/>
+          </p:cNvSpPr>
+          <p:nvPr>
+            <p:ph type="title"/>
+          </p:nvPr>
+        </p:nvSpPr>
+        <p:spPr/>
+        <p:txBody>
+          <a:bodyPr/>
+          <a:lstStyle/>
+          <a:p>
+            <a:r>
+              <a:rPr lang="en-US" dirty="0"/>
+              <a:t>The Code Precautions</a:t>
+            </a:r>
+          </a:p>
+        </p:txBody>
+      </p:sp>
+      <p:sp>
+        <p:nvSpPr>
+          <p:cNvPr id="3" name="Content Placeholder 2">
+            <a:extLst>
+              <a:ext uri="{FF2B5EF4-FFF2-40B4-BE49-F238E27FC236}">
+                <a16:creationId xmlns:a16="http://schemas.microsoft.com/office/drawing/2014/main" id="{D030A08C-50E4-438A-BD17-FA6295D6181E}"/>
+              </a:ext>
+            </a:extLst>
+          </p:cNvPr>
+          <p:cNvSpPr>
+            <a:spLocks noGrp="1"/>
+          </p:cNvSpPr>
+          <p:nvPr>
+            <p:ph idx="1"/>
+          </p:nvPr>
+        </p:nvSpPr>
+        <p:spPr/>
+        <p:txBody>
+          <a:bodyPr/>
+          <a:lstStyle/>
+          <a:p>
+            <a:r>
+              <a:rPr lang="en-US" dirty="0"/>
+              <a:t>Keep the code clean</a:t>
+            </a:r>
+          </a:p>
+          <a:p>
+            <a:r>
+              <a:rPr lang="en-US" dirty="0"/>
+              <a:t>There is no interactive session, must log the output</a:t>
+            </a:r>
+          </a:p>
+          <a:p>
+            <a:r>
+              <a:rPr lang="en-US" dirty="0"/>
+              <a:t>Only output the defined object</a:t>
+            </a:r>
+          </a:p>
+          <a:p>
+            <a:r>
+              <a:rPr lang="en-US" dirty="0"/>
+              <a:t>Only output the defined object</a:t>
+            </a:r>
+          </a:p>
+          <a:p>
+            <a:r>
+              <a:rPr lang="en-US" dirty="0"/>
+              <a:t>Only output the defined object</a:t>
+            </a:r>
+          </a:p>
+        </p:txBody>
+      </p:sp>
+    </p:spTree>
+    <p:extLst>
+      <p:ext uri="{BB962C8B-B14F-4D97-AF65-F5344CB8AC3E}">
+        <p14:creationId xmlns:p14="http://schemas.microsoft.com/office/powerpoint/2010/main" val="2968422297"/>
+      </p:ext>
+    </p:extLst>
+  </p:cSld>
+  <p:clrMapOvr>
+    <a:masterClrMapping/>
+  </p:clrMapOvr>
+</p:sld>
+</file>
+
+<file path=ppt/slides/slide12.xml><?xml version="1.0" encoding="utf-8"?>
+<p:sld xmlns:a="http://schemas.openxmlformats.org/drawingml/2006/main" xmlns:r="http://schemas.openxmlformats.org/officeDocument/2006/relationships" xmlns:p="http://schemas.openxmlformats.org/presentationml/2006/main">
+  <p:cSld>
+    <p:spTree>
+      <p:nvGrpSpPr>
+        <p:cNvPr id="1" name=""/>
+        <p:cNvGrpSpPr/>
+        <p:nvPr/>
+      </p:nvGrpSpPr>
+      <p:grpSpPr>
+        <a:xfrm>
+          <a:off x="0" y="0"/>
+          <a:ext cx="0" cy="0"/>
+          <a:chOff x="0" y="0"/>
+          <a:chExt cx="0" cy="0"/>
+        </a:xfrm>
+      </p:grpSpPr>
+      <p:sp>
+        <p:nvSpPr>
           <p:cNvPr id="4" name="Title 3">
             <a:extLst>
               <a:ext uri="{FF2B5EF4-FFF2-40B4-BE49-F238E27FC236}">
@@ -4128,7 +4588,7 @@
           <a:p>
             <a:r>
               <a:rPr lang="en-US" dirty="0"/>
-              <a:t>Q &amp; A</a:t>
+              <a:t>The Code</a:t>
             </a:r>
           </a:p>
         </p:txBody>
@@ -4156,6 +4616,92 @@
           <a:p>
             <a:r>
               <a:rPr lang="en-US" dirty="0"/>
+              <a:t>Walkthrough</a:t>
+            </a:r>
+          </a:p>
+        </p:txBody>
+      </p:sp>
+    </p:spTree>
+    <p:extLst>
+      <p:ext uri="{BB962C8B-B14F-4D97-AF65-F5344CB8AC3E}">
+        <p14:creationId xmlns:p14="http://schemas.microsoft.com/office/powerpoint/2010/main" val="2822962964"/>
+      </p:ext>
+    </p:extLst>
+  </p:cSld>
+  <p:clrMapOvr>
+    <a:masterClrMapping/>
+  </p:clrMapOvr>
+</p:sld>
+</file>
+
+<file path=ppt/slides/slide13.xml><?xml version="1.0" encoding="utf-8"?>
+<p:sld xmlns:a="http://schemas.openxmlformats.org/drawingml/2006/main" xmlns:r="http://schemas.openxmlformats.org/officeDocument/2006/relationships" xmlns:p="http://schemas.openxmlformats.org/presentationml/2006/main">
+  <p:cSld>
+    <p:spTree>
+      <p:nvGrpSpPr>
+        <p:cNvPr id="1" name=""/>
+        <p:cNvGrpSpPr/>
+        <p:nvPr/>
+      </p:nvGrpSpPr>
+      <p:grpSpPr>
+        <a:xfrm>
+          <a:off x="0" y="0"/>
+          <a:ext cx="0" cy="0"/>
+          <a:chOff x="0" y="0"/>
+          <a:chExt cx="0" cy="0"/>
+        </a:xfrm>
+      </p:grpSpPr>
+      <p:sp>
+        <p:nvSpPr>
+          <p:cNvPr id="4" name="Title 3">
+            <a:extLst>
+              <a:ext uri="{FF2B5EF4-FFF2-40B4-BE49-F238E27FC236}">
+                <a16:creationId xmlns:a16="http://schemas.microsoft.com/office/drawing/2014/main" id="{8B8B80E8-709A-4125-8E38-4F6737A725FC}"/>
+              </a:ext>
+            </a:extLst>
+          </p:cNvPr>
+          <p:cNvSpPr>
+            <a:spLocks noGrp="1"/>
+          </p:cNvSpPr>
+          <p:nvPr>
+            <p:ph type="title"/>
+          </p:nvPr>
+        </p:nvSpPr>
+        <p:spPr/>
+        <p:txBody>
+          <a:bodyPr/>
+          <a:lstStyle/>
+          <a:p>
+            <a:r>
+              <a:rPr lang="en-US" dirty="0"/>
+              <a:t>Q &amp; A</a:t>
+            </a:r>
+          </a:p>
+        </p:txBody>
+      </p:sp>
+      <p:sp>
+        <p:nvSpPr>
+          <p:cNvPr id="5" name="Text Placeholder 4">
+            <a:extLst>
+              <a:ext uri="{FF2B5EF4-FFF2-40B4-BE49-F238E27FC236}">
+                <a16:creationId xmlns:a16="http://schemas.microsoft.com/office/drawing/2014/main" id="{CC48B849-432B-4185-9AB3-76E90FC77DF8}"/>
+              </a:ext>
+            </a:extLst>
+          </p:cNvPr>
+          <p:cNvSpPr>
+            <a:spLocks noGrp="1"/>
+          </p:cNvSpPr>
+          <p:nvPr>
+            <p:ph type="body" idx="1"/>
+          </p:nvPr>
+        </p:nvSpPr>
+        <p:spPr/>
+        <p:txBody>
+          <a:bodyPr/>
+          <a:lstStyle/>
+          <a:p>
+            <a:r>
+              <a:rPr lang="en-US" dirty="0"/>
               <a:t>Final Thoughts</a:t>
             </a:r>
           </a:p>
@@ -4165,6 +4711,129 @@
     <p:extLst>
       <p:ext uri="{BB962C8B-B14F-4D97-AF65-F5344CB8AC3E}">
         <p14:creationId xmlns:p14="http://schemas.microsoft.com/office/powerpoint/2010/main" val="2669879363"/>
+      </p:ext>
+    </p:extLst>
+  </p:cSld>
+  <p:clrMapOvr>
+    <a:masterClrMapping/>
+  </p:clrMapOvr>
+</p:sld>
+</file>
+
+<file path=ppt/slides/slide14.xml><?xml version="1.0" encoding="utf-8"?>
+<p:sld xmlns:a="http://schemas.openxmlformats.org/drawingml/2006/main" xmlns:r="http://schemas.openxmlformats.org/officeDocument/2006/relationships" xmlns:p="http://schemas.openxmlformats.org/presentationml/2006/main">
+  <p:cSld>
+    <p:spTree>
+      <p:nvGrpSpPr>
+        <p:cNvPr id="1" name=""/>
+        <p:cNvGrpSpPr/>
+        <p:nvPr/>
+      </p:nvGrpSpPr>
+      <p:grpSpPr>
+        <a:xfrm>
+          <a:off x="0" y="0"/>
+          <a:ext cx="0" cy="0"/>
+          <a:chOff x="0" y="0"/>
+          <a:chExt cx="0" cy="0"/>
+        </a:xfrm>
+      </p:grpSpPr>
+      <p:sp>
+        <p:nvSpPr>
+          <p:cNvPr id="4" name="Title 3">
+            <a:extLst>
+              <a:ext uri="{FF2B5EF4-FFF2-40B4-BE49-F238E27FC236}">
+                <a16:creationId xmlns:a16="http://schemas.microsoft.com/office/drawing/2014/main" id="{3841B736-9C94-4E7B-B041-5C5916F8EC66}"/>
+              </a:ext>
+            </a:extLst>
+          </p:cNvPr>
+          <p:cNvSpPr>
+            <a:spLocks noGrp="1"/>
+          </p:cNvSpPr>
+          <p:nvPr>
+            <p:ph type="title"/>
+          </p:nvPr>
+        </p:nvSpPr>
+        <p:spPr/>
+        <p:txBody>
+          <a:bodyPr/>
+          <a:lstStyle/>
+          <a:p>
+            <a:r>
+              <a:rPr lang="en-US" dirty="0"/>
+              <a:t>Example Use Cases</a:t>
+            </a:r>
+          </a:p>
+        </p:txBody>
+      </p:sp>
+      <p:sp>
+        <p:nvSpPr>
+          <p:cNvPr id="5" name="Content Placeholder 4">
+            <a:extLst>
+              <a:ext uri="{FF2B5EF4-FFF2-40B4-BE49-F238E27FC236}">
+                <a16:creationId xmlns:a16="http://schemas.microsoft.com/office/drawing/2014/main" id="{0FFA7B9E-E777-4510-967F-C8A6685B0ECB}"/>
+              </a:ext>
+            </a:extLst>
+          </p:cNvPr>
+          <p:cNvSpPr>
+            <a:spLocks noGrp="1"/>
+          </p:cNvSpPr>
+          <p:nvPr>
+            <p:ph idx="1"/>
+          </p:nvPr>
+        </p:nvSpPr>
+        <p:spPr/>
+        <p:txBody>
+          <a:bodyPr/>
+          <a:lstStyle/>
+          <a:p>
+            <a:r>
+              <a:rPr lang="en-US" dirty="0"/>
+              <a:t>Provision mailboxes</a:t>
+            </a:r>
+          </a:p>
+          <a:p>
+            <a:r>
+              <a:rPr lang="en-US" dirty="0"/>
+              <a:t>Licensing (although, avoid this in favor of Azure AD Group-based licensing)</a:t>
+            </a:r>
+          </a:p>
+          <a:p>
+            <a:r>
+              <a:rPr lang="en-US" dirty="0"/>
+              <a:t>Room lists</a:t>
+            </a:r>
+          </a:p>
+          <a:p>
+            <a:r>
+              <a:rPr lang="en-US" dirty="0"/>
+              <a:t>Deprovisioning users</a:t>
+            </a:r>
+          </a:p>
+          <a:p>
+            <a:r>
+              <a:rPr lang="en-US" dirty="0"/>
+              <a:t>Assigning policies, quotas, or other per-object configuration values</a:t>
+            </a:r>
+          </a:p>
+          <a:p>
+            <a:r>
+              <a:rPr lang="en-US" dirty="0"/>
+              <a:t>Use another system to tell MIM to take action (e.g. </a:t>
+            </a:r>
+            <a:r>
+              <a:rPr lang="en-US"/>
+              <a:t>Service Now)</a:t>
+            </a:r>
+          </a:p>
+          <a:p>
+            <a:endParaRPr lang="en-US" dirty="0"/>
+          </a:p>
+        </p:txBody>
+      </p:sp>
+    </p:spTree>
+    <p:extLst>
+      <p:ext uri="{BB962C8B-B14F-4D97-AF65-F5344CB8AC3E}">
+        <p14:creationId xmlns:p14="http://schemas.microsoft.com/office/powerpoint/2010/main" val="872100192"/>
       </p:ext>
     </p:extLst>
   </p:cSld>
@@ -4409,6 +5078,12 @@
             <a:r>
               <a:rPr lang="en-US" dirty="0"/>
               <a:t>Identity Lifecycle</a:t>
+            </a:r>
+          </a:p>
+          <a:p>
+            <a:r>
+              <a:rPr lang="en-US" dirty="0"/>
+              <a:t>MIM Overview</a:t>
             </a:r>
           </a:p>
           <a:p>
@@ -6044,7 +6719,7 @@
           <p:cNvPr id="2" name="Title 1">
             <a:extLst>
               <a:ext uri="{FF2B5EF4-FFF2-40B4-BE49-F238E27FC236}">
-                <a16:creationId xmlns:a16="http://schemas.microsoft.com/office/drawing/2014/main" id="{E39CFB81-5F71-4F09-9642-C07E1D45C212}"/>
+                <a16:creationId xmlns:a16="http://schemas.microsoft.com/office/drawing/2014/main" id="{0057CE15-A947-44B0-9C00-4B1638E98C00}"/>
               </a:ext>
             </a:extLst>
           </p:cNvPr>
@@ -6062,7 +6737,7 @@
           <a:p>
             <a:r>
               <a:rPr lang="en-US" dirty="0"/>
-              <a:t>Identity Lifecycle MIM</a:t>
+              <a:t>What is MIM?</a:t>
             </a:r>
           </a:p>
         </p:txBody>
@@ -6072,7 +6747,7 @@
           <p:cNvPr id="3" name="Content Placeholder 2">
             <a:extLst>
               <a:ext uri="{FF2B5EF4-FFF2-40B4-BE49-F238E27FC236}">
-                <a16:creationId xmlns:a16="http://schemas.microsoft.com/office/drawing/2014/main" id="{F1EE271F-C383-48B2-8FEF-8FDC8EBC55FA}"/>
+                <a16:creationId xmlns:a16="http://schemas.microsoft.com/office/drawing/2014/main" id="{460B617B-52E5-488F-8EC6-DB036FB65CF2}"/>
               </a:ext>
             </a:extLst>
           </p:cNvPr>
@@ -6088,926 +6763,55 @@
           <a:bodyPr/>
           <a:lstStyle/>
           <a:p>
-            <a:endParaRPr lang="en-US" dirty="0"/>
-          </a:p>
-        </p:txBody>
-      </p:sp>
-      <p:sp>
-        <p:nvSpPr>
-          <p:cNvPr id="5" name="Oval 4">
-            <a:extLst>
-              <a:ext uri="{FF2B5EF4-FFF2-40B4-BE49-F238E27FC236}">
-                <a16:creationId xmlns:a16="http://schemas.microsoft.com/office/drawing/2014/main" id="{921E8214-7998-44BA-AEF9-D86E44B57146}"/>
-              </a:ext>
-            </a:extLst>
-          </p:cNvPr>
-          <p:cNvSpPr/>
-          <p:nvPr/>
-        </p:nvSpPr>
-        <p:spPr>
-          <a:xfrm>
-            <a:off x="4395044" y="2285428"/>
-            <a:ext cx="3401914" cy="3401914"/>
-          </a:xfrm>
-          <a:prstGeom prst="ellipse">
-            <a:avLst/>
-          </a:prstGeom>
-          <a:solidFill>
-            <a:schemeClr val="bg2"/>
-          </a:solidFill>
-          <a:ln>
-            <a:solidFill>
-              <a:schemeClr val="tx1"/>
-            </a:solidFill>
-          </a:ln>
-        </p:spPr>
-        <p:style>
-          <a:lnRef idx="2">
-            <a:schemeClr val="accent1">
-              <a:shade val="50000"/>
-            </a:schemeClr>
-          </a:lnRef>
-          <a:fillRef idx="1">
-            <a:schemeClr val="accent1"/>
-          </a:fillRef>
-          <a:effectRef idx="0">
-            <a:schemeClr val="accent1"/>
-          </a:effectRef>
-          <a:fontRef idx="minor">
-            <a:schemeClr val="lt1"/>
-          </a:fontRef>
-        </p:style>
-        <p:txBody>
-          <a:bodyPr rtlCol="0" anchor="ctr"/>
-          <a:lstStyle/>
-          <a:p>
-            <a:pPr algn="ctr"/>
-            <a:endParaRPr lang="en-US" dirty="0"/>
-          </a:p>
-        </p:txBody>
-      </p:sp>
-      <p:sp>
-        <p:nvSpPr>
-          <p:cNvPr id="6" name="Partial Circle 5">
-            <a:extLst>
-              <a:ext uri="{FF2B5EF4-FFF2-40B4-BE49-F238E27FC236}">
-                <a16:creationId xmlns:a16="http://schemas.microsoft.com/office/drawing/2014/main" id="{DECB4689-FBB3-4C87-B47C-58D4913E7483}"/>
-              </a:ext>
-            </a:extLst>
-          </p:cNvPr>
-          <p:cNvSpPr/>
-          <p:nvPr/>
-        </p:nvSpPr>
-        <p:spPr>
-          <a:xfrm>
-            <a:off x="4395043" y="2286254"/>
-            <a:ext cx="3401914" cy="3401914"/>
-          </a:xfrm>
-          <a:prstGeom prst="pie">
-            <a:avLst>
-              <a:gd name="adj1" fmla="val 8263558"/>
-              <a:gd name="adj2" fmla="val 13714526"/>
-            </a:avLst>
-          </a:prstGeom>
-          <a:solidFill>
-            <a:schemeClr val="bg1"/>
-          </a:solidFill>
-          <a:ln>
-            <a:solidFill>
-              <a:schemeClr val="tx1"/>
-            </a:solidFill>
-          </a:ln>
-        </p:spPr>
-        <p:style>
-          <a:lnRef idx="2">
-            <a:schemeClr val="accent1">
-              <a:shade val="50000"/>
-            </a:schemeClr>
-          </a:lnRef>
-          <a:fillRef idx="1">
-            <a:schemeClr val="accent1"/>
-          </a:fillRef>
-          <a:effectRef idx="0">
-            <a:schemeClr val="accent1"/>
-          </a:effectRef>
-          <a:fontRef idx="minor">
-            <a:schemeClr val="lt1"/>
-          </a:fontRef>
-        </p:style>
-        <p:txBody>
-          <a:bodyPr rtlCol="0" anchor="ctr"/>
-          <a:lstStyle/>
-          <a:p>
-            <a:pPr algn="ctr"/>
-            <a:endParaRPr lang="en-US" dirty="0">
-              <a:solidFill>
-                <a:schemeClr val="tx1"/>
-              </a:solidFill>
-            </a:endParaRPr>
-          </a:p>
-        </p:txBody>
-      </p:sp>
-      <p:sp>
-        <p:nvSpPr>
-          <p:cNvPr id="7" name="Partial Circle 6">
-            <a:extLst>
-              <a:ext uri="{FF2B5EF4-FFF2-40B4-BE49-F238E27FC236}">
-                <a16:creationId xmlns:a16="http://schemas.microsoft.com/office/drawing/2014/main" id="{0D570903-921C-418B-A0BD-DEE94E2A4094}"/>
-              </a:ext>
-            </a:extLst>
-          </p:cNvPr>
-          <p:cNvSpPr/>
-          <p:nvPr/>
-        </p:nvSpPr>
-        <p:spPr>
-          <a:xfrm>
-            <a:off x="4395043" y="2284602"/>
-            <a:ext cx="3401914" cy="3401914"/>
-          </a:xfrm>
-          <a:prstGeom prst="pie">
-            <a:avLst>
-              <a:gd name="adj1" fmla="val 19004158"/>
-              <a:gd name="adj2" fmla="val 2862863"/>
-            </a:avLst>
-          </a:prstGeom>
-          <a:solidFill>
-            <a:schemeClr val="bg1"/>
-          </a:solidFill>
-          <a:ln>
-            <a:solidFill>
-              <a:schemeClr val="tx1"/>
-            </a:solidFill>
-          </a:ln>
-        </p:spPr>
-        <p:style>
-          <a:lnRef idx="2">
-            <a:schemeClr val="accent1">
-              <a:shade val="50000"/>
-            </a:schemeClr>
-          </a:lnRef>
-          <a:fillRef idx="1">
-            <a:schemeClr val="accent1"/>
-          </a:fillRef>
-          <a:effectRef idx="0">
-            <a:schemeClr val="accent1"/>
-          </a:effectRef>
-          <a:fontRef idx="minor">
-            <a:schemeClr val="lt1"/>
-          </a:fontRef>
-        </p:style>
-        <p:txBody>
-          <a:bodyPr rtlCol="0" anchor="ctr"/>
-          <a:lstStyle/>
-          <a:p>
-            <a:pPr algn="ctr"/>
-            <a:endParaRPr lang="en-US" dirty="0">
-              <a:solidFill>
-                <a:schemeClr val="tx1"/>
-              </a:solidFill>
-            </a:endParaRPr>
-          </a:p>
-        </p:txBody>
-      </p:sp>
-      <p:sp>
-        <p:nvSpPr>
-          <p:cNvPr id="8" name="Oval 7">
-            <a:extLst>
-              <a:ext uri="{FF2B5EF4-FFF2-40B4-BE49-F238E27FC236}">
-                <a16:creationId xmlns:a16="http://schemas.microsoft.com/office/drawing/2014/main" id="{68FD2428-8490-48C4-9A53-FF2C3D6F227E}"/>
-              </a:ext>
-            </a:extLst>
-          </p:cNvPr>
-          <p:cNvSpPr/>
-          <p:nvPr/>
-        </p:nvSpPr>
-        <p:spPr>
-          <a:xfrm>
-            <a:off x="5107929" y="2998313"/>
-            <a:ext cx="1976144" cy="1976144"/>
-          </a:xfrm>
-          <a:prstGeom prst="ellipse">
-            <a:avLst/>
-          </a:prstGeom>
-          <a:solidFill>
-            <a:schemeClr val="tx1">
-              <a:lumMod val="50000"/>
-              <a:lumOff val="50000"/>
-            </a:schemeClr>
-          </a:solidFill>
-          <a:ln>
-            <a:solidFill>
-              <a:schemeClr val="tx1"/>
-            </a:solidFill>
-          </a:ln>
-        </p:spPr>
-        <p:style>
-          <a:lnRef idx="2">
-            <a:schemeClr val="accent1">
-              <a:shade val="50000"/>
-            </a:schemeClr>
-          </a:lnRef>
-          <a:fillRef idx="1">
-            <a:schemeClr val="accent1"/>
-          </a:fillRef>
-          <a:effectRef idx="0">
-            <a:schemeClr val="accent1"/>
-          </a:effectRef>
-          <a:fontRef idx="minor">
-            <a:schemeClr val="lt1"/>
-          </a:fontRef>
-        </p:style>
-        <p:txBody>
-          <a:bodyPr rtlCol="0" anchor="ctr"/>
-          <a:lstStyle/>
-          <a:p>
-            <a:pPr algn="ctr"/>
-            <a:r>
-              <a:rPr lang="en-US" dirty="0"/>
-              <a:t>Metaverse</a:t>
-            </a:r>
-          </a:p>
-        </p:txBody>
-      </p:sp>
-      <p:sp>
-        <p:nvSpPr>
-          <p:cNvPr id="9" name="TextBox 8">
-            <a:extLst>
-              <a:ext uri="{FF2B5EF4-FFF2-40B4-BE49-F238E27FC236}">
-                <a16:creationId xmlns:a16="http://schemas.microsoft.com/office/drawing/2014/main" id="{2D58283E-609A-4DC3-9B2A-37EE1CD558F1}"/>
-              </a:ext>
-            </a:extLst>
-          </p:cNvPr>
-          <p:cNvSpPr txBox="1"/>
-          <p:nvPr/>
-        </p:nvSpPr>
-        <p:spPr>
-          <a:xfrm>
-            <a:off x="5097094" y="5738793"/>
-            <a:ext cx="1997812" cy="369332"/>
-          </a:xfrm>
-          <a:prstGeom prst="rect">
-            <a:avLst/>
-          </a:prstGeom>
-          <a:noFill/>
-        </p:spPr>
-        <p:txBody>
-          <a:bodyPr wrap="square" rtlCol="0">
-            <a:spAutoFit/>
-          </a:bodyPr>
-          <a:lstStyle/>
-          <a:p>
-            <a:r>
-              <a:rPr lang="en-US" dirty="0"/>
-              <a:t>MIM SQL Database</a:t>
-            </a:r>
-          </a:p>
-        </p:txBody>
-      </p:sp>
-      <p:sp>
-        <p:nvSpPr>
-          <p:cNvPr id="10" name="TextBox 9">
-            <a:extLst>
-              <a:ext uri="{FF2B5EF4-FFF2-40B4-BE49-F238E27FC236}">
-                <a16:creationId xmlns:a16="http://schemas.microsoft.com/office/drawing/2014/main" id="{122F554C-84DF-417D-BAD6-1DC587F91484}"/>
-              </a:ext>
-            </a:extLst>
-          </p:cNvPr>
-          <p:cNvSpPr txBox="1"/>
-          <p:nvPr/>
-        </p:nvSpPr>
-        <p:spPr>
-          <a:xfrm>
-            <a:off x="4384275" y="3410849"/>
-            <a:ext cx="738664" cy="1152907"/>
-          </a:xfrm>
-          <a:prstGeom prst="rect">
-            <a:avLst/>
-          </a:prstGeom>
-          <a:noFill/>
-        </p:spPr>
-        <p:txBody>
-          <a:bodyPr vert="vert270" wrap="square" rtlCol="0" anchor="ctr" anchorCtr="1">
-            <a:spAutoFit/>
-          </a:bodyPr>
-          <a:lstStyle/>
-          <a:p>
-            <a:pPr algn="ctr"/>
-            <a:r>
-              <a:rPr lang="en-US" dirty="0"/>
-              <a:t>Connector Space</a:t>
-            </a:r>
-          </a:p>
-        </p:txBody>
-      </p:sp>
-      <p:sp>
-        <p:nvSpPr>
-          <p:cNvPr id="11" name="TextBox 10">
-            <a:extLst>
-              <a:ext uri="{FF2B5EF4-FFF2-40B4-BE49-F238E27FC236}">
-                <a16:creationId xmlns:a16="http://schemas.microsoft.com/office/drawing/2014/main" id="{9C10F8AA-6E2F-44B3-81E7-A482B906208F}"/>
-              </a:ext>
-            </a:extLst>
-          </p:cNvPr>
-          <p:cNvSpPr txBox="1"/>
-          <p:nvPr/>
-        </p:nvSpPr>
-        <p:spPr>
-          <a:xfrm rot="10800000">
-            <a:off x="7071183" y="3422993"/>
-            <a:ext cx="738664" cy="1152907"/>
-          </a:xfrm>
-          <a:prstGeom prst="rect">
-            <a:avLst/>
-          </a:prstGeom>
-          <a:noFill/>
-        </p:spPr>
-        <p:txBody>
-          <a:bodyPr vert="vert270" wrap="square" rtlCol="0" anchor="ctr" anchorCtr="1">
-            <a:spAutoFit/>
-          </a:bodyPr>
-          <a:lstStyle/>
-          <a:p>
-            <a:pPr algn="ctr"/>
-            <a:r>
-              <a:rPr lang="en-US" dirty="0"/>
-              <a:t>Connector Space</a:t>
-            </a:r>
-          </a:p>
-        </p:txBody>
-      </p:sp>
-      <p:sp>
-        <p:nvSpPr>
-          <p:cNvPr id="12" name="Rectangle 11">
-            <a:extLst>
-              <a:ext uri="{FF2B5EF4-FFF2-40B4-BE49-F238E27FC236}">
-                <a16:creationId xmlns:a16="http://schemas.microsoft.com/office/drawing/2014/main" id="{321A9786-8073-464D-9226-278D52E076C4}"/>
-              </a:ext>
-            </a:extLst>
-          </p:cNvPr>
-          <p:cNvSpPr/>
-          <p:nvPr/>
-        </p:nvSpPr>
-        <p:spPr>
-          <a:xfrm>
-            <a:off x="1500555" y="3313389"/>
-            <a:ext cx="1253120" cy="1348487"/>
-          </a:xfrm>
-          <a:prstGeom prst="rect">
-            <a:avLst/>
-          </a:prstGeom>
-          <a:solidFill>
-            <a:schemeClr val="tx1"/>
-          </a:solidFill>
-          <a:ln>
-            <a:solidFill>
-              <a:schemeClr val="tx1"/>
-            </a:solidFill>
-          </a:ln>
-        </p:spPr>
-        <p:style>
-          <a:lnRef idx="2">
-            <a:schemeClr val="accent1">
-              <a:shade val="50000"/>
-            </a:schemeClr>
-          </a:lnRef>
-          <a:fillRef idx="1">
-            <a:schemeClr val="accent1"/>
-          </a:fillRef>
-          <a:effectRef idx="0">
-            <a:schemeClr val="accent1"/>
-          </a:effectRef>
-          <a:fontRef idx="minor">
-            <a:schemeClr val="lt1"/>
-          </a:fontRef>
-        </p:style>
-        <p:txBody>
-          <a:bodyPr rtlCol="0" anchor="ctr"/>
-          <a:lstStyle/>
-          <a:p>
-            <a:pPr algn="ctr"/>
-            <a:r>
-              <a:rPr lang="en-US" dirty="0"/>
-              <a:t>Connected Data Source</a:t>
-            </a:r>
-          </a:p>
-        </p:txBody>
-      </p:sp>
-      <p:sp>
-        <p:nvSpPr>
-          <p:cNvPr id="13" name="Rectangle 12">
-            <a:extLst>
-              <a:ext uri="{FF2B5EF4-FFF2-40B4-BE49-F238E27FC236}">
-                <a16:creationId xmlns:a16="http://schemas.microsoft.com/office/drawing/2014/main" id="{D8F08C47-0246-4F6E-983D-EF97D804920D}"/>
-              </a:ext>
-            </a:extLst>
-          </p:cNvPr>
-          <p:cNvSpPr/>
-          <p:nvPr/>
-        </p:nvSpPr>
-        <p:spPr>
-          <a:xfrm>
-            <a:off x="9449920" y="3313388"/>
-            <a:ext cx="1315772" cy="1282053"/>
-          </a:xfrm>
-          <a:prstGeom prst="rect">
-            <a:avLst/>
-          </a:prstGeom>
-          <a:solidFill>
-            <a:schemeClr val="tx1"/>
-          </a:solidFill>
-          <a:ln>
-            <a:solidFill>
-              <a:schemeClr val="tx1"/>
-            </a:solidFill>
-          </a:ln>
-        </p:spPr>
-        <p:style>
-          <a:lnRef idx="2">
-            <a:schemeClr val="accent1">
-              <a:shade val="50000"/>
-            </a:schemeClr>
-          </a:lnRef>
-          <a:fillRef idx="1">
-            <a:schemeClr val="accent1"/>
-          </a:fillRef>
-          <a:effectRef idx="0">
-            <a:schemeClr val="accent1"/>
-          </a:effectRef>
-          <a:fontRef idx="minor">
-            <a:schemeClr val="lt1"/>
-          </a:fontRef>
-        </p:style>
-        <p:txBody>
-          <a:bodyPr rtlCol="0" anchor="ctr"/>
-          <a:lstStyle/>
-          <a:p>
-            <a:pPr algn="ctr"/>
-            <a:r>
-              <a:rPr lang="en-US" dirty="0"/>
-              <a:t>Connected Data Source</a:t>
-            </a:r>
-          </a:p>
-        </p:txBody>
-      </p:sp>
-      <p:cxnSp>
-        <p:nvCxnSpPr>
-          <p:cNvPr id="14" name="Straight Arrow Connector 13">
-            <a:extLst>
-              <a:ext uri="{FF2B5EF4-FFF2-40B4-BE49-F238E27FC236}">
-                <a16:creationId xmlns:a16="http://schemas.microsoft.com/office/drawing/2014/main" id="{C5AD2929-4F08-4AA1-BEF5-8D97774C8F1A}"/>
-              </a:ext>
-            </a:extLst>
-          </p:cNvPr>
-          <p:cNvCxnSpPr/>
-          <p:nvPr/>
-        </p:nvCxnSpPr>
-        <p:spPr>
-          <a:xfrm>
-            <a:off x="2753674" y="3756991"/>
-            <a:ext cx="1630601" cy="0"/>
-          </a:xfrm>
-          <a:prstGeom prst="straightConnector1">
-            <a:avLst/>
-          </a:prstGeom>
-          <a:ln>
-            <a:headEnd type="oval"/>
-            <a:tailEnd type="triangle"/>
-          </a:ln>
-        </p:spPr>
-        <p:style>
-          <a:lnRef idx="1">
-            <a:schemeClr val="accent1"/>
-          </a:lnRef>
-          <a:fillRef idx="0">
-            <a:schemeClr val="accent1"/>
-          </a:fillRef>
-          <a:effectRef idx="0">
-            <a:schemeClr val="accent1"/>
-          </a:effectRef>
-          <a:fontRef idx="minor">
-            <a:schemeClr val="tx1"/>
-          </a:fontRef>
-        </p:style>
-      </p:cxnSp>
-      <p:cxnSp>
-        <p:nvCxnSpPr>
-          <p:cNvPr id="15" name="Straight Arrow Connector 14">
-            <a:extLst>
-              <a:ext uri="{FF2B5EF4-FFF2-40B4-BE49-F238E27FC236}">
-                <a16:creationId xmlns:a16="http://schemas.microsoft.com/office/drawing/2014/main" id="{900D154B-0244-46A2-AA8D-FDB82F2A16D3}"/>
-              </a:ext>
-            </a:extLst>
-          </p:cNvPr>
-          <p:cNvCxnSpPr>
-            <a:cxnSpLocks/>
-            <a:stCxn id="12" idx="3"/>
-          </p:cNvCxnSpPr>
-          <p:nvPr/>
-        </p:nvCxnSpPr>
-        <p:spPr>
-          <a:xfrm flipV="1">
-            <a:off x="2753675" y="3985297"/>
-            <a:ext cx="1630600" cy="2336"/>
-          </a:xfrm>
-          <a:prstGeom prst="straightConnector1">
-            <a:avLst/>
-          </a:prstGeom>
-          <a:ln>
-            <a:headEnd type="oval"/>
-            <a:tailEnd type="triangle"/>
-          </a:ln>
-        </p:spPr>
-        <p:style>
-          <a:lnRef idx="1">
-            <a:schemeClr val="accent1"/>
-          </a:lnRef>
-          <a:fillRef idx="0">
-            <a:schemeClr val="accent1"/>
-          </a:fillRef>
-          <a:effectRef idx="0">
-            <a:schemeClr val="accent1"/>
-          </a:effectRef>
-          <a:fontRef idx="minor">
-            <a:schemeClr val="tx1"/>
-          </a:fontRef>
-        </p:style>
-      </p:cxnSp>
-      <p:cxnSp>
-        <p:nvCxnSpPr>
-          <p:cNvPr id="16" name="Straight Arrow Connector 15">
-            <a:extLst>
-              <a:ext uri="{FF2B5EF4-FFF2-40B4-BE49-F238E27FC236}">
-                <a16:creationId xmlns:a16="http://schemas.microsoft.com/office/drawing/2014/main" id="{1072A792-7910-455D-AF25-2DEF49F4DAD5}"/>
-              </a:ext>
-            </a:extLst>
-          </p:cNvPr>
-          <p:cNvCxnSpPr>
-            <a:cxnSpLocks/>
-          </p:cNvCxnSpPr>
-          <p:nvPr/>
-        </p:nvCxnSpPr>
-        <p:spPr>
-          <a:xfrm flipH="1" flipV="1">
-            <a:off x="2740786" y="4213604"/>
-            <a:ext cx="1630600" cy="1656"/>
-          </a:xfrm>
-          <a:prstGeom prst="straightConnector1">
-            <a:avLst/>
-          </a:prstGeom>
-          <a:ln>
-            <a:headEnd type="oval"/>
-            <a:tailEnd type="triangle"/>
-          </a:ln>
-        </p:spPr>
-        <p:style>
-          <a:lnRef idx="1">
-            <a:schemeClr val="accent1"/>
-          </a:lnRef>
-          <a:fillRef idx="0">
-            <a:schemeClr val="accent1"/>
-          </a:fillRef>
-          <a:effectRef idx="0">
-            <a:schemeClr val="accent1"/>
-          </a:effectRef>
-          <a:fontRef idx="minor">
-            <a:schemeClr val="tx1"/>
-          </a:fontRef>
-        </p:style>
-      </p:cxnSp>
-      <p:sp>
-        <p:nvSpPr>
-          <p:cNvPr id="17" name="TextBox 16">
-            <a:extLst>
-              <a:ext uri="{FF2B5EF4-FFF2-40B4-BE49-F238E27FC236}">
-                <a16:creationId xmlns:a16="http://schemas.microsoft.com/office/drawing/2014/main" id="{35A85B92-AC29-47C8-8ACF-3C390FA24B85}"/>
-              </a:ext>
-            </a:extLst>
-          </p:cNvPr>
-          <p:cNvSpPr txBox="1"/>
-          <p:nvPr/>
-        </p:nvSpPr>
-        <p:spPr>
-          <a:xfrm>
-            <a:off x="3086151" y="3552653"/>
-            <a:ext cx="839857" cy="369332"/>
-          </a:xfrm>
-          <a:prstGeom prst="rect">
-            <a:avLst/>
-          </a:prstGeom>
-          <a:noFill/>
-          <a:ln>
-            <a:noFill/>
-          </a:ln>
-        </p:spPr>
-        <p:txBody>
-          <a:bodyPr wrap="square" rtlCol="0">
-            <a:spAutoFit/>
-          </a:bodyPr>
-          <a:lstStyle/>
-          <a:p>
-            <a:r>
-              <a:rPr lang="en-US" dirty="0"/>
-              <a:t>Import</a:t>
-            </a:r>
-          </a:p>
-        </p:txBody>
-      </p:sp>
-      <p:sp>
-        <p:nvSpPr>
-          <p:cNvPr id="18" name="TextBox 17">
-            <a:extLst>
-              <a:ext uri="{FF2B5EF4-FFF2-40B4-BE49-F238E27FC236}">
-                <a16:creationId xmlns:a16="http://schemas.microsoft.com/office/drawing/2014/main" id="{2E13F6CA-7E3D-488A-A756-AEDA88092CE3}"/>
-              </a:ext>
-            </a:extLst>
-          </p:cNvPr>
-          <p:cNvSpPr txBox="1"/>
-          <p:nvPr/>
-        </p:nvSpPr>
-        <p:spPr>
-          <a:xfrm>
-            <a:off x="3181635" y="3780958"/>
-            <a:ext cx="648888" cy="369332"/>
-          </a:xfrm>
-          <a:prstGeom prst="rect">
-            <a:avLst/>
-          </a:prstGeom>
-          <a:noFill/>
-        </p:spPr>
-        <p:txBody>
-          <a:bodyPr wrap="square" rtlCol="0">
-            <a:spAutoFit/>
-          </a:bodyPr>
-          <a:lstStyle/>
-          <a:p>
-            <a:r>
-              <a:rPr lang="en-US" dirty="0"/>
-              <a:t>Sync</a:t>
-            </a:r>
-          </a:p>
-        </p:txBody>
-      </p:sp>
-      <p:sp>
-        <p:nvSpPr>
-          <p:cNvPr id="19" name="TextBox 18">
-            <a:extLst>
-              <a:ext uri="{FF2B5EF4-FFF2-40B4-BE49-F238E27FC236}">
-                <a16:creationId xmlns:a16="http://schemas.microsoft.com/office/drawing/2014/main" id="{190B868E-B521-49F5-AA80-B03950D14409}"/>
-              </a:ext>
-            </a:extLst>
-          </p:cNvPr>
-          <p:cNvSpPr txBox="1"/>
-          <p:nvPr/>
-        </p:nvSpPr>
-        <p:spPr>
-          <a:xfrm>
-            <a:off x="3107572" y="4008961"/>
-            <a:ext cx="797013" cy="369332"/>
-          </a:xfrm>
-          <a:prstGeom prst="rect">
-            <a:avLst/>
-          </a:prstGeom>
-          <a:noFill/>
-        </p:spPr>
-        <p:txBody>
-          <a:bodyPr wrap="none" rtlCol="0">
-            <a:spAutoFit/>
-          </a:bodyPr>
-          <a:lstStyle/>
-          <a:p>
-            <a:r>
-              <a:rPr lang="en-US" dirty="0"/>
-              <a:t>Export</a:t>
-            </a:r>
-          </a:p>
-        </p:txBody>
-      </p:sp>
-      <p:cxnSp>
-        <p:nvCxnSpPr>
-          <p:cNvPr id="20" name="Straight Arrow Connector 19">
-            <a:extLst>
-              <a:ext uri="{FF2B5EF4-FFF2-40B4-BE49-F238E27FC236}">
-                <a16:creationId xmlns:a16="http://schemas.microsoft.com/office/drawing/2014/main" id="{A8901A87-15E3-401C-BCF2-AC6606BB253B}"/>
-              </a:ext>
-            </a:extLst>
-          </p:cNvPr>
-          <p:cNvCxnSpPr/>
-          <p:nvPr/>
-        </p:nvCxnSpPr>
-        <p:spPr>
-          <a:xfrm>
-            <a:off x="7801132" y="3755339"/>
-            <a:ext cx="1630601" cy="0"/>
-          </a:xfrm>
-          <a:prstGeom prst="straightConnector1">
-            <a:avLst/>
-          </a:prstGeom>
-          <a:ln>
-            <a:headEnd type="triangle"/>
-            <a:tailEnd type="oval"/>
-          </a:ln>
-        </p:spPr>
-        <p:style>
-          <a:lnRef idx="1">
-            <a:schemeClr val="accent1"/>
-          </a:lnRef>
-          <a:fillRef idx="0">
-            <a:schemeClr val="accent1"/>
-          </a:fillRef>
-          <a:effectRef idx="0">
-            <a:schemeClr val="accent1"/>
-          </a:effectRef>
-          <a:fontRef idx="minor">
-            <a:schemeClr val="tx1"/>
-          </a:fontRef>
-        </p:style>
-      </p:cxnSp>
-      <p:cxnSp>
-        <p:nvCxnSpPr>
-          <p:cNvPr id="21" name="Straight Arrow Connector 20">
-            <a:extLst>
-              <a:ext uri="{FF2B5EF4-FFF2-40B4-BE49-F238E27FC236}">
-                <a16:creationId xmlns:a16="http://schemas.microsoft.com/office/drawing/2014/main" id="{58D60ECF-1468-4EC6-B83E-D742CF097A5B}"/>
-              </a:ext>
-            </a:extLst>
-          </p:cNvPr>
-          <p:cNvCxnSpPr/>
-          <p:nvPr/>
-        </p:nvCxnSpPr>
-        <p:spPr>
-          <a:xfrm flipV="1">
-            <a:off x="7801132" y="3983645"/>
-            <a:ext cx="1630601" cy="2"/>
-          </a:xfrm>
-          <a:prstGeom prst="straightConnector1">
-            <a:avLst/>
-          </a:prstGeom>
-          <a:ln>
-            <a:headEnd type="triangle"/>
-            <a:tailEnd type="oval"/>
-          </a:ln>
-        </p:spPr>
-        <p:style>
-          <a:lnRef idx="1">
-            <a:schemeClr val="accent1"/>
-          </a:lnRef>
-          <a:fillRef idx="0">
-            <a:schemeClr val="accent1"/>
-          </a:fillRef>
-          <a:effectRef idx="0">
-            <a:schemeClr val="accent1"/>
-          </a:effectRef>
-          <a:fontRef idx="minor">
-            <a:schemeClr val="tx1"/>
-          </a:fontRef>
-        </p:style>
-      </p:cxnSp>
-      <p:cxnSp>
-        <p:nvCxnSpPr>
-          <p:cNvPr id="22" name="Straight Arrow Connector 21">
-            <a:extLst>
-              <a:ext uri="{FF2B5EF4-FFF2-40B4-BE49-F238E27FC236}">
-                <a16:creationId xmlns:a16="http://schemas.microsoft.com/office/drawing/2014/main" id="{B1FCE29A-460D-4B91-84C8-F9BEAEDBCCE7}"/>
-              </a:ext>
-            </a:extLst>
-          </p:cNvPr>
-          <p:cNvCxnSpPr>
-            <a:cxnSpLocks/>
-          </p:cNvCxnSpPr>
-          <p:nvPr/>
-        </p:nvCxnSpPr>
-        <p:spPr>
-          <a:xfrm flipH="1" flipV="1">
-            <a:off x="7837944" y="4211952"/>
-            <a:ext cx="1630600" cy="1656"/>
-          </a:xfrm>
-          <a:prstGeom prst="straightConnector1">
-            <a:avLst/>
-          </a:prstGeom>
-          <a:ln>
-            <a:headEnd type="triangle"/>
-            <a:tailEnd type="oval"/>
-          </a:ln>
-        </p:spPr>
-        <p:style>
-          <a:lnRef idx="1">
-            <a:schemeClr val="accent1"/>
-          </a:lnRef>
-          <a:fillRef idx="0">
-            <a:schemeClr val="accent1"/>
-          </a:fillRef>
-          <a:effectRef idx="0">
-            <a:schemeClr val="accent1"/>
-          </a:effectRef>
-          <a:fontRef idx="minor">
-            <a:schemeClr val="tx1"/>
-          </a:fontRef>
-        </p:style>
-      </p:cxnSp>
-      <p:sp>
-        <p:nvSpPr>
-          <p:cNvPr id="23" name="TextBox 22">
-            <a:extLst>
-              <a:ext uri="{FF2B5EF4-FFF2-40B4-BE49-F238E27FC236}">
-                <a16:creationId xmlns:a16="http://schemas.microsoft.com/office/drawing/2014/main" id="{B33C6A95-C60A-46EA-B4EE-F970607C9F47}"/>
-              </a:ext>
-            </a:extLst>
-          </p:cNvPr>
-          <p:cNvSpPr txBox="1"/>
-          <p:nvPr/>
-        </p:nvSpPr>
-        <p:spPr>
-          <a:xfrm>
-            <a:off x="8133609" y="3551001"/>
-            <a:ext cx="839857" cy="369332"/>
-          </a:xfrm>
-          <a:prstGeom prst="rect">
-            <a:avLst/>
-          </a:prstGeom>
-          <a:noFill/>
-          <a:ln>
-            <a:noFill/>
-          </a:ln>
-        </p:spPr>
-        <p:txBody>
-          <a:bodyPr wrap="square" rtlCol="0">
-            <a:spAutoFit/>
-          </a:bodyPr>
-          <a:lstStyle/>
-          <a:p>
-            <a:r>
-              <a:rPr lang="en-US" dirty="0"/>
-              <a:t>Import</a:t>
-            </a:r>
-          </a:p>
-        </p:txBody>
-      </p:sp>
-      <p:sp>
-        <p:nvSpPr>
-          <p:cNvPr id="24" name="TextBox 23">
-            <a:extLst>
-              <a:ext uri="{FF2B5EF4-FFF2-40B4-BE49-F238E27FC236}">
-                <a16:creationId xmlns:a16="http://schemas.microsoft.com/office/drawing/2014/main" id="{A81E538A-4124-4451-9DFE-911CD358ED3E}"/>
-              </a:ext>
-            </a:extLst>
-          </p:cNvPr>
-          <p:cNvSpPr txBox="1"/>
-          <p:nvPr/>
-        </p:nvSpPr>
-        <p:spPr>
-          <a:xfrm>
-            <a:off x="8229093" y="3779306"/>
-            <a:ext cx="648888" cy="369332"/>
-          </a:xfrm>
-          <a:prstGeom prst="rect">
-            <a:avLst/>
-          </a:prstGeom>
-          <a:noFill/>
-        </p:spPr>
-        <p:txBody>
-          <a:bodyPr wrap="square" rtlCol="0">
-            <a:spAutoFit/>
-          </a:bodyPr>
-          <a:lstStyle/>
-          <a:p>
-            <a:r>
-              <a:rPr lang="en-US" dirty="0"/>
-              <a:t>Sync</a:t>
-            </a:r>
-          </a:p>
-        </p:txBody>
-      </p:sp>
-      <p:sp>
-        <p:nvSpPr>
-          <p:cNvPr id="25" name="TextBox 24">
-            <a:extLst>
-              <a:ext uri="{FF2B5EF4-FFF2-40B4-BE49-F238E27FC236}">
-                <a16:creationId xmlns:a16="http://schemas.microsoft.com/office/drawing/2014/main" id="{64060C51-D3D4-4227-9CD8-75DF58E50405}"/>
-              </a:ext>
-            </a:extLst>
-          </p:cNvPr>
-          <p:cNvSpPr txBox="1"/>
-          <p:nvPr/>
-        </p:nvSpPr>
-        <p:spPr>
-          <a:xfrm>
-            <a:off x="8155030" y="4007309"/>
-            <a:ext cx="797013" cy="369332"/>
-          </a:xfrm>
-          <a:prstGeom prst="rect">
-            <a:avLst/>
-          </a:prstGeom>
-          <a:noFill/>
-        </p:spPr>
-        <p:txBody>
-          <a:bodyPr wrap="none" rtlCol="0">
-            <a:spAutoFit/>
-          </a:bodyPr>
-          <a:lstStyle/>
-          <a:p>
-            <a:r>
-              <a:rPr lang="en-US" dirty="0"/>
-              <a:t>Export</a:t>
+            <a:r>
+              <a:rPr lang="en-US" dirty="0"/>
+              <a:t>Originally known as </a:t>
+            </a:r>
+            <a:r>
+              <a:rPr lang="en-US" dirty="0" err="1"/>
+              <a:t>ZoomIt</a:t>
+            </a:r>
+            <a:r>
+              <a:rPr lang="en-US" dirty="0"/>
+              <a:t> Via, acquired by Microsoft in 1999</a:t>
+            </a:r>
+          </a:p>
+          <a:p>
+            <a:r>
+              <a:rPr lang="en-US" dirty="0"/>
+              <a:t>Rebranded as Microsoft </a:t>
+            </a:r>
+            <a:r>
+              <a:rPr lang="en-US" dirty="0" err="1"/>
+              <a:t>Metadirectory</a:t>
+            </a:r>
+            <a:r>
+              <a:rPr lang="en-US" dirty="0"/>
+              <a:t> Server, used by MCS, in 1999</a:t>
+            </a:r>
+          </a:p>
+          <a:p>
+            <a:r>
+              <a:rPr lang="en-US" dirty="0"/>
+              <a:t>Completely rewritten and renamed to Microsoft Identity Integration Server, in 2003 (current Sync Service)</a:t>
+            </a:r>
+          </a:p>
+          <a:p>
+            <a:r>
+              <a:rPr lang="en-US" dirty="0"/>
+              <a:t>Certificate Management added on, rebranded to Identity Lifecycle Manager, in 2007</a:t>
+            </a:r>
+          </a:p>
+          <a:p>
+            <a:r>
+              <a:rPr lang="en-US" dirty="0"/>
+              <a:t>SharePoint Portal bolted on for Group Management and Password Reset, rebranded to Forefront Identity Manager, in 2010</a:t>
+            </a:r>
+          </a:p>
+          <a:p>
+            <a:r>
+              <a:rPr lang="en-US" dirty="0"/>
+              <a:t>Minor updates and rebranded to Microsoft Identity Manager, in 2016</a:t>
             </a:r>
           </a:p>
         </p:txBody>
@@ -7015,7 +6819,7 @@
     </p:spTree>
     <p:extLst>
       <p:ext uri="{BB962C8B-B14F-4D97-AF65-F5344CB8AC3E}">
-        <p14:creationId xmlns:p14="http://schemas.microsoft.com/office/powerpoint/2010/main" val="1929211434"/>
+        <p14:creationId xmlns:p14="http://schemas.microsoft.com/office/powerpoint/2010/main" val="3485655515"/>
       </p:ext>
     </p:extLst>
   </p:cSld>
@@ -7047,7 +6851,7 @@
           <p:cNvPr id="2" name="Title 1">
             <a:extLst>
               <a:ext uri="{FF2B5EF4-FFF2-40B4-BE49-F238E27FC236}">
-                <a16:creationId xmlns:a16="http://schemas.microsoft.com/office/drawing/2014/main" id="{EE5D8F36-908F-4293-9EE6-F2B972A55219}"/>
+                <a16:creationId xmlns:a16="http://schemas.microsoft.com/office/drawing/2014/main" id="{24989F86-6B13-49A7-BD99-C58E02B277A2}"/>
               </a:ext>
             </a:extLst>
           </p:cNvPr>
@@ -7065,7 +6869,7 @@
           <a:p>
             <a:r>
               <a:rPr lang="en-US" dirty="0"/>
-              <a:t>The Code Structure</a:t>
+              <a:t>Where Have You Used MIM (and not realized it)?</a:t>
             </a:r>
           </a:p>
         </p:txBody>
@@ -7075,7 +6879,7 @@
           <p:cNvPr id="3" name="Content Placeholder 2">
             <a:extLst>
               <a:ext uri="{FF2B5EF4-FFF2-40B4-BE49-F238E27FC236}">
-                <a16:creationId xmlns:a16="http://schemas.microsoft.com/office/drawing/2014/main" id="{A8937EA4-2D23-403A-89A3-9085BFAF5F99}"/>
+                <a16:creationId xmlns:a16="http://schemas.microsoft.com/office/drawing/2014/main" id="{278AA52C-E611-48EF-8C01-74B6CD95E096}"/>
               </a:ext>
             </a:extLst>
           </p:cNvPr>
@@ -7088,120 +6892,49 @@
         </p:nvSpPr>
         <p:spPr/>
         <p:txBody>
-          <a:bodyPr>
-            <a:normAutofit fontScale="85000" lnSpcReduction="20000"/>
-          </a:bodyPr>
+          <a:bodyPr/>
           <a:lstStyle/>
           <a:p>
             <a:r>
               <a:rPr lang="en-US" dirty="0"/>
-              <a:t>Common module</a:t>
-            </a:r>
-          </a:p>
-          <a:p>
-            <a:r>
-              <a:rPr lang="en-US" dirty="0"/>
-              <a:t>Schema: </a:t>
+              <a:t>GAL Sync</a:t>
+            </a:r>
+          </a:p>
+          <a:p>
+            <a:r>
+              <a:rPr lang="en-US" dirty="0"/>
+              <a:t>Exchange Edge Subscription (</a:t>
             </a:r>
             <a:r>
               <a:rPr lang="en-US" dirty="0" err="1"/>
-              <a:t>Microsoft.MetadirectoryServices.Schema</a:t>
-            </a:r>
+              <a:t>EdgeSync</a:t>
+            </a:r>
+            <a:r>
+              <a:rPr lang="en-US" dirty="0"/>
+              <a:t>)</a:t>
+            </a:r>
+          </a:p>
+          <a:p>
+            <a:r>
+              <a:rPr lang="en-US" dirty="0"/>
+              <a:t>Azure AD Connect (formerly DirSync and Azure AD Sync)</a:t>
+            </a:r>
+          </a:p>
+          <a:p>
+            <a:r>
+              <a:rPr lang="en-US" dirty="0"/>
+              <a:t>Heavily utilized for automation in the backend of Office 365 services (Exchange Online, SharePoint Online, and Skype for Business Online are not accessing Azure AD, directly)</a:t>
+            </a:r>
+          </a:p>
+          <a:p>
             <a:endParaRPr lang="en-US" dirty="0"/>
-          </a:p>
-          <a:p>
-            <a:r>
-              <a:rPr lang="en-US" dirty="0"/>
-              <a:t>Partition: List[</a:t>
-            </a:r>
-            <a:r>
-              <a:rPr lang="en-US" dirty="0" err="1"/>
-              <a:t>Microsoft.MetadirectoryServices.Partition</a:t>
-            </a:r>
-            <a:r>
-              <a:rPr lang="en-US" dirty="0"/>
-              <a:t>]</a:t>
-            </a:r>
-          </a:p>
-          <a:p>
-            <a:r>
-              <a:rPr lang="en-US" dirty="0"/>
-              <a:t>Hierarchy: List[</a:t>
-            </a:r>
-            <a:r>
-              <a:rPr lang="en-US" dirty="0" err="1"/>
-              <a:t>Microsoft.MetadirectoryServices.HierarchyNode</a:t>
-            </a:r>
-            <a:r>
-              <a:rPr lang="en-US" dirty="0"/>
-              <a:t>]</a:t>
-            </a:r>
-          </a:p>
-          <a:p>
-            <a:r>
-              <a:rPr lang="en-US" dirty="0"/>
-              <a:t>Import</a:t>
-            </a:r>
-          </a:p>
-          <a:p>
-            <a:pPr lvl="1"/>
-            <a:r>
-              <a:rPr lang="en-US" dirty="0"/>
-              <a:t>Begin Import</a:t>
-            </a:r>
-          </a:p>
-          <a:p>
-            <a:pPr lvl="1"/>
-            <a:r>
-              <a:rPr lang="en-US" dirty="0"/>
-              <a:t>Import: </a:t>
-            </a:r>
-            <a:r>
-              <a:rPr lang="en-US" dirty="0" err="1"/>
-              <a:t>Microsoft.MetadirectoryServices.GetImportEntriesResults</a:t>
-            </a:r>
-            <a:endParaRPr lang="en-US" dirty="0"/>
-          </a:p>
-          <a:p>
-            <a:pPr lvl="1"/>
-            <a:r>
-              <a:rPr lang="en-US" dirty="0"/>
-              <a:t>End Import</a:t>
-            </a:r>
-          </a:p>
-          <a:p>
-            <a:r>
-              <a:rPr lang="en-US" dirty="0"/>
-              <a:t>Export</a:t>
-            </a:r>
-          </a:p>
-          <a:p>
-            <a:pPr lvl="1"/>
-            <a:r>
-              <a:rPr lang="en-US" dirty="0"/>
-              <a:t>Begin Export</a:t>
-            </a:r>
-          </a:p>
-          <a:p>
-            <a:pPr lvl="1"/>
-            <a:r>
-              <a:rPr lang="en-US" dirty="0"/>
-              <a:t>Export</a:t>
-            </a:r>
-          </a:p>
-          <a:p>
-            <a:pPr lvl="1"/>
-            <a:r>
-              <a:rPr lang="en-US" strike="sngStrike" dirty="0"/>
-              <a:t>End Export</a:t>
-            </a:r>
           </a:p>
         </p:txBody>
       </p:sp>
     </p:spTree>
     <p:extLst>
       <p:ext uri="{BB962C8B-B14F-4D97-AF65-F5344CB8AC3E}">
-        <p14:creationId xmlns:p14="http://schemas.microsoft.com/office/powerpoint/2010/main" val="4196436320"/>
+        <p14:creationId xmlns:p14="http://schemas.microsoft.com/office/powerpoint/2010/main" val="3067552896"/>
       </p:ext>
     </p:extLst>
   </p:cSld>
@@ -7233,7 +6966,7 @@
           <p:cNvPr id="2" name="Title 1">
             <a:extLst>
               <a:ext uri="{FF2B5EF4-FFF2-40B4-BE49-F238E27FC236}">
-                <a16:creationId xmlns:a16="http://schemas.microsoft.com/office/drawing/2014/main" id="{0D335C1E-BCAB-44CB-93A0-4ACF86D18F09}"/>
+                <a16:creationId xmlns:a16="http://schemas.microsoft.com/office/drawing/2014/main" id="{E39CFB81-5F71-4F09-9642-C07E1D45C212}"/>
               </a:ext>
             </a:extLst>
           </p:cNvPr>
@@ -7251,7 +6984,7 @@
           <a:p>
             <a:r>
               <a:rPr lang="en-US" dirty="0"/>
-              <a:t>The Code Precautions</a:t>
+              <a:t>Identity Lifecycle MIM</a:t>
             </a:r>
           </a:p>
         </p:txBody>
@@ -7261,7 +6994,7 @@
           <p:cNvPr id="3" name="Content Placeholder 2">
             <a:extLst>
               <a:ext uri="{FF2B5EF4-FFF2-40B4-BE49-F238E27FC236}">
-                <a16:creationId xmlns:a16="http://schemas.microsoft.com/office/drawing/2014/main" id="{D030A08C-50E4-438A-BD17-FA6295D6181E}"/>
+                <a16:creationId xmlns:a16="http://schemas.microsoft.com/office/drawing/2014/main" id="{F1EE271F-C383-48B2-8FEF-8FDC8EBC55FA}"/>
               </a:ext>
             </a:extLst>
           </p:cNvPr>
@@ -7277,33 +7010,926 @@
           <a:bodyPr/>
           <a:lstStyle/>
           <a:p>
-            <a:r>
-              <a:rPr lang="en-US" dirty="0"/>
-              <a:t>Keep the code clean</a:t>
-            </a:r>
-          </a:p>
-          <a:p>
-            <a:r>
-              <a:rPr lang="en-US" dirty="0"/>
-              <a:t>There is no interactive session</a:t>
-            </a:r>
-          </a:p>
-          <a:p>
-            <a:r>
-              <a:rPr lang="en-US" dirty="0"/>
-              <a:t>Only output the defined object</a:t>
-            </a:r>
-          </a:p>
-          <a:p>
-            <a:r>
-              <a:rPr lang="en-US" dirty="0"/>
-              <a:t>Only output the defined object</a:t>
-            </a:r>
-          </a:p>
-          <a:p>
-            <a:r>
-              <a:rPr lang="en-US" dirty="0"/>
-              <a:t>Only output the defined object</a:t>
+            <a:endParaRPr lang="en-US" dirty="0"/>
+          </a:p>
+        </p:txBody>
+      </p:sp>
+      <p:sp>
+        <p:nvSpPr>
+          <p:cNvPr id="5" name="Oval 4">
+            <a:extLst>
+              <a:ext uri="{FF2B5EF4-FFF2-40B4-BE49-F238E27FC236}">
+                <a16:creationId xmlns:a16="http://schemas.microsoft.com/office/drawing/2014/main" id="{921E8214-7998-44BA-AEF9-D86E44B57146}"/>
+              </a:ext>
+            </a:extLst>
+          </p:cNvPr>
+          <p:cNvSpPr/>
+          <p:nvPr/>
+        </p:nvSpPr>
+        <p:spPr>
+          <a:xfrm>
+            <a:off x="4395044" y="2285428"/>
+            <a:ext cx="3401914" cy="3401914"/>
+          </a:xfrm>
+          <a:prstGeom prst="ellipse">
+            <a:avLst/>
+          </a:prstGeom>
+          <a:solidFill>
+            <a:schemeClr val="bg2"/>
+          </a:solidFill>
+          <a:ln>
+            <a:solidFill>
+              <a:schemeClr val="tx1"/>
+            </a:solidFill>
+          </a:ln>
+        </p:spPr>
+        <p:style>
+          <a:lnRef idx="2">
+            <a:schemeClr val="accent1">
+              <a:shade val="50000"/>
+            </a:schemeClr>
+          </a:lnRef>
+          <a:fillRef idx="1">
+            <a:schemeClr val="accent1"/>
+          </a:fillRef>
+          <a:effectRef idx="0">
+            <a:schemeClr val="accent1"/>
+          </a:effectRef>
+          <a:fontRef idx="minor">
+            <a:schemeClr val="lt1"/>
+          </a:fontRef>
+        </p:style>
+        <p:txBody>
+          <a:bodyPr rtlCol="0" anchor="ctr"/>
+          <a:lstStyle/>
+          <a:p>
+            <a:pPr algn="ctr"/>
+            <a:endParaRPr lang="en-US" dirty="0"/>
+          </a:p>
+        </p:txBody>
+      </p:sp>
+      <p:sp>
+        <p:nvSpPr>
+          <p:cNvPr id="6" name="Partial Circle 5">
+            <a:extLst>
+              <a:ext uri="{FF2B5EF4-FFF2-40B4-BE49-F238E27FC236}">
+                <a16:creationId xmlns:a16="http://schemas.microsoft.com/office/drawing/2014/main" id="{DECB4689-FBB3-4C87-B47C-58D4913E7483}"/>
+              </a:ext>
+            </a:extLst>
+          </p:cNvPr>
+          <p:cNvSpPr/>
+          <p:nvPr/>
+        </p:nvSpPr>
+        <p:spPr>
+          <a:xfrm>
+            <a:off x="4395043" y="2286254"/>
+            <a:ext cx="3401914" cy="3401914"/>
+          </a:xfrm>
+          <a:prstGeom prst="pie">
+            <a:avLst>
+              <a:gd name="adj1" fmla="val 8263558"/>
+              <a:gd name="adj2" fmla="val 13714526"/>
+            </a:avLst>
+          </a:prstGeom>
+          <a:solidFill>
+            <a:schemeClr val="bg1"/>
+          </a:solidFill>
+          <a:ln>
+            <a:solidFill>
+              <a:schemeClr val="tx1"/>
+            </a:solidFill>
+          </a:ln>
+        </p:spPr>
+        <p:style>
+          <a:lnRef idx="2">
+            <a:schemeClr val="accent1">
+              <a:shade val="50000"/>
+            </a:schemeClr>
+          </a:lnRef>
+          <a:fillRef idx="1">
+            <a:schemeClr val="accent1"/>
+          </a:fillRef>
+          <a:effectRef idx="0">
+            <a:schemeClr val="accent1"/>
+          </a:effectRef>
+          <a:fontRef idx="minor">
+            <a:schemeClr val="lt1"/>
+          </a:fontRef>
+        </p:style>
+        <p:txBody>
+          <a:bodyPr rtlCol="0" anchor="ctr"/>
+          <a:lstStyle/>
+          <a:p>
+            <a:pPr algn="ctr"/>
+            <a:endParaRPr lang="en-US" dirty="0">
+              <a:solidFill>
+                <a:schemeClr val="tx1"/>
+              </a:solidFill>
+            </a:endParaRPr>
+          </a:p>
+        </p:txBody>
+      </p:sp>
+      <p:sp>
+        <p:nvSpPr>
+          <p:cNvPr id="7" name="Partial Circle 6">
+            <a:extLst>
+              <a:ext uri="{FF2B5EF4-FFF2-40B4-BE49-F238E27FC236}">
+                <a16:creationId xmlns:a16="http://schemas.microsoft.com/office/drawing/2014/main" id="{0D570903-921C-418B-A0BD-DEE94E2A4094}"/>
+              </a:ext>
+            </a:extLst>
+          </p:cNvPr>
+          <p:cNvSpPr/>
+          <p:nvPr/>
+        </p:nvSpPr>
+        <p:spPr>
+          <a:xfrm>
+            <a:off x="4395043" y="2284602"/>
+            <a:ext cx="3401914" cy="3401914"/>
+          </a:xfrm>
+          <a:prstGeom prst="pie">
+            <a:avLst>
+              <a:gd name="adj1" fmla="val 19004158"/>
+              <a:gd name="adj2" fmla="val 2862863"/>
+            </a:avLst>
+          </a:prstGeom>
+          <a:solidFill>
+            <a:schemeClr val="bg1"/>
+          </a:solidFill>
+          <a:ln>
+            <a:solidFill>
+              <a:schemeClr val="tx1"/>
+            </a:solidFill>
+          </a:ln>
+        </p:spPr>
+        <p:style>
+          <a:lnRef idx="2">
+            <a:schemeClr val="accent1">
+              <a:shade val="50000"/>
+            </a:schemeClr>
+          </a:lnRef>
+          <a:fillRef idx="1">
+            <a:schemeClr val="accent1"/>
+          </a:fillRef>
+          <a:effectRef idx="0">
+            <a:schemeClr val="accent1"/>
+          </a:effectRef>
+          <a:fontRef idx="minor">
+            <a:schemeClr val="lt1"/>
+          </a:fontRef>
+        </p:style>
+        <p:txBody>
+          <a:bodyPr rtlCol="0" anchor="ctr"/>
+          <a:lstStyle/>
+          <a:p>
+            <a:pPr algn="ctr"/>
+            <a:endParaRPr lang="en-US" dirty="0">
+              <a:solidFill>
+                <a:schemeClr val="tx1"/>
+              </a:solidFill>
+            </a:endParaRPr>
+          </a:p>
+        </p:txBody>
+      </p:sp>
+      <p:sp>
+        <p:nvSpPr>
+          <p:cNvPr id="8" name="Oval 7">
+            <a:extLst>
+              <a:ext uri="{FF2B5EF4-FFF2-40B4-BE49-F238E27FC236}">
+                <a16:creationId xmlns:a16="http://schemas.microsoft.com/office/drawing/2014/main" id="{68FD2428-8490-48C4-9A53-FF2C3D6F227E}"/>
+              </a:ext>
+            </a:extLst>
+          </p:cNvPr>
+          <p:cNvSpPr/>
+          <p:nvPr/>
+        </p:nvSpPr>
+        <p:spPr>
+          <a:xfrm>
+            <a:off x="5107929" y="2998313"/>
+            <a:ext cx="1976144" cy="1976144"/>
+          </a:xfrm>
+          <a:prstGeom prst="ellipse">
+            <a:avLst/>
+          </a:prstGeom>
+          <a:solidFill>
+            <a:schemeClr val="tx1">
+              <a:lumMod val="50000"/>
+              <a:lumOff val="50000"/>
+            </a:schemeClr>
+          </a:solidFill>
+          <a:ln>
+            <a:solidFill>
+              <a:schemeClr val="tx1"/>
+            </a:solidFill>
+          </a:ln>
+        </p:spPr>
+        <p:style>
+          <a:lnRef idx="2">
+            <a:schemeClr val="accent1">
+              <a:shade val="50000"/>
+            </a:schemeClr>
+          </a:lnRef>
+          <a:fillRef idx="1">
+            <a:schemeClr val="accent1"/>
+          </a:fillRef>
+          <a:effectRef idx="0">
+            <a:schemeClr val="accent1"/>
+          </a:effectRef>
+          <a:fontRef idx="minor">
+            <a:schemeClr val="lt1"/>
+          </a:fontRef>
+        </p:style>
+        <p:txBody>
+          <a:bodyPr rtlCol="0" anchor="ctr"/>
+          <a:lstStyle/>
+          <a:p>
+            <a:pPr algn="ctr"/>
+            <a:r>
+              <a:rPr lang="en-US" dirty="0"/>
+              <a:t>Metaverse</a:t>
+            </a:r>
+          </a:p>
+        </p:txBody>
+      </p:sp>
+      <p:sp>
+        <p:nvSpPr>
+          <p:cNvPr id="9" name="TextBox 8">
+            <a:extLst>
+              <a:ext uri="{FF2B5EF4-FFF2-40B4-BE49-F238E27FC236}">
+                <a16:creationId xmlns:a16="http://schemas.microsoft.com/office/drawing/2014/main" id="{2D58283E-609A-4DC3-9B2A-37EE1CD558F1}"/>
+              </a:ext>
+            </a:extLst>
+          </p:cNvPr>
+          <p:cNvSpPr txBox="1"/>
+          <p:nvPr/>
+        </p:nvSpPr>
+        <p:spPr>
+          <a:xfrm>
+            <a:off x="5097094" y="5738793"/>
+            <a:ext cx="1997812" cy="369332"/>
+          </a:xfrm>
+          <a:prstGeom prst="rect">
+            <a:avLst/>
+          </a:prstGeom>
+          <a:noFill/>
+        </p:spPr>
+        <p:txBody>
+          <a:bodyPr wrap="square" rtlCol="0">
+            <a:spAutoFit/>
+          </a:bodyPr>
+          <a:lstStyle/>
+          <a:p>
+            <a:r>
+              <a:rPr lang="en-US" dirty="0"/>
+              <a:t>MIM SQL Database</a:t>
+            </a:r>
+          </a:p>
+        </p:txBody>
+      </p:sp>
+      <p:sp>
+        <p:nvSpPr>
+          <p:cNvPr id="10" name="TextBox 9">
+            <a:extLst>
+              <a:ext uri="{FF2B5EF4-FFF2-40B4-BE49-F238E27FC236}">
+                <a16:creationId xmlns:a16="http://schemas.microsoft.com/office/drawing/2014/main" id="{122F554C-84DF-417D-BAD6-1DC587F91484}"/>
+              </a:ext>
+            </a:extLst>
+          </p:cNvPr>
+          <p:cNvSpPr txBox="1"/>
+          <p:nvPr/>
+        </p:nvSpPr>
+        <p:spPr>
+          <a:xfrm>
+            <a:off x="4384275" y="3410849"/>
+            <a:ext cx="738664" cy="1152907"/>
+          </a:xfrm>
+          <a:prstGeom prst="rect">
+            <a:avLst/>
+          </a:prstGeom>
+          <a:noFill/>
+        </p:spPr>
+        <p:txBody>
+          <a:bodyPr vert="vert270" wrap="square" rtlCol="0" anchor="ctr" anchorCtr="1">
+            <a:spAutoFit/>
+          </a:bodyPr>
+          <a:lstStyle/>
+          <a:p>
+            <a:pPr algn="ctr"/>
+            <a:r>
+              <a:rPr lang="en-US" dirty="0"/>
+              <a:t>Connector Space</a:t>
+            </a:r>
+          </a:p>
+        </p:txBody>
+      </p:sp>
+      <p:sp>
+        <p:nvSpPr>
+          <p:cNvPr id="11" name="TextBox 10">
+            <a:extLst>
+              <a:ext uri="{FF2B5EF4-FFF2-40B4-BE49-F238E27FC236}">
+                <a16:creationId xmlns:a16="http://schemas.microsoft.com/office/drawing/2014/main" id="{9C10F8AA-6E2F-44B3-81E7-A482B906208F}"/>
+              </a:ext>
+            </a:extLst>
+          </p:cNvPr>
+          <p:cNvSpPr txBox="1"/>
+          <p:nvPr/>
+        </p:nvSpPr>
+        <p:spPr>
+          <a:xfrm rot="10800000">
+            <a:off x="7071183" y="3422993"/>
+            <a:ext cx="738664" cy="1152907"/>
+          </a:xfrm>
+          <a:prstGeom prst="rect">
+            <a:avLst/>
+          </a:prstGeom>
+          <a:noFill/>
+        </p:spPr>
+        <p:txBody>
+          <a:bodyPr vert="vert270" wrap="square" rtlCol="0" anchor="ctr" anchorCtr="1">
+            <a:spAutoFit/>
+          </a:bodyPr>
+          <a:lstStyle/>
+          <a:p>
+            <a:pPr algn="ctr"/>
+            <a:r>
+              <a:rPr lang="en-US" dirty="0"/>
+              <a:t>Connector Space</a:t>
+            </a:r>
+          </a:p>
+        </p:txBody>
+      </p:sp>
+      <p:sp>
+        <p:nvSpPr>
+          <p:cNvPr id="12" name="Rectangle 11">
+            <a:extLst>
+              <a:ext uri="{FF2B5EF4-FFF2-40B4-BE49-F238E27FC236}">
+                <a16:creationId xmlns:a16="http://schemas.microsoft.com/office/drawing/2014/main" id="{321A9786-8073-464D-9226-278D52E076C4}"/>
+              </a:ext>
+            </a:extLst>
+          </p:cNvPr>
+          <p:cNvSpPr/>
+          <p:nvPr/>
+        </p:nvSpPr>
+        <p:spPr>
+          <a:xfrm>
+            <a:off x="1500555" y="3313389"/>
+            <a:ext cx="1253120" cy="1348487"/>
+          </a:xfrm>
+          <a:prstGeom prst="rect">
+            <a:avLst/>
+          </a:prstGeom>
+          <a:solidFill>
+            <a:schemeClr val="tx1"/>
+          </a:solidFill>
+          <a:ln>
+            <a:solidFill>
+              <a:schemeClr val="tx1"/>
+            </a:solidFill>
+          </a:ln>
+        </p:spPr>
+        <p:style>
+          <a:lnRef idx="2">
+            <a:schemeClr val="accent1">
+              <a:shade val="50000"/>
+            </a:schemeClr>
+          </a:lnRef>
+          <a:fillRef idx="1">
+            <a:schemeClr val="accent1"/>
+          </a:fillRef>
+          <a:effectRef idx="0">
+            <a:schemeClr val="accent1"/>
+          </a:effectRef>
+          <a:fontRef idx="minor">
+            <a:schemeClr val="lt1"/>
+          </a:fontRef>
+        </p:style>
+        <p:txBody>
+          <a:bodyPr rtlCol="0" anchor="ctr"/>
+          <a:lstStyle/>
+          <a:p>
+            <a:pPr algn="ctr"/>
+            <a:r>
+              <a:rPr lang="en-US" dirty="0"/>
+              <a:t>Connected Data Source</a:t>
+            </a:r>
+          </a:p>
+        </p:txBody>
+      </p:sp>
+      <p:sp>
+        <p:nvSpPr>
+          <p:cNvPr id="13" name="Rectangle 12">
+            <a:extLst>
+              <a:ext uri="{FF2B5EF4-FFF2-40B4-BE49-F238E27FC236}">
+                <a16:creationId xmlns:a16="http://schemas.microsoft.com/office/drawing/2014/main" id="{D8F08C47-0246-4F6E-983D-EF97D804920D}"/>
+              </a:ext>
+            </a:extLst>
+          </p:cNvPr>
+          <p:cNvSpPr/>
+          <p:nvPr/>
+        </p:nvSpPr>
+        <p:spPr>
+          <a:xfrm>
+            <a:off x="9449920" y="3313388"/>
+            <a:ext cx="1315772" cy="1282053"/>
+          </a:xfrm>
+          <a:prstGeom prst="rect">
+            <a:avLst/>
+          </a:prstGeom>
+          <a:solidFill>
+            <a:schemeClr val="tx1"/>
+          </a:solidFill>
+          <a:ln>
+            <a:solidFill>
+              <a:schemeClr val="tx1"/>
+            </a:solidFill>
+          </a:ln>
+        </p:spPr>
+        <p:style>
+          <a:lnRef idx="2">
+            <a:schemeClr val="accent1">
+              <a:shade val="50000"/>
+            </a:schemeClr>
+          </a:lnRef>
+          <a:fillRef idx="1">
+            <a:schemeClr val="accent1"/>
+          </a:fillRef>
+          <a:effectRef idx="0">
+            <a:schemeClr val="accent1"/>
+          </a:effectRef>
+          <a:fontRef idx="minor">
+            <a:schemeClr val="lt1"/>
+          </a:fontRef>
+        </p:style>
+        <p:txBody>
+          <a:bodyPr rtlCol="0" anchor="ctr"/>
+          <a:lstStyle/>
+          <a:p>
+            <a:pPr algn="ctr"/>
+            <a:r>
+              <a:rPr lang="en-US" dirty="0"/>
+              <a:t>Connected Data Source</a:t>
+            </a:r>
+          </a:p>
+        </p:txBody>
+      </p:sp>
+      <p:cxnSp>
+        <p:nvCxnSpPr>
+          <p:cNvPr id="14" name="Straight Arrow Connector 13">
+            <a:extLst>
+              <a:ext uri="{FF2B5EF4-FFF2-40B4-BE49-F238E27FC236}">
+                <a16:creationId xmlns:a16="http://schemas.microsoft.com/office/drawing/2014/main" id="{C5AD2929-4F08-4AA1-BEF5-8D97774C8F1A}"/>
+              </a:ext>
+            </a:extLst>
+          </p:cNvPr>
+          <p:cNvCxnSpPr/>
+          <p:nvPr/>
+        </p:nvCxnSpPr>
+        <p:spPr>
+          <a:xfrm>
+            <a:off x="2753674" y="3756991"/>
+            <a:ext cx="1630601" cy="0"/>
+          </a:xfrm>
+          <a:prstGeom prst="straightConnector1">
+            <a:avLst/>
+          </a:prstGeom>
+          <a:ln>
+            <a:headEnd type="oval"/>
+            <a:tailEnd type="triangle"/>
+          </a:ln>
+        </p:spPr>
+        <p:style>
+          <a:lnRef idx="1">
+            <a:schemeClr val="accent1"/>
+          </a:lnRef>
+          <a:fillRef idx="0">
+            <a:schemeClr val="accent1"/>
+          </a:fillRef>
+          <a:effectRef idx="0">
+            <a:schemeClr val="accent1"/>
+          </a:effectRef>
+          <a:fontRef idx="minor">
+            <a:schemeClr val="tx1"/>
+          </a:fontRef>
+        </p:style>
+      </p:cxnSp>
+      <p:cxnSp>
+        <p:nvCxnSpPr>
+          <p:cNvPr id="15" name="Straight Arrow Connector 14">
+            <a:extLst>
+              <a:ext uri="{FF2B5EF4-FFF2-40B4-BE49-F238E27FC236}">
+                <a16:creationId xmlns:a16="http://schemas.microsoft.com/office/drawing/2014/main" id="{900D154B-0244-46A2-AA8D-FDB82F2A16D3}"/>
+              </a:ext>
+            </a:extLst>
+          </p:cNvPr>
+          <p:cNvCxnSpPr>
+            <a:cxnSpLocks/>
+            <a:stCxn id="12" idx="3"/>
+          </p:cNvCxnSpPr>
+          <p:nvPr/>
+        </p:nvCxnSpPr>
+        <p:spPr>
+          <a:xfrm flipV="1">
+            <a:off x="2753675" y="3985297"/>
+            <a:ext cx="1630600" cy="2336"/>
+          </a:xfrm>
+          <a:prstGeom prst="straightConnector1">
+            <a:avLst/>
+          </a:prstGeom>
+          <a:ln>
+            <a:headEnd type="oval"/>
+            <a:tailEnd type="triangle"/>
+          </a:ln>
+        </p:spPr>
+        <p:style>
+          <a:lnRef idx="1">
+            <a:schemeClr val="accent1"/>
+          </a:lnRef>
+          <a:fillRef idx="0">
+            <a:schemeClr val="accent1"/>
+          </a:fillRef>
+          <a:effectRef idx="0">
+            <a:schemeClr val="accent1"/>
+          </a:effectRef>
+          <a:fontRef idx="minor">
+            <a:schemeClr val="tx1"/>
+          </a:fontRef>
+        </p:style>
+      </p:cxnSp>
+      <p:cxnSp>
+        <p:nvCxnSpPr>
+          <p:cNvPr id="16" name="Straight Arrow Connector 15">
+            <a:extLst>
+              <a:ext uri="{FF2B5EF4-FFF2-40B4-BE49-F238E27FC236}">
+                <a16:creationId xmlns:a16="http://schemas.microsoft.com/office/drawing/2014/main" id="{1072A792-7910-455D-AF25-2DEF49F4DAD5}"/>
+              </a:ext>
+            </a:extLst>
+          </p:cNvPr>
+          <p:cNvCxnSpPr>
+            <a:cxnSpLocks/>
+          </p:cNvCxnSpPr>
+          <p:nvPr/>
+        </p:nvCxnSpPr>
+        <p:spPr>
+          <a:xfrm flipH="1" flipV="1">
+            <a:off x="2740786" y="4213604"/>
+            <a:ext cx="1630600" cy="1656"/>
+          </a:xfrm>
+          <a:prstGeom prst="straightConnector1">
+            <a:avLst/>
+          </a:prstGeom>
+          <a:ln>
+            <a:headEnd type="oval"/>
+            <a:tailEnd type="triangle"/>
+          </a:ln>
+        </p:spPr>
+        <p:style>
+          <a:lnRef idx="1">
+            <a:schemeClr val="accent1"/>
+          </a:lnRef>
+          <a:fillRef idx="0">
+            <a:schemeClr val="accent1"/>
+          </a:fillRef>
+          <a:effectRef idx="0">
+            <a:schemeClr val="accent1"/>
+          </a:effectRef>
+          <a:fontRef idx="minor">
+            <a:schemeClr val="tx1"/>
+          </a:fontRef>
+        </p:style>
+      </p:cxnSp>
+      <p:sp>
+        <p:nvSpPr>
+          <p:cNvPr id="17" name="TextBox 16">
+            <a:extLst>
+              <a:ext uri="{FF2B5EF4-FFF2-40B4-BE49-F238E27FC236}">
+                <a16:creationId xmlns:a16="http://schemas.microsoft.com/office/drawing/2014/main" id="{35A85B92-AC29-47C8-8ACF-3C390FA24B85}"/>
+              </a:ext>
+            </a:extLst>
+          </p:cNvPr>
+          <p:cNvSpPr txBox="1"/>
+          <p:nvPr/>
+        </p:nvSpPr>
+        <p:spPr>
+          <a:xfrm>
+            <a:off x="3086151" y="3552653"/>
+            <a:ext cx="839857" cy="369332"/>
+          </a:xfrm>
+          <a:prstGeom prst="rect">
+            <a:avLst/>
+          </a:prstGeom>
+          <a:noFill/>
+          <a:ln>
+            <a:noFill/>
+          </a:ln>
+        </p:spPr>
+        <p:txBody>
+          <a:bodyPr wrap="square" rtlCol="0">
+            <a:spAutoFit/>
+          </a:bodyPr>
+          <a:lstStyle/>
+          <a:p>
+            <a:r>
+              <a:rPr lang="en-US" dirty="0"/>
+              <a:t>Import</a:t>
+            </a:r>
+          </a:p>
+        </p:txBody>
+      </p:sp>
+      <p:sp>
+        <p:nvSpPr>
+          <p:cNvPr id="18" name="TextBox 17">
+            <a:extLst>
+              <a:ext uri="{FF2B5EF4-FFF2-40B4-BE49-F238E27FC236}">
+                <a16:creationId xmlns:a16="http://schemas.microsoft.com/office/drawing/2014/main" id="{2E13F6CA-7E3D-488A-A756-AEDA88092CE3}"/>
+              </a:ext>
+            </a:extLst>
+          </p:cNvPr>
+          <p:cNvSpPr txBox="1"/>
+          <p:nvPr/>
+        </p:nvSpPr>
+        <p:spPr>
+          <a:xfrm>
+            <a:off x="3181635" y="3780958"/>
+            <a:ext cx="648888" cy="369332"/>
+          </a:xfrm>
+          <a:prstGeom prst="rect">
+            <a:avLst/>
+          </a:prstGeom>
+          <a:noFill/>
+        </p:spPr>
+        <p:txBody>
+          <a:bodyPr wrap="square" rtlCol="0">
+            <a:spAutoFit/>
+          </a:bodyPr>
+          <a:lstStyle/>
+          <a:p>
+            <a:r>
+              <a:rPr lang="en-US" dirty="0"/>
+              <a:t>Sync</a:t>
+            </a:r>
+          </a:p>
+        </p:txBody>
+      </p:sp>
+      <p:sp>
+        <p:nvSpPr>
+          <p:cNvPr id="19" name="TextBox 18">
+            <a:extLst>
+              <a:ext uri="{FF2B5EF4-FFF2-40B4-BE49-F238E27FC236}">
+                <a16:creationId xmlns:a16="http://schemas.microsoft.com/office/drawing/2014/main" id="{190B868E-B521-49F5-AA80-B03950D14409}"/>
+              </a:ext>
+            </a:extLst>
+          </p:cNvPr>
+          <p:cNvSpPr txBox="1"/>
+          <p:nvPr/>
+        </p:nvSpPr>
+        <p:spPr>
+          <a:xfrm>
+            <a:off x="3107572" y="4008961"/>
+            <a:ext cx="797013" cy="369332"/>
+          </a:xfrm>
+          <a:prstGeom prst="rect">
+            <a:avLst/>
+          </a:prstGeom>
+          <a:noFill/>
+        </p:spPr>
+        <p:txBody>
+          <a:bodyPr wrap="none" rtlCol="0">
+            <a:spAutoFit/>
+          </a:bodyPr>
+          <a:lstStyle/>
+          <a:p>
+            <a:r>
+              <a:rPr lang="en-US" dirty="0"/>
+              <a:t>Export</a:t>
+            </a:r>
+          </a:p>
+        </p:txBody>
+      </p:sp>
+      <p:cxnSp>
+        <p:nvCxnSpPr>
+          <p:cNvPr id="20" name="Straight Arrow Connector 19">
+            <a:extLst>
+              <a:ext uri="{FF2B5EF4-FFF2-40B4-BE49-F238E27FC236}">
+                <a16:creationId xmlns:a16="http://schemas.microsoft.com/office/drawing/2014/main" id="{A8901A87-15E3-401C-BCF2-AC6606BB253B}"/>
+              </a:ext>
+            </a:extLst>
+          </p:cNvPr>
+          <p:cNvCxnSpPr/>
+          <p:nvPr/>
+        </p:nvCxnSpPr>
+        <p:spPr>
+          <a:xfrm>
+            <a:off x="7801132" y="3755339"/>
+            <a:ext cx="1630601" cy="0"/>
+          </a:xfrm>
+          <a:prstGeom prst="straightConnector1">
+            <a:avLst/>
+          </a:prstGeom>
+          <a:ln>
+            <a:headEnd type="triangle"/>
+            <a:tailEnd type="oval"/>
+          </a:ln>
+        </p:spPr>
+        <p:style>
+          <a:lnRef idx="1">
+            <a:schemeClr val="accent1"/>
+          </a:lnRef>
+          <a:fillRef idx="0">
+            <a:schemeClr val="accent1"/>
+          </a:fillRef>
+          <a:effectRef idx="0">
+            <a:schemeClr val="accent1"/>
+          </a:effectRef>
+          <a:fontRef idx="minor">
+            <a:schemeClr val="tx1"/>
+          </a:fontRef>
+        </p:style>
+      </p:cxnSp>
+      <p:cxnSp>
+        <p:nvCxnSpPr>
+          <p:cNvPr id="21" name="Straight Arrow Connector 20">
+            <a:extLst>
+              <a:ext uri="{FF2B5EF4-FFF2-40B4-BE49-F238E27FC236}">
+                <a16:creationId xmlns:a16="http://schemas.microsoft.com/office/drawing/2014/main" id="{58D60ECF-1468-4EC6-B83E-D742CF097A5B}"/>
+              </a:ext>
+            </a:extLst>
+          </p:cNvPr>
+          <p:cNvCxnSpPr/>
+          <p:nvPr/>
+        </p:nvCxnSpPr>
+        <p:spPr>
+          <a:xfrm flipV="1">
+            <a:off x="7801132" y="3983645"/>
+            <a:ext cx="1630601" cy="2"/>
+          </a:xfrm>
+          <a:prstGeom prst="straightConnector1">
+            <a:avLst/>
+          </a:prstGeom>
+          <a:ln>
+            <a:headEnd type="triangle"/>
+            <a:tailEnd type="oval"/>
+          </a:ln>
+        </p:spPr>
+        <p:style>
+          <a:lnRef idx="1">
+            <a:schemeClr val="accent1"/>
+          </a:lnRef>
+          <a:fillRef idx="0">
+            <a:schemeClr val="accent1"/>
+          </a:fillRef>
+          <a:effectRef idx="0">
+            <a:schemeClr val="accent1"/>
+          </a:effectRef>
+          <a:fontRef idx="minor">
+            <a:schemeClr val="tx1"/>
+          </a:fontRef>
+        </p:style>
+      </p:cxnSp>
+      <p:cxnSp>
+        <p:nvCxnSpPr>
+          <p:cNvPr id="22" name="Straight Arrow Connector 21">
+            <a:extLst>
+              <a:ext uri="{FF2B5EF4-FFF2-40B4-BE49-F238E27FC236}">
+                <a16:creationId xmlns:a16="http://schemas.microsoft.com/office/drawing/2014/main" id="{B1FCE29A-460D-4B91-84C8-F9BEAEDBCCE7}"/>
+              </a:ext>
+            </a:extLst>
+          </p:cNvPr>
+          <p:cNvCxnSpPr>
+            <a:cxnSpLocks/>
+          </p:cNvCxnSpPr>
+          <p:nvPr/>
+        </p:nvCxnSpPr>
+        <p:spPr>
+          <a:xfrm flipH="1" flipV="1">
+            <a:off x="7837944" y="4211952"/>
+            <a:ext cx="1630600" cy="1656"/>
+          </a:xfrm>
+          <a:prstGeom prst="straightConnector1">
+            <a:avLst/>
+          </a:prstGeom>
+          <a:ln>
+            <a:headEnd type="triangle"/>
+            <a:tailEnd type="oval"/>
+          </a:ln>
+        </p:spPr>
+        <p:style>
+          <a:lnRef idx="1">
+            <a:schemeClr val="accent1"/>
+          </a:lnRef>
+          <a:fillRef idx="0">
+            <a:schemeClr val="accent1"/>
+          </a:fillRef>
+          <a:effectRef idx="0">
+            <a:schemeClr val="accent1"/>
+          </a:effectRef>
+          <a:fontRef idx="minor">
+            <a:schemeClr val="tx1"/>
+          </a:fontRef>
+        </p:style>
+      </p:cxnSp>
+      <p:sp>
+        <p:nvSpPr>
+          <p:cNvPr id="23" name="TextBox 22">
+            <a:extLst>
+              <a:ext uri="{FF2B5EF4-FFF2-40B4-BE49-F238E27FC236}">
+                <a16:creationId xmlns:a16="http://schemas.microsoft.com/office/drawing/2014/main" id="{B33C6A95-C60A-46EA-B4EE-F970607C9F47}"/>
+              </a:ext>
+            </a:extLst>
+          </p:cNvPr>
+          <p:cNvSpPr txBox="1"/>
+          <p:nvPr/>
+        </p:nvSpPr>
+        <p:spPr>
+          <a:xfrm>
+            <a:off x="8133609" y="3551001"/>
+            <a:ext cx="839857" cy="369332"/>
+          </a:xfrm>
+          <a:prstGeom prst="rect">
+            <a:avLst/>
+          </a:prstGeom>
+          <a:noFill/>
+          <a:ln>
+            <a:noFill/>
+          </a:ln>
+        </p:spPr>
+        <p:txBody>
+          <a:bodyPr wrap="square" rtlCol="0">
+            <a:spAutoFit/>
+          </a:bodyPr>
+          <a:lstStyle/>
+          <a:p>
+            <a:r>
+              <a:rPr lang="en-US" dirty="0"/>
+              <a:t>Import</a:t>
+            </a:r>
+          </a:p>
+        </p:txBody>
+      </p:sp>
+      <p:sp>
+        <p:nvSpPr>
+          <p:cNvPr id="24" name="TextBox 23">
+            <a:extLst>
+              <a:ext uri="{FF2B5EF4-FFF2-40B4-BE49-F238E27FC236}">
+                <a16:creationId xmlns:a16="http://schemas.microsoft.com/office/drawing/2014/main" id="{A81E538A-4124-4451-9DFE-911CD358ED3E}"/>
+              </a:ext>
+            </a:extLst>
+          </p:cNvPr>
+          <p:cNvSpPr txBox="1"/>
+          <p:nvPr/>
+        </p:nvSpPr>
+        <p:spPr>
+          <a:xfrm>
+            <a:off x="8229093" y="3779306"/>
+            <a:ext cx="648888" cy="369332"/>
+          </a:xfrm>
+          <a:prstGeom prst="rect">
+            <a:avLst/>
+          </a:prstGeom>
+          <a:noFill/>
+        </p:spPr>
+        <p:txBody>
+          <a:bodyPr wrap="square" rtlCol="0">
+            <a:spAutoFit/>
+          </a:bodyPr>
+          <a:lstStyle/>
+          <a:p>
+            <a:r>
+              <a:rPr lang="en-US" dirty="0"/>
+              <a:t>Sync</a:t>
+            </a:r>
+          </a:p>
+        </p:txBody>
+      </p:sp>
+      <p:sp>
+        <p:nvSpPr>
+          <p:cNvPr id="25" name="TextBox 24">
+            <a:extLst>
+              <a:ext uri="{FF2B5EF4-FFF2-40B4-BE49-F238E27FC236}">
+                <a16:creationId xmlns:a16="http://schemas.microsoft.com/office/drawing/2014/main" id="{64060C51-D3D4-4227-9CD8-75DF58E50405}"/>
+              </a:ext>
+            </a:extLst>
+          </p:cNvPr>
+          <p:cNvSpPr txBox="1"/>
+          <p:nvPr/>
+        </p:nvSpPr>
+        <p:spPr>
+          <a:xfrm>
+            <a:off x="8155030" y="4007309"/>
+            <a:ext cx="797013" cy="369332"/>
+          </a:xfrm>
+          <a:prstGeom prst="rect">
+            <a:avLst/>
+          </a:prstGeom>
+          <a:noFill/>
+        </p:spPr>
+        <p:txBody>
+          <a:bodyPr wrap="none" rtlCol="0">
+            <a:spAutoFit/>
+          </a:bodyPr>
+          <a:lstStyle/>
+          <a:p>
+            <a:r>
+              <a:rPr lang="en-US" dirty="0"/>
+              <a:t>Export</a:t>
             </a:r>
           </a:p>
         </p:txBody>
@@ -7311,7 +7937,7 @@
     </p:spTree>
     <p:extLst>
       <p:ext uri="{BB962C8B-B14F-4D97-AF65-F5344CB8AC3E}">
-        <p14:creationId xmlns:p14="http://schemas.microsoft.com/office/powerpoint/2010/main" val="2968422297"/>
+        <p14:creationId xmlns:p14="http://schemas.microsoft.com/office/powerpoint/2010/main" val="1929211434"/>
       </p:ext>
     </p:extLst>
   </p:cSld>
@@ -7340,10 +7966,10 @@
       </p:grpSpPr>
       <p:sp>
         <p:nvSpPr>
-          <p:cNvPr id="4" name="Title 3">
+          <p:cNvPr id="2" name="Title 1">
             <a:extLst>
               <a:ext uri="{FF2B5EF4-FFF2-40B4-BE49-F238E27FC236}">
-                <a16:creationId xmlns:a16="http://schemas.microsoft.com/office/drawing/2014/main" id="{8B8B80E8-709A-4125-8E38-4F6737A725FC}"/>
+                <a16:creationId xmlns:a16="http://schemas.microsoft.com/office/drawing/2014/main" id="{E6E9010F-678C-4869-98B6-88CADB84F315}"/>
               </a:ext>
             </a:extLst>
           </p:cNvPr>
@@ -7361,17 +7987,17 @@
           <a:p>
             <a:r>
               <a:rPr lang="en-US" dirty="0"/>
-              <a:t>The Code</a:t>
-            </a:r>
-          </a:p>
-        </p:txBody>
-      </p:sp>
-      <p:sp>
-        <p:nvSpPr>
-          <p:cNvPr id="5" name="Text Placeholder 4">
+              <a:t>Normal Synchronization</a:t>
+            </a:r>
+          </a:p>
+        </p:txBody>
+      </p:sp>
+      <p:sp>
+        <p:nvSpPr>
+          <p:cNvPr id="3" name="Content Placeholder 2">
             <a:extLst>
               <a:ext uri="{FF2B5EF4-FFF2-40B4-BE49-F238E27FC236}">
-                <a16:creationId xmlns:a16="http://schemas.microsoft.com/office/drawing/2014/main" id="{CC48B849-432B-4185-9AB3-76E90FC77DF8}"/>
+                <a16:creationId xmlns:a16="http://schemas.microsoft.com/office/drawing/2014/main" id="{8E4B568B-C4B1-4A6C-B504-19F9B8343C7C}"/>
               </a:ext>
             </a:extLst>
           </p:cNvPr>
@@ -7379,7 +8005,7 @@
             <a:spLocks noGrp="1"/>
           </p:cNvSpPr>
           <p:nvPr>
-            <p:ph type="body" idx="1"/>
+            <p:ph idx="1"/>
           </p:nvPr>
         </p:nvSpPr>
         <p:spPr/>
@@ -7389,7 +8015,48 @@
           <a:p>
             <a:r>
               <a:rPr lang="en-US" dirty="0"/>
-              <a:t>Walkthrough</a:t>
+              <a:t>Directly copy attribute value from source to target (e.g. </a:t>
+            </a:r>
+            <a:r>
+              <a:rPr lang="en-US" dirty="0" err="1"/>
+              <a:t>displayName</a:t>
+            </a:r>
+            <a:r>
+              <a:rPr lang="en-US" dirty="0"/>
+              <a:t>)</a:t>
+            </a:r>
+          </a:p>
+          <a:p>
+            <a:r>
+              <a:rPr lang="en-US" dirty="0"/>
+              <a:t>Manipulate attribute value from source and set in target (e.g. </a:t>
+            </a:r>
+            <a:r>
+              <a:rPr lang="en-US" dirty="0" err="1"/>
+              <a:t>msExchRecipientTypeDetails</a:t>
+            </a:r>
+            <a:r>
+              <a:rPr lang="en-US" dirty="0"/>
+              <a:t>)</a:t>
+            </a:r>
+          </a:p>
+          <a:p>
+            <a:pPr lvl="1"/>
+            <a:r>
+              <a:rPr lang="en-US" dirty="0"/>
+              <a:t>Think Excel macros (I will show an example when we get to the code)</a:t>
+            </a:r>
+          </a:p>
+          <a:p>
+            <a:r>
+              <a:rPr lang="en-US" dirty="0"/>
+              <a:t>Anything else requires an extension and custom code…</a:t>
+            </a:r>
+          </a:p>
+          <a:p>
+            <a:r>
+              <a:rPr lang="en-US" dirty="0"/>
+              <a:t>Like the PowerShell Connector!</a:t>
             </a:r>
           </a:p>
         </p:txBody>
@@ -7397,7 +8064,7 @@
     </p:spTree>
     <p:extLst>
       <p:ext uri="{BB962C8B-B14F-4D97-AF65-F5344CB8AC3E}">
-        <p14:creationId xmlns:p14="http://schemas.microsoft.com/office/powerpoint/2010/main" val="2822962964"/>
+        <p14:creationId xmlns:p14="http://schemas.microsoft.com/office/powerpoint/2010/main" val="3634884516"/>
       </p:ext>
     </p:extLst>
   </p:cSld>
@@ -7880,18 +8547,18 @@
 </file>
 
 <file path=customXml/item2.xml><?xml version="1.0" encoding="utf-8"?>
+<p:properties xmlns:p="http://schemas.microsoft.com/office/2006/metadata/properties" xmlns:xsi="http://www.w3.org/2001/XMLSchema-instance" xmlns:pc="http://schemas.microsoft.com/office/infopath/2007/PartnerControls">
+  <documentManagement/>
+</p:properties>
+</file>
+
+<file path=customXml/item3.xml><?xml version="1.0" encoding="utf-8"?>
 <?mso-contentType ?>
 <FormTemplates xmlns="http://schemas.microsoft.com/sharepoint/v3/contenttype/forms">
   <Display>DocumentLibraryForm</Display>
   <Edit>DocumentLibraryForm</Edit>
   <New>DocumentLibraryForm</New>
 </FormTemplates>
-</file>
-
-<file path=customXml/item3.xml><?xml version="1.0" encoding="utf-8"?>
-<p:properties xmlns:p="http://schemas.microsoft.com/office/2006/metadata/properties" xmlns:xsi="http://www.w3.org/2001/XMLSchema-instance" xmlns:pc="http://schemas.microsoft.com/office/infopath/2007/PartnerControls">
-  <documentManagement/>
-</p:properties>
 </file>
 
 <file path=customXml/itemProps1.xml><?xml version="1.0" encoding="utf-8"?>
@@ -7914,26 +8581,26 @@
 </file>
 
 <file path=customXml/itemProps2.xml><?xml version="1.0" encoding="utf-8"?>
+<ds:datastoreItem xmlns:ds="http://schemas.openxmlformats.org/officeDocument/2006/customXml" ds:itemID="{35323D2D-7811-4E18-B6D6-2252EBC97CC7}">
+  <ds:schemaRefs>
+    <ds:schemaRef ds:uri="http://purl.org/dc/elements/1.1/"/>
+    <ds:schemaRef ds:uri="http://schemas.microsoft.com/office/2006/metadata/properties"/>
+    <ds:schemaRef ds:uri="http://schemas.microsoft.com/office/2006/documentManagement/types"/>
+    <ds:schemaRef ds:uri="http://purl.org/dc/terms/"/>
+    <ds:schemaRef ds:uri="http://schemas.openxmlformats.org/package/2006/metadata/core-properties"/>
+    <ds:schemaRef ds:uri="e151e835-541a-42d2-a0a6-5efc74f2a703"/>
+    <ds:schemaRef ds:uri="http://purl.org/dc/dcmitype/"/>
+    <ds:schemaRef ds:uri="http://schemas.microsoft.com/office/infopath/2007/PartnerControls"/>
+    <ds:schemaRef ds:uri="c9de5a8b-32f4-42ac-a4c5-86635e47825b"/>
+    <ds:schemaRef ds:uri="http://www.w3.org/XML/1998/namespace"/>
+  </ds:schemaRefs>
+</ds:datastoreItem>
+</file>
+
+<file path=customXml/itemProps3.xml><?xml version="1.0" encoding="utf-8"?>
 <ds:datastoreItem xmlns:ds="http://schemas.openxmlformats.org/officeDocument/2006/customXml" ds:itemID="{2BB88892-A823-44E8-B6B7-C4E4A5B01E3C}">
   <ds:schemaRefs>
     <ds:schemaRef ds:uri="http://schemas.microsoft.com/sharepoint/v3/contenttype/forms"/>
   </ds:schemaRefs>
 </ds:datastoreItem>
-</file>
-
-<file path=customXml/itemProps3.xml><?xml version="1.0" encoding="utf-8"?>
-<ds:datastoreItem xmlns:ds="http://schemas.openxmlformats.org/officeDocument/2006/customXml" ds:itemID="{35323D2D-7811-4E18-B6D6-2252EBC97CC7}">
-  <ds:schemaRefs>
-    <ds:schemaRef ds:uri="http://purl.org/dc/elements/1.1/"/>
-    <ds:schemaRef ds:uri="http://schemas.microsoft.com/office/2006/metadata/properties"/>
-    <ds:schemaRef ds:uri="c9de5a8b-32f4-42ac-a4c5-86635e47825b"/>
-    <ds:schemaRef ds:uri="http://purl.org/dc/terms/"/>
-    <ds:schemaRef ds:uri="http://schemas.openxmlformats.org/package/2006/metadata/core-properties"/>
-    <ds:schemaRef ds:uri="e151e835-541a-42d2-a0a6-5efc74f2a703"/>
-    <ds:schemaRef ds:uri="http://schemas.microsoft.com/office/2006/documentManagement/types"/>
-    <ds:schemaRef ds:uri="http://schemas.microsoft.com/office/infopath/2007/PartnerControls"/>
-    <ds:schemaRef ds:uri="http://www.w3.org/XML/1998/namespace"/>
-    <ds:schemaRef ds:uri="http://purl.org/dc/dcmitype/"/>
-  </ds:schemaRefs>
-</ds:datastoreItem>
 </file>